--- a/История развития социально-психологической адаптации и коммуникации..pptx
+++ b/История развития социально-психологической адаптации и коммуникации..pptx
@@ -9,14 +9,17 @@
     <p:sldId id="263" r:id="rId3"/>
     <p:sldId id="264" r:id="rId4"/>
     <p:sldId id="265" r:id="rId5"/>
-    <p:sldId id="266" r:id="rId6"/>
-    <p:sldId id="261" r:id="rId7"/>
-    <p:sldId id="267" r:id="rId8"/>
-    <p:sldId id="259" r:id="rId9"/>
-    <p:sldId id="260" r:id="rId10"/>
-    <p:sldId id="262" r:id="rId11"/>
-    <p:sldId id="269" r:id="rId12"/>
-    <p:sldId id="268" r:id="rId13"/>
+    <p:sldId id="272" r:id="rId6"/>
+    <p:sldId id="266" r:id="rId7"/>
+    <p:sldId id="273" r:id="rId8"/>
+    <p:sldId id="261" r:id="rId9"/>
+    <p:sldId id="267" r:id="rId10"/>
+    <p:sldId id="259" r:id="rId11"/>
+    <p:sldId id="260" r:id="rId12"/>
+    <p:sldId id="271" r:id="rId13"/>
+    <p:sldId id="262" r:id="rId14"/>
+    <p:sldId id="269" r:id="rId15"/>
+    <p:sldId id="268" r:id="rId16"/>
   </p:sldIdLst>
   <p:sldSz cx="12192000" cy="6858000"/>
   <p:notesSz cx="6858000" cy="9144000"/>
@@ -115,7 +118,7381 @@
       </a:defRPr>
     </a:lvl9pPr>
   </p:defaultTextStyle>
+  <p:extLst>
+    <p:ext uri="{EFAFB233-063F-42B5-8137-9DF3F51BA10A}">
+      <p15:sldGuideLst xmlns:p15="http://schemas.microsoft.com/office/powerpoint/2012/main"/>
+    </p:ext>
+  </p:extLst>
 </p:presentation>
+</file>
+
+<file path=ppt/diagrams/colors1.xml><?xml version="1.0" encoding="utf-8"?>
+<dgm:colorsDef xmlns:dgm="http://schemas.openxmlformats.org/drawingml/2006/diagram" xmlns:a="http://schemas.openxmlformats.org/drawingml/2006/main" uniqueId="urn:microsoft.com/office/officeart/2005/8/colors/accent1_2">
+  <dgm:title val=""/>
+  <dgm:desc val=""/>
+  <dgm:catLst>
+    <dgm:cat type="accent1" pri="11200"/>
+  </dgm:catLst>
+  <dgm:styleLbl name="node0">
+    <dgm:fillClrLst meth="repeat">
+      <a:schemeClr val="accent1"/>
+    </dgm:fillClrLst>
+    <dgm:linClrLst meth="repeat">
+      <a:schemeClr val="lt1"/>
+    </dgm:linClrLst>
+    <dgm:effectClrLst/>
+    <dgm:txLinClrLst/>
+    <dgm:txFillClrLst/>
+    <dgm:txEffectClrLst/>
+  </dgm:styleLbl>
+  <dgm:styleLbl name="alignNode1">
+    <dgm:fillClrLst meth="repeat">
+      <a:schemeClr val="accent1"/>
+    </dgm:fillClrLst>
+    <dgm:linClrLst meth="repeat">
+      <a:schemeClr val="accent1"/>
+    </dgm:linClrLst>
+    <dgm:effectClrLst/>
+    <dgm:txLinClrLst/>
+    <dgm:txFillClrLst/>
+    <dgm:txEffectClrLst/>
+  </dgm:styleLbl>
+  <dgm:styleLbl name="node1">
+    <dgm:fillClrLst meth="repeat">
+      <a:schemeClr val="accent1"/>
+    </dgm:fillClrLst>
+    <dgm:linClrLst meth="repeat">
+      <a:schemeClr val="lt1"/>
+    </dgm:linClrLst>
+    <dgm:effectClrLst/>
+    <dgm:txLinClrLst/>
+    <dgm:txFillClrLst/>
+    <dgm:txEffectClrLst/>
+  </dgm:styleLbl>
+  <dgm:styleLbl name="lnNode1">
+    <dgm:fillClrLst meth="repeat">
+      <a:schemeClr val="accent1"/>
+    </dgm:fillClrLst>
+    <dgm:linClrLst meth="repeat">
+      <a:schemeClr val="lt1"/>
+    </dgm:linClrLst>
+    <dgm:effectClrLst/>
+    <dgm:txLinClrLst/>
+    <dgm:txFillClrLst/>
+    <dgm:txEffectClrLst/>
+  </dgm:styleLbl>
+  <dgm:styleLbl name="vennNode1">
+    <dgm:fillClrLst meth="repeat">
+      <a:schemeClr val="accent1">
+        <a:alpha val="50000"/>
+      </a:schemeClr>
+    </dgm:fillClrLst>
+    <dgm:linClrLst meth="repeat">
+      <a:schemeClr val="lt1"/>
+    </dgm:linClrLst>
+    <dgm:effectClrLst/>
+    <dgm:txLinClrLst/>
+    <dgm:txFillClrLst/>
+    <dgm:txEffectClrLst/>
+  </dgm:styleLbl>
+  <dgm:styleLbl name="node2">
+    <dgm:fillClrLst meth="repeat">
+      <a:schemeClr val="accent1"/>
+    </dgm:fillClrLst>
+    <dgm:linClrLst meth="repeat">
+      <a:schemeClr val="lt1"/>
+    </dgm:linClrLst>
+    <dgm:effectClrLst/>
+    <dgm:txLinClrLst/>
+    <dgm:txFillClrLst/>
+    <dgm:txEffectClrLst/>
+  </dgm:styleLbl>
+  <dgm:styleLbl name="node3">
+    <dgm:fillClrLst meth="repeat">
+      <a:schemeClr val="accent1"/>
+    </dgm:fillClrLst>
+    <dgm:linClrLst meth="repeat">
+      <a:schemeClr val="lt1"/>
+    </dgm:linClrLst>
+    <dgm:effectClrLst/>
+    <dgm:txLinClrLst/>
+    <dgm:txFillClrLst/>
+    <dgm:txEffectClrLst/>
+  </dgm:styleLbl>
+  <dgm:styleLbl name="node4">
+    <dgm:fillClrLst meth="repeat">
+      <a:schemeClr val="accent1"/>
+    </dgm:fillClrLst>
+    <dgm:linClrLst meth="repeat">
+      <a:schemeClr val="lt1"/>
+    </dgm:linClrLst>
+    <dgm:effectClrLst/>
+    <dgm:txLinClrLst/>
+    <dgm:txFillClrLst/>
+    <dgm:txEffectClrLst/>
+  </dgm:styleLbl>
+  <dgm:styleLbl name="fgImgPlace1">
+    <dgm:fillClrLst meth="repeat">
+      <a:schemeClr val="accent1">
+        <a:tint val="50000"/>
+      </a:schemeClr>
+    </dgm:fillClrLst>
+    <dgm:linClrLst meth="repeat">
+      <a:schemeClr val="lt1"/>
+    </dgm:linClrLst>
+    <dgm:effectClrLst/>
+    <dgm:txLinClrLst/>
+    <dgm:txFillClrLst meth="repeat">
+      <a:schemeClr val="lt1"/>
+    </dgm:txFillClrLst>
+    <dgm:txEffectClrLst/>
+  </dgm:styleLbl>
+  <dgm:styleLbl name="alignImgPlace1">
+    <dgm:fillClrLst meth="repeat">
+      <a:schemeClr val="accent1">
+        <a:tint val="50000"/>
+      </a:schemeClr>
+    </dgm:fillClrLst>
+    <dgm:linClrLst meth="repeat">
+      <a:schemeClr val="lt1"/>
+    </dgm:linClrLst>
+    <dgm:effectClrLst/>
+    <dgm:txLinClrLst/>
+    <dgm:txFillClrLst meth="repeat">
+      <a:schemeClr val="lt1"/>
+    </dgm:txFillClrLst>
+    <dgm:txEffectClrLst/>
+  </dgm:styleLbl>
+  <dgm:styleLbl name="bgImgPlace1">
+    <dgm:fillClrLst meth="repeat">
+      <a:schemeClr val="accent1">
+        <a:tint val="50000"/>
+      </a:schemeClr>
+    </dgm:fillClrLst>
+    <dgm:linClrLst meth="repeat">
+      <a:schemeClr val="lt1"/>
+    </dgm:linClrLst>
+    <dgm:effectClrLst/>
+    <dgm:txLinClrLst/>
+    <dgm:txFillClrLst meth="repeat">
+      <a:schemeClr val="lt1"/>
+    </dgm:txFillClrLst>
+    <dgm:txEffectClrLst/>
+  </dgm:styleLbl>
+  <dgm:styleLbl name="sibTrans2D1">
+    <dgm:fillClrLst meth="repeat">
+      <a:schemeClr val="accent1">
+        <a:tint val="60000"/>
+      </a:schemeClr>
+    </dgm:fillClrLst>
+    <dgm:linClrLst meth="repeat">
+      <a:schemeClr val="accent1">
+        <a:tint val="60000"/>
+      </a:schemeClr>
+    </dgm:linClrLst>
+    <dgm:effectClrLst/>
+    <dgm:txLinClrLst/>
+    <dgm:txFillClrLst/>
+    <dgm:txEffectClrLst/>
+  </dgm:styleLbl>
+  <dgm:styleLbl name="fgSibTrans2D1">
+    <dgm:fillClrLst meth="repeat">
+      <a:schemeClr val="accent1">
+        <a:tint val="60000"/>
+      </a:schemeClr>
+    </dgm:fillClrLst>
+    <dgm:linClrLst meth="repeat">
+      <a:schemeClr val="accent1">
+        <a:tint val="60000"/>
+      </a:schemeClr>
+    </dgm:linClrLst>
+    <dgm:effectClrLst/>
+    <dgm:txLinClrLst/>
+    <dgm:txFillClrLst/>
+    <dgm:txEffectClrLst/>
+  </dgm:styleLbl>
+  <dgm:styleLbl name="bgSibTrans2D1">
+    <dgm:fillClrLst meth="repeat">
+      <a:schemeClr val="accent1">
+        <a:tint val="60000"/>
+      </a:schemeClr>
+    </dgm:fillClrLst>
+    <dgm:linClrLst meth="repeat">
+      <a:schemeClr val="accent1">
+        <a:tint val="60000"/>
+      </a:schemeClr>
+    </dgm:linClrLst>
+    <dgm:effectClrLst/>
+    <dgm:txLinClrLst/>
+    <dgm:txFillClrLst/>
+    <dgm:txEffectClrLst/>
+  </dgm:styleLbl>
+  <dgm:styleLbl name="sibTrans1D1">
+    <dgm:fillClrLst meth="repeat">
+      <a:schemeClr val="accent1"/>
+    </dgm:fillClrLst>
+    <dgm:linClrLst meth="repeat">
+      <a:schemeClr val="accent1"/>
+    </dgm:linClrLst>
+    <dgm:effectClrLst/>
+    <dgm:txLinClrLst/>
+    <dgm:txFillClrLst meth="repeat">
+      <a:schemeClr val="tx1"/>
+    </dgm:txFillClrLst>
+    <dgm:txEffectClrLst/>
+  </dgm:styleLbl>
+  <dgm:styleLbl name="callout">
+    <dgm:fillClrLst meth="repeat">
+      <a:schemeClr val="accent1"/>
+    </dgm:fillClrLst>
+    <dgm:linClrLst meth="repeat">
+      <a:schemeClr val="accent1">
+        <a:tint val="50000"/>
+      </a:schemeClr>
+    </dgm:linClrLst>
+    <dgm:effectClrLst/>
+    <dgm:txLinClrLst/>
+    <dgm:txFillClrLst meth="repeat">
+      <a:schemeClr val="tx1"/>
+    </dgm:txFillClrLst>
+    <dgm:txEffectClrLst/>
+  </dgm:styleLbl>
+  <dgm:styleLbl name="asst0">
+    <dgm:fillClrLst meth="repeat">
+      <a:schemeClr val="accent1"/>
+    </dgm:fillClrLst>
+    <dgm:linClrLst meth="repeat">
+      <a:schemeClr val="lt1"/>
+    </dgm:linClrLst>
+    <dgm:effectClrLst/>
+    <dgm:txLinClrLst/>
+    <dgm:txFillClrLst/>
+    <dgm:txEffectClrLst/>
+  </dgm:styleLbl>
+  <dgm:styleLbl name="asst1">
+    <dgm:fillClrLst meth="repeat">
+      <a:schemeClr val="accent1"/>
+    </dgm:fillClrLst>
+    <dgm:linClrLst meth="repeat">
+      <a:schemeClr val="lt1"/>
+    </dgm:linClrLst>
+    <dgm:effectClrLst/>
+    <dgm:txLinClrLst/>
+    <dgm:txFillClrLst/>
+    <dgm:txEffectClrLst/>
+  </dgm:styleLbl>
+  <dgm:styleLbl name="asst2">
+    <dgm:fillClrLst meth="repeat">
+      <a:schemeClr val="accent1"/>
+    </dgm:fillClrLst>
+    <dgm:linClrLst meth="repeat">
+      <a:schemeClr val="lt1"/>
+    </dgm:linClrLst>
+    <dgm:effectClrLst/>
+    <dgm:txLinClrLst/>
+    <dgm:txFillClrLst/>
+    <dgm:txEffectClrLst/>
+  </dgm:styleLbl>
+  <dgm:styleLbl name="asst3">
+    <dgm:fillClrLst meth="repeat">
+      <a:schemeClr val="accent1"/>
+    </dgm:fillClrLst>
+    <dgm:linClrLst meth="repeat">
+      <a:schemeClr val="lt1"/>
+    </dgm:linClrLst>
+    <dgm:effectClrLst/>
+    <dgm:txLinClrLst/>
+    <dgm:txFillClrLst/>
+    <dgm:txEffectClrLst/>
+  </dgm:styleLbl>
+  <dgm:styleLbl name="asst4">
+    <dgm:fillClrLst meth="repeat">
+      <a:schemeClr val="accent1"/>
+    </dgm:fillClrLst>
+    <dgm:linClrLst meth="repeat">
+      <a:schemeClr val="lt1"/>
+    </dgm:linClrLst>
+    <dgm:effectClrLst/>
+    <dgm:txLinClrLst/>
+    <dgm:txFillClrLst/>
+    <dgm:txEffectClrLst/>
+  </dgm:styleLbl>
+  <dgm:styleLbl name="parChTrans2D1">
+    <dgm:fillClrLst meth="repeat">
+      <a:schemeClr val="accent1">
+        <a:tint val="60000"/>
+      </a:schemeClr>
+    </dgm:fillClrLst>
+    <dgm:linClrLst meth="repeat">
+      <a:schemeClr val="accent1">
+        <a:tint val="60000"/>
+      </a:schemeClr>
+    </dgm:linClrLst>
+    <dgm:effectClrLst/>
+    <dgm:txLinClrLst/>
+    <dgm:txFillClrLst meth="repeat">
+      <a:schemeClr val="lt1"/>
+    </dgm:txFillClrLst>
+    <dgm:txEffectClrLst/>
+  </dgm:styleLbl>
+  <dgm:styleLbl name="parChTrans2D2">
+    <dgm:fillClrLst meth="repeat">
+      <a:schemeClr val="accent1"/>
+    </dgm:fillClrLst>
+    <dgm:linClrLst meth="repeat">
+      <a:schemeClr val="accent1"/>
+    </dgm:linClrLst>
+    <dgm:effectClrLst/>
+    <dgm:txLinClrLst/>
+    <dgm:txFillClrLst meth="repeat">
+      <a:schemeClr val="lt1"/>
+    </dgm:txFillClrLst>
+    <dgm:txEffectClrLst/>
+  </dgm:styleLbl>
+  <dgm:styleLbl name="parChTrans2D3">
+    <dgm:fillClrLst meth="repeat">
+      <a:schemeClr val="accent1"/>
+    </dgm:fillClrLst>
+    <dgm:linClrLst meth="repeat">
+      <a:schemeClr val="accent1"/>
+    </dgm:linClrLst>
+    <dgm:effectClrLst/>
+    <dgm:txLinClrLst/>
+    <dgm:txFillClrLst meth="repeat">
+      <a:schemeClr val="lt1"/>
+    </dgm:txFillClrLst>
+    <dgm:txEffectClrLst/>
+  </dgm:styleLbl>
+  <dgm:styleLbl name="parChTrans2D4">
+    <dgm:fillClrLst meth="repeat">
+      <a:schemeClr val="accent1"/>
+    </dgm:fillClrLst>
+    <dgm:linClrLst meth="repeat">
+      <a:schemeClr val="accent1"/>
+    </dgm:linClrLst>
+    <dgm:effectClrLst/>
+    <dgm:txLinClrLst/>
+    <dgm:txFillClrLst meth="repeat">
+      <a:schemeClr val="lt1"/>
+    </dgm:txFillClrLst>
+    <dgm:txEffectClrLst/>
+  </dgm:styleLbl>
+  <dgm:styleLbl name="parChTrans1D1">
+    <dgm:fillClrLst meth="repeat">
+      <a:schemeClr val="accent1"/>
+    </dgm:fillClrLst>
+    <dgm:linClrLst meth="repeat">
+      <a:schemeClr val="accent1">
+        <a:shade val="60000"/>
+      </a:schemeClr>
+    </dgm:linClrLst>
+    <dgm:effectClrLst/>
+    <dgm:txLinClrLst/>
+    <dgm:txFillClrLst meth="repeat">
+      <a:schemeClr val="tx1"/>
+    </dgm:txFillClrLst>
+    <dgm:txEffectClrLst/>
+  </dgm:styleLbl>
+  <dgm:styleLbl name="parChTrans1D2">
+    <dgm:fillClrLst meth="repeat">
+      <a:schemeClr val="accent1"/>
+    </dgm:fillClrLst>
+    <dgm:linClrLst meth="repeat">
+      <a:schemeClr val="accent1">
+        <a:shade val="60000"/>
+      </a:schemeClr>
+    </dgm:linClrLst>
+    <dgm:effectClrLst/>
+    <dgm:txLinClrLst/>
+    <dgm:txFillClrLst meth="repeat">
+      <a:schemeClr val="tx1"/>
+    </dgm:txFillClrLst>
+    <dgm:txEffectClrLst/>
+  </dgm:styleLbl>
+  <dgm:styleLbl name="parChTrans1D3">
+    <dgm:fillClrLst meth="repeat">
+      <a:schemeClr val="accent1"/>
+    </dgm:fillClrLst>
+    <dgm:linClrLst meth="repeat">
+      <a:schemeClr val="accent1">
+        <a:shade val="80000"/>
+      </a:schemeClr>
+    </dgm:linClrLst>
+    <dgm:effectClrLst/>
+    <dgm:txLinClrLst/>
+    <dgm:txFillClrLst meth="repeat">
+      <a:schemeClr val="tx1"/>
+    </dgm:txFillClrLst>
+    <dgm:txEffectClrLst/>
+  </dgm:styleLbl>
+  <dgm:styleLbl name="parChTrans1D4">
+    <dgm:fillClrLst meth="repeat">
+      <a:schemeClr val="accent1"/>
+    </dgm:fillClrLst>
+    <dgm:linClrLst meth="repeat">
+      <a:schemeClr val="accent1">
+        <a:shade val="80000"/>
+      </a:schemeClr>
+    </dgm:linClrLst>
+    <dgm:effectClrLst/>
+    <dgm:txLinClrLst/>
+    <dgm:txFillClrLst meth="repeat">
+      <a:schemeClr val="tx1"/>
+    </dgm:txFillClrLst>
+    <dgm:txEffectClrLst/>
+  </dgm:styleLbl>
+  <dgm:styleLbl name="fgAcc1">
+    <dgm:fillClrLst meth="repeat">
+      <a:schemeClr val="lt1">
+        <a:alpha val="90000"/>
+      </a:schemeClr>
+    </dgm:fillClrLst>
+    <dgm:linClrLst meth="repeat">
+      <a:schemeClr val="accent1"/>
+    </dgm:linClrLst>
+    <dgm:effectClrLst/>
+    <dgm:txLinClrLst/>
+    <dgm:txFillClrLst meth="repeat">
+      <a:schemeClr val="dk1"/>
+    </dgm:txFillClrLst>
+    <dgm:txEffectClrLst/>
+  </dgm:styleLbl>
+  <dgm:styleLbl name="conFgAcc1">
+    <dgm:fillClrLst meth="repeat">
+      <a:schemeClr val="lt1">
+        <a:alpha val="90000"/>
+      </a:schemeClr>
+    </dgm:fillClrLst>
+    <dgm:linClrLst meth="repeat">
+      <a:schemeClr val="accent1"/>
+    </dgm:linClrLst>
+    <dgm:effectClrLst/>
+    <dgm:txLinClrLst/>
+    <dgm:txFillClrLst meth="repeat">
+      <a:schemeClr val="dk1"/>
+    </dgm:txFillClrLst>
+    <dgm:txEffectClrLst/>
+  </dgm:styleLbl>
+  <dgm:styleLbl name="alignAcc1">
+    <dgm:fillClrLst meth="repeat">
+      <a:schemeClr val="lt1">
+        <a:alpha val="90000"/>
+      </a:schemeClr>
+    </dgm:fillClrLst>
+    <dgm:linClrLst meth="repeat">
+      <a:schemeClr val="accent1"/>
+    </dgm:linClrLst>
+    <dgm:effectClrLst/>
+    <dgm:txLinClrLst/>
+    <dgm:txFillClrLst meth="repeat">
+      <a:schemeClr val="dk1"/>
+    </dgm:txFillClrLst>
+    <dgm:txEffectClrLst/>
+  </dgm:styleLbl>
+  <dgm:styleLbl name="trAlignAcc1">
+    <dgm:fillClrLst meth="repeat">
+      <a:schemeClr val="lt1">
+        <a:alpha val="40000"/>
+      </a:schemeClr>
+    </dgm:fillClrLst>
+    <dgm:linClrLst meth="repeat">
+      <a:schemeClr val="accent1"/>
+    </dgm:linClrLst>
+    <dgm:effectClrLst/>
+    <dgm:txLinClrLst/>
+    <dgm:txFillClrLst meth="repeat">
+      <a:schemeClr val="dk1"/>
+    </dgm:txFillClrLst>
+    <dgm:txEffectClrLst/>
+  </dgm:styleLbl>
+  <dgm:styleLbl name="bgAcc1">
+    <dgm:fillClrLst meth="repeat">
+      <a:schemeClr val="lt1">
+        <a:alpha val="90000"/>
+      </a:schemeClr>
+    </dgm:fillClrLst>
+    <dgm:linClrLst meth="repeat">
+      <a:schemeClr val="accent1"/>
+    </dgm:linClrLst>
+    <dgm:effectClrLst/>
+    <dgm:txLinClrLst/>
+    <dgm:txFillClrLst meth="repeat">
+      <a:schemeClr val="dk1"/>
+    </dgm:txFillClrLst>
+    <dgm:txEffectClrLst/>
+  </dgm:styleLbl>
+  <dgm:styleLbl name="solidFgAcc1">
+    <dgm:fillClrLst meth="repeat">
+      <a:schemeClr val="lt1"/>
+    </dgm:fillClrLst>
+    <dgm:linClrLst meth="repeat">
+      <a:schemeClr val="accent1"/>
+    </dgm:linClrLst>
+    <dgm:effectClrLst/>
+    <dgm:txLinClrLst/>
+    <dgm:txFillClrLst meth="repeat">
+      <a:schemeClr val="dk1"/>
+    </dgm:txFillClrLst>
+    <dgm:txEffectClrLst/>
+  </dgm:styleLbl>
+  <dgm:styleLbl name="solidAlignAcc1">
+    <dgm:fillClrLst meth="repeat">
+      <a:schemeClr val="lt1"/>
+    </dgm:fillClrLst>
+    <dgm:linClrLst meth="repeat">
+      <a:schemeClr val="accent1"/>
+    </dgm:linClrLst>
+    <dgm:effectClrLst/>
+    <dgm:txLinClrLst/>
+    <dgm:txFillClrLst meth="repeat">
+      <a:schemeClr val="dk1"/>
+    </dgm:txFillClrLst>
+    <dgm:txEffectClrLst/>
+  </dgm:styleLbl>
+  <dgm:styleLbl name="solidBgAcc1">
+    <dgm:fillClrLst meth="repeat">
+      <a:schemeClr val="lt1"/>
+    </dgm:fillClrLst>
+    <dgm:linClrLst meth="repeat">
+      <a:schemeClr val="accent1"/>
+    </dgm:linClrLst>
+    <dgm:effectClrLst/>
+    <dgm:txLinClrLst/>
+    <dgm:txFillClrLst meth="repeat">
+      <a:schemeClr val="dk1"/>
+    </dgm:txFillClrLst>
+    <dgm:txEffectClrLst/>
+  </dgm:styleLbl>
+  <dgm:styleLbl name="fgAccFollowNode1">
+    <dgm:fillClrLst meth="repeat">
+      <a:schemeClr val="accent1">
+        <a:alpha val="90000"/>
+        <a:tint val="40000"/>
+      </a:schemeClr>
+    </dgm:fillClrLst>
+    <dgm:linClrLst meth="repeat">
+      <a:schemeClr val="accent1">
+        <a:alpha val="90000"/>
+        <a:tint val="40000"/>
+      </a:schemeClr>
+    </dgm:linClrLst>
+    <dgm:effectClrLst/>
+    <dgm:txLinClrLst/>
+    <dgm:txFillClrLst meth="repeat">
+      <a:schemeClr val="dk1"/>
+    </dgm:txFillClrLst>
+    <dgm:txEffectClrLst/>
+  </dgm:styleLbl>
+  <dgm:styleLbl name="alignAccFollowNode1">
+    <dgm:fillClrLst meth="repeat">
+      <a:schemeClr val="accent1">
+        <a:alpha val="90000"/>
+        <a:tint val="40000"/>
+      </a:schemeClr>
+    </dgm:fillClrLst>
+    <dgm:linClrLst meth="repeat">
+      <a:schemeClr val="accent1">
+        <a:alpha val="90000"/>
+        <a:tint val="40000"/>
+      </a:schemeClr>
+    </dgm:linClrLst>
+    <dgm:effectClrLst/>
+    <dgm:txLinClrLst/>
+    <dgm:txFillClrLst meth="repeat">
+      <a:schemeClr val="dk1"/>
+    </dgm:txFillClrLst>
+    <dgm:txEffectClrLst/>
+  </dgm:styleLbl>
+  <dgm:styleLbl name="bgAccFollowNode1">
+    <dgm:fillClrLst meth="repeat">
+      <a:schemeClr val="accent1">
+        <a:alpha val="90000"/>
+        <a:tint val="40000"/>
+      </a:schemeClr>
+    </dgm:fillClrLst>
+    <dgm:linClrLst meth="repeat">
+      <a:schemeClr val="accent1">
+        <a:alpha val="90000"/>
+        <a:tint val="40000"/>
+      </a:schemeClr>
+    </dgm:linClrLst>
+    <dgm:effectClrLst/>
+    <dgm:txLinClrLst/>
+    <dgm:txFillClrLst meth="repeat">
+      <a:schemeClr val="dk1"/>
+    </dgm:txFillClrLst>
+    <dgm:txEffectClrLst/>
+  </dgm:styleLbl>
+  <dgm:styleLbl name="fgAcc0">
+    <dgm:fillClrLst meth="repeat">
+      <a:schemeClr val="lt1">
+        <a:alpha val="90000"/>
+      </a:schemeClr>
+    </dgm:fillClrLst>
+    <dgm:linClrLst meth="repeat">
+      <a:schemeClr val="accent1"/>
+    </dgm:linClrLst>
+    <dgm:effectClrLst/>
+    <dgm:txLinClrLst/>
+    <dgm:txFillClrLst meth="repeat">
+      <a:schemeClr val="dk1"/>
+    </dgm:txFillClrLst>
+    <dgm:txEffectClrLst/>
+  </dgm:styleLbl>
+  <dgm:styleLbl name="fgAcc2">
+    <dgm:fillClrLst meth="repeat">
+      <a:schemeClr val="lt1">
+        <a:alpha val="90000"/>
+      </a:schemeClr>
+    </dgm:fillClrLst>
+    <dgm:linClrLst meth="repeat">
+      <a:schemeClr val="accent1"/>
+    </dgm:linClrLst>
+    <dgm:effectClrLst/>
+    <dgm:txLinClrLst/>
+    <dgm:txFillClrLst meth="repeat">
+      <a:schemeClr val="dk1"/>
+    </dgm:txFillClrLst>
+    <dgm:txEffectClrLst/>
+  </dgm:styleLbl>
+  <dgm:styleLbl name="fgAcc3">
+    <dgm:fillClrLst meth="repeat">
+      <a:schemeClr val="lt1">
+        <a:alpha val="90000"/>
+      </a:schemeClr>
+    </dgm:fillClrLst>
+    <dgm:linClrLst meth="repeat">
+      <a:schemeClr val="accent1"/>
+    </dgm:linClrLst>
+    <dgm:effectClrLst/>
+    <dgm:txLinClrLst/>
+    <dgm:txFillClrLst meth="repeat">
+      <a:schemeClr val="dk1"/>
+    </dgm:txFillClrLst>
+    <dgm:txEffectClrLst/>
+  </dgm:styleLbl>
+  <dgm:styleLbl name="fgAcc4">
+    <dgm:fillClrLst meth="repeat">
+      <a:schemeClr val="lt1">
+        <a:alpha val="90000"/>
+      </a:schemeClr>
+    </dgm:fillClrLst>
+    <dgm:linClrLst meth="repeat">
+      <a:schemeClr val="accent1"/>
+    </dgm:linClrLst>
+    <dgm:effectClrLst/>
+    <dgm:txLinClrLst/>
+    <dgm:txFillClrLst meth="repeat">
+      <a:schemeClr val="dk1"/>
+    </dgm:txFillClrLst>
+    <dgm:txEffectClrLst/>
+  </dgm:styleLbl>
+  <dgm:styleLbl name="bgShp">
+    <dgm:fillClrLst meth="repeat">
+      <a:schemeClr val="accent1">
+        <a:tint val="40000"/>
+      </a:schemeClr>
+    </dgm:fillClrLst>
+    <dgm:linClrLst meth="repeat">
+      <a:schemeClr val="accent1"/>
+    </dgm:linClrLst>
+    <dgm:effectClrLst/>
+    <dgm:txLinClrLst/>
+    <dgm:txFillClrLst meth="repeat">
+      <a:schemeClr val="dk1"/>
+    </dgm:txFillClrLst>
+    <dgm:txEffectClrLst/>
+  </dgm:styleLbl>
+  <dgm:styleLbl name="dkBgShp">
+    <dgm:fillClrLst meth="repeat">
+      <a:schemeClr val="accent1">
+        <a:shade val="80000"/>
+      </a:schemeClr>
+    </dgm:fillClrLst>
+    <dgm:linClrLst meth="repeat">
+      <a:schemeClr val="accent1"/>
+    </dgm:linClrLst>
+    <dgm:effectClrLst/>
+    <dgm:txLinClrLst/>
+    <dgm:txFillClrLst meth="repeat">
+      <a:schemeClr val="lt1"/>
+    </dgm:txFillClrLst>
+    <dgm:txEffectClrLst/>
+  </dgm:styleLbl>
+  <dgm:styleLbl name="trBgShp">
+    <dgm:fillClrLst meth="repeat">
+      <a:schemeClr val="accent1">
+        <a:tint val="50000"/>
+        <a:alpha val="40000"/>
+      </a:schemeClr>
+    </dgm:fillClrLst>
+    <dgm:linClrLst meth="repeat">
+      <a:schemeClr val="accent1"/>
+    </dgm:linClrLst>
+    <dgm:effectClrLst/>
+    <dgm:txLinClrLst/>
+    <dgm:txFillClrLst meth="repeat">
+      <a:schemeClr val="lt1"/>
+    </dgm:txFillClrLst>
+    <dgm:txEffectClrLst/>
+  </dgm:styleLbl>
+  <dgm:styleLbl name="fgShp">
+    <dgm:fillClrLst meth="repeat">
+      <a:schemeClr val="accent1">
+        <a:tint val="60000"/>
+      </a:schemeClr>
+    </dgm:fillClrLst>
+    <dgm:linClrLst meth="repeat">
+      <a:schemeClr val="lt1"/>
+    </dgm:linClrLst>
+    <dgm:effectClrLst/>
+    <dgm:txLinClrLst/>
+    <dgm:txFillClrLst meth="repeat">
+      <a:schemeClr val="dk1"/>
+    </dgm:txFillClrLst>
+    <dgm:txEffectClrLst/>
+  </dgm:styleLbl>
+  <dgm:styleLbl name="revTx">
+    <dgm:fillClrLst meth="repeat">
+      <a:schemeClr val="lt1">
+        <a:alpha val="0"/>
+      </a:schemeClr>
+    </dgm:fillClrLst>
+    <dgm:linClrLst meth="repeat">
+      <a:schemeClr val="dk1">
+        <a:alpha val="0"/>
+      </a:schemeClr>
+    </dgm:linClrLst>
+    <dgm:effectClrLst/>
+    <dgm:txLinClrLst/>
+    <dgm:txFillClrLst meth="repeat">
+      <a:schemeClr val="tx1"/>
+    </dgm:txFillClrLst>
+    <dgm:txEffectClrLst/>
+  </dgm:styleLbl>
+</dgm:colorsDef>
+</file>
+
+<file path=ppt/diagrams/colors2.xml><?xml version="1.0" encoding="utf-8"?>
+<dgm:colorsDef xmlns:dgm="http://schemas.openxmlformats.org/drawingml/2006/diagram" xmlns:a="http://schemas.openxmlformats.org/drawingml/2006/main" uniqueId="urn:microsoft.com/office/officeart/2005/8/colors/accent1_2">
+  <dgm:title val=""/>
+  <dgm:desc val=""/>
+  <dgm:catLst>
+    <dgm:cat type="accent1" pri="11200"/>
+  </dgm:catLst>
+  <dgm:styleLbl name="node0">
+    <dgm:fillClrLst meth="repeat">
+      <a:schemeClr val="accent1"/>
+    </dgm:fillClrLst>
+    <dgm:linClrLst meth="repeat">
+      <a:schemeClr val="lt1"/>
+    </dgm:linClrLst>
+    <dgm:effectClrLst/>
+    <dgm:txLinClrLst/>
+    <dgm:txFillClrLst/>
+    <dgm:txEffectClrLst/>
+  </dgm:styleLbl>
+  <dgm:styleLbl name="alignNode1">
+    <dgm:fillClrLst meth="repeat">
+      <a:schemeClr val="accent1"/>
+    </dgm:fillClrLst>
+    <dgm:linClrLst meth="repeat">
+      <a:schemeClr val="accent1"/>
+    </dgm:linClrLst>
+    <dgm:effectClrLst/>
+    <dgm:txLinClrLst/>
+    <dgm:txFillClrLst/>
+    <dgm:txEffectClrLst/>
+  </dgm:styleLbl>
+  <dgm:styleLbl name="node1">
+    <dgm:fillClrLst meth="repeat">
+      <a:schemeClr val="accent1"/>
+    </dgm:fillClrLst>
+    <dgm:linClrLst meth="repeat">
+      <a:schemeClr val="lt1"/>
+    </dgm:linClrLst>
+    <dgm:effectClrLst/>
+    <dgm:txLinClrLst/>
+    <dgm:txFillClrLst/>
+    <dgm:txEffectClrLst/>
+  </dgm:styleLbl>
+  <dgm:styleLbl name="lnNode1">
+    <dgm:fillClrLst meth="repeat">
+      <a:schemeClr val="accent1"/>
+    </dgm:fillClrLst>
+    <dgm:linClrLst meth="repeat">
+      <a:schemeClr val="lt1"/>
+    </dgm:linClrLst>
+    <dgm:effectClrLst/>
+    <dgm:txLinClrLst/>
+    <dgm:txFillClrLst/>
+    <dgm:txEffectClrLst/>
+  </dgm:styleLbl>
+  <dgm:styleLbl name="vennNode1">
+    <dgm:fillClrLst meth="repeat">
+      <a:schemeClr val="accent1">
+        <a:alpha val="50000"/>
+      </a:schemeClr>
+    </dgm:fillClrLst>
+    <dgm:linClrLst meth="repeat">
+      <a:schemeClr val="lt1"/>
+    </dgm:linClrLst>
+    <dgm:effectClrLst/>
+    <dgm:txLinClrLst/>
+    <dgm:txFillClrLst/>
+    <dgm:txEffectClrLst/>
+  </dgm:styleLbl>
+  <dgm:styleLbl name="node2">
+    <dgm:fillClrLst meth="repeat">
+      <a:schemeClr val="accent1"/>
+    </dgm:fillClrLst>
+    <dgm:linClrLst meth="repeat">
+      <a:schemeClr val="lt1"/>
+    </dgm:linClrLst>
+    <dgm:effectClrLst/>
+    <dgm:txLinClrLst/>
+    <dgm:txFillClrLst/>
+    <dgm:txEffectClrLst/>
+  </dgm:styleLbl>
+  <dgm:styleLbl name="node3">
+    <dgm:fillClrLst meth="repeat">
+      <a:schemeClr val="accent1"/>
+    </dgm:fillClrLst>
+    <dgm:linClrLst meth="repeat">
+      <a:schemeClr val="lt1"/>
+    </dgm:linClrLst>
+    <dgm:effectClrLst/>
+    <dgm:txLinClrLst/>
+    <dgm:txFillClrLst/>
+    <dgm:txEffectClrLst/>
+  </dgm:styleLbl>
+  <dgm:styleLbl name="node4">
+    <dgm:fillClrLst meth="repeat">
+      <a:schemeClr val="accent1"/>
+    </dgm:fillClrLst>
+    <dgm:linClrLst meth="repeat">
+      <a:schemeClr val="lt1"/>
+    </dgm:linClrLst>
+    <dgm:effectClrLst/>
+    <dgm:txLinClrLst/>
+    <dgm:txFillClrLst/>
+    <dgm:txEffectClrLst/>
+  </dgm:styleLbl>
+  <dgm:styleLbl name="fgImgPlace1">
+    <dgm:fillClrLst meth="repeat">
+      <a:schemeClr val="accent1">
+        <a:tint val="50000"/>
+      </a:schemeClr>
+    </dgm:fillClrLst>
+    <dgm:linClrLst meth="repeat">
+      <a:schemeClr val="lt1"/>
+    </dgm:linClrLst>
+    <dgm:effectClrLst/>
+    <dgm:txLinClrLst/>
+    <dgm:txFillClrLst meth="repeat">
+      <a:schemeClr val="lt1"/>
+    </dgm:txFillClrLst>
+    <dgm:txEffectClrLst/>
+  </dgm:styleLbl>
+  <dgm:styleLbl name="alignImgPlace1">
+    <dgm:fillClrLst meth="repeat">
+      <a:schemeClr val="accent1">
+        <a:tint val="50000"/>
+      </a:schemeClr>
+    </dgm:fillClrLst>
+    <dgm:linClrLst meth="repeat">
+      <a:schemeClr val="lt1"/>
+    </dgm:linClrLst>
+    <dgm:effectClrLst/>
+    <dgm:txLinClrLst/>
+    <dgm:txFillClrLst meth="repeat">
+      <a:schemeClr val="lt1"/>
+    </dgm:txFillClrLst>
+    <dgm:txEffectClrLst/>
+  </dgm:styleLbl>
+  <dgm:styleLbl name="bgImgPlace1">
+    <dgm:fillClrLst meth="repeat">
+      <a:schemeClr val="accent1">
+        <a:tint val="50000"/>
+      </a:schemeClr>
+    </dgm:fillClrLst>
+    <dgm:linClrLst meth="repeat">
+      <a:schemeClr val="lt1"/>
+    </dgm:linClrLst>
+    <dgm:effectClrLst/>
+    <dgm:txLinClrLst/>
+    <dgm:txFillClrLst meth="repeat">
+      <a:schemeClr val="lt1"/>
+    </dgm:txFillClrLst>
+    <dgm:txEffectClrLst/>
+  </dgm:styleLbl>
+  <dgm:styleLbl name="sibTrans2D1">
+    <dgm:fillClrLst meth="repeat">
+      <a:schemeClr val="accent1">
+        <a:tint val="60000"/>
+      </a:schemeClr>
+    </dgm:fillClrLst>
+    <dgm:linClrLst meth="repeat">
+      <a:schemeClr val="accent1">
+        <a:tint val="60000"/>
+      </a:schemeClr>
+    </dgm:linClrLst>
+    <dgm:effectClrLst/>
+    <dgm:txLinClrLst/>
+    <dgm:txFillClrLst/>
+    <dgm:txEffectClrLst/>
+  </dgm:styleLbl>
+  <dgm:styleLbl name="fgSibTrans2D1">
+    <dgm:fillClrLst meth="repeat">
+      <a:schemeClr val="accent1">
+        <a:tint val="60000"/>
+      </a:schemeClr>
+    </dgm:fillClrLst>
+    <dgm:linClrLst meth="repeat">
+      <a:schemeClr val="accent1">
+        <a:tint val="60000"/>
+      </a:schemeClr>
+    </dgm:linClrLst>
+    <dgm:effectClrLst/>
+    <dgm:txLinClrLst/>
+    <dgm:txFillClrLst/>
+    <dgm:txEffectClrLst/>
+  </dgm:styleLbl>
+  <dgm:styleLbl name="bgSibTrans2D1">
+    <dgm:fillClrLst meth="repeat">
+      <a:schemeClr val="accent1">
+        <a:tint val="60000"/>
+      </a:schemeClr>
+    </dgm:fillClrLst>
+    <dgm:linClrLst meth="repeat">
+      <a:schemeClr val="accent1">
+        <a:tint val="60000"/>
+      </a:schemeClr>
+    </dgm:linClrLst>
+    <dgm:effectClrLst/>
+    <dgm:txLinClrLst/>
+    <dgm:txFillClrLst/>
+    <dgm:txEffectClrLst/>
+  </dgm:styleLbl>
+  <dgm:styleLbl name="sibTrans1D1">
+    <dgm:fillClrLst meth="repeat">
+      <a:schemeClr val="accent1"/>
+    </dgm:fillClrLst>
+    <dgm:linClrLst meth="repeat">
+      <a:schemeClr val="accent1"/>
+    </dgm:linClrLst>
+    <dgm:effectClrLst/>
+    <dgm:txLinClrLst/>
+    <dgm:txFillClrLst meth="repeat">
+      <a:schemeClr val="tx1"/>
+    </dgm:txFillClrLst>
+    <dgm:txEffectClrLst/>
+  </dgm:styleLbl>
+  <dgm:styleLbl name="callout">
+    <dgm:fillClrLst meth="repeat">
+      <a:schemeClr val="accent1"/>
+    </dgm:fillClrLst>
+    <dgm:linClrLst meth="repeat">
+      <a:schemeClr val="accent1">
+        <a:tint val="50000"/>
+      </a:schemeClr>
+    </dgm:linClrLst>
+    <dgm:effectClrLst/>
+    <dgm:txLinClrLst/>
+    <dgm:txFillClrLst meth="repeat">
+      <a:schemeClr val="tx1"/>
+    </dgm:txFillClrLst>
+    <dgm:txEffectClrLst/>
+  </dgm:styleLbl>
+  <dgm:styleLbl name="asst0">
+    <dgm:fillClrLst meth="repeat">
+      <a:schemeClr val="accent1"/>
+    </dgm:fillClrLst>
+    <dgm:linClrLst meth="repeat">
+      <a:schemeClr val="lt1"/>
+    </dgm:linClrLst>
+    <dgm:effectClrLst/>
+    <dgm:txLinClrLst/>
+    <dgm:txFillClrLst/>
+    <dgm:txEffectClrLst/>
+  </dgm:styleLbl>
+  <dgm:styleLbl name="asst1">
+    <dgm:fillClrLst meth="repeat">
+      <a:schemeClr val="accent1"/>
+    </dgm:fillClrLst>
+    <dgm:linClrLst meth="repeat">
+      <a:schemeClr val="lt1"/>
+    </dgm:linClrLst>
+    <dgm:effectClrLst/>
+    <dgm:txLinClrLst/>
+    <dgm:txFillClrLst/>
+    <dgm:txEffectClrLst/>
+  </dgm:styleLbl>
+  <dgm:styleLbl name="asst2">
+    <dgm:fillClrLst meth="repeat">
+      <a:schemeClr val="accent1"/>
+    </dgm:fillClrLst>
+    <dgm:linClrLst meth="repeat">
+      <a:schemeClr val="lt1"/>
+    </dgm:linClrLst>
+    <dgm:effectClrLst/>
+    <dgm:txLinClrLst/>
+    <dgm:txFillClrLst/>
+    <dgm:txEffectClrLst/>
+  </dgm:styleLbl>
+  <dgm:styleLbl name="asst3">
+    <dgm:fillClrLst meth="repeat">
+      <a:schemeClr val="accent1"/>
+    </dgm:fillClrLst>
+    <dgm:linClrLst meth="repeat">
+      <a:schemeClr val="lt1"/>
+    </dgm:linClrLst>
+    <dgm:effectClrLst/>
+    <dgm:txLinClrLst/>
+    <dgm:txFillClrLst/>
+    <dgm:txEffectClrLst/>
+  </dgm:styleLbl>
+  <dgm:styleLbl name="asst4">
+    <dgm:fillClrLst meth="repeat">
+      <a:schemeClr val="accent1"/>
+    </dgm:fillClrLst>
+    <dgm:linClrLst meth="repeat">
+      <a:schemeClr val="lt1"/>
+    </dgm:linClrLst>
+    <dgm:effectClrLst/>
+    <dgm:txLinClrLst/>
+    <dgm:txFillClrLst/>
+    <dgm:txEffectClrLst/>
+  </dgm:styleLbl>
+  <dgm:styleLbl name="parChTrans2D1">
+    <dgm:fillClrLst meth="repeat">
+      <a:schemeClr val="accent1">
+        <a:tint val="60000"/>
+      </a:schemeClr>
+    </dgm:fillClrLst>
+    <dgm:linClrLst meth="repeat">
+      <a:schemeClr val="accent1">
+        <a:tint val="60000"/>
+      </a:schemeClr>
+    </dgm:linClrLst>
+    <dgm:effectClrLst/>
+    <dgm:txLinClrLst/>
+    <dgm:txFillClrLst meth="repeat">
+      <a:schemeClr val="lt1"/>
+    </dgm:txFillClrLst>
+    <dgm:txEffectClrLst/>
+  </dgm:styleLbl>
+  <dgm:styleLbl name="parChTrans2D2">
+    <dgm:fillClrLst meth="repeat">
+      <a:schemeClr val="accent1"/>
+    </dgm:fillClrLst>
+    <dgm:linClrLst meth="repeat">
+      <a:schemeClr val="accent1"/>
+    </dgm:linClrLst>
+    <dgm:effectClrLst/>
+    <dgm:txLinClrLst/>
+    <dgm:txFillClrLst meth="repeat">
+      <a:schemeClr val="lt1"/>
+    </dgm:txFillClrLst>
+    <dgm:txEffectClrLst/>
+  </dgm:styleLbl>
+  <dgm:styleLbl name="parChTrans2D3">
+    <dgm:fillClrLst meth="repeat">
+      <a:schemeClr val="accent1"/>
+    </dgm:fillClrLst>
+    <dgm:linClrLst meth="repeat">
+      <a:schemeClr val="accent1"/>
+    </dgm:linClrLst>
+    <dgm:effectClrLst/>
+    <dgm:txLinClrLst/>
+    <dgm:txFillClrLst meth="repeat">
+      <a:schemeClr val="lt1"/>
+    </dgm:txFillClrLst>
+    <dgm:txEffectClrLst/>
+  </dgm:styleLbl>
+  <dgm:styleLbl name="parChTrans2D4">
+    <dgm:fillClrLst meth="repeat">
+      <a:schemeClr val="accent1"/>
+    </dgm:fillClrLst>
+    <dgm:linClrLst meth="repeat">
+      <a:schemeClr val="accent1"/>
+    </dgm:linClrLst>
+    <dgm:effectClrLst/>
+    <dgm:txLinClrLst/>
+    <dgm:txFillClrLst meth="repeat">
+      <a:schemeClr val="lt1"/>
+    </dgm:txFillClrLst>
+    <dgm:txEffectClrLst/>
+  </dgm:styleLbl>
+  <dgm:styleLbl name="parChTrans1D1">
+    <dgm:fillClrLst meth="repeat">
+      <a:schemeClr val="accent1"/>
+    </dgm:fillClrLst>
+    <dgm:linClrLst meth="repeat">
+      <a:schemeClr val="accent1">
+        <a:shade val="60000"/>
+      </a:schemeClr>
+    </dgm:linClrLst>
+    <dgm:effectClrLst/>
+    <dgm:txLinClrLst/>
+    <dgm:txFillClrLst meth="repeat">
+      <a:schemeClr val="tx1"/>
+    </dgm:txFillClrLst>
+    <dgm:txEffectClrLst/>
+  </dgm:styleLbl>
+  <dgm:styleLbl name="parChTrans1D2">
+    <dgm:fillClrLst meth="repeat">
+      <a:schemeClr val="accent1"/>
+    </dgm:fillClrLst>
+    <dgm:linClrLst meth="repeat">
+      <a:schemeClr val="accent1">
+        <a:shade val="60000"/>
+      </a:schemeClr>
+    </dgm:linClrLst>
+    <dgm:effectClrLst/>
+    <dgm:txLinClrLst/>
+    <dgm:txFillClrLst meth="repeat">
+      <a:schemeClr val="tx1"/>
+    </dgm:txFillClrLst>
+    <dgm:txEffectClrLst/>
+  </dgm:styleLbl>
+  <dgm:styleLbl name="parChTrans1D3">
+    <dgm:fillClrLst meth="repeat">
+      <a:schemeClr val="accent1"/>
+    </dgm:fillClrLst>
+    <dgm:linClrLst meth="repeat">
+      <a:schemeClr val="accent1">
+        <a:shade val="80000"/>
+      </a:schemeClr>
+    </dgm:linClrLst>
+    <dgm:effectClrLst/>
+    <dgm:txLinClrLst/>
+    <dgm:txFillClrLst meth="repeat">
+      <a:schemeClr val="tx1"/>
+    </dgm:txFillClrLst>
+    <dgm:txEffectClrLst/>
+  </dgm:styleLbl>
+  <dgm:styleLbl name="parChTrans1D4">
+    <dgm:fillClrLst meth="repeat">
+      <a:schemeClr val="accent1"/>
+    </dgm:fillClrLst>
+    <dgm:linClrLst meth="repeat">
+      <a:schemeClr val="accent1">
+        <a:shade val="80000"/>
+      </a:schemeClr>
+    </dgm:linClrLst>
+    <dgm:effectClrLst/>
+    <dgm:txLinClrLst/>
+    <dgm:txFillClrLst meth="repeat">
+      <a:schemeClr val="tx1"/>
+    </dgm:txFillClrLst>
+    <dgm:txEffectClrLst/>
+  </dgm:styleLbl>
+  <dgm:styleLbl name="fgAcc1">
+    <dgm:fillClrLst meth="repeat">
+      <a:schemeClr val="lt1">
+        <a:alpha val="90000"/>
+      </a:schemeClr>
+    </dgm:fillClrLst>
+    <dgm:linClrLst meth="repeat">
+      <a:schemeClr val="accent1"/>
+    </dgm:linClrLst>
+    <dgm:effectClrLst/>
+    <dgm:txLinClrLst/>
+    <dgm:txFillClrLst meth="repeat">
+      <a:schemeClr val="dk1"/>
+    </dgm:txFillClrLst>
+    <dgm:txEffectClrLst/>
+  </dgm:styleLbl>
+  <dgm:styleLbl name="conFgAcc1">
+    <dgm:fillClrLst meth="repeat">
+      <a:schemeClr val="lt1">
+        <a:alpha val="90000"/>
+      </a:schemeClr>
+    </dgm:fillClrLst>
+    <dgm:linClrLst meth="repeat">
+      <a:schemeClr val="accent1"/>
+    </dgm:linClrLst>
+    <dgm:effectClrLst/>
+    <dgm:txLinClrLst/>
+    <dgm:txFillClrLst meth="repeat">
+      <a:schemeClr val="dk1"/>
+    </dgm:txFillClrLst>
+    <dgm:txEffectClrLst/>
+  </dgm:styleLbl>
+  <dgm:styleLbl name="alignAcc1">
+    <dgm:fillClrLst meth="repeat">
+      <a:schemeClr val="lt1">
+        <a:alpha val="90000"/>
+      </a:schemeClr>
+    </dgm:fillClrLst>
+    <dgm:linClrLst meth="repeat">
+      <a:schemeClr val="accent1"/>
+    </dgm:linClrLst>
+    <dgm:effectClrLst/>
+    <dgm:txLinClrLst/>
+    <dgm:txFillClrLst meth="repeat">
+      <a:schemeClr val="dk1"/>
+    </dgm:txFillClrLst>
+    <dgm:txEffectClrLst/>
+  </dgm:styleLbl>
+  <dgm:styleLbl name="trAlignAcc1">
+    <dgm:fillClrLst meth="repeat">
+      <a:schemeClr val="lt1">
+        <a:alpha val="40000"/>
+      </a:schemeClr>
+    </dgm:fillClrLst>
+    <dgm:linClrLst meth="repeat">
+      <a:schemeClr val="accent1"/>
+    </dgm:linClrLst>
+    <dgm:effectClrLst/>
+    <dgm:txLinClrLst/>
+    <dgm:txFillClrLst meth="repeat">
+      <a:schemeClr val="dk1"/>
+    </dgm:txFillClrLst>
+    <dgm:txEffectClrLst/>
+  </dgm:styleLbl>
+  <dgm:styleLbl name="bgAcc1">
+    <dgm:fillClrLst meth="repeat">
+      <a:schemeClr val="lt1">
+        <a:alpha val="90000"/>
+      </a:schemeClr>
+    </dgm:fillClrLst>
+    <dgm:linClrLst meth="repeat">
+      <a:schemeClr val="accent1"/>
+    </dgm:linClrLst>
+    <dgm:effectClrLst/>
+    <dgm:txLinClrLst/>
+    <dgm:txFillClrLst meth="repeat">
+      <a:schemeClr val="dk1"/>
+    </dgm:txFillClrLst>
+    <dgm:txEffectClrLst/>
+  </dgm:styleLbl>
+  <dgm:styleLbl name="solidFgAcc1">
+    <dgm:fillClrLst meth="repeat">
+      <a:schemeClr val="lt1"/>
+    </dgm:fillClrLst>
+    <dgm:linClrLst meth="repeat">
+      <a:schemeClr val="accent1"/>
+    </dgm:linClrLst>
+    <dgm:effectClrLst/>
+    <dgm:txLinClrLst/>
+    <dgm:txFillClrLst meth="repeat">
+      <a:schemeClr val="dk1"/>
+    </dgm:txFillClrLst>
+    <dgm:txEffectClrLst/>
+  </dgm:styleLbl>
+  <dgm:styleLbl name="solidAlignAcc1">
+    <dgm:fillClrLst meth="repeat">
+      <a:schemeClr val="lt1"/>
+    </dgm:fillClrLst>
+    <dgm:linClrLst meth="repeat">
+      <a:schemeClr val="accent1"/>
+    </dgm:linClrLst>
+    <dgm:effectClrLst/>
+    <dgm:txLinClrLst/>
+    <dgm:txFillClrLst meth="repeat">
+      <a:schemeClr val="dk1"/>
+    </dgm:txFillClrLst>
+    <dgm:txEffectClrLst/>
+  </dgm:styleLbl>
+  <dgm:styleLbl name="solidBgAcc1">
+    <dgm:fillClrLst meth="repeat">
+      <a:schemeClr val="lt1"/>
+    </dgm:fillClrLst>
+    <dgm:linClrLst meth="repeat">
+      <a:schemeClr val="accent1"/>
+    </dgm:linClrLst>
+    <dgm:effectClrLst/>
+    <dgm:txLinClrLst/>
+    <dgm:txFillClrLst meth="repeat">
+      <a:schemeClr val="dk1"/>
+    </dgm:txFillClrLst>
+    <dgm:txEffectClrLst/>
+  </dgm:styleLbl>
+  <dgm:styleLbl name="fgAccFollowNode1">
+    <dgm:fillClrLst meth="repeat">
+      <a:schemeClr val="accent1">
+        <a:alpha val="90000"/>
+        <a:tint val="40000"/>
+      </a:schemeClr>
+    </dgm:fillClrLst>
+    <dgm:linClrLst meth="repeat">
+      <a:schemeClr val="accent1">
+        <a:alpha val="90000"/>
+        <a:tint val="40000"/>
+      </a:schemeClr>
+    </dgm:linClrLst>
+    <dgm:effectClrLst/>
+    <dgm:txLinClrLst/>
+    <dgm:txFillClrLst meth="repeat">
+      <a:schemeClr val="dk1"/>
+    </dgm:txFillClrLst>
+    <dgm:txEffectClrLst/>
+  </dgm:styleLbl>
+  <dgm:styleLbl name="alignAccFollowNode1">
+    <dgm:fillClrLst meth="repeat">
+      <a:schemeClr val="accent1">
+        <a:alpha val="90000"/>
+        <a:tint val="40000"/>
+      </a:schemeClr>
+    </dgm:fillClrLst>
+    <dgm:linClrLst meth="repeat">
+      <a:schemeClr val="accent1">
+        <a:alpha val="90000"/>
+        <a:tint val="40000"/>
+      </a:schemeClr>
+    </dgm:linClrLst>
+    <dgm:effectClrLst/>
+    <dgm:txLinClrLst/>
+    <dgm:txFillClrLst meth="repeat">
+      <a:schemeClr val="dk1"/>
+    </dgm:txFillClrLst>
+    <dgm:txEffectClrLst/>
+  </dgm:styleLbl>
+  <dgm:styleLbl name="bgAccFollowNode1">
+    <dgm:fillClrLst meth="repeat">
+      <a:schemeClr val="accent1">
+        <a:alpha val="90000"/>
+        <a:tint val="40000"/>
+      </a:schemeClr>
+    </dgm:fillClrLst>
+    <dgm:linClrLst meth="repeat">
+      <a:schemeClr val="accent1">
+        <a:alpha val="90000"/>
+        <a:tint val="40000"/>
+      </a:schemeClr>
+    </dgm:linClrLst>
+    <dgm:effectClrLst/>
+    <dgm:txLinClrLst/>
+    <dgm:txFillClrLst meth="repeat">
+      <a:schemeClr val="dk1"/>
+    </dgm:txFillClrLst>
+    <dgm:txEffectClrLst/>
+  </dgm:styleLbl>
+  <dgm:styleLbl name="fgAcc0">
+    <dgm:fillClrLst meth="repeat">
+      <a:schemeClr val="lt1">
+        <a:alpha val="90000"/>
+      </a:schemeClr>
+    </dgm:fillClrLst>
+    <dgm:linClrLst meth="repeat">
+      <a:schemeClr val="accent1"/>
+    </dgm:linClrLst>
+    <dgm:effectClrLst/>
+    <dgm:txLinClrLst/>
+    <dgm:txFillClrLst meth="repeat">
+      <a:schemeClr val="dk1"/>
+    </dgm:txFillClrLst>
+    <dgm:txEffectClrLst/>
+  </dgm:styleLbl>
+  <dgm:styleLbl name="fgAcc2">
+    <dgm:fillClrLst meth="repeat">
+      <a:schemeClr val="lt1">
+        <a:alpha val="90000"/>
+      </a:schemeClr>
+    </dgm:fillClrLst>
+    <dgm:linClrLst meth="repeat">
+      <a:schemeClr val="accent1"/>
+    </dgm:linClrLst>
+    <dgm:effectClrLst/>
+    <dgm:txLinClrLst/>
+    <dgm:txFillClrLst meth="repeat">
+      <a:schemeClr val="dk1"/>
+    </dgm:txFillClrLst>
+    <dgm:txEffectClrLst/>
+  </dgm:styleLbl>
+  <dgm:styleLbl name="fgAcc3">
+    <dgm:fillClrLst meth="repeat">
+      <a:schemeClr val="lt1">
+        <a:alpha val="90000"/>
+      </a:schemeClr>
+    </dgm:fillClrLst>
+    <dgm:linClrLst meth="repeat">
+      <a:schemeClr val="accent1"/>
+    </dgm:linClrLst>
+    <dgm:effectClrLst/>
+    <dgm:txLinClrLst/>
+    <dgm:txFillClrLst meth="repeat">
+      <a:schemeClr val="dk1"/>
+    </dgm:txFillClrLst>
+    <dgm:txEffectClrLst/>
+  </dgm:styleLbl>
+  <dgm:styleLbl name="fgAcc4">
+    <dgm:fillClrLst meth="repeat">
+      <a:schemeClr val="lt1">
+        <a:alpha val="90000"/>
+      </a:schemeClr>
+    </dgm:fillClrLst>
+    <dgm:linClrLst meth="repeat">
+      <a:schemeClr val="accent1"/>
+    </dgm:linClrLst>
+    <dgm:effectClrLst/>
+    <dgm:txLinClrLst/>
+    <dgm:txFillClrLst meth="repeat">
+      <a:schemeClr val="dk1"/>
+    </dgm:txFillClrLst>
+    <dgm:txEffectClrLst/>
+  </dgm:styleLbl>
+  <dgm:styleLbl name="bgShp">
+    <dgm:fillClrLst meth="repeat">
+      <a:schemeClr val="accent1">
+        <a:tint val="40000"/>
+      </a:schemeClr>
+    </dgm:fillClrLst>
+    <dgm:linClrLst meth="repeat">
+      <a:schemeClr val="accent1"/>
+    </dgm:linClrLst>
+    <dgm:effectClrLst/>
+    <dgm:txLinClrLst/>
+    <dgm:txFillClrLst meth="repeat">
+      <a:schemeClr val="dk1"/>
+    </dgm:txFillClrLst>
+    <dgm:txEffectClrLst/>
+  </dgm:styleLbl>
+  <dgm:styleLbl name="dkBgShp">
+    <dgm:fillClrLst meth="repeat">
+      <a:schemeClr val="accent1">
+        <a:shade val="80000"/>
+      </a:schemeClr>
+    </dgm:fillClrLst>
+    <dgm:linClrLst meth="repeat">
+      <a:schemeClr val="accent1"/>
+    </dgm:linClrLst>
+    <dgm:effectClrLst/>
+    <dgm:txLinClrLst/>
+    <dgm:txFillClrLst meth="repeat">
+      <a:schemeClr val="lt1"/>
+    </dgm:txFillClrLst>
+    <dgm:txEffectClrLst/>
+  </dgm:styleLbl>
+  <dgm:styleLbl name="trBgShp">
+    <dgm:fillClrLst meth="repeat">
+      <a:schemeClr val="accent1">
+        <a:tint val="50000"/>
+        <a:alpha val="40000"/>
+      </a:schemeClr>
+    </dgm:fillClrLst>
+    <dgm:linClrLst meth="repeat">
+      <a:schemeClr val="accent1"/>
+    </dgm:linClrLst>
+    <dgm:effectClrLst/>
+    <dgm:txLinClrLst/>
+    <dgm:txFillClrLst meth="repeat">
+      <a:schemeClr val="lt1"/>
+    </dgm:txFillClrLst>
+    <dgm:txEffectClrLst/>
+  </dgm:styleLbl>
+  <dgm:styleLbl name="fgShp">
+    <dgm:fillClrLst meth="repeat">
+      <a:schemeClr val="accent1">
+        <a:tint val="60000"/>
+      </a:schemeClr>
+    </dgm:fillClrLst>
+    <dgm:linClrLst meth="repeat">
+      <a:schemeClr val="lt1"/>
+    </dgm:linClrLst>
+    <dgm:effectClrLst/>
+    <dgm:txLinClrLst/>
+    <dgm:txFillClrLst meth="repeat">
+      <a:schemeClr val="dk1"/>
+    </dgm:txFillClrLst>
+    <dgm:txEffectClrLst/>
+  </dgm:styleLbl>
+  <dgm:styleLbl name="revTx">
+    <dgm:fillClrLst meth="repeat">
+      <a:schemeClr val="lt1">
+        <a:alpha val="0"/>
+      </a:schemeClr>
+    </dgm:fillClrLst>
+    <dgm:linClrLst meth="repeat">
+      <a:schemeClr val="dk1">
+        <a:alpha val="0"/>
+      </a:schemeClr>
+    </dgm:linClrLst>
+    <dgm:effectClrLst/>
+    <dgm:txLinClrLst/>
+    <dgm:txFillClrLst meth="repeat">
+      <a:schemeClr val="tx1"/>
+    </dgm:txFillClrLst>
+    <dgm:txEffectClrLst/>
+  </dgm:styleLbl>
+</dgm:colorsDef>
+</file>
+
+<file path=ppt/diagrams/data1.xml><?xml version="1.0" encoding="utf-8"?>
+<dgm:dataModel xmlns:dgm="http://schemas.openxmlformats.org/drawingml/2006/diagram" xmlns:a="http://schemas.openxmlformats.org/drawingml/2006/main">
+  <dgm:ptLst>
+    <dgm:pt modelId="{614973AD-4733-41FE-907D-FBC145732330}" type="doc">
+      <dgm:prSet loTypeId="urn:microsoft.com/office/officeart/2005/8/layout/orgChart1" loCatId="hierarchy" qsTypeId="urn:microsoft.com/office/officeart/2005/8/quickstyle/simple1" qsCatId="simple" csTypeId="urn:microsoft.com/office/officeart/2005/8/colors/accent1_2" csCatId="accent1" phldr="1"/>
+      <dgm:spPr/>
+      <dgm:t>
+        <a:bodyPr/>
+        <a:lstStyle/>
+        <a:p>
+          <a:endParaRPr lang="ru-RU"/>
+        </a:p>
+      </dgm:t>
+    </dgm:pt>
+    <dgm:pt modelId="{7033A478-4ADA-4D07-9A98-EF5CEE31499E}">
+      <dgm:prSet phldrT="[Текст]"/>
+      <dgm:spPr/>
+      <dgm:t>
+        <a:bodyPr/>
+        <a:lstStyle/>
+        <a:p>
+          <a:r>
+            <a:rPr lang="ru-RU" dirty="0"/>
+            <a:t>Душа </a:t>
+          </a:r>
+        </a:p>
+      </dgm:t>
+    </dgm:pt>
+    <dgm:pt modelId="{5F508EC6-7F50-4CF4-896E-7491163FB0DE}" type="parTrans" cxnId="{C279223C-7ED9-4690-8F5F-007073BC9FA1}">
+      <dgm:prSet/>
+      <dgm:spPr/>
+      <dgm:t>
+        <a:bodyPr/>
+        <a:lstStyle/>
+        <a:p>
+          <a:endParaRPr lang="ru-RU"/>
+        </a:p>
+      </dgm:t>
+    </dgm:pt>
+    <dgm:pt modelId="{A7920F49-6142-4298-AC10-1067DFFD948E}" type="sibTrans" cxnId="{C279223C-7ED9-4690-8F5F-007073BC9FA1}">
+      <dgm:prSet/>
+      <dgm:spPr/>
+      <dgm:t>
+        <a:bodyPr/>
+        <a:lstStyle/>
+        <a:p>
+          <a:endParaRPr lang="ru-RU"/>
+        </a:p>
+      </dgm:t>
+    </dgm:pt>
+    <dgm:pt modelId="{39960D52-F332-4BED-966C-4EF34DAC8AA7}">
+      <dgm:prSet phldrT="[Текст]"/>
+      <dgm:spPr/>
+      <dgm:t>
+        <a:bodyPr/>
+        <a:lstStyle/>
+        <a:p>
+          <a:r>
+            <a:rPr lang="ru-RU" dirty="0" err="1"/>
+            <a:t>Раузмная</a:t>
+          </a:r>
+          <a:endParaRPr lang="ru-RU" dirty="0"/>
+        </a:p>
+      </dgm:t>
+    </dgm:pt>
+    <dgm:pt modelId="{1F546421-FD95-4AB6-8EE3-C0680FB93E0F}" type="parTrans" cxnId="{EB84D7C0-E939-44F9-938E-6C732975B0F8}">
+      <dgm:prSet/>
+      <dgm:spPr/>
+      <dgm:t>
+        <a:bodyPr/>
+        <a:lstStyle/>
+        <a:p>
+          <a:endParaRPr lang="ru-RU"/>
+        </a:p>
+      </dgm:t>
+    </dgm:pt>
+    <dgm:pt modelId="{DF8E9B33-DDD4-43BF-B3B4-CEBD9CD9B67F}" type="sibTrans" cxnId="{EB84D7C0-E939-44F9-938E-6C732975B0F8}">
+      <dgm:prSet/>
+      <dgm:spPr/>
+      <dgm:t>
+        <a:bodyPr/>
+        <a:lstStyle/>
+        <a:p>
+          <a:endParaRPr lang="ru-RU"/>
+        </a:p>
+      </dgm:t>
+    </dgm:pt>
+    <dgm:pt modelId="{A2618B5C-827C-40BC-9F0D-15C37CCAD5AA}">
+      <dgm:prSet phldrT="[Текст]"/>
+      <dgm:spPr/>
+      <dgm:t>
+        <a:bodyPr/>
+        <a:lstStyle/>
+        <a:p>
+          <a:r>
+            <a:rPr lang="ru-RU" dirty="0"/>
+            <a:t>Алчущая</a:t>
+          </a:r>
+        </a:p>
+      </dgm:t>
+    </dgm:pt>
+    <dgm:pt modelId="{A2D3ACE0-6935-4B70-91B7-7985479AE33B}" type="parTrans" cxnId="{D0B9C303-C565-479A-88F4-52F92CCD68AE}">
+      <dgm:prSet/>
+      <dgm:spPr/>
+      <dgm:t>
+        <a:bodyPr/>
+        <a:lstStyle/>
+        <a:p>
+          <a:endParaRPr lang="ru-RU"/>
+        </a:p>
+      </dgm:t>
+    </dgm:pt>
+    <dgm:pt modelId="{FBEB3F40-8140-4F38-845E-3F4102D3F418}" type="sibTrans" cxnId="{D0B9C303-C565-479A-88F4-52F92CCD68AE}">
+      <dgm:prSet/>
+      <dgm:spPr/>
+      <dgm:t>
+        <a:bodyPr/>
+        <a:lstStyle/>
+        <a:p>
+          <a:endParaRPr lang="ru-RU"/>
+        </a:p>
+      </dgm:t>
+    </dgm:pt>
+    <dgm:pt modelId="{7517EC93-4399-43A1-9893-40780B82B15A}">
+      <dgm:prSet phldrT="[Текст]"/>
+      <dgm:spPr/>
+      <dgm:t>
+        <a:bodyPr/>
+        <a:lstStyle/>
+        <a:p>
+          <a:r>
+            <a:rPr lang="ru-RU" dirty="0"/>
+            <a:t>Мужественная</a:t>
+          </a:r>
+        </a:p>
+      </dgm:t>
+    </dgm:pt>
+    <dgm:pt modelId="{A5B3AA09-1C34-4FB3-BE31-3869BE51646C}" type="parTrans" cxnId="{BF14D8AD-C187-46C0-BD25-53E05104FA08}">
+      <dgm:prSet/>
+      <dgm:spPr/>
+      <dgm:t>
+        <a:bodyPr/>
+        <a:lstStyle/>
+        <a:p>
+          <a:endParaRPr lang="ru-RU"/>
+        </a:p>
+      </dgm:t>
+    </dgm:pt>
+    <dgm:pt modelId="{2265D135-B293-41FD-99F6-ACB7EEB70D52}" type="sibTrans" cxnId="{BF14D8AD-C187-46C0-BD25-53E05104FA08}">
+      <dgm:prSet/>
+      <dgm:spPr/>
+      <dgm:t>
+        <a:bodyPr/>
+        <a:lstStyle/>
+        <a:p>
+          <a:endParaRPr lang="ru-RU"/>
+        </a:p>
+      </dgm:t>
+    </dgm:pt>
+    <dgm:pt modelId="{82D279FA-9515-4FC5-BA74-7B2637088CD6}" type="pres">
+      <dgm:prSet presAssocID="{614973AD-4733-41FE-907D-FBC145732330}" presName="hierChild1" presStyleCnt="0">
+        <dgm:presLayoutVars>
+          <dgm:orgChart val="1"/>
+          <dgm:chPref val="1"/>
+          <dgm:dir/>
+          <dgm:animOne val="branch"/>
+          <dgm:animLvl val="lvl"/>
+          <dgm:resizeHandles/>
+        </dgm:presLayoutVars>
+      </dgm:prSet>
+      <dgm:spPr/>
+    </dgm:pt>
+    <dgm:pt modelId="{1BD39DF6-5D2E-4B52-B254-4B170C06CF12}" type="pres">
+      <dgm:prSet presAssocID="{7033A478-4ADA-4D07-9A98-EF5CEE31499E}" presName="hierRoot1" presStyleCnt="0">
+        <dgm:presLayoutVars>
+          <dgm:hierBranch val="init"/>
+        </dgm:presLayoutVars>
+      </dgm:prSet>
+      <dgm:spPr/>
+    </dgm:pt>
+    <dgm:pt modelId="{F97FE96E-8794-41F4-B987-0F66412E124F}" type="pres">
+      <dgm:prSet presAssocID="{7033A478-4ADA-4D07-9A98-EF5CEE31499E}" presName="rootComposite1" presStyleCnt="0"/>
+      <dgm:spPr/>
+    </dgm:pt>
+    <dgm:pt modelId="{D0DDB9CB-31D8-4BCC-9A71-0DFA42BE91A6}" type="pres">
+      <dgm:prSet presAssocID="{7033A478-4ADA-4D07-9A98-EF5CEE31499E}" presName="rootText1" presStyleLbl="node0" presStyleIdx="0" presStyleCnt="1">
+        <dgm:presLayoutVars>
+          <dgm:chPref val="3"/>
+        </dgm:presLayoutVars>
+      </dgm:prSet>
+      <dgm:spPr/>
+    </dgm:pt>
+    <dgm:pt modelId="{B6AAC742-03DF-4D31-892D-1DC5A5D9914B}" type="pres">
+      <dgm:prSet presAssocID="{7033A478-4ADA-4D07-9A98-EF5CEE31499E}" presName="rootConnector1" presStyleLbl="node1" presStyleIdx="0" presStyleCnt="0"/>
+      <dgm:spPr/>
+    </dgm:pt>
+    <dgm:pt modelId="{B5CF2807-D7D2-47B7-988C-11E3B10AB6CF}" type="pres">
+      <dgm:prSet presAssocID="{7033A478-4ADA-4D07-9A98-EF5CEE31499E}" presName="hierChild2" presStyleCnt="0"/>
+      <dgm:spPr/>
+    </dgm:pt>
+    <dgm:pt modelId="{D1F873AC-A56A-4C89-9BD6-9D344C031273}" type="pres">
+      <dgm:prSet presAssocID="{1F546421-FD95-4AB6-8EE3-C0680FB93E0F}" presName="Name37" presStyleLbl="parChTrans1D2" presStyleIdx="0" presStyleCnt="3"/>
+      <dgm:spPr/>
+    </dgm:pt>
+    <dgm:pt modelId="{2CE675C5-5409-4A2C-BA30-76A268FFFD37}" type="pres">
+      <dgm:prSet presAssocID="{39960D52-F332-4BED-966C-4EF34DAC8AA7}" presName="hierRoot2" presStyleCnt="0">
+        <dgm:presLayoutVars>
+          <dgm:hierBranch val="init"/>
+        </dgm:presLayoutVars>
+      </dgm:prSet>
+      <dgm:spPr/>
+    </dgm:pt>
+    <dgm:pt modelId="{9FFA51B5-91F1-4B34-9CD8-8E7730F5054B}" type="pres">
+      <dgm:prSet presAssocID="{39960D52-F332-4BED-966C-4EF34DAC8AA7}" presName="rootComposite" presStyleCnt="0"/>
+      <dgm:spPr/>
+    </dgm:pt>
+    <dgm:pt modelId="{13339AC5-36A2-4D28-B309-8DB60ACC9B7D}" type="pres">
+      <dgm:prSet presAssocID="{39960D52-F332-4BED-966C-4EF34DAC8AA7}" presName="rootText" presStyleLbl="node2" presStyleIdx="0" presStyleCnt="3">
+        <dgm:presLayoutVars>
+          <dgm:chPref val="3"/>
+        </dgm:presLayoutVars>
+      </dgm:prSet>
+      <dgm:spPr/>
+    </dgm:pt>
+    <dgm:pt modelId="{3E5E65E6-E5E5-4122-803F-3A15B9E4BD5F}" type="pres">
+      <dgm:prSet presAssocID="{39960D52-F332-4BED-966C-4EF34DAC8AA7}" presName="rootConnector" presStyleLbl="node2" presStyleIdx="0" presStyleCnt="3"/>
+      <dgm:spPr/>
+    </dgm:pt>
+    <dgm:pt modelId="{88883AA5-7861-48AC-BD8A-55D9B5769030}" type="pres">
+      <dgm:prSet presAssocID="{39960D52-F332-4BED-966C-4EF34DAC8AA7}" presName="hierChild4" presStyleCnt="0"/>
+      <dgm:spPr/>
+    </dgm:pt>
+    <dgm:pt modelId="{F0AFD92E-FBA4-44C0-B375-0C886060A8E1}" type="pres">
+      <dgm:prSet presAssocID="{39960D52-F332-4BED-966C-4EF34DAC8AA7}" presName="hierChild5" presStyleCnt="0"/>
+      <dgm:spPr/>
+    </dgm:pt>
+    <dgm:pt modelId="{9F5ED5E0-1F81-4465-ACAF-9465385B7295}" type="pres">
+      <dgm:prSet presAssocID="{A2D3ACE0-6935-4B70-91B7-7985479AE33B}" presName="Name37" presStyleLbl="parChTrans1D2" presStyleIdx="1" presStyleCnt="3"/>
+      <dgm:spPr/>
+    </dgm:pt>
+    <dgm:pt modelId="{13B913C3-6894-431E-B7AF-0AC55F16B236}" type="pres">
+      <dgm:prSet presAssocID="{A2618B5C-827C-40BC-9F0D-15C37CCAD5AA}" presName="hierRoot2" presStyleCnt="0">
+        <dgm:presLayoutVars>
+          <dgm:hierBranch val="init"/>
+        </dgm:presLayoutVars>
+      </dgm:prSet>
+      <dgm:spPr/>
+    </dgm:pt>
+    <dgm:pt modelId="{47688D4B-5A7F-4C9B-A80B-35204A1594D5}" type="pres">
+      <dgm:prSet presAssocID="{A2618B5C-827C-40BC-9F0D-15C37CCAD5AA}" presName="rootComposite" presStyleCnt="0"/>
+      <dgm:spPr/>
+    </dgm:pt>
+    <dgm:pt modelId="{D291A922-366D-4BD3-937C-ADE69E2D75AA}" type="pres">
+      <dgm:prSet presAssocID="{A2618B5C-827C-40BC-9F0D-15C37CCAD5AA}" presName="rootText" presStyleLbl="node2" presStyleIdx="1" presStyleCnt="3">
+        <dgm:presLayoutVars>
+          <dgm:chPref val="3"/>
+        </dgm:presLayoutVars>
+      </dgm:prSet>
+      <dgm:spPr/>
+    </dgm:pt>
+    <dgm:pt modelId="{437575F6-4E33-4690-A8D6-CF7D2D565927}" type="pres">
+      <dgm:prSet presAssocID="{A2618B5C-827C-40BC-9F0D-15C37CCAD5AA}" presName="rootConnector" presStyleLbl="node2" presStyleIdx="1" presStyleCnt="3"/>
+      <dgm:spPr/>
+    </dgm:pt>
+    <dgm:pt modelId="{10CFCBCB-6531-42D1-B117-EBCA20BA7133}" type="pres">
+      <dgm:prSet presAssocID="{A2618B5C-827C-40BC-9F0D-15C37CCAD5AA}" presName="hierChild4" presStyleCnt="0"/>
+      <dgm:spPr/>
+    </dgm:pt>
+    <dgm:pt modelId="{C7E457EF-B2A4-4F0D-B04C-0517071C7AD2}" type="pres">
+      <dgm:prSet presAssocID="{A2618B5C-827C-40BC-9F0D-15C37CCAD5AA}" presName="hierChild5" presStyleCnt="0"/>
+      <dgm:spPr/>
+    </dgm:pt>
+    <dgm:pt modelId="{AA2EA777-9770-446A-A584-87DF66D46D97}" type="pres">
+      <dgm:prSet presAssocID="{A5B3AA09-1C34-4FB3-BE31-3869BE51646C}" presName="Name37" presStyleLbl="parChTrans1D2" presStyleIdx="2" presStyleCnt="3"/>
+      <dgm:spPr/>
+    </dgm:pt>
+    <dgm:pt modelId="{06A97228-FE02-431B-A5C1-A5034B8052F9}" type="pres">
+      <dgm:prSet presAssocID="{7517EC93-4399-43A1-9893-40780B82B15A}" presName="hierRoot2" presStyleCnt="0">
+        <dgm:presLayoutVars>
+          <dgm:hierBranch val="init"/>
+        </dgm:presLayoutVars>
+      </dgm:prSet>
+      <dgm:spPr/>
+    </dgm:pt>
+    <dgm:pt modelId="{5C9CAA78-FAA6-4E61-8A97-F05F204A6FE2}" type="pres">
+      <dgm:prSet presAssocID="{7517EC93-4399-43A1-9893-40780B82B15A}" presName="rootComposite" presStyleCnt="0"/>
+      <dgm:spPr/>
+    </dgm:pt>
+    <dgm:pt modelId="{E31A028E-91C1-4AC3-AC64-7D76188B705A}" type="pres">
+      <dgm:prSet presAssocID="{7517EC93-4399-43A1-9893-40780B82B15A}" presName="rootText" presStyleLbl="node2" presStyleIdx="2" presStyleCnt="3">
+        <dgm:presLayoutVars>
+          <dgm:chPref val="3"/>
+        </dgm:presLayoutVars>
+      </dgm:prSet>
+      <dgm:spPr/>
+    </dgm:pt>
+    <dgm:pt modelId="{9125467A-AB50-4615-915E-B52F5D9D71A8}" type="pres">
+      <dgm:prSet presAssocID="{7517EC93-4399-43A1-9893-40780B82B15A}" presName="rootConnector" presStyleLbl="node2" presStyleIdx="2" presStyleCnt="3"/>
+      <dgm:spPr/>
+    </dgm:pt>
+    <dgm:pt modelId="{B17133CA-4472-4BB3-9B95-DC63646B2D63}" type="pres">
+      <dgm:prSet presAssocID="{7517EC93-4399-43A1-9893-40780B82B15A}" presName="hierChild4" presStyleCnt="0"/>
+      <dgm:spPr/>
+    </dgm:pt>
+    <dgm:pt modelId="{696C8467-34A4-45C4-A2D6-0C14AEA41C32}" type="pres">
+      <dgm:prSet presAssocID="{7517EC93-4399-43A1-9893-40780B82B15A}" presName="hierChild5" presStyleCnt="0"/>
+      <dgm:spPr/>
+    </dgm:pt>
+    <dgm:pt modelId="{30B02C53-0628-4F5C-89A2-833C26F5788D}" type="pres">
+      <dgm:prSet presAssocID="{7033A478-4ADA-4D07-9A98-EF5CEE31499E}" presName="hierChild3" presStyleCnt="0"/>
+      <dgm:spPr/>
+    </dgm:pt>
+  </dgm:ptLst>
+  <dgm:cxnLst>
+    <dgm:cxn modelId="{D0B9C303-C565-479A-88F4-52F92CCD68AE}" srcId="{7033A478-4ADA-4D07-9A98-EF5CEE31499E}" destId="{A2618B5C-827C-40BC-9F0D-15C37CCAD5AA}" srcOrd="1" destOrd="0" parTransId="{A2D3ACE0-6935-4B70-91B7-7985479AE33B}" sibTransId="{FBEB3F40-8140-4F38-845E-3F4102D3F418}"/>
+    <dgm:cxn modelId="{DE0FB123-7405-417C-A12E-0EF1E0C241E5}" type="presOf" srcId="{39960D52-F332-4BED-966C-4EF34DAC8AA7}" destId="{3E5E65E6-E5E5-4122-803F-3A15B9E4BD5F}" srcOrd="1" destOrd="0" presId="urn:microsoft.com/office/officeart/2005/8/layout/orgChart1"/>
+    <dgm:cxn modelId="{3B897837-65EF-409A-B84E-E4855E73AA3E}" type="presOf" srcId="{A5B3AA09-1C34-4FB3-BE31-3869BE51646C}" destId="{AA2EA777-9770-446A-A584-87DF66D46D97}" srcOrd="0" destOrd="0" presId="urn:microsoft.com/office/officeart/2005/8/layout/orgChart1"/>
+    <dgm:cxn modelId="{C279223C-7ED9-4690-8F5F-007073BC9FA1}" srcId="{614973AD-4733-41FE-907D-FBC145732330}" destId="{7033A478-4ADA-4D07-9A98-EF5CEE31499E}" srcOrd="0" destOrd="0" parTransId="{5F508EC6-7F50-4CF4-896E-7491163FB0DE}" sibTransId="{A7920F49-6142-4298-AC10-1067DFFD948E}"/>
+    <dgm:cxn modelId="{08897541-F807-48DC-860E-76297D6440D3}" type="presOf" srcId="{7033A478-4ADA-4D07-9A98-EF5CEE31499E}" destId="{D0DDB9CB-31D8-4BCC-9A71-0DFA42BE91A6}" srcOrd="0" destOrd="0" presId="urn:microsoft.com/office/officeart/2005/8/layout/orgChart1"/>
+    <dgm:cxn modelId="{45C89159-5439-4537-BF69-BC352EB229C7}" type="presOf" srcId="{A2D3ACE0-6935-4B70-91B7-7985479AE33B}" destId="{9F5ED5E0-1F81-4465-ACAF-9465385B7295}" srcOrd="0" destOrd="0" presId="urn:microsoft.com/office/officeart/2005/8/layout/orgChart1"/>
+    <dgm:cxn modelId="{81184484-DC00-4C5C-849C-5DDA20647000}" type="presOf" srcId="{A2618B5C-827C-40BC-9F0D-15C37CCAD5AA}" destId="{D291A922-366D-4BD3-937C-ADE69E2D75AA}" srcOrd="0" destOrd="0" presId="urn:microsoft.com/office/officeart/2005/8/layout/orgChart1"/>
+    <dgm:cxn modelId="{2E26FC95-AC45-4697-9E94-C656DB4AC6D5}" type="presOf" srcId="{39960D52-F332-4BED-966C-4EF34DAC8AA7}" destId="{13339AC5-36A2-4D28-B309-8DB60ACC9B7D}" srcOrd="0" destOrd="0" presId="urn:microsoft.com/office/officeart/2005/8/layout/orgChart1"/>
+    <dgm:cxn modelId="{C5F5EEA9-7F0A-4B80-A6F2-DB85CF616904}" type="presOf" srcId="{1F546421-FD95-4AB6-8EE3-C0680FB93E0F}" destId="{D1F873AC-A56A-4C89-9BD6-9D344C031273}" srcOrd="0" destOrd="0" presId="urn:microsoft.com/office/officeart/2005/8/layout/orgChart1"/>
+    <dgm:cxn modelId="{BF14D8AD-C187-46C0-BD25-53E05104FA08}" srcId="{7033A478-4ADA-4D07-9A98-EF5CEE31499E}" destId="{7517EC93-4399-43A1-9893-40780B82B15A}" srcOrd="2" destOrd="0" parTransId="{A5B3AA09-1C34-4FB3-BE31-3869BE51646C}" sibTransId="{2265D135-B293-41FD-99F6-ACB7EEB70D52}"/>
+    <dgm:cxn modelId="{716B57B3-9BDB-4068-9DBF-9D5B01C62F08}" type="presOf" srcId="{7517EC93-4399-43A1-9893-40780B82B15A}" destId="{E31A028E-91C1-4AC3-AC64-7D76188B705A}" srcOrd="0" destOrd="0" presId="urn:microsoft.com/office/officeart/2005/8/layout/orgChart1"/>
+    <dgm:cxn modelId="{EB84D7C0-E939-44F9-938E-6C732975B0F8}" srcId="{7033A478-4ADA-4D07-9A98-EF5CEE31499E}" destId="{39960D52-F332-4BED-966C-4EF34DAC8AA7}" srcOrd="0" destOrd="0" parTransId="{1F546421-FD95-4AB6-8EE3-C0680FB93E0F}" sibTransId="{DF8E9B33-DDD4-43BF-B3B4-CEBD9CD9B67F}"/>
+    <dgm:cxn modelId="{63F838C2-4AA5-4BB7-A423-00F075A35561}" type="presOf" srcId="{614973AD-4733-41FE-907D-FBC145732330}" destId="{82D279FA-9515-4FC5-BA74-7B2637088CD6}" srcOrd="0" destOrd="0" presId="urn:microsoft.com/office/officeart/2005/8/layout/orgChart1"/>
+    <dgm:cxn modelId="{3C14A2C9-A612-4BC2-B603-8CD7FE9A5647}" type="presOf" srcId="{7033A478-4ADA-4D07-9A98-EF5CEE31499E}" destId="{B6AAC742-03DF-4D31-892D-1DC5A5D9914B}" srcOrd="1" destOrd="0" presId="urn:microsoft.com/office/officeart/2005/8/layout/orgChart1"/>
+    <dgm:cxn modelId="{8CD195DA-2A5C-450E-9FBB-538701114845}" type="presOf" srcId="{7517EC93-4399-43A1-9893-40780B82B15A}" destId="{9125467A-AB50-4615-915E-B52F5D9D71A8}" srcOrd="1" destOrd="0" presId="urn:microsoft.com/office/officeart/2005/8/layout/orgChart1"/>
+    <dgm:cxn modelId="{B253DCF9-DB82-4764-BCBB-B02F583192D3}" type="presOf" srcId="{A2618B5C-827C-40BC-9F0D-15C37CCAD5AA}" destId="{437575F6-4E33-4690-A8D6-CF7D2D565927}" srcOrd="1" destOrd="0" presId="urn:microsoft.com/office/officeart/2005/8/layout/orgChart1"/>
+    <dgm:cxn modelId="{FD466383-EB3D-42C3-A865-074A3F7D38BE}" type="presParOf" srcId="{82D279FA-9515-4FC5-BA74-7B2637088CD6}" destId="{1BD39DF6-5D2E-4B52-B254-4B170C06CF12}" srcOrd="0" destOrd="0" presId="urn:microsoft.com/office/officeart/2005/8/layout/orgChart1"/>
+    <dgm:cxn modelId="{F3A70C6A-260A-4B31-A691-BA8AB5CD046C}" type="presParOf" srcId="{1BD39DF6-5D2E-4B52-B254-4B170C06CF12}" destId="{F97FE96E-8794-41F4-B987-0F66412E124F}" srcOrd="0" destOrd="0" presId="urn:microsoft.com/office/officeart/2005/8/layout/orgChart1"/>
+    <dgm:cxn modelId="{B1DF1B54-D3FF-4A30-A557-BBF3C4ED52FD}" type="presParOf" srcId="{F97FE96E-8794-41F4-B987-0F66412E124F}" destId="{D0DDB9CB-31D8-4BCC-9A71-0DFA42BE91A6}" srcOrd="0" destOrd="0" presId="urn:microsoft.com/office/officeart/2005/8/layout/orgChart1"/>
+    <dgm:cxn modelId="{52002EDC-BA0B-470D-AC76-F4EE06B563E0}" type="presParOf" srcId="{F97FE96E-8794-41F4-B987-0F66412E124F}" destId="{B6AAC742-03DF-4D31-892D-1DC5A5D9914B}" srcOrd="1" destOrd="0" presId="urn:microsoft.com/office/officeart/2005/8/layout/orgChart1"/>
+    <dgm:cxn modelId="{622E9004-F325-46C4-A46E-6E390E27EB0B}" type="presParOf" srcId="{1BD39DF6-5D2E-4B52-B254-4B170C06CF12}" destId="{B5CF2807-D7D2-47B7-988C-11E3B10AB6CF}" srcOrd="1" destOrd="0" presId="urn:microsoft.com/office/officeart/2005/8/layout/orgChart1"/>
+    <dgm:cxn modelId="{77F0FD16-24AE-42E5-A69A-5119FAE08C50}" type="presParOf" srcId="{B5CF2807-D7D2-47B7-988C-11E3B10AB6CF}" destId="{D1F873AC-A56A-4C89-9BD6-9D344C031273}" srcOrd="0" destOrd="0" presId="urn:microsoft.com/office/officeart/2005/8/layout/orgChart1"/>
+    <dgm:cxn modelId="{AD57A23E-A2CD-447B-B776-8DD2940D66F3}" type="presParOf" srcId="{B5CF2807-D7D2-47B7-988C-11E3B10AB6CF}" destId="{2CE675C5-5409-4A2C-BA30-76A268FFFD37}" srcOrd="1" destOrd="0" presId="urn:microsoft.com/office/officeart/2005/8/layout/orgChart1"/>
+    <dgm:cxn modelId="{7C60040C-1677-46F5-B045-FC24736E9997}" type="presParOf" srcId="{2CE675C5-5409-4A2C-BA30-76A268FFFD37}" destId="{9FFA51B5-91F1-4B34-9CD8-8E7730F5054B}" srcOrd="0" destOrd="0" presId="urn:microsoft.com/office/officeart/2005/8/layout/orgChart1"/>
+    <dgm:cxn modelId="{163B50EF-514B-4302-B56C-742E2263E12E}" type="presParOf" srcId="{9FFA51B5-91F1-4B34-9CD8-8E7730F5054B}" destId="{13339AC5-36A2-4D28-B309-8DB60ACC9B7D}" srcOrd="0" destOrd="0" presId="urn:microsoft.com/office/officeart/2005/8/layout/orgChart1"/>
+    <dgm:cxn modelId="{3CF349CD-5C35-4A1D-B620-7E983681BADA}" type="presParOf" srcId="{9FFA51B5-91F1-4B34-9CD8-8E7730F5054B}" destId="{3E5E65E6-E5E5-4122-803F-3A15B9E4BD5F}" srcOrd="1" destOrd="0" presId="urn:microsoft.com/office/officeart/2005/8/layout/orgChart1"/>
+    <dgm:cxn modelId="{ED8E3691-04C9-434A-B2FD-8870FFBA45E9}" type="presParOf" srcId="{2CE675C5-5409-4A2C-BA30-76A268FFFD37}" destId="{88883AA5-7861-48AC-BD8A-55D9B5769030}" srcOrd="1" destOrd="0" presId="urn:microsoft.com/office/officeart/2005/8/layout/orgChart1"/>
+    <dgm:cxn modelId="{08FD319A-3547-4A79-A98B-895FF964C795}" type="presParOf" srcId="{2CE675C5-5409-4A2C-BA30-76A268FFFD37}" destId="{F0AFD92E-FBA4-44C0-B375-0C886060A8E1}" srcOrd="2" destOrd="0" presId="urn:microsoft.com/office/officeart/2005/8/layout/orgChart1"/>
+    <dgm:cxn modelId="{6EAC4E51-27CD-4846-AB0F-71FE517FEB07}" type="presParOf" srcId="{B5CF2807-D7D2-47B7-988C-11E3B10AB6CF}" destId="{9F5ED5E0-1F81-4465-ACAF-9465385B7295}" srcOrd="2" destOrd="0" presId="urn:microsoft.com/office/officeart/2005/8/layout/orgChart1"/>
+    <dgm:cxn modelId="{7DDE0C60-5A03-49F5-8AF5-E86F4ADD1FDE}" type="presParOf" srcId="{B5CF2807-D7D2-47B7-988C-11E3B10AB6CF}" destId="{13B913C3-6894-431E-B7AF-0AC55F16B236}" srcOrd="3" destOrd="0" presId="urn:microsoft.com/office/officeart/2005/8/layout/orgChart1"/>
+    <dgm:cxn modelId="{4DCE7AF0-8E5B-4D20-BA89-994C8C8375EC}" type="presParOf" srcId="{13B913C3-6894-431E-B7AF-0AC55F16B236}" destId="{47688D4B-5A7F-4C9B-A80B-35204A1594D5}" srcOrd="0" destOrd="0" presId="urn:microsoft.com/office/officeart/2005/8/layout/orgChart1"/>
+    <dgm:cxn modelId="{17635699-1EEF-4A5E-9618-5F2C2FB506CA}" type="presParOf" srcId="{47688D4B-5A7F-4C9B-A80B-35204A1594D5}" destId="{D291A922-366D-4BD3-937C-ADE69E2D75AA}" srcOrd="0" destOrd="0" presId="urn:microsoft.com/office/officeart/2005/8/layout/orgChart1"/>
+    <dgm:cxn modelId="{2F4D28CC-C968-4E13-BB92-6EBE373B1B3C}" type="presParOf" srcId="{47688D4B-5A7F-4C9B-A80B-35204A1594D5}" destId="{437575F6-4E33-4690-A8D6-CF7D2D565927}" srcOrd="1" destOrd="0" presId="urn:microsoft.com/office/officeart/2005/8/layout/orgChart1"/>
+    <dgm:cxn modelId="{B5D3CB40-362F-443F-9794-9574C0276AE1}" type="presParOf" srcId="{13B913C3-6894-431E-B7AF-0AC55F16B236}" destId="{10CFCBCB-6531-42D1-B117-EBCA20BA7133}" srcOrd="1" destOrd="0" presId="urn:microsoft.com/office/officeart/2005/8/layout/orgChart1"/>
+    <dgm:cxn modelId="{3A690CF5-70F1-41E6-9895-01A111F4966A}" type="presParOf" srcId="{13B913C3-6894-431E-B7AF-0AC55F16B236}" destId="{C7E457EF-B2A4-4F0D-B04C-0517071C7AD2}" srcOrd="2" destOrd="0" presId="urn:microsoft.com/office/officeart/2005/8/layout/orgChart1"/>
+    <dgm:cxn modelId="{5F46E7E2-306B-48F2-88BD-55C1DB55A115}" type="presParOf" srcId="{B5CF2807-D7D2-47B7-988C-11E3B10AB6CF}" destId="{AA2EA777-9770-446A-A584-87DF66D46D97}" srcOrd="4" destOrd="0" presId="urn:microsoft.com/office/officeart/2005/8/layout/orgChart1"/>
+    <dgm:cxn modelId="{F9E16A51-BF0B-474D-83E7-E8C2E6CB2B26}" type="presParOf" srcId="{B5CF2807-D7D2-47B7-988C-11E3B10AB6CF}" destId="{06A97228-FE02-431B-A5C1-A5034B8052F9}" srcOrd="5" destOrd="0" presId="urn:microsoft.com/office/officeart/2005/8/layout/orgChart1"/>
+    <dgm:cxn modelId="{0C3563A9-2658-49D0-A6DC-58C7DFDB7FC0}" type="presParOf" srcId="{06A97228-FE02-431B-A5C1-A5034B8052F9}" destId="{5C9CAA78-FAA6-4E61-8A97-F05F204A6FE2}" srcOrd="0" destOrd="0" presId="urn:microsoft.com/office/officeart/2005/8/layout/orgChart1"/>
+    <dgm:cxn modelId="{767AEEF3-7930-4460-A523-579A899DCFD6}" type="presParOf" srcId="{5C9CAA78-FAA6-4E61-8A97-F05F204A6FE2}" destId="{E31A028E-91C1-4AC3-AC64-7D76188B705A}" srcOrd="0" destOrd="0" presId="urn:microsoft.com/office/officeart/2005/8/layout/orgChart1"/>
+    <dgm:cxn modelId="{FE8920AB-624C-44FC-80E8-BD296516426F}" type="presParOf" srcId="{5C9CAA78-FAA6-4E61-8A97-F05F204A6FE2}" destId="{9125467A-AB50-4615-915E-B52F5D9D71A8}" srcOrd="1" destOrd="0" presId="urn:microsoft.com/office/officeart/2005/8/layout/orgChart1"/>
+    <dgm:cxn modelId="{94C95CBD-475E-490D-AEC8-1AB3DB7CF939}" type="presParOf" srcId="{06A97228-FE02-431B-A5C1-A5034B8052F9}" destId="{B17133CA-4472-4BB3-9B95-DC63646B2D63}" srcOrd="1" destOrd="0" presId="urn:microsoft.com/office/officeart/2005/8/layout/orgChart1"/>
+    <dgm:cxn modelId="{9122DE54-DDF8-4B4F-AC6C-9216EE0F89EE}" type="presParOf" srcId="{06A97228-FE02-431B-A5C1-A5034B8052F9}" destId="{696C8467-34A4-45C4-A2D6-0C14AEA41C32}" srcOrd="2" destOrd="0" presId="urn:microsoft.com/office/officeart/2005/8/layout/orgChart1"/>
+    <dgm:cxn modelId="{FF55B684-084F-4EDD-936C-78F825D4A9D5}" type="presParOf" srcId="{1BD39DF6-5D2E-4B52-B254-4B170C06CF12}" destId="{30B02C53-0628-4F5C-89A2-833C26F5788D}" srcOrd="2" destOrd="0" presId="urn:microsoft.com/office/officeart/2005/8/layout/orgChart1"/>
+  </dgm:cxnLst>
+  <dgm:bg/>
+  <dgm:whole/>
+  <dgm:extLst>
+    <a:ext uri="http://schemas.microsoft.com/office/drawing/2008/diagram">
+      <dsp:dataModelExt xmlns:dsp="http://schemas.microsoft.com/office/drawing/2008/diagram" relId="rId7" minVer="http://schemas.openxmlformats.org/drawingml/2006/diagram"/>
+    </a:ext>
+  </dgm:extLst>
+</dgm:dataModel>
+</file>
+
+<file path=ppt/diagrams/data2.xml><?xml version="1.0" encoding="utf-8"?>
+<dgm:dataModel xmlns:dgm="http://schemas.openxmlformats.org/drawingml/2006/diagram" xmlns:a="http://schemas.openxmlformats.org/drawingml/2006/main">
+  <dgm:ptLst>
+    <dgm:pt modelId="{78CBA655-3F07-4991-B4AB-3E2B6CC19D92}" type="doc">
+      <dgm:prSet loTypeId="urn:microsoft.com/office/officeart/2005/8/layout/orgChart1" loCatId="hierarchy" qsTypeId="urn:microsoft.com/office/officeart/2005/8/quickstyle/simple1" qsCatId="simple" csTypeId="urn:microsoft.com/office/officeart/2005/8/colors/accent1_2" csCatId="accent1" phldr="1"/>
+      <dgm:spPr/>
+      <dgm:t>
+        <a:bodyPr/>
+        <a:lstStyle/>
+        <a:p>
+          <a:endParaRPr lang="ru-RU"/>
+        </a:p>
+      </dgm:t>
+    </dgm:pt>
+    <dgm:pt modelId="{632FD49B-B839-4AA1-97DF-EE1B737CB3D7}">
+      <dgm:prSet phldrT="[Текст]"/>
+      <dgm:spPr/>
+      <dgm:t>
+        <a:bodyPr/>
+        <a:lstStyle/>
+        <a:p>
+          <a:r>
+            <a:rPr lang="ru-RU" dirty="0"/>
+            <a:t>Поведение</a:t>
+          </a:r>
+        </a:p>
+      </dgm:t>
+    </dgm:pt>
+    <dgm:pt modelId="{9C37A234-131C-4DF7-93B1-8B5357378D18}" type="parTrans" cxnId="{0DC5FC78-9B17-40B6-AF9D-F65C6AD54CF8}">
+      <dgm:prSet/>
+      <dgm:spPr/>
+      <dgm:t>
+        <a:bodyPr/>
+        <a:lstStyle/>
+        <a:p>
+          <a:endParaRPr lang="ru-RU"/>
+        </a:p>
+      </dgm:t>
+    </dgm:pt>
+    <dgm:pt modelId="{C64EC40F-07A8-4C76-967C-AB3E6FF17C23}" type="sibTrans" cxnId="{0DC5FC78-9B17-40B6-AF9D-F65C6AD54CF8}">
+      <dgm:prSet/>
+      <dgm:spPr/>
+      <dgm:t>
+        <a:bodyPr/>
+        <a:lstStyle/>
+        <a:p>
+          <a:endParaRPr lang="ru-RU"/>
+        </a:p>
+      </dgm:t>
+    </dgm:pt>
+    <dgm:pt modelId="{FC26FBE5-A4BD-433F-A975-AD127C5617B7}">
+      <dgm:prSet phldrT="[Текст]"/>
+      <dgm:spPr/>
+      <dgm:t>
+        <a:bodyPr/>
+        <a:lstStyle/>
+        <a:p>
+          <a:r>
+            <a:rPr lang="ru-RU" dirty="0"/>
+            <a:t>Разум (рациональность)</a:t>
+          </a:r>
+        </a:p>
+      </dgm:t>
+    </dgm:pt>
+    <dgm:pt modelId="{DC964DE2-23BE-43B0-AE02-DDC346B29DE0}" type="parTrans" cxnId="{28470DDB-4E97-44B2-9ECF-DF658F473235}">
+      <dgm:prSet/>
+      <dgm:spPr/>
+      <dgm:t>
+        <a:bodyPr/>
+        <a:lstStyle/>
+        <a:p>
+          <a:endParaRPr lang="ru-RU"/>
+        </a:p>
+      </dgm:t>
+    </dgm:pt>
+    <dgm:pt modelId="{F3DEDA3A-6F07-4A34-9BD8-D1A992C17337}" type="sibTrans" cxnId="{28470DDB-4E97-44B2-9ECF-DF658F473235}">
+      <dgm:prSet/>
+      <dgm:spPr/>
+      <dgm:t>
+        <a:bodyPr/>
+        <a:lstStyle/>
+        <a:p>
+          <a:endParaRPr lang="ru-RU"/>
+        </a:p>
+      </dgm:t>
+    </dgm:pt>
+    <dgm:pt modelId="{3F8750C5-2787-43C1-8C4B-4F316ECF9B72}">
+      <dgm:prSet phldrT="[Текст]"/>
+      <dgm:spPr/>
+      <dgm:t>
+        <a:bodyPr/>
+        <a:lstStyle/>
+        <a:p>
+          <a:r>
+            <a:rPr lang="ru-RU" dirty="0"/>
+            <a:t>Желание (эмоция)</a:t>
+          </a:r>
+        </a:p>
+      </dgm:t>
+    </dgm:pt>
+    <dgm:pt modelId="{8DCD0114-F5E6-4D7B-AF33-D9D399B7A400}" type="parTrans" cxnId="{4A578C0B-9CAF-45B4-9815-B7DED5A508F7}">
+      <dgm:prSet/>
+      <dgm:spPr/>
+      <dgm:t>
+        <a:bodyPr/>
+        <a:lstStyle/>
+        <a:p>
+          <a:endParaRPr lang="ru-RU"/>
+        </a:p>
+      </dgm:t>
+    </dgm:pt>
+    <dgm:pt modelId="{A7786E6A-EA1F-4213-A2CB-E4A819EE0743}" type="sibTrans" cxnId="{4A578C0B-9CAF-45B4-9815-B7DED5A508F7}">
+      <dgm:prSet/>
+      <dgm:spPr/>
+      <dgm:t>
+        <a:bodyPr/>
+        <a:lstStyle/>
+        <a:p>
+          <a:endParaRPr lang="ru-RU"/>
+        </a:p>
+      </dgm:t>
+    </dgm:pt>
+    <dgm:pt modelId="{8C8988BF-99D7-43B8-BF0E-AF2FF9DBCD94}" type="pres">
+      <dgm:prSet presAssocID="{78CBA655-3F07-4991-B4AB-3E2B6CC19D92}" presName="hierChild1" presStyleCnt="0">
+        <dgm:presLayoutVars>
+          <dgm:orgChart val="1"/>
+          <dgm:chPref val="1"/>
+          <dgm:dir/>
+          <dgm:animOne val="branch"/>
+          <dgm:animLvl val="lvl"/>
+          <dgm:resizeHandles/>
+        </dgm:presLayoutVars>
+      </dgm:prSet>
+      <dgm:spPr/>
+    </dgm:pt>
+    <dgm:pt modelId="{009EF0A0-5BA0-496B-B6A1-B52942348AB0}" type="pres">
+      <dgm:prSet presAssocID="{632FD49B-B839-4AA1-97DF-EE1B737CB3D7}" presName="hierRoot1" presStyleCnt="0">
+        <dgm:presLayoutVars>
+          <dgm:hierBranch val="init"/>
+        </dgm:presLayoutVars>
+      </dgm:prSet>
+      <dgm:spPr/>
+    </dgm:pt>
+    <dgm:pt modelId="{3A8833CA-6402-40C6-AF31-423E6E3647E4}" type="pres">
+      <dgm:prSet presAssocID="{632FD49B-B839-4AA1-97DF-EE1B737CB3D7}" presName="rootComposite1" presStyleCnt="0"/>
+      <dgm:spPr/>
+    </dgm:pt>
+    <dgm:pt modelId="{68F3CB05-4BEC-4CD2-A8CA-51F15935E540}" type="pres">
+      <dgm:prSet presAssocID="{632FD49B-B839-4AA1-97DF-EE1B737CB3D7}" presName="rootText1" presStyleLbl="node0" presStyleIdx="0" presStyleCnt="1">
+        <dgm:presLayoutVars>
+          <dgm:chPref val="3"/>
+        </dgm:presLayoutVars>
+      </dgm:prSet>
+      <dgm:spPr/>
+    </dgm:pt>
+    <dgm:pt modelId="{B7F6B483-F8B8-425B-A6CB-8111193338A4}" type="pres">
+      <dgm:prSet presAssocID="{632FD49B-B839-4AA1-97DF-EE1B737CB3D7}" presName="rootConnector1" presStyleLbl="node1" presStyleIdx="0" presStyleCnt="0"/>
+      <dgm:spPr/>
+    </dgm:pt>
+    <dgm:pt modelId="{E326B73B-A2E6-4A95-A69A-FD04442F7C92}" type="pres">
+      <dgm:prSet presAssocID="{632FD49B-B839-4AA1-97DF-EE1B737CB3D7}" presName="hierChild2" presStyleCnt="0"/>
+      <dgm:spPr/>
+    </dgm:pt>
+    <dgm:pt modelId="{8F9F2830-3C05-4DDE-B1CC-7AAF7C96E81A}" type="pres">
+      <dgm:prSet presAssocID="{DC964DE2-23BE-43B0-AE02-DDC346B29DE0}" presName="Name37" presStyleLbl="parChTrans1D2" presStyleIdx="0" presStyleCnt="2"/>
+      <dgm:spPr/>
+    </dgm:pt>
+    <dgm:pt modelId="{9EB3CDF5-B120-4510-9A76-CBB27F97009D}" type="pres">
+      <dgm:prSet presAssocID="{FC26FBE5-A4BD-433F-A975-AD127C5617B7}" presName="hierRoot2" presStyleCnt="0">
+        <dgm:presLayoutVars>
+          <dgm:hierBranch val="init"/>
+        </dgm:presLayoutVars>
+      </dgm:prSet>
+      <dgm:spPr/>
+    </dgm:pt>
+    <dgm:pt modelId="{E849C017-5D16-4D92-9C72-0566ECA165BD}" type="pres">
+      <dgm:prSet presAssocID="{FC26FBE5-A4BD-433F-A975-AD127C5617B7}" presName="rootComposite" presStyleCnt="0"/>
+      <dgm:spPr/>
+    </dgm:pt>
+    <dgm:pt modelId="{E76C3BD1-D301-4843-8E7B-23A25F0BC769}" type="pres">
+      <dgm:prSet presAssocID="{FC26FBE5-A4BD-433F-A975-AD127C5617B7}" presName="rootText" presStyleLbl="node2" presStyleIdx="0" presStyleCnt="2">
+        <dgm:presLayoutVars>
+          <dgm:chPref val="3"/>
+        </dgm:presLayoutVars>
+      </dgm:prSet>
+      <dgm:spPr/>
+    </dgm:pt>
+    <dgm:pt modelId="{E76296C2-9893-4941-A24F-6B11B36417C0}" type="pres">
+      <dgm:prSet presAssocID="{FC26FBE5-A4BD-433F-A975-AD127C5617B7}" presName="rootConnector" presStyleLbl="node2" presStyleIdx="0" presStyleCnt="2"/>
+      <dgm:spPr/>
+    </dgm:pt>
+    <dgm:pt modelId="{287EB1B7-21B4-4321-8797-29225298961D}" type="pres">
+      <dgm:prSet presAssocID="{FC26FBE5-A4BD-433F-A975-AD127C5617B7}" presName="hierChild4" presStyleCnt="0"/>
+      <dgm:spPr/>
+    </dgm:pt>
+    <dgm:pt modelId="{2164D10E-71A3-465A-9828-C52525B1904E}" type="pres">
+      <dgm:prSet presAssocID="{FC26FBE5-A4BD-433F-A975-AD127C5617B7}" presName="hierChild5" presStyleCnt="0"/>
+      <dgm:spPr/>
+    </dgm:pt>
+    <dgm:pt modelId="{DFAAA455-9AB1-4F7B-91E8-0297237CF495}" type="pres">
+      <dgm:prSet presAssocID="{8DCD0114-F5E6-4D7B-AF33-D9D399B7A400}" presName="Name37" presStyleLbl="parChTrans1D2" presStyleIdx="1" presStyleCnt="2"/>
+      <dgm:spPr/>
+    </dgm:pt>
+    <dgm:pt modelId="{DCA89E1B-05FE-41CB-821B-D50A2652E703}" type="pres">
+      <dgm:prSet presAssocID="{3F8750C5-2787-43C1-8C4B-4F316ECF9B72}" presName="hierRoot2" presStyleCnt="0">
+        <dgm:presLayoutVars>
+          <dgm:hierBranch val="init"/>
+        </dgm:presLayoutVars>
+      </dgm:prSet>
+      <dgm:spPr/>
+    </dgm:pt>
+    <dgm:pt modelId="{0B968024-354D-47A2-8E0B-67A052E55E25}" type="pres">
+      <dgm:prSet presAssocID="{3F8750C5-2787-43C1-8C4B-4F316ECF9B72}" presName="rootComposite" presStyleCnt="0"/>
+      <dgm:spPr/>
+    </dgm:pt>
+    <dgm:pt modelId="{DD912CB7-F9BE-4632-AB9B-EE60912F83DF}" type="pres">
+      <dgm:prSet presAssocID="{3F8750C5-2787-43C1-8C4B-4F316ECF9B72}" presName="rootText" presStyleLbl="node2" presStyleIdx="1" presStyleCnt="2">
+        <dgm:presLayoutVars>
+          <dgm:chPref val="3"/>
+        </dgm:presLayoutVars>
+      </dgm:prSet>
+      <dgm:spPr/>
+    </dgm:pt>
+    <dgm:pt modelId="{ADDBC52F-4FCA-4B47-A6CE-F09E60267925}" type="pres">
+      <dgm:prSet presAssocID="{3F8750C5-2787-43C1-8C4B-4F316ECF9B72}" presName="rootConnector" presStyleLbl="node2" presStyleIdx="1" presStyleCnt="2"/>
+      <dgm:spPr/>
+    </dgm:pt>
+    <dgm:pt modelId="{5059BAD3-138B-498C-8B1E-63CC2EA8AF34}" type="pres">
+      <dgm:prSet presAssocID="{3F8750C5-2787-43C1-8C4B-4F316ECF9B72}" presName="hierChild4" presStyleCnt="0"/>
+      <dgm:spPr/>
+    </dgm:pt>
+    <dgm:pt modelId="{D86B6970-60B8-4154-AFFD-5CBB95141A23}" type="pres">
+      <dgm:prSet presAssocID="{3F8750C5-2787-43C1-8C4B-4F316ECF9B72}" presName="hierChild5" presStyleCnt="0"/>
+      <dgm:spPr/>
+    </dgm:pt>
+    <dgm:pt modelId="{F094F3F9-D50E-482F-B267-606DC0EC4AF8}" type="pres">
+      <dgm:prSet presAssocID="{632FD49B-B839-4AA1-97DF-EE1B737CB3D7}" presName="hierChild3" presStyleCnt="0"/>
+      <dgm:spPr/>
+    </dgm:pt>
+  </dgm:ptLst>
+  <dgm:cxnLst>
+    <dgm:cxn modelId="{15614009-5585-481D-B59F-B0AD9A021949}" type="presOf" srcId="{3F8750C5-2787-43C1-8C4B-4F316ECF9B72}" destId="{ADDBC52F-4FCA-4B47-A6CE-F09E60267925}" srcOrd="1" destOrd="0" presId="urn:microsoft.com/office/officeart/2005/8/layout/orgChart1"/>
+    <dgm:cxn modelId="{4A578C0B-9CAF-45B4-9815-B7DED5A508F7}" srcId="{632FD49B-B839-4AA1-97DF-EE1B737CB3D7}" destId="{3F8750C5-2787-43C1-8C4B-4F316ECF9B72}" srcOrd="1" destOrd="0" parTransId="{8DCD0114-F5E6-4D7B-AF33-D9D399B7A400}" sibTransId="{A7786E6A-EA1F-4213-A2CB-E4A819EE0743}"/>
+    <dgm:cxn modelId="{AC1EAF62-1A6B-4440-8D43-4025FE79E01F}" type="presOf" srcId="{632FD49B-B839-4AA1-97DF-EE1B737CB3D7}" destId="{B7F6B483-F8B8-425B-A6CB-8111193338A4}" srcOrd="1" destOrd="0" presId="urn:microsoft.com/office/officeart/2005/8/layout/orgChart1"/>
+    <dgm:cxn modelId="{002CC048-398C-48E2-A73F-F70C5B8214A8}" type="presOf" srcId="{78CBA655-3F07-4991-B4AB-3E2B6CC19D92}" destId="{8C8988BF-99D7-43B8-BF0E-AF2FF9DBCD94}" srcOrd="0" destOrd="0" presId="urn:microsoft.com/office/officeart/2005/8/layout/orgChart1"/>
+    <dgm:cxn modelId="{E7A00178-2A29-41EA-9C8D-5CE740BBF50C}" type="presOf" srcId="{3F8750C5-2787-43C1-8C4B-4F316ECF9B72}" destId="{DD912CB7-F9BE-4632-AB9B-EE60912F83DF}" srcOrd="0" destOrd="0" presId="urn:microsoft.com/office/officeart/2005/8/layout/orgChart1"/>
+    <dgm:cxn modelId="{0DC5FC78-9B17-40B6-AF9D-F65C6AD54CF8}" srcId="{78CBA655-3F07-4991-B4AB-3E2B6CC19D92}" destId="{632FD49B-B839-4AA1-97DF-EE1B737CB3D7}" srcOrd="0" destOrd="0" parTransId="{9C37A234-131C-4DF7-93B1-8B5357378D18}" sibTransId="{C64EC40F-07A8-4C76-967C-AB3E6FF17C23}"/>
+    <dgm:cxn modelId="{01E5F95A-08C1-46AD-AB9B-00C4999AD152}" type="presOf" srcId="{FC26FBE5-A4BD-433F-A975-AD127C5617B7}" destId="{E76296C2-9893-4941-A24F-6B11B36417C0}" srcOrd="1" destOrd="0" presId="urn:microsoft.com/office/officeart/2005/8/layout/orgChart1"/>
+    <dgm:cxn modelId="{1DDA10A0-5600-4E1C-98C4-3000B439A834}" type="presOf" srcId="{DC964DE2-23BE-43B0-AE02-DDC346B29DE0}" destId="{8F9F2830-3C05-4DDE-B1CC-7AAF7C96E81A}" srcOrd="0" destOrd="0" presId="urn:microsoft.com/office/officeart/2005/8/layout/orgChart1"/>
+    <dgm:cxn modelId="{A33B26AD-C15D-41D7-8867-76A299E0F4AA}" type="presOf" srcId="{8DCD0114-F5E6-4D7B-AF33-D9D399B7A400}" destId="{DFAAA455-9AB1-4F7B-91E8-0297237CF495}" srcOrd="0" destOrd="0" presId="urn:microsoft.com/office/officeart/2005/8/layout/orgChart1"/>
+    <dgm:cxn modelId="{28470DDB-4E97-44B2-9ECF-DF658F473235}" srcId="{632FD49B-B839-4AA1-97DF-EE1B737CB3D7}" destId="{FC26FBE5-A4BD-433F-A975-AD127C5617B7}" srcOrd="0" destOrd="0" parTransId="{DC964DE2-23BE-43B0-AE02-DDC346B29DE0}" sibTransId="{F3DEDA3A-6F07-4A34-9BD8-D1A992C17337}"/>
+    <dgm:cxn modelId="{1D004DE4-C43E-4E9B-A192-4325A1530DEB}" type="presOf" srcId="{FC26FBE5-A4BD-433F-A975-AD127C5617B7}" destId="{E76C3BD1-D301-4843-8E7B-23A25F0BC769}" srcOrd="0" destOrd="0" presId="urn:microsoft.com/office/officeart/2005/8/layout/orgChart1"/>
+    <dgm:cxn modelId="{1C60C5F7-5BAA-4AAF-AD21-95601084EB48}" type="presOf" srcId="{632FD49B-B839-4AA1-97DF-EE1B737CB3D7}" destId="{68F3CB05-4BEC-4CD2-A8CA-51F15935E540}" srcOrd="0" destOrd="0" presId="urn:microsoft.com/office/officeart/2005/8/layout/orgChart1"/>
+    <dgm:cxn modelId="{4CA6F00F-53C5-4BAE-9EB1-E990BA3EC46C}" type="presParOf" srcId="{8C8988BF-99D7-43B8-BF0E-AF2FF9DBCD94}" destId="{009EF0A0-5BA0-496B-B6A1-B52942348AB0}" srcOrd="0" destOrd="0" presId="urn:microsoft.com/office/officeart/2005/8/layout/orgChart1"/>
+    <dgm:cxn modelId="{0F165EF4-7506-4B8D-A1DE-AC2A928C94CA}" type="presParOf" srcId="{009EF0A0-5BA0-496B-B6A1-B52942348AB0}" destId="{3A8833CA-6402-40C6-AF31-423E6E3647E4}" srcOrd="0" destOrd="0" presId="urn:microsoft.com/office/officeart/2005/8/layout/orgChart1"/>
+    <dgm:cxn modelId="{2C268B29-6AE4-4A1E-834F-E647B556A94E}" type="presParOf" srcId="{3A8833CA-6402-40C6-AF31-423E6E3647E4}" destId="{68F3CB05-4BEC-4CD2-A8CA-51F15935E540}" srcOrd="0" destOrd="0" presId="urn:microsoft.com/office/officeart/2005/8/layout/orgChart1"/>
+    <dgm:cxn modelId="{EA3AF326-BCA3-4C0B-9FB4-E69C4F3472AC}" type="presParOf" srcId="{3A8833CA-6402-40C6-AF31-423E6E3647E4}" destId="{B7F6B483-F8B8-425B-A6CB-8111193338A4}" srcOrd="1" destOrd="0" presId="urn:microsoft.com/office/officeart/2005/8/layout/orgChart1"/>
+    <dgm:cxn modelId="{FD79B0F0-8FB9-4F6F-BEEC-E8A65712BD9A}" type="presParOf" srcId="{009EF0A0-5BA0-496B-B6A1-B52942348AB0}" destId="{E326B73B-A2E6-4A95-A69A-FD04442F7C92}" srcOrd="1" destOrd="0" presId="urn:microsoft.com/office/officeart/2005/8/layout/orgChart1"/>
+    <dgm:cxn modelId="{5F0C636B-76CB-4B7F-82FD-2DB3A889D636}" type="presParOf" srcId="{E326B73B-A2E6-4A95-A69A-FD04442F7C92}" destId="{8F9F2830-3C05-4DDE-B1CC-7AAF7C96E81A}" srcOrd="0" destOrd="0" presId="urn:microsoft.com/office/officeart/2005/8/layout/orgChart1"/>
+    <dgm:cxn modelId="{7BEC7A35-5467-4132-AEAE-A253B616382F}" type="presParOf" srcId="{E326B73B-A2E6-4A95-A69A-FD04442F7C92}" destId="{9EB3CDF5-B120-4510-9A76-CBB27F97009D}" srcOrd="1" destOrd="0" presId="urn:microsoft.com/office/officeart/2005/8/layout/orgChart1"/>
+    <dgm:cxn modelId="{F7AF9EF0-10D0-43BD-9CDD-A2D1556C7FCF}" type="presParOf" srcId="{9EB3CDF5-B120-4510-9A76-CBB27F97009D}" destId="{E849C017-5D16-4D92-9C72-0566ECA165BD}" srcOrd="0" destOrd="0" presId="urn:microsoft.com/office/officeart/2005/8/layout/orgChart1"/>
+    <dgm:cxn modelId="{C14E08E6-8887-463F-97D0-41E405CE44BB}" type="presParOf" srcId="{E849C017-5D16-4D92-9C72-0566ECA165BD}" destId="{E76C3BD1-D301-4843-8E7B-23A25F0BC769}" srcOrd="0" destOrd="0" presId="urn:microsoft.com/office/officeart/2005/8/layout/orgChart1"/>
+    <dgm:cxn modelId="{85160C7C-3C28-4032-82B2-B6F7C0FFF654}" type="presParOf" srcId="{E849C017-5D16-4D92-9C72-0566ECA165BD}" destId="{E76296C2-9893-4941-A24F-6B11B36417C0}" srcOrd="1" destOrd="0" presId="urn:microsoft.com/office/officeart/2005/8/layout/orgChart1"/>
+    <dgm:cxn modelId="{530A3F14-7B19-48A5-8880-2230FC3F3419}" type="presParOf" srcId="{9EB3CDF5-B120-4510-9A76-CBB27F97009D}" destId="{287EB1B7-21B4-4321-8797-29225298961D}" srcOrd="1" destOrd="0" presId="urn:microsoft.com/office/officeart/2005/8/layout/orgChart1"/>
+    <dgm:cxn modelId="{A67A2268-D9A2-40B3-A759-D643C281386F}" type="presParOf" srcId="{9EB3CDF5-B120-4510-9A76-CBB27F97009D}" destId="{2164D10E-71A3-465A-9828-C52525B1904E}" srcOrd="2" destOrd="0" presId="urn:microsoft.com/office/officeart/2005/8/layout/orgChart1"/>
+    <dgm:cxn modelId="{E419DE0A-9EDE-4B62-B577-B9B133D0504A}" type="presParOf" srcId="{E326B73B-A2E6-4A95-A69A-FD04442F7C92}" destId="{DFAAA455-9AB1-4F7B-91E8-0297237CF495}" srcOrd="2" destOrd="0" presId="urn:microsoft.com/office/officeart/2005/8/layout/orgChart1"/>
+    <dgm:cxn modelId="{99A52654-8AD4-4D20-AC0C-329247D0F0A7}" type="presParOf" srcId="{E326B73B-A2E6-4A95-A69A-FD04442F7C92}" destId="{DCA89E1B-05FE-41CB-821B-D50A2652E703}" srcOrd="3" destOrd="0" presId="urn:microsoft.com/office/officeart/2005/8/layout/orgChart1"/>
+    <dgm:cxn modelId="{8BF18927-B9B5-410A-9013-F142E110B869}" type="presParOf" srcId="{DCA89E1B-05FE-41CB-821B-D50A2652E703}" destId="{0B968024-354D-47A2-8E0B-67A052E55E25}" srcOrd="0" destOrd="0" presId="urn:microsoft.com/office/officeart/2005/8/layout/orgChart1"/>
+    <dgm:cxn modelId="{2140B340-51A1-4B50-B582-0E409A900379}" type="presParOf" srcId="{0B968024-354D-47A2-8E0B-67A052E55E25}" destId="{DD912CB7-F9BE-4632-AB9B-EE60912F83DF}" srcOrd="0" destOrd="0" presId="urn:microsoft.com/office/officeart/2005/8/layout/orgChart1"/>
+    <dgm:cxn modelId="{FD678E95-DDD4-426D-B5EA-E0981F9D9C90}" type="presParOf" srcId="{0B968024-354D-47A2-8E0B-67A052E55E25}" destId="{ADDBC52F-4FCA-4B47-A6CE-F09E60267925}" srcOrd="1" destOrd="0" presId="urn:microsoft.com/office/officeart/2005/8/layout/orgChart1"/>
+    <dgm:cxn modelId="{5B5FE622-79C6-47DA-AE61-9637497F5A9A}" type="presParOf" srcId="{DCA89E1B-05FE-41CB-821B-D50A2652E703}" destId="{5059BAD3-138B-498C-8B1E-63CC2EA8AF34}" srcOrd="1" destOrd="0" presId="urn:microsoft.com/office/officeart/2005/8/layout/orgChart1"/>
+    <dgm:cxn modelId="{11011FCC-33F5-4917-A827-B3521D2E031F}" type="presParOf" srcId="{DCA89E1B-05FE-41CB-821B-D50A2652E703}" destId="{D86B6970-60B8-4154-AFFD-5CBB95141A23}" srcOrd="2" destOrd="0" presId="urn:microsoft.com/office/officeart/2005/8/layout/orgChart1"/>
+    <dgm:cxn modelId="{83FDC185-14D6-488C-8688-7A76A23AB695}" type="presParOf" srcId="{009EF0A0-5BA0-496B-B6A1-B52942348AB0}" destId="{F094F3F9-D50E-482F-B267-606DC0EC4AF8}" srcOrd="2" destOrd="0" presId="urn:microsoft.com/office/officeart/2005/8/layout/orgChart1"/>
+  </dgm:cxnLst>
+  <dgm:bg/>
+  <dgm:whole/>
+  <dgm:extLst>
+    <a:ext uri="http://schemas.microsoft.com/office/drawing/2008/diagram">
+      <dsp:dataModelExt xmlns:dsp="http://schemas.microsoft.com/office/drawing/2008/diagram" relId="rId7" minVer="http://schemas.openxmlformats.org/drawingml/2006/diagram"/>
+    </a:ext>
+  </dgm:extLst>
+</dgm:dataModel>
+</file>
+
+<file path=ppt/diagrams/drawing1.xml><?xml version="1.0" encoding="utf-8"?>
+<dsp:drawing xmlns:dgm="http://schemas.openxmlformats.org/drawingml/2006/diagram" xmlns:dsp="http://schemas.microsoft.com/office/drawing/2008/diagram" xmlns:a="http://schemas.openxmlformats.org/drawingml/2006/main">
+  <dsp:spTree>
+    <dsp:nvGrpSpPr>
+      <dsp:cNvPr id="0" name=""/>
+      <dsp:cNvGrpSpPr/>
+    </dsp:nvGrpSpPr>
+    <dsp:grpSpPr/>
+    <dsp:sp modelId="{AA2EA777-9770-446A-A584-87DF66D46D97}">
+      <dsp:nvSpPr>
+        <dsp:cNvPr id="0" name=""/>
+        <dsp:cNvSpPr/>
+      </dsp:nvSpPr>
+      <dsp:spPr>
+        <a:xfrm>
+          <a:off x="2803727" y="2537197"/>
+          <a:ext cx="1983657" cy="344271"/>
+        </a:xfrm>
+        <a:custGeom>
+          <a:avLst/>
+          <a:gdLst/>
+          <a:ahLst/>
+          <a:cxnLst/>
+          <a:rect l="0" t="0" r="0" b="0"/>
+          <a:pathLst>
+            <a:path>
+              <a:moveTo>
+                <a:pt x="0" y="0"/>
+              </a:moveTo>
+              <a:lnTo>
+                <a:pt x="0" y="172135"/>
+              </a:lnTo>
+              <a:lnTo>
+                <a:pt x="1983657" y="172135"/>
+              </a:lnTo>
+              <a:lnTo>
+                <a:pt x="1983657" y="344271"/>
+              </a:lnTo>
+            </a:path>
+          </a:pathLst>
+        </a:custGeom>
+        <a:noFill/>
+        <a:ln w="34925" cap="flat" cmpd="sng" algn="in">
+          <a:solidFill>
+            <a:schemeClr val="accent1">
+              <a:shade val="60000"/>
+              <a:hueOff val="0"/>
+              <a:satOff val="0"/>
+              <a:lumOff val="0"/>
+              <a:alphaOff val="0"/>
+            </a:schemeClr>
+          </a:solidFill>
+          <a:prstDash val="solid"/>
+        </a:ln>
+        <a:effectLst/>
+      </dsp:spPr>
+      <dsp:style>
+        <a:lnRef idx="2">
+          <a:scrgbClr r="0" g="0" b="0"/>
+        </a:lnRef>
+        <a:fillRef idx="0">
+          <a:scrgbClr r="0" g="0" b="0"/>
+        </a:fillRef>
+        <a:effectRef idx="0">
+          <a:scrgbClr r="0" g="0" b="0"/>
+        </a:effectRef>
+        <a:fontRef idx="minor"/>
+      </dsp:style>
+    </dsp:sp>
+    <dsp:sp modelId="{9F5ED5E0-1F81-4465-ACAF-9465385B7295}">
+      <dsp:nvSpPr>
+        <dsp:cNvPr id="0" name=""/>
+        <dsp:cNvSpPr/>
+      </dsp:nvSpPr>
+      <dsp:spPr>
+        <a:xfrm>
+          <a:off x="2758007" y="2537197"/>
+          <a:ext cx="91440" cy="344271"/>
+        </a:xfrm>
+        <a:custGeom>
+          <a:avLst/>
+          <a:gdLst/>
+          <a:ahLst/>
+          <a:cxnLst/>
+          <a:rect l="0" t="0" r="0" b="0"/>
+          <a:pathLst>
+            <a:path>
+              <a:moveTo>
+                <a:pt x="45720" y="0"/>
+              </a:moveTo>
+              <a:lnTo>
+                <a:pt x="45720" y="344271"/>
+              </a:lnTo>
+            </a:path>
+          </a:pathLst>
+        </a:custGeom>
+        <a:noFill/>
+        <a:ln w="34925" cap="flat" cmpd="sng" algn="in">
+          <a:solidFill>
+            <a:schemeClr val="accent1">
+              <a:shade val="60000"/>
+              <a:hueOff val="0"/>
+              <a:satOff val="0"/>
+              <a:lumOff val="0"/>
+              <a:alphaOff val="0"/>
+            </a:schemeClr>
+          </a:solidFill>
+          <a:prstDash val="solid"/>
+        </a:ln>
+        <a:effectLst/>
+      </dsp:spPr>
+      <dsp:style>
+        <a:lnRef idx="2">
+          <a:scrgbClr r="0" g="0" b="0"/>
+        </a:lnRef>
+        <a:fillRef idx="0">
+          <a:scrgbClr r="0" g="0" b="0"/>
+        </a:fillRef>
+        <a:effectRef idx="0">
+          <a:scrgbClr r="0" g="0" b="0"/>
+        </a:effectRef>
+        <a:fontRef idx="minor"/>
+      </dsp:style>
+    </dsp:sp>
+    <dsp:sp modelId="{D1F873AC-A56A-4C89-9BD6-9D344C031273}">
+      <dsp:nvSpPr>
+        <dsp:cNvPr id="0" name=""/>
+        <dsp:cNvSpPr/>
+      </dsp:nvSpPr>
+      <dsp:spPr>
+        <a:xfrm>
+          <a:off x="820069" y="2537197"/>
+          <a:ext cx="1983657" cy="344271"/>
+        </a:xfrm>
+        <a:custGeom>
+          <a:avLst/>
+          <a:gdLst/>
+          <a:ahLst/>
+          <a:cxnLst/>
+          <a:rect l="0" t="0" r="0" b="0"/>
+          <a:pathLst>
+            <a:path>
+              <a:moveTo>
+                <a:pt x="1983657" y="0"/>
+              </a:moveTo>
+              <a:lnTo>
+                <a:pt x="1983657" y="172135"/>
+              </a:lnTo>
+              <a:lnTo>
+                <a:pt x="0" y="172135"/>
+              </a:lnTo>
+              <a:lnTo>
+                <a:pt x="0" y="344271"/>
+              </a:lnTo>
+            </a:path>
+          </a:pathLst>
+        </a:custGeom>
+        <a:noFill/>
+        <a:ln w="34925" cap="flat" cmpd="sng" algn="in">
+          <a:solidFill>
+            <a:schemeClr val="accent1">
+              <a:shade val="60000"/>
+              <a:hueOff val="0"/>
+              <a:satOff val="0"/>
+              <a:lumOff val="0"/>
+              <a:alphaOff val="0"/>
+            </a:schemeClr>
+          </a:solidFill>
+          <a:prstDash val="solid"/>
+        </a:ln>
+        <a:effectLst/>
+      </dsp:spPr>
+      <dsp:style>
+        <a:lnRef idx="2">
+          <a:scrgbClr r="0" g="0" b="0"/>
+        </a:lnRef>
+        <a:fillRef idx="0">
+          <a:scrgbClr r="0" g="0" b="0"/>
+        </a:fillRef>
+        <a:effectRef idx="0">
+          <a:scrgbClr r="0" g="0" b="0"/>
+        </a:effectRef>
+        <a:fontRef idx="minor"/>
+      </dsp:style>
+    </dsp:sp>
+    <dsp:sp modelId="{D0DDB9CB-31D8-4BCC-9A71-0DFA42BE91A6}">
+      <dsp:nvSpPr>
+        <dsp:cNvPr id="0" name=""/>
+        <dsp:cNvSpPr/>
+      </dsp:nvSpPr>
+      <dsp:spPr>
+        <a:xfrm>
+          <a:off x="1984034" y="1717504"/>
+          <a:ext cx="1639386" cy="819693"/>
+        </a:xfrm>
+        <a:prstGeom prst="rect">
+          <a:avLst/>
+        </a:prstGeom>
+        <a:solidFill>
+          <a:schemeClr val="accent1">
+            <a:hueOff val="0"/>
+            <a:satOff val="0"/>
+            <a:lumOff val="0"/>
+            <a:alphaOff val="0"/>
+          </a:schemeClr>
+        </a:solidFill>
+        <a:ln w="34925" cap="flat" cmpd="sng" algn="in">
+          <a:solidFill>
+            <a:schemeClr val="lt1">
+              <a:hueOff val="0"/>
+              <a:satOff val="0"/>
+              <a:lumOff val="0"/>
+              <a:alphaOff val="0"/>
+            </a:schemeClr>
+          </a:solidFill>
+          <a:prstDash val="solid"/>
+        </a:ln>
+        <a:effectLst/>
+      </dsp:spPr>
+      <dsp:style>
+        <a:lnRef idx="2">
+          <a:scrgbClr r="0" g="0" b="0"/>
+        </a:lnRef>
+        <a:fillRef idx="1">
+          <a:scrgbClr r="0" g="0" b="0"/>
+        </a:fillRef>
+        <a:effectRef idx="0">
+          <a:scrgbClr r="0" g="0" b="0"/>
+        </a:effectRef>
+        <a:fontRef idx="minor">
+          <a:schemeClr val="lt1"/>
+        </a:fontRef>
+      </dsp:style>
+      <dsp:txBody>
+        <a:bodyPr spcFirstLastPara="0" vert="horz" wrap="square" lIns="12700" tIns="12700" rIns="12700" bIns="12700" numCol="1" spcCol="1270" anchor="ctr" anchorCtr="0">
+          <a:noAutofit/>
+        </a:bodyPr>
+        <a:lstStyle/>
+        <a:p>
+          <a:pPr marL="0" lvl="0" indent="0" algn="ctr" defTabSz="889000">
+            <a:lnSpc>
+              <a:spcPct val="90000"/>
+            </a:lnSpc>
+            <a:spcBef>
+              <a:spcPct val="0"/>
+            </a:spcBef>
+            <a:spcAft>
+              <a:spcPct val="35000"/>
+            </a:spcAft>
+            <a:buNone/>
+          </a:pPr>
+          <a:r>
+            <a:rPr lang="ru-RU" sz="2000" kern="1200" dirty="0"/>
+            <a:t>Душа </a:t>
+          </a:r>
+        </a:p>
+      </dsp:txBody>
+      <dsp:txXfrm>
+        <a:off x="1984034" y="1717504"/>
+        <a:ext cx="1639386" cy="819693"/>
+      </dsp:txXfrm>
+    </dsp:sp>
+    <dsp:sp modelId="{13339AC5-36A2-4D28-B309-8DB60ACC9B7D}">
+      <dsp:nvSpPr>
+        <dsp:cNvPr id="0" name=""/>
+        <dsp:cNvSpPr/>
+      </dsp:nvSpPr>
+      <dsp:spPr>
+        <a:xfrm>
+          <a:off x="376" y="2881469"/>
+          <a:ext cx="1639386" cy="819693"/>
+        </a:xfrm>
+        <a:prstGeom prst="rect">
+          <a:avLst/>
+        </a:prstGeom>
+        <a:solidFill>
+          <a:schemeClr val="accent1">
+            <a:hueOff val="0"/>
+            <a:satOff val="0"/>
+            <a:lumOff val="0"/>
+            <a:alphaOff val="0"/>
+          </a:schemeClr>
+        </a:solidFill>
+        <a:ln w="34925" cap="flat" cmpd="sng" algn="in">
+          <a:solidFill>
+            <a:schemeClr val="lt1">
+              <a:hueOff val="0"/>
+              <a:satOff val="0"/>
+              <a:lumOff val="0"/>
+              <a:alphaOff val="0"/>
+            </a:schemeClr>
+          </a:solidFill>
+          <a:prstDash val="solid"/>
+        </a:ln>
+        <a:effectLst/>
+      </dsp:spPr>
+      <dsp:style>
+        <a:lnRef idx="2">
+          <a:scrgbClr r="0" g="0" b="0"/>
+        </a:lnRef>
+        <a:fillRef idx="1">
+          <a:scrgbClr r="0" g="0" b="0"/>
+        </a:fillRef>
+        <a:effectRef idx="0">
+          <a:scrgbClr r="0" g="0" b="0"/>
+        </a:effectRef>
+        <a:fontRef idx="minor">
+          <a:schemeClr val="lt1"/>
+        </a:fontRef>
+      </dsp:style>
+      <dsp:txBody>
+        <a:bodyPr spcFirstLastPara="0" vert="horz" wrap="square" lIns="12700" tIns="12700" rIns="12700" bIns="12700" numCol="1" spcCol="1270" anchor="ctr" anchorCtr="0">
+          <a:noAutofit/>
+        </a:bodyPr>
+        <a:lstStyle/>
+        <a:p>
+          <a:pPr marL="0" lvl="0" indent="0" algn="ctr" defTabSz="889000">
+            <a:lnSpc>
+              <a:spcPct val="90000"/>
+            </a:lnSpc>
+            <a:spcBef>
+              <a:spcPct val="0"/>
+            </a:spcBef>
+            <a:spcAft>
+              <a:spcPct val="35000"/>
+            </a:spcAft>
+            <a:buNone/>
+          </a:pPr>
+          <a:r>
+            <a:rPr lang="ru-RU" sz="2000" kern="1200" dirty="0" err="1"/>
+            <a:t>Раузмная</a:t>
+          </a:r>
+          <a:endParaRPr lang="ru-RU" sz="2000" kern="1200" dirty="0"/>
+        </a:p>
+      </dsp:txBody>
+      <dsp:txXfrm>
+        <a:off x="376" y="2881469"/>
+        <a:ext cx="1639386" cy="819693"/>
+      </dsp:txXfrm>
+    </dsp:sp>
+    <dsp:sp modelId="{D291A922-366D-4BD3-937C-ADE69E2D75AA}">
+      <dsp:nvSpPr>
+        <dsp:cNvPr id="0" name=""/>
+        <dsp:cNvSpPr/>
+      </dsp:nvSpPr>
+      <dsp:spPr>
+        <a:xfrm>
+          <a:off x="1984034" y="2881469"/>
+          <a:ext cx="1639386" cy="819693"/>
+        </a:xfrm>
+        <a:prstGeom prst="rect">
+          <a:avLst/>
+        </a:prstGeom>
+        <a:solidFill>
+          <a:schemeClr val="accent1">
+            <a:hueOff val="0"/>
+            <a:satOff val="0"/>
+            <a:lumOff val="0"/>
+            <a:alphaOff val="0"/>
+          </a:schemeClr>
+        </a:solidFill>
+        <a:ln w="34925" cap="flat" cmpd="sng" algn="in">
+          <a:solidFill>
+            <a:schemeClr val="lt1">
+              <a:hueOff val="0"/>
+              <a:satOff val="0"/>
+              <a:lumOff val="0"/>
+              <a:alphaOff val="0"/>
+            </a:schemeClr>
+          </a:solidFill>
+          <a:prstDash val="solid"/>
+        </a:ln>
+        <a:effectLst/>
+      </dsp:spPr>
+      <dsp:style>
+        <a:lnRef idx="2">
+          <a:scrgbClr r="0" g="0" b="0"/>
+        </a:lnRef>
+        <a:fillRef idx="1">
+          <a:scrgbClr r="0" g="0" b="0"/>
+        </a:fillRef>
+        <a:effectRef idx="0">
+          <a:scrgbClr r="0" g="0" b="0"/>
+        </a:effectRef>
+        <a:fontRef idx="minor">
+          <a:schemeClr val="lt1"/>
+        </a:fontRef>
+      </dsp:style>
+      <dsp:txBody>
+        <a:bodyPr spcFirstLastPara="0" vert="horz" wrap="square" lIns="12700" tIns="12700" rIns="12700" bIns="12700" numCol="1" spcCol="1270" anchor="ctr" anchorCtr="0">
+          <a:noAutofit/>
+        </a:bodyPr>
+        <a:lstStyle/>
+        <a:p>
+          <a:pPr marL="0" lvl="0" indent="0" algn="ctr" defTabSz="889000">
+            <a:lnSpc>
+              <a:spcPct val="90000"/>
+            </a:lnSpc>
+            <a:spcBef>
+              <a:spcPct val="0"/>
+            </a:spcBef>
+            <a:spcAft>
+              <a:spcPct val="35000"/>
+            </a:spcAft>
+            <a:buNone/>
+          </a:pPr>
+          <a:r>
+            <a:rPr lang="ru-RU" sz="2000" kern="1200" dirty="0"/>
+            <a:t>Алчущая</a:t>
+          </a:r>
+        </a:p>
+      </dsp:txBody>
+      <dsp:txXfrm>
+        <a:off x="1984034" y="2881469"/>
+        <a:ext cx="1639386" cy="819693"/>
+      </dsp:txXfrm>
+    </dsp:sp>
+    <dsp:sp modelId="{E31A028E-91C1-4AC3-AC64-7D76188B705A}">
+      <dsp:nvSpPr>
+        <dsp:cNvPr id="0" name=""/>
+        <dsp:cNvSpPr/>
+      </dsp:nvSpPr>
+      <dsp:spPr>
+        <a:xfrm>
+          <a:off x="3967691" y="2881469"/>
+          <a:ext cx="1639386" cy="819693"/>
+        </a:xfrm>
+        <a:prstGeom prst="rect">
+          <a:avLst/>
+        </a:prstGeom>
+        <a:solidFill>
+          <a:schemeClr val="accent1">
+            <a:hueOff val="0"/>
+            <a:satOff val="0"/>
+            <a:lumOff val="0"/>
+            <a:alphaOff val="0"/>
+          </a:schemeClr>
+        </a:solidFill>
+        <a:ln w="34925" cap="flat" cmpd="sng" algn="in">
+          <a:solidFill>
+            <a:schemeClr val="lt1">
+              <a:hueOff val="0"/>
+              <a:satOff val="0"/>
+              <a:lumOff val="0"/>
+              <a:alphaOff val="0"/>
+            </a:schemeClr>
+          </a:solidFill>
+          <a:prstDash val="solid"/>
+        </a:ln>
+        <a:effectLst/>
+      </dsp:spPr>
+      <dsp:style>
+        <a:lnRef idx="2">
+          <a:scrgbClr r="0" g="0" b="0"/>
+        </a:lnRef>
+        <a:fillRef idx="1">
+          <a:scrgbClr r="0" g="0" b="0"/>
+        </a:fillRef>
+        <a:effectRef idx="0">
+          <a:scrgbClr r="0" g="0" b="0"/>
+        </a:effectRef>
+        <a:fontRef idx="minor">
+          <a:schemeClr val="lt1"/>
+        </a:fontRef>
+      </dsp:style>
+      <dsp:txBody>
+        <a:bodyPr spcFirstLastPara="0" vert="horz" wrap="square" lIns="12700" tIns="12700" rIns="12700" bIns="12700" numCol="1" spcCol="1270" anchor="ctr" anchorCtr="0">
+          <a:noAutofit/>
+        </a:bodyPr>
+        <a:lstStyle/>
+        <a:p>
+          <a:pPr marL="0" lvl="0" indent="0" algn="ctr" defTabSz="889000">
+            <a:lnSpc>
+              <a:spcPct val="90000"/>
+            </a:lnSpc>
+            <a:spcBef>
+              <a:spcPct val="0"/>
+            </a:spcBef>
+            <a:spcAft>
+              <a:spcPct val="35000"/>
+            </a:spcAft>
+            <a:buNone/>
+          </a:pPr>
+          <a:r>
+            <a:rPr lang="ru-RU" sz="2000" kern="1200" dirty="0"/>
+            <a:t>Мужественная</a:t>
+          </a:r>
+        </a:p>
+      </dsp:txBody>
+      <dsp:txXfrm>
+        <a:off x="3967691" y="2881469"/>
+        <a:ext cx="1639386" cy="819693"/>
+      </dsp:txXfrm>
+    </dsp:sp>
+  </dsp:spTree>
+</dsp:drawing>
+</file>
+
+<file path=ppt/diagrams/drawing2.xml><?xml version="1.0" encoding="utf-8"?>
+<dsp:drawing xmlns:dgm="http://schemas.openxmlformats.org/drawingml/2006/diagram" xmlns:dsp="http://schemas.microsoft.com/office/drawing/2008/diagram" xmlns:a="http://schemas.openxmlformats.org/drawingml/2006/main">
+  <dsp:spTree>
+    <dsp:nvGrpSpPr>
+      <dsp:cNvPr id="0" name=""/>
+      <dsp:cNvGrpSpPr/>
+    </dsp:nvGrpSpPr>
+    <dsp:grpSpPr/>
+    <dsp:sp modelId="{DFAAA455-9AB1-4F7B-91E8-0297237CF495}">
+      <dsp:nvSpPr>
+        <dsp:cNvPr id="0" name=""/>
+        <dsp:cNvSpPr/>
+      </dsp:nvSpPr>
+      <dsp:spPr>
+        <a:xfrm>
+          <a:off x="2690266" y="1315594"/>
+          <a:ext cx="1472241" cy="511025"/>
+        </a:xfrm>
+        <a:custGeom>
+          <a:avLst/>
+          <a:gdLst/>
+          <a:ahLst/>
+          <a:cxnLst/>
+          <a:rect l="0" t="0" r="0" b="0"/>
+          <a:pathLst>
+            <a:path>
+              <a:moveTo>
+                <a:pt x="0" y="0"/>
+              </a:moveTo>
+              <a:lnTo>
+                <a:pt x="0" y="255512"/>
+              </a:lnTo>
+              <a:lnTo>
+                <a:pt x="1472241" y="255512"/>
+              </a:lnTo>
+              <a:lnTo>
+                <a:pt x="1472241" y="511025"/>
+              </a:lnTo>
+            </a:path>
+          </a:pathLst>
+        </a:custGeom>
+        <a:noFill/>
+        <a:ln w="34925" cap="flat" cmpd="sng" algn="in">
+          <a:solidFill>
+            <a:schemeClr val="accent1">
+              <a:shade val="60000"/>
+              <a:hueOff val="0"/>
+              <a:satOff val="0"/>
+              <a:lumOff val="0"/>
+              <a:alphaOff val="0"/>
+            </a:schemeClr>
+          </a:solidFill>
+          <a:prstDash val="solid"/>
+        </a:ln>
+        <a:effectLst/>
+      </dsp:spPr>
+      <dsp:style>
+        <a:lnRef idx="2">
+          <a:scrgbClr r="0" g="0" b="0"/>
+        </a:lnRef>
+        <a:fillRef idx="0">
+          <a:scrgbClr r="0" g="0" b="0"/>
+        </a:fillRef>
+        <a:effectRef idx="0">
+          <a:scrgbClr r="0" g="0" b="0"/>
+        </a:effectRef>
+        <a:fontRef idx="minor"/>
+      </dsp:style>
+    </dsp:sp>
+    <dsp:sp modelId="{8F9F2830-3C05-4DDE-B1CC-7AAF7C96E81A}">
+      <dsp:nvSpPr>
+        <dsp:cNvPr id="0" name=""/>
+        <dsp:cNvSpPr/>
+      </dsp:nvSpPr>
+      <dsp:spPr>
+        <a:xfrm>
+          <a:off x="1218025" y="1315594"/>
+          <a:ext cx="1472241" cy="511025"/>
+        </a:xfrm>
+        <a:custGeom>
+          <a:avLst/>
+          <a:gdLst/>
+          <a:ahLst/>
+          <a:cxnLst/>
+          <a:rect l="0" t="0" r="0" b="0"/>
+          <a:pathLst>
+            <a:path>
+              <a:moveTo>
+                <a:pt x="1472241" y="0"/>
+              </a:moveTo>
+              <a:lnTo>
+                <a:pt x="1472241" y="255512"/>
+              </a:lnTo>
+              <a:lnTo>
+                <a:pt x="0" y="255512"/>
+              </a:lnTo>
+              <a:lnTo>
+                <a:pt x="0" y="511025"/>
+              </a:lnTo>
+            </a:path>
+          </a:pathLst>
+        </a:custGeom>
+        <a:noFill/>
+        <a:ln w="34925" cap="flat" cmpd="sng" algn="in">
+          <a:solidFill>
+            <a:schemeClr val="accent1">
+              <a:shade val="60000"/>
+              <a:hueOff val="0"/>
+              <a:satOff val="0"/>
+              <a:lumOff val="0"/>
+              <a:alphaOff val="0"/>
+            </a:schemeClr>
+          </a:solidFill>
+          <a:prstDash val="solid"/>
+        </a:ln>
+        <a:effectLst/>
+      </dsp:spPr>
+      <dsp:style>
+        <a:lnRef idx="2">
+          <a:scrgbClr r="0" g="0" b="0"/>
+        </a:lnRef>
+        <a:fillRef idx="0">
+          <a:scrgbClr r="0" g="0" b="0"/>
+        </a:fillRef>
+        <a:effectRef idx="0">
+          <a:scrgbClr r="0" g="0" b="0"/>
+        </a:effectRef>
+        <a:fontRef idx="minor"/>
+      </dsp:style>
+    </dsp:sp>
+    <dsp:sp modelId="{68F3CB05-4BEC-4CD2-A8CA-51F15935E540}">
+      <dsp:nvSpPr>
+        <dsp:cNvPr id="0" name=""/>
+        <dsp:cNvSpPr/>
+      </dsp:nvSpPr>
+      <dsp:spPr>
+        <a:xfrm>
+          <a:off x="1473538" y="98865"/>
+          <a:ext cx="2433456" cy="1216728"/>
+        </a:xfrm>
+        <a:prstGeom prst="rect">
+          <a:avLst/>
+        </a:prstGeom>
+        <a:solidFill>
+          <a:schemeClr val="accent1">
+            <a:hueOff val="0"/>
+            <a:satOff val="0"/>
+            <a:lumOff val="0"/>
+            <a:alphaOff val="0"/>
+          </a:schemeClr>
+        </a:solidFill>
+        <a:ln w="34925" cap="flat" cmpd="sng" algn="in">
+          <a:solidFill>
+            <a:schemeClr val="lt1">
+              <a:hueOff val="0"/>
+              <a:satOff val="0"/>
+              <a:lumOff val="0"/>
+              <a:alphaOff val="0"/>
+            </a:schemeClr>
+          </a:solidFill>
+          <a:prstDash val="solid"/>
+        </a:ln>
+        <a:effectLst/>
+      </dsp:spPr>
+      <dsp:style>
+        <a:lnRef idx="2">
+          <a:scrgbClr r="0" g="0" b="0"/>
+        </a:lnRef>
+        <a:fillRef idx="1">
+          <a:scrgbClr r="0" g="0" b="0"/>
+        </a:fillRef>
+        <a:effectRef idx="0">
+          <a:scrgbClr r="0" g="0" b="0"/>
+        </a:effectRef>
+        <a:fontRef idx="minor">
+          <a:schemeClr val="lt1"/>
+        </a:fontRef>
+      </dsp:style>
+      <dsp:txBody>
+        <a:bodyPr spcFirstLastPara="0" vert="horz" wrap="square" lIns="15875" tIns="15875" rIns="15875" bIns="15875" numCol="1" spcCol="1270" anchor="ctr" anchorCtr="0">
+          <a:noAutofit/>
+        </a:bodyPr>
+        <a:lstStyle/>
+        <a:p>
+          <a:pPr marL="0" lvl="0" indent="0" algn="ctr" defTabSz="1111250">
+            <a:lnSpc>
+              <a:spcPct val="90000"/>
+            </a:lnSpc>
+            <a:spcBef>
+              <a:spcPct val="0"/>
+            </a:spcBef>
+            <a:spcAft>
+              <a:spcPct val="35000"/>
+            </a:spcAft>
+            <a:buNone/>
+          </a:pPr>
+          <a:r>
+            <a:rPr lang="ru-RU" sz="2500" kern="1200" dirty="0"/>
+            <a:t>Поведение</a:t>
+          </a:r>
+        </a:p>
+      </dsp:txBody>
+      <dsp:txXfrm>
+        <a:off x="1473538" y="98865"/>
+        <a:ext cx="2433456" cy="1216728"/>
+      </dsp:txXfrm>
+    </dsp:sp>
+    <dsp:sp modelId="{E76C3BD1-D301-4843-8E7B-23A25F0BC769}">
+      <dsp:nvSpPr>
+        <dsp:cNvPr id="0" name=""/>
+        <dsp:cNvSpPr/>
+      </dsp:nvSpPr>
+      <dsp:spPr>
+        <a:xfrm>
+          <a:off x="1297" y="1826619"/>
+          <a:ext cx="2433456" cy="1216728"/>
+        </a:xfrm>
+        <a:prstGeom prst="rect">
+          <a:avLst/>
+        </a:prstGeom>
+        <a:solidFill>
+          <a:schemeClr val="accent1">
+            <a:hueOff val="0"/>
+            <a:satOff val="0"/>
+            <a:lumOff val="0"/>
+            <a:alphaOff val="0"/>
+          </a:schemeClr>
+        </a:solidFill>
+        <a:ln w="34925" cap="flat" cmpd="sng" algn="in">
+          <a:solidFill>
+            <a:schemeClr val="lt1">
+              <a:hueOff val="0"/>
+              <a:satOff val="0"/>
+              <a:lumOff val="0"/>
+              <a:alphaOff val="0"/>
+            </a:schemeClr>
+          </a:solidFill>
+          <a:prstDash val="solid"/>
+        </a:ln>
+        <a:effectLst/>
+      </dsp:spPr>
+      <dsp:style>
+        <a:lnRef idx="2">
+          <a:scrgbClr r="0" g="0" b="0"/>
+        </a:lnRef>
+        <a:fillRef idx="1">
+          <a:scrgbClr r="0" g="0" b="0"/>
+        </a:fillRef>
+        <a:effectRef idx="0">
+          <a:scrgbClr r="0" g="0" b="0"/>
+        </a:effectRef>
+        <a:fontRef idx="minor">
+          <a:schemeClr val="lt1"/>
+        </a:fontRef>
+      </dsp:style>
+      <dsp:txBody>
+        <a:bodyPr spcFirstLastPara="0" vert="horz" wrap="square" lIns="15875" tIns="15875" rIns="15875" bIns="15875" numCol="1" spcCol="1270" anchor="ctr" anchorCtr="0">
+          <a:noAutofit/>
+        </a:bodyPr>
+        <a:lstStyle/>
+        <a:p>
+          <a:pPr marL="0" lvl="0" indent="0" algn="ctr" defTabSz="1111250">
+            <a:lnSpc>
+              <a:spcPct val="90000"/>
+            </a:lnSpc>
+            <a:spcBef>
+              <a:spcPct val="0"/>
+            </a:spcBef>
+            <a:spcAft>
+              <a:spcPct val="35000"/>
+            </a:spcAft>
+            <a:buNone/>
+          </a:pPr>
+          <a:r>
+            <a:rPr lang="ru-RU" sz="2500" kern="1200" dirty="0"/>
+            <a:t>Разум (рациональность)</a:t>
+          </a:r>
+        </a:p>
+      </dsp:txBody>
+      <dsp:txXfrm>
+        <a:off x="1297" y="1826619"/>
+        <a:ext cx="2433456" cy="1216728"/>
+      </dsp:txXfrm>
+    </dsp:sp>
+    <dsp:sp modelId="{DD912CB7-F9BE-4632-AB9B-EE60912F83DF}">
+      <dsp:nvSpPr>
+        <dsp:cNvPr id="0" name=""/>
+        <dsp:cNvSpPr/>
+      </dsp:nvSpPr>
+      <dsp:spPr>
+        <a:xfrm>
+          <a:off x="2945779" y="1826619"/>
+          <a:ext cx="2433456" cy="1216728"/>
+        </a:xfrm>
+        <a:prstGeom prst="rect">
+          <a:avLst/>
+        </a:prstGeom>
+        <a:solidFill>
+          <a:schemeClr val="accent1">
+            <a:hueOff val="0"/>
+            <a:satOff val="0"/>
+            <a:lumOff val="0"/>
+            <a:alphaOff val="0"/>
+          </a:schemeClr>
+        </a:solidFill>
+        <a:ln w="34925" cap="flat" cmpd="sng" algn="in">
+          <a:solidFill>
+            <a:schemeClr val="lt1">
+              <a:hueOff val="0"/>
+              <a:satOff val="0"/>
+              <a:lumOff val="0"/>
+              <a:alphaOff val="0"/>
+            </a:schemeClr>
+          </a:solidFill>
+          <a:prstDash val="solid"/>
+        </a:ln>
+        <a:effectLst/>
+      </dsp:spPr>
+      <dsp:style>
+        <a:lnRef idx="2">
+          <a:scrgbClr r="0" g="0" b="0"/>
+        </a:lnRef>
+        <a:fillRef idx="1">
+          <a:scrgbClr r="0" g="0" b="0"/>
+        </a:fillRef>
+        <a:effectRef idx="0">
+          <a:scrgbClr r="0" g="0" b="0"/>
+        </a:effectRef>
+        <a:fontRef idx="minor">
+          <a:schemeClr val="lt1"/>
+        </a:fontRef>
+      </dsp:style>
+      <dsp:txBody>
+        <a:bodyPr spcFirstLastPara="0" vert="horz" wrap="square" lIns="15875" tIns="15875" rIns="15875" bIns="15875" numCol="1" spcCol="1270" anchor="ctr" anchorCtr="0">
+          <a:noAutofit/>
+        </a:bodyPr>
+        <a:lstStyle/>
+        <a:p>
+          <a:pPr marL="0" lvl="0" indent="0" algn="ctr" defTabSz="1111250">
+            <a:lnSpc>
+              <a:spcPct val="90000"/>
+            </a:lnSpc>
+            <a:spcBef>
+              <a:spcPct val="0"/>
+            </a:spcBef>
+            <a:spcAft>
+              <a:spcPct val="35000"/>
+            </a:spcAft>
+            <a:buNone/>
+          </a:pPr>
+          <a:r>
+            <a:rPr lang="ru-RU" sz="2500" kern="1200" dirty="0"/>
+            <a:t>Желание (эмоция)</a:t>
+          </a:r>
+        </a:p>
+      </dsp:txBody>
+      <dsp:txXfrm>
+        <a:off x="2945779" y="1826619"/>
+        <a:ext cx="2433456" cy="1216728"/>
+      </dsp:txXfrm>
+    </dsp:sp>
+  </dsp:spTree>
+</dsp:drawing>
+</file>
+
+<file path=ppt/diagrams/layout1.xml><?xml version="1.0" encoding="utf-8"?>
+<dgm:layoutDef xmlns:dgm="http://schemas.openxmlformats.org/drawingml/2006/diagram" xmlns:a="http://schemas.openxmlformats.org/drawingml/2006/main" uniqueId="urn:microsoft.com/office/officeart/2005/8/layout/orgChart1">
+  <dgm:title val=""/>
+  <dgm:desc val=""/>
+  <dgm:catLst>
+    <dgm:cat type="hierarchy" pri="1000"/>
+    <dgm:cat type="convert" pri="6000"/>
+  </dgm:catLst>
+  <dgm:sampData>
+    <dgm:dataModel>
+      <dgm:ptLst>
+        <dgm:pt modelId="0" type="doc"/>
+        <dgm:pt modelId="1">
+          <dgm:prSet phldr="1"/>
+        </dgm:pt>
+        <dgm:pt modelId="2" type="asst">
+          <dgm:prSet phldr="1"/>
+        </dgm:pt>
+        <dgm:pt modelId="3">
+          <dgm:prSet phldr="1"/>
+        </dgm:pt>
+        <dgm:pt modelId="4">
+          <dgm:prSet phldr="1"/>
+        </dgm:pt>
+        <dgm:pt modelId="5">
+          <dgm:prSet phldr="1"/>
+        </dgm:pt>
+      </dgm:ptLst>
+      <dgm:cxnLst>
+        <dgm:cxn modelId="5" srcId="0" destId="1" srcOrd="0" destOrd="0"/>
+        <dgm:cxn modelId="6" srcId="1" destId="2" srcOrd="0" destOrd="0"/>
+        <dgm:cxn modelId="7" srcId="1" destId="3" srcOrd="1" destOrd="0"/>
+        <dgm:cxn modelId="8" srcId="1" destId="4" srcOrd="2" destOrd="0"/>
+        <dgm:cxn modelId="9" srcId="1" destId="5" srcOrd="3" destOrd="0"/>
+      </dgm:cxnLst>
+      <dgm:bg/>
+      <dgm:whole/>
+    </dgm:dataModel>
+  </dgm:sampData>
+  <dgm:styleData>
+    <dgm:dataModel>
+      <dgm:ptLst>
+        <dgm:pt modelId="0" type="doc"/>
+        <dgm:pt modelId="1"/>
+        <dgm:pt modelId="12"/>
+        <dgm:pt modelId="13"/>
+      </dgm:ptLst>
+      <dgm:cxnLst>
+        <dgm:cxn modelId="2" srcId="0" destId="1" srcOrd="0" destOrd="0"/>
+        <dgm:cxn modelId="16" srcId="1" destId="12" srcOrd="1" destOrd="0"/>
+        <dgm:cxn modelId="17" srcId="1" destId="13" srcOrd="2" destOrd="0"/>
+      </dgm:cxnLst>
+      <dgm:bg/>
+      <dgm:whole/>
+    </dgm:dataModel>
+  </dgm:styleData>
+  <dgm:clrData>
+    <dgm:dataModel>
+      <dgm:ptLst>
+        <dgm:pt modelId="0" type="doc"/>
+        <dgm:pt modelId="1"/>
+        <dgm:pt modelId="11" type="asst"/>
+        <dgm:pt modelId="12"/>
+        <dgm:pt modelId="13"/>
+        <dgm:pt modelId="14"/>
+      </dgm:ptLst>
+      <dgm:cxnLst>
+        <dgm:cxn modelId="2" srcId="0" destId="1" srcOrd="0" destOrd="0"/>
+        <dgm:cxn modelId="15" srcId="1" destId="11" srcOrd="0" destOrd="0"/>
+        <dgm:cxn modelId="16" srcId="1" destId="12" srcOrd="1" destOrd="0"/>
+        <dgm:cxn modelId="17" srcId="1" destId="13" srcOrd="2" destOrd="0"/>
+        <dgm:cxn modelId="18" srcId="1" destId="14" srcOrd="2" destOrd="0"/>
+      </dgm:cxnLst>
+      <dgm:bg/>
+      <dgm:whole/>
+    </dgm:dataModel>
+  </dgm:clrData>
+  <dgm:layoutNode name="hierChild1">
+    <dgm:varLst>
+      <dgm:orgChart val="1"/>
+      <dgm:chPref val="1"/>
+      <dgm:dir/>
+      <dgm:animOne val="branch"/>
+      <dgm:animLvl val="lvl"/>
+      <dgm:resizeHandles/>
+    </dgm:varLst>
+    <dgm:choose name="Name0">
+      <dgm:if name="Name1" func="var" arg="dir" op="equ" val="norm">
+        <dgm:alg type="hierChild">
+          <dgm:param type="linDir" val="fromL"/>
+        </dgm:alg>
+      </dgm:if>
+      <dgm:else name="Name2">
+        <dgm:alg type="hierChild">
+          <dgm:param type="linDir" val="fromR"/>
+        </dgm:alg>
+      </dgm:else>
+    </dgm:choose>
+    <dgm:shape xmlns:r="http://schemas.openxmlformats.org/officeDocument/2006/relationships" r:blip="">
+      <dgm:adjLst/>
+    </dgm:shape>
+    <dgm:presOf/>
+    <dgm:constrLst>
+      <dgm:constr type="w" for="des" forName="rootComposite1" refType="w" fact="10"/>
+      <dgm:constr type="h" for="des" forName="rootComposite1" refType="w" refFor="des" refForName="rootComposite1" fact="0.5"/>
+      <dgm:constr type="w" for="des" forName="rootComposite" refType="w" fact="10"/>
+      <dgm:constr type="h" for="des" forName="rootComposite" refType="w" refFor="des" refForName="rootComposite1" fact="0.5"/>
+      <dgm:constr type="w" for="des" forName="rootComposite3" refType="w" fact="10"/>
+      <dgm:constr type="h" for="des" forName="rootComposite3" refType="w" refFor="des" refForName="rootComposite1" fact="0.5"/>
+      <dgm:constr type="primFontSz" for="des" ptType="node" op="equ"/>
+      <dgm:constr type="sp" for="des" op="equ"/>
+      <dgm:constr type="sp" for="des" forName="hierRoot1" refType="w" refFor="des" refForName="rootComposite1" fact="0.21"/>
+      <dgm:constr type="sp" for="des" forName="hierRoot2" refType="sp" refFor="des" refForName="hierRoot1"/>
+      <dgm:constr type="sp" for="des" forName="hierRoot3" refType="sp" refFor="des" refForName="hierRoot1"/>
+      <dgm:constr type="sibSp" refType="w" refFor="des" refForName="rootComposite1" fact="0.21"/>
+      <dgm:constr type="sibSp" for="des" forName="hierChild2" refType="sibSp"/>
+      <dgm:constr type="sibSp" for="des" forName="hierChild3" refType="sibSp"/>
+      <dgm:constr type="sibSp" for="des" forName="hierChild4" refType="sibSp"/>
+      <dgm:constr type="sibSp" for="des" forName="hierChild5" refType="sibSp"/>
+      <dgm:constr type="sibSp" for="des" forName="hierChild6" refType="sibSp"/>
+      <dgm:constr type="sibSp" for="des" forName="hierChild7" refType="sibSp"/>
+      <dgm:constr type="secSibSp" refType="w" refFor="des" refForName="rootComposite1" fact="0.21"/>
+      <dgm:constr type="secSibSp" for="des" forName="hierChild2" refType="secSibSp"/>
+      <dgm:constr type="secSibSp" for="des" forName="hierChild3" refType="secSibSp"/>
+      <dgm:constr type="secSibSp" for="des" forName="hierChild4" refType="secSibSp"/>
+      <dgm:constr type="secSibSp" for="des" forName="hierChild5" refType="secSibSp"/>
+      <dgm:constr type="secSibSp" for="des" forName="hierChild6" refType="secSibSp"/>
+      <dgm:constr type="secSibSp" for="des" forName="hierChild7" refType="secSibSp"/>
+    </dgm:constrLst>
+    <dgm:ruleLst/>
+    <dgm:forEach name="Name3" axis="ch">
+      <dgm:forEach name="Name4" axis="self" ptType="node">
+        <dgm:layoutNode name="hierRoot1">
+          <dgm:varLst>
+            <dgm:hierBranch val="init"/>
+          </dgm:varLst>
+          <dgm:choose name="Name5">
+            <dgm:if name="Name6" func="var" arg="hierBranch" op="equ" val="l">
+              <dgm:choose name="Name7">
+                <dgm:if name="Name8" axis="ch" ptType="asst" func="cnt" op="gte" val="1">
+                  <dgm:alg type="hierRoot">
+                    <dgm:param type="hierAlign" val="tR"/>
+                  </dgm:alg>
+                  <dgm:constrLst>
+                    <dgm:constr type="alignOff" val="0.65"/>
+                  </dgm:constrLst>
+                </dgm:if>
+                <dgm:else name="Name9">
+                  <dgm:alg type="hierRoot">
+                    <dgm:param type="hierAlign" val="tR"/>
+                  </dgm:alg>
+                  <dgm:constrLst>
+                    <dgm:constr type="alignOff" val="0.25"/>
+                  </dgm:constrLst>
+                </dgm:else>
+              </dgm:choose>
+            </dgm:if>
+            <dgm:if name="Name10" func="var" arg="hierBranch" op="equ" val="r">
+              <dgm:choose name="Name11">
+                <dgm:if name="Name12" axis="ch" ptType="asst" func="cnt" op="gte" val="1">
+                  <dgm:alg type="hierRoot">
+                    <dgm:param type="hierAlign" val="tL"/>
+                  </dgm:alg>
+                  <dgm:constrLst>
+                    <dgm:constr type="alignOff" val="0.65"/>
+                  </dgm:constrLst>
+                </dgm:if>
+                <dgm:else name="Name13">
+                  <dgm:alg type="hierRoot">
+                    <dgm:param type="hierAlign" val="tL"/>
+                  </dgm:alg>
+                  <dgm:constrLst>
+                    <dgm:constr type="alignOff" val="0.25"/>
+                  </dgm:constrLst>
+                </dgm:else>
+              </dgm:choose>
+            </dgm:if>
+            <dgm:if name="Name14" func="var" arg="hierBranch" op="equ" val="hang">
+              <dgm:alg type="hierRoot"/>
+              <dgm:constrLst>
+                <dgm:constr type="alignOff" val="0.65"/>
+              </dgm:constrLst>
+            </dgm:if>
+            <dgm:else name="Name15">
+              <dgm:alg type="hierRoot"/>
+              <dgm:constrLst>
+                <dgm:constr type="alignOff"/>
+                <dgm:constr type="bendDist" for="des" ptType="parTrans" refType="sp" fact="0.5"/>
+              </dgm:constrLst>
+            </dgm:else>
+          </dgm:choose>
+          <dgm:shape xmlns:r="http://schemas.openxmlformats.org/officeDocument/2006/relationships" r:blip="">
+            <dgm:adjLst/>
+          </dgm:shape>
+          <dgm:presOf/>
+          <dgm:ruleLst/>
+          <dgm:layoutNode name="rootComposite1">
+            <dgm:alg type="composite"/>
+            <dgm:shape xmlns:r="http://schemas.openxmlformats.org/officeDocument/2006/relationships" r:blip="">
+              <dgm:adjLst/>
+            </dgm:shape>
+            <dgm:presOf axis="self" ptType="node" cnt="1"/>
+            <dgm:choose name="Name16">
+              <dgm:if name="Name17" func="var" arg="hierBranch" op="equ" val="init">
+                <dgm:constrLst>
+                  <dgm:constr type="l" for="ch" forName="rootText1"/>
+                  <dgm:constr type="t" for="ch" forName="rootText1"/>
+                  <dgm:constr type="w" for="ch" forName="rootText1" refType="w"/>
+                  <dgm:constr type="h" for="ch" forName="rootText1" refType="h"/>
+                  <dgm:constr type="l" for="ch" forName="rootConnector1"/>
+                  <dgm:constr type="t" for="ch" forName="rootConnector1"/>
+                  <dgm:constr type="w" for="ch" forName="rootConnector1" refType="w" refFor="ch" refForName="rootText1" fact="0.2"/>
+                  <dgm:constr type="h" for="ch" forName="rootConnector1" refType="h" refFor="ch" refForName="rootText1"/>
+                </dgm:constrLst>
+              </dgm:if>
+              <dgm:if name="Name18" func="var" arg="hierBranch" op="equ" val="l">
+                <dgm:constrLst>
+                  <dgm:constr type="l" for="ch" forName="rootText1"/>
+                  <dgm:constr type="t" for="ch" forName="rootText1"/>
+                  <dgm:constr type="w" for="ch" forName="rootText1" refType="w"/>
+                  <dgm:constr type="h" for="ch" forName="rootText1" refType="h"/>
+                  <dgm:constr type="r" for="ch" forName="rootConnector1" refType="w"/>
+                  <dgm:constr type="t" for="ch" forName="rootConnector1"/>
+                  <dgm:constr type="w" for="ch" forName="rootConnector1" refType="w" refFor="ch" refForName="rootText1" fact="0.2"/>
+                  <dgm:constr type="h" for="ch" forName="rootConnector1" refType="h" refFor="ch" refForName="rootText1"/>
+                </dgm:constrLst>
+              </dgm:if>
+              <dgm:if name="Name19" func="var" arg="hierBranch" op="equ" val="r">
+                <dgm:constrLst>
+                  <dgm:constr type="l" for="ch" forName="rootText1"/>
+                  <dgm:constr type="t" for="ch" forName="rootText1"/>
+                  <dgm:constr type="w" for="ch" forName="rootText1" refType="w"/>
+                  <dgm:constr type="h" for="ch" forName="rootText1" refType="h"/>
+                  <dgm:constr type="l" for="ch" forName="rootConnector1"/>
+                  <dgm:constr type="t" for="ch" forName="rootConnector1"/>
+                  <dgm:constr type="w" for="ch" forName="rootConnector1" refType="w" refFor="ch" refForName="rootText1" fact="0.2"/>
+                  <dgm:constr type="h" for="ch" forName="rootConnector1" refType="h" refFor="ch" refForName="rootText1"/>
+                </dgm:constrLst>
+              </dgm:if>
+              <dgm:else name="Name20">
+                <dgm:constrLst>
+                  <dgm:constr type="l" for="ch" forName="rootText1"/>
+                  <dgm:constr type="t" for="ch" forName="rootText1"/>
+                  <dgm:constr type="w" for="ch" forName="rootText1" refType="w"/>
+                  <dgm:constr type="h" for="ch" forName="rootText1" refType="h"/>
+                  <dgm:constr type="r" for="ch" forName="rootConnector1" refType="w"/>
+                  <dgm:constr type="t" for="ch" forName="rootConnector1"/>
+                  <dgm:constr type="w" for="ch" forName="rootConnector1" refType="w" refFor="ch" refForName="rootText1" fact="0.2"/>
+                  <dgm:constr type="h" for="ch" forName="rootConnector1" refType="h" refFor="ch" refForName="rootText1"/>
+                </dgm:constrLst>
+              </dgm:else>
+            </dgm:choose>
+            <dgm:ruleLst/>
+            <dgm:layoutNode name="rootText1" styleLbl="node0">
+              <dgm:varLst>
+                <dgm:chPref val="3"/>
+              </dgm:varLst>
+              <dgm:alg type="tx"/>
+              <dgm:shape xmlns:r="http://schemas.openxmlformats.org/officeDocument/2006/relationships" type="rect" r:blip="">
+                <dgm:adjLst/>
+              </dgm:shape>
+              <dgm:presOf axis="self" ptType="node" cnt="1"/>
+              <dgm:constrLst>
+                <dgm:constr type="primFontSz" val="65"/>
+                <dgm:constr type="lMarg" refType="primFontSz" fact="0.05"/>
+                <dgm:constr type="rMarg" refType="primFontSz" fact="0.05"/>
+                <dgm:constr type="tMarg" refType="primFontSz" fact="0.05"/>
+                <dgm:constr type="bMarg" refType="primFontSz" fact="0.05"/>
+              </dgm:constrLst>
+              <dgm:ruleLst>
+                <dgm:rule type="primFontSz" val="5" fact="NaN" max="NaN"/>
+              </dgm:ruleLst>
+            </dgm:layoutNode>
+            <dgm:layoutNode name="rootConnector1" moveWith="rootText1">
+              <dgm:alg type="sp"/>
+              <dgm:shape xmlns:r="http://schemas.openxmlformats.org/officeDocument/2006/relationships" type="rect" r:blip="" hideGeom="1">
+                <dgm:adjLst/>
+              </dgm:shape>
+              <dgm:presOf axis="self" ptType="node" cnt="1"/>
+              <dgm:constrLst/>
+              <dgm:ruleLst/>
+            </dgm:layoutNode>
+          </dgm:layoutNode>
+          <dgm:layoutNode name="hierChild2">
+            <dgm:choose name="Name21">
+              <dgm:if name="Name22" func="var" arg="hierBranch" op="equ" val="l">
+                <dgm:alg type="hierChild">
+                  <dgm:param type="chAlign" val="r"/>
+                  <dgm:param type="linDir" val="fromT"/>
+                </dgm:alg>
+              </dgm:if>
+              <dgm:if name="Name23" func="var" arg="hierBranch" op="equ" val="r">
+                <dgm:alg type="hierChild">
+                  <dgm:param type="chAlign" val="l"/>
+                  <dgm:param type="linDir" val="fromT"/>
+                </dgm:alg>
+              </dgm:if>
+              <dgm:if name="Name24" func="var" arg="hierBranch" op="equ" val="hang">
+                <dgm:choose name="Name25">
+                  <dgm:if name="Name26" func="var" arg="dir" op="equ" val="norm">
+                    <dgm:alg type="hierChild">
+                      <dgm:param type="chAlign" val="l"/>
+                      <dgm:param type="linDir" val="fromL"/>
+                      <dgm:param type="secChAlign" val="t"/>
+                      <dgm:param type="secLinDir" val="fromT"/>
+                    </dgm:alg>
+                  </dgm:if>
+                  <dgm:else name="Name27">
+                    <dgm:alg type="hierChild">
+                      <dgm:param type="chAlign" val="l"/>
+                      <dgm:param type="linDir" val="fromR"/>
+                      <dgm:param type="secChAlign" val="t"/>
+                      <dgm:param type="secLinDir" val="fromT"/>
+                    </dgm:alg>
+                  </dgm:else>
+                </dgm:choose>
+              </dgm:if>
+              <dgm:else name="Name28">
+                <dgm:choose name="Name29">
+                  <dgm:if name="Name30" func="var" arg="dir" op="equ" val="norm">
+                    <dgm:alg type="hierChild"/>
+                  </dgm:if>
+                  <dgm:else name="Name31">
+                    <dgm:alg type="hierChild">
+                      <dgm:param type="linDir" val="fromR"/>
+                    </dgm:alg>
+                  </dgm:else>
+                </dgm:choose>
+              </dgm:else>
+            </dgm:choose>
+            <dgm:shape xmlns:r="http://schemas.openxmlformats.org/officeDocument/2006/relationships" r:blip="">
+              <dgm:adjLst/>
+            </dgm:shape>
+            <dgm:presOf/>
+            <dgm:constrLst/>
+            <dgm:ruleLst/>
+            <dgm:forEach name="rep2a" axis="ch" ptType="nonAsst">
+              <dgm:forEach name="Name32" axis="precedSib" ptType="parTrans" st="-1" cnt="1">
+                <dgm:choose name="Name33">
+                  <dgm:if name="Name34" func="var" arg="hierBranch" op="equ" val="std">
+                    <dgm:layoutNode name="Name35">
+                      <dgm:alg type="conn">
+                        <dgm:param type="connRout" val="bend"/>
+                        <dgm:param type="dim" val="1D"/>
+                        <dgm:param type="endSty" val="noArr"/>
+                        <dgm:param type="begPts" val="bCtr"/>
+                        <dgm:param type="endPts" val="tCtr"/>
+                        <dgm:param type="bendPt" val="end"/>
+                      </dgm:alg>
+                      <dgm:shape xmlns:r="http://schemas.openxmlformats.org/officeDocument/2006/relationships" type="conn" r:blip="" zOrderOff="-99999">
+                        <dgm:adjLst/>
+                      </dgm:shape>
+                      <dgm:presOf axis="self"/>
+                      <dgm:constrLst>
+                        <dgm:constr type="begPad"/>
+                        <dgm:constr type="endPad"/>
+                      </dgm:constrLst>
+                      <dgm:ruleLst/>
+                    </dgm:layoutNode>
+                  </dgm:if>
+                  <dgm:if name="Name36" func="var" arg="hierBranch" op="equ" val="init">
+                    <dgm:layoutNode name="Name37">
+                      <dgm:choose name="Name38">
+                        <dgm:if name="Name39" axis="self" func="depth" op="lte" val="2">
+                          <dgm:alg type="conn">
+                            <dgm:param type="connRout" val="bend"/>
+                            <dgm:param type="dim" val="1D"/>
+                            <dgm:param type="endSty" val="noArr"/>
+                            <dgm:param type="begPts" val="bCtr"/>
+                            <dgm:param type="endPts" val="tCtr"/>
+                            <dgm:param type="bendPt" val="end"/>
+                          </dgm:alg>
+                        </dgm:if>
+                        <dgm:else name="Name40">
+                          <dgm:choose name="Name41">
+                            <dgm:if name="Name42" axis="par des" func="maxDepth" op="lte" val="1">
+                              <dgm:choose name="Name43">
+                                <dgm:if name="Name44" axis="par ch" ptType="node asst" func="cnt" op="gte" val="1">
+                                  <dgm:alg type="conn">
+                                    <dgm:param type="connRout" val="bend"/>
+                                    <dgm:param type="dim" val="1D"/>
+                                    <dgm:param type="endSty" val="noArr"/>
+                                    <dgm:param type="begPts" val="bCtr"/>
+                                    <dgm:param type="endPts" val="midL midR"/>
+                                  </dgm:alg>
+                                </dgm:if>
+                                <dgm:else name="Name45">
+                                  <dgm:alg type="conn">
+                                    <dgm:param type="connRout" val="bend"/>
+                                    <dgm:param type="dim" val="1D"/>
+                                    <dgm:param type="endSty" val="noArr"/>
+                                    <dgm:param type="begPts" val="bCtr"/>
+                                    <dgm:param type="endPts" val="midL midR"/>
+                                    <dgm:param type="srcNode" val="rootConnector"/>
+                                  </dgm:alg>
+                                </dgm:else>
+                              </dgm:choose>
+                            </dgm:if>
+                            <dgm:else name="Name46">
+                              <dgm:alg type="conn">
+                                <dgm:param type="connRout" val="bend"/>
+                                <dgm:param type="dim" val="1D"/>
+                                <dgm:param type="endSty" val="noArr"/>
+                                <dgm:param type="begPts" val="bCtr"/>
+                                <dgm:param type="endPts" val="tCtr"/>
+                                <dgm:param type="bendPt" val="end"/>
+                              </dgm:alg>
+                            </dgm:else>
+                          </dgm:choose>
+                        </dgm:else>
+                      </dgm:choose>
+                      <dgm:shape xmlns:r="http://schemas.openxmlformats.org/officeDocument/2006/relationships" type="conn" r:blip="" zOrderOff="-99999">
+                        <dgm:adjLst/>
+                      </dgm:shape>
+                      <dgm:presOf axis="self"/>
+                      <dgm:constrLst>
+                        <dgm:constr type="begPad"/>
+                        <dgm:constr type="endPad"/>
+                      </dgm:constrLst>
+                      <dgm:ruleLst/>
+                    </dgm:layoutNode>
+                  </dgm:if>
+                  <dgm:if name="Name47" func="var" arg="hierBranch" op="equ" val="hang">
+                    <dgm:layoutNode name="Name48">
+                      <dgm:alg type="conn">
+                        <dgm:param type="connRout" val="bend"/>
+                        <dgm:param type="dim" val="1D"/>
+                        <dgm:param type="endSty" val="noArr"/>
+                        <dgm:param type="begPts" val="bCtr"/>
+                        <dgm:param type="endPts" val="midL midR"/>
+                      </dgm:alg>
+                      <dgm:shape xmlns:r="http://schemas.openxmlformats.org/officeDocument/2006/relationships" type="conn" r:blip="" zOrderOff="-99999">
+                        <dgm:adjLst/>
+                      </dgm:shape>
+                      <dgm:presOf axis="self"/>
+                      <dgm:constrLst>
+                        <dgm:constr type="begPad"/>
+                        <dgm:constr type="endPad"/>
+                      </dgm:constrLst>
+                      <dgm:ruleLst/>
+                    </dgm:layoutNode>
+                  </dgm:if>
+                  <dgm:else name="Name49">
+                    <dgm:layoutNode name="Name50">
+                      <dgm:choose name="Name51">
+                        <dgm:if name="Name52" axis="self" func="depth" op="lte" val="2">
+                          <dgm:choose name="Name53">
+                            <dgm:if name="Name54" axis="par ch" ptType="node asst" func="cnt" op="gte" val="1">
+                              <dgm:alg type="conn">
+                                <dgm:param type="connRout" val="bend"/>
+                                <dgm:param type="dim" val="1D"/>
+                                <dgm:param type="endSty" val="noArr"/>
+                                <dgm:param type="begPts" val="bCtr"/>
+                                <dgm:param type="endPts" val="midL midR"/>
+                              </dgm:alg>
+                            </dgm:if>
+                            <dgm:else name="Name55">
+                              <dgm:alg type="conn">
+                                <dgm:param type="connRout" val="bend"/>
+                                <dgm:param type="dim" val="1D"/>
+                                <dgm:param type="endSty" val="noArr"/>
+                                <dgm:param type="begPts" val="bCtr"/>
+                                <dgm:param type="endPts" val="midL midR"/>
+                                <dgm:param type="srcNode" val="rootConnector1"/>
+                              </dgm:alg>
+                            </dgm:else>
+                          </dgm:choose>
+                        </dgm:if>
+                        <dgm:else name="Name56">
+                          <dgm:choose name="Name57">
+                            <dgm:if name="Name58" axis="par ch" ptType="node asst" func="cnt" op="gte" val="1">
+                              <dgm:alg type="conn">
+                                <dgm:param type="connRout" val="bend"/>
+                                <dgm:param type="dim" val="1D"/>
+                                <dgm:param type="endSty" val="noArr"/>
+                                <dgm:param type="begPts" val="bCtr"/>
+                                <dgm:param type="endPts" val="midL midR"/>
+                              </dgm:alg>
+                            </dgm:if>
+                            <dgm:else name="Name59">
+                              <dgm:alg type="conn">
+                                <dgm:param type="connRout" val="bend"/>
+                                <dgm:param type="dim" val="1D"/>
+                                <dgm:param type="endSty" val="noArr"/>
+                                <dgm:param type="begPts" val="bCtr"/>
+                                <dgm:param type="endPts" val="midL midR"/>
+                                <dgm:param type="srcNode" val="rootConnector"/>
+                              </dgm:alg>
+                            </dgm:else>
+                          </dgm:choose>
+                        </dgm:else>
+                      </dgm:choose>
+                      <dgm:shape xmlns:r="http://schemas.openxmlformats.org/officeDocument/2006/relationships" type="conn" r:blip="" zOrderOff="-99999">
+                        <dgm:adjLst/>
+                      </dgm:shape>
+                      <dgm:presOf axis="self"/>
+                      <dgm:constrLst>
+                        <dgm:constr type="begPad"/>
+                        <dgm:constr type="endPad"/>
+                      </dgm:constrLst>
+                      <dgm:ruleLst/>
+                    </dgm:layoutNode>
+                  </dgm:else>
+                </dgm:choose>
+              </dgm:forEach>
+              <dgm:layoutNode name="hierRoot2">
+                <dgm:varLst>
+                  <dgm:hierBranch val="init"/>
+                </dgm:varLst>
+                <dgm:choose name="Name60">
+                  <dgm:if name="Name61" func="var" arg="hierBranch" op="equ" val="l">
+                    <dgm:choose name="Name62">
+                      <dgm:if name="Name63" axis="ch" ptType="asst" func="cnt" op="gte" val="1">
+                        <dgm:alg type="hierRoot">
+                          <dgm:param type="hierAlign" val="tR"/>
+                        </dgm:alg>
+                        <dgm:shape xmlns:r="http://schemas.openxmlformats.org/officeDocument/2006/relationships" r:blip="">
+                          <dgm:adjLst/>
+                        </dgm:shape>
+                        <dgm:presOf/>
+                        <dgm:constrLst>
+                          <dgm:constr type="alignOff" val="0.65"/>
+                        </dgm:constrLst>
+                      </dgm:if>
+                      <dgm:else name="Name64">
+                        <dgm:alg type="hierRoot">
+                          <dgm:param type="hierAlign" val="tR"/>
+                        </dgm:alg>
+                        <dgm:shape xmlns:r="http://schemas.openxmlformats.org/officeDocument/2006/relationships" r:blip="">
+                          <dgm:adjLst/>
+                        </dgm:shape>
+                        <dgm:presOf/>
+                        <dgm:constrLst>
+                          <dgm:constr type="alignOff" val="0.25"/>
+                        </dgm:constrLst>
+                      </dgm:else>
+                    </dgm:choose>
+                  </dgm:if>
+                  <dgm:if name="Name65" func="var" arg="hierBranch" op="equ" val="r">
+                    <dgm:choose name="Name66">
+                      <dgm:if name="Name67" axis="ch" ptType="asst" func="cnt" op="gte" val="1">
+                        <dgm:alg type="hierRoot">
+                          <dgm:param type="hierAlign" val="tL"/>
+                        </dgm:alg>
+                        <dgm:shape xmlns:r="http://schemas.openxmlformats.org/officeDocument/2006/relationships" r:blip="">
+                          <dgm:adjLst/>
+                        </dgm:shape>
+                        <dgm:presOf/>
+                        <dgm:constrLst>
+                          <dgm:constr type="alignOff" val="0.65"/>
+                        </dgm:constrLst>
+                      </dgm:if>
+                      <dgm:else name="Name68">
+                        <dgm:alg type="hierRoot">
+                          <dgm:param type="hierAlign" val="tL"/>
+                        </dgm:alg>
+                        <dgm:shape xmlns:r="http://schemas.openxmlformats.org/officeDocument/2006/relationships" r:blip="">
+                          <dgm:adjLst/>
+                        </dgm:shape>
+                        <dgm:presOf/>
+                        <dgm:constrLst>
+                          <dgm:constr type="alignOff" val="0.25"/>
+                        </dgm:constrLst>
+                      </dgm:else>
+                    </dgm:choose>
+                  </dgm:if>
+                  <dgm:if name="Name69" func="var" arg="hierBranch" op="equ" val="std">
+                    <dgm:alg type="hierRoot"/>
+                    <dgm:shape xmlns:r="http://schemas.openxmlformats.org/officeDocument/2006/relationships" r:blip="">
+                      <dgm:adjLst/>
+                    </dgm:shape>
+                    <dgm:presOf/>
+                    <dgm:constrLst>
+                      <dgm:constr type="alignOff"/>
+                      <dgm:constr type="bendDist" for="des" ptType="parTrans" refType="sp" fact="0.5"/>
+                    </dgm:constrLst>
+                  </dgm:if>
+                  <dgm:if name="Name70" func="var" arg="hierBranch" op="equ" val="init">
+                    <dgm:choose name="Name71">
+                      <dgm:if name="Name72" axis="des" func="maxDepth" op="lte" val="1">
+                        <dgm:choose name="Name73">
+                          <dgm:if name="Name74" axis="ch" ptType="asst" func="cnt" op="gte" val="1">
+                            <dgm:alg type="hierRoot">
+                              <dgm:param type="hierAlign" val="tL"/>
+                            </dgm:alg>
+                            <dgm:shape xmlns:r="http://schemas.openxmlformats.org/officeDocument/2006/relationships" r:blip="">
+                              <dgm:adjLst/>
+                            </dgm:shape>
+                            <dgm:presOf/>
+                            <dgm:constrLst>
+                              <dgm:constr type="alignOff" val="0.65"/>
+                            </dgm:constrLst>
+                          </dgm:if>
+                          <dgm:else name="Name75">
+                            <dgm:alg type="hierRoot">
+                              <dgm:param type="hierAlign" val="tL"/>
+                            </dgm:alg>
+                            <dgm:shape xmlns:r="http://schemas.openxmlformats.org/officeDocument/2006/relationships" r:blip="">
+                              <dgm:adjLst/>
+                            </dgm:shape>
+                            <dgm:presOf/>
+                            <dgm:constrLst>
+                              <dgm:constr type="alignOff" val="0.25"/>
+                            </dgm:constrLst>
+                          </dgm:else>
+                        </dgm:choose>
+                      </dgm:if>
+                      <dgm:else name="Name76">
+                        <dgm:alg type="hierRoot"/>
+                        <dgm:shape xmlns:r="http://schemas.openxmlformats.org/officeDocument/2006/relationships" r:blip="">
+                          <dgm:adjLst/>
+                        </dgm:shape>
+                        <dgm:presOf/>
+                        <dgm:constrLst>
+                          <dgm:constr type="alignOff"/>
+                          <dgm:constr type="bendDist" for="des" ptType="parTrans" refType="sp" fact="0.5"/>
+                        </dgm:constrLst>
+                      </dgm:else>
+                    </dgm:choose>
+                  </dgm:if>
+                  <dgm:else name="Name77">
+                    <dgm:alg type="hierRoot"/>
+                    <dgm:shape xmlns:r="http://schemas.openxmlformats.org/officeDocument/2006/relationships" r:blip="">
+                      <dgm:adjLst/>
+                    </dgm:shape>
+                    <dgm:presOf/>
+                    <dgm:constrLst>
+                      <dgm:constr type="alignOff" val="0.65"/>
+                    </dgm:constrLst>
+                  </dgm:else>
+                </dgm:choose>
+                <dgm:ruleLst/>
+                <dgm:layoutNode name="rootComposite">
+                  <dgm:alg type="composite"/>
+                  <dgm:shape xmlns:r="http://schemas.openxmlformats.org/officeDocument/2006/relationships" r:blip="">
+                    <dgm:adjLst/>
+                  </dgm:shape>
+                  <dgm:presOf axis="self" ptType="node" cnt="1"/>
+                  <dgm:choose name="Name78">
+                    <dgm:if name="Name79" func="var" arg="hierBranch" op="equ" val="init">
+                      <dgm:constrLst>
+                        <dgm:constr type="l" for="ch" forName="rootText"/>
+                        <dgm:constr type="t" for="ch" forName="rootText"/>
+                        <dgm:constr type="w" for="ch" forName="rootText" refType="w"/>
+                        <dgm:constr type="h" for="ch" forName="rootText" refType="h"/>
+                        <dgm:constr type="l" for="ch" forName="rootConnector"/>
+                        <dgm:constr type="t" for="ch" forName="rootConnector"/>
+                        <dgm:constr type="w" for="ch" forName="rootConnector" refType="w" refFor="ch" refForName="rootText" fact="0.2"/>
+                        <dgm:constr type="h" for="ch" forName="rootConnector" refType="h" refFor="ch" refForName="rootText"/>
+                      </dgm:constrLst>
+                    </dgm:if>
+                    <dgm:if name="Name80" func="var" arg="hierBranch" op="equ" val="l">
+                      <dgm:constrLst>
+                        <dgm:constr type="l" for="ch" forName="rootText"/>
+                        <dgm:constr type="t" for="ch" forName="rootText"/>
+                        <dgm:constr type="w" for="ch" forName="rootText" refType="w"/>
+                        <dgm:constr type="h" for="ch" forName="rootText" refType="h"/>
+                        <dgm:constr type="r" for="ch" forName="rootConnector" refType="w"/>
+                        <dgm:constr type="t" for="ch" forName="rootConnector"/>
+                        <dgm:constr type="w" for="ch" forName="rootConnector" refType="w" refFor="ch" refForName="rootText" fact="0.2"/>
+                        <dgm:constr type="h" for="ch" forName="rootConnector" refType="h" refFor="ch" refForName="rootText"/>
+                      </dgm:constrLst>
+                    </dgm:if>
+                    <dgm:if name="Name81" func="var" arg="hierBranch" op="equ" val="r">
+                      <dgm:constrLst>
+                        <dgm:constr type="l" for="ch" forName="rootText"/>
+                        <dgm:constr type="t" for="ch" forName="rootText"/>
+                        <dgm:constr type="w" for="ch" forName="rootText" refType="w"/>
+                        <dgm:constr type="h" for="ch" forName="rootText" refType="h"/>
+                        <dgm:constr type="l" for="ch" forName="rootConnector"/>
+                        <dgm:constr type="t" for="ch" forName="rootConnector"/>
+                        <dgm:constr type="w" for="ch" forName="rootConnector" refType="w" refFor="ch" refForName="rootText" fact="0.2"/>
+                        <dgm:constr type="h" for="ch" forName="rootConnector" refType="h" refFor="ch" refForName="rootText"/>
+                      </dgm:constrLst>
+                    </dgm:if>
+                    <dgm:else name="Name82">
+                      <dgm:constrLst>
+                        <dgm:constr type="l" for="ch" forName="rootText"/>
+                        <dgm:constr type="t" for="ch" forName="rootText"/>
+                        <dgm:constr type="w" for="ch" forName="rootText" refType="w"/>
+                        <dgm:constr type="h" for="ch" forName="rootText" refType="h"/>
+                        <dgm:constr type="r" for="ch" forName="rootConnector" refType="w"/>
+                        <dgm:constr type="t" for="ch" forName="rootConnector"/>
+                        <dgm:constr type="w" for="ch" forName="rootConnector" refType="w" refFor="ch" refForName="rootText" fact="0.2"/>
+                        <dgm:constr type="h" for="ch" forName="rootConnector" refType="h" refFor="ch" refForName="rootText"/>
+                      </dgm:constrLst>
+                    </dgm:else>
+                  </dgm:choose>
+                  <dgm:ruleLst/>
+                  <dgm:layoutNode name="rootText">
+                    <dgm:varLst>
+                      <dgm:chPref val="3"/>
+                    </dgm:varLst>
+                    <dgm:alg type="tx"/>
+                    <dgm:shape xmlns:r="http://schemas.openxmlformats.org/officeDocument/2006/relationships" type="rect" r:blip="">
+                      <dgm:adjLst/>
+                    </dgm:shape>
+                    <dgm:presOf axis="self" ptType="node" cnt="1"/>
+                    <dgm:constrLst>
+                      <dgm:constr type="primFontSz" val="65"/>
+                      <dgm:constr type="lMarg" refType="primFontSz" fact="0.05"/>
+                      <dgm:constr type="rMarg" refType="primFontSz" fact="0.05"/>
+                      <dgm:constr type="tMarg" refType="primFontSz" fact="0.05"/>
+                      <dgm:constr type="bMarg" refType="primFontSz" fact="0.05"/>
+                    </dgm:constrLst>
+                    <dgm:ruleLst>
+                      <dgm:rule type="primFontSz" val="5" fact="NaN" max="NaN"/>
+                    </dgm:ruleLst>
+                  </dgm:layoutNode>
+                  <dgm:layoutNode name="rootConnector" moveWith="rootText">
+                    <dgm:alg type="sp"/>
+                    <dgm:shape xmlns:r="http://schemas.openxmlformats.org/officeDocument/2006/relationships" type="rect" r:blip="" hideGeom="1">
+                      <dgm:adjLst/>
+                    </dgm:shape>
+                    <dgm:presOf axis="self" ptType="node" cnt="1"/>
+                    <dgm:constrLst/>
+                    <dgm:ruleLst/>
+                  </dgm:layoutNode>
+                </dgm:layoutNode>
+                <dgm:layoutNode name="hierChild4">
+                  <dgm:choose name="Name83">
+                    <dgm:if name="Name84" func="var" arg="hierBranch" op="equ" val="l">
+                      <dgm:alg type="hierChild">
+                        <dgm:param type="chAlign" val="r"/>
+                        <dgm:param type="linDir" val="fromT"/>
+                      </dgm:alg>
+                    </dgm:if>
+                    <dgm:if name="Name85" func="var" arg="hierBranch" op="equ" val="r">
+                      <dgm:alg type="hierChild">
+                        <dgm:param type="chAlign" val="l"/>
+                        <dgm:param type="linDir" val="fromT"/>
+                      </dgm:alg>
+                    </dgm:if>
+                    <dgm:if name="Name86" func="var" arg="hierBranch" op="equ" val="hang">
+                      <dgm:choose name="Name87">
+                        <dgm:if name="Name88" func="var" arg="dir" op="equ" val="norm">
+                          <dgm:alg type="hierChild">
+                            <dgm:param type="chAlign" val="l"/>
+                            <dgm:param type="linDir" val="fromL"/>
+                            <dgm:param type="secChAlign" val="t"/>
+                            <dgm:param type="secLinDir" val="fromT"/>
+                          </dgm:alg>
+                        </dgm:if>
+                        <dgm:else name="Name89">
+                          <dgm:alg type="hierChild">
+                            <dgm:param type="chAlign" val="l"/>
+                            <dgm:param type="linDir" val="fromR"/>
+                            <dgm:param type="secChAlign" val="t"/>
+                            <dgm:param type="secLinDir" val="fromT"/>
+                          </dgm:alg>
+                        </dgm:else>
+                      </dgm:choose>
+                    </dgm:if>
+                    <dgm:if name="Name90" func="var" arg="hierBranch" op="equ" val="std">
+                      <dgm:choose name="Name91">
+                        <dgm:if name="Name92" func="var" arg="dir" op="equ" val="norm">
+                          <dgm:alg type="hierChild"/>
+                        </dgm:if>
+                        <dgm:else name="Name93">
+                          <dgm:alg type="hierChild">
+                            <dgm:param type="linDir" val="fromR"/>
+                          </dgm:alg>
+                        </dgm:else>
+                      </dgm:choose>
+                    </dgm:if>
+                    <dgm:if name="Name94" func="var" arg="hierBranch" op="equ" val="init">
+                      <dgm:choose name="Name95">
+                        <dgm:if name="Name96" axis="des" func="maxDepth" op="lte" val="1">
+                          <dgm:alg type="hierChild">
+                            <dgm:param type="chAlign" val="l"/>
+                            <dgm:param type="linDir" val="fromT"/>
+                          </dgm:alg>
+                        </dgm:if>
+                        <dgm:else name="Name97">
+                          <dgm:choose name="Name98">
+                            <dgm:if name="Name99" func="var" arg="dir" op="equ" val="norm">
+                              <dgm:alg type="hierChild"/>
+                            </dgm:if>
+                            <dgm:else name="Name100">
+                              <dgm:alg type="hierChild">
+                                <dgm:param type="linDir" val="fromR"/>
+                              </dgm:alg>
+                            </dgm:else>
+                          </dgm:choose>
+                        </dgm:else>
+                      </dgm:choose>
+                    </dgm:if>
+                    <dgm:else name="Name101"/>
+                  </dgm:choose>
+                  <dgm:shape xmlns:r="http://schemas.openxmlformats.org/officeDocument/2006/relationships" r:blip="">
+                    <dgm:adjLst/>
+                  </dgm:shape>
+                  <dgm:presOf/>
+                  <dgm:constrLst/>
+                  <dgm:ruleLst/>
+                  <dgm:forEach name="Name102" ref="rep2a"/>
+                </dgm:layoutNode>
+                <dgm:layoutNode name="hierChild5">
+                  <dgm:choose name="Name103">
+                    <dgm:if name="Name104" func="var" arg="dir" op="equ" val="norm">
+                      <dgm:alg type="hierChild">
+                        <dgm:param type="chAlign" val="l"/>
+                        <dgm:param type="linDir" val="fromL"/>
+                        <dgm:param type="secChAlign" val="t"/>
+                        <dgm:param type="secLinDir" val="fromT"/>
+                      </dgm:alg>
+                    </dgm:if>
+                    <dgm:else name="Name105">
+                      <dgm:alg type="hierChild">
+                        <dgm:param type="chAlign" val="l"/>
+                        <dgm:param type="linDir" val="fromR"/>
+                        <dgm:param type="secChAlign" val="t"/>
+                        <dgm:param type="secLinDir" val="fromT"/>
+                      </dgm:alg>
+                    </dgm:else>
+                  </dgm:choose>
+                  <dgm:shape xmlns:r="http://schemas.openxmlformats.org/officeDocument/2006/relationships" r:blip="">
+                    <dgm:adjLst/>
+                  </dgm:shape>
+                  <dgm:presOf/>
+                  <dgm:constrLst/>
+                  <dgm:ruleLst/>
+                  <dgm:forEach name="Name106" ref="rep2b"/>
+                </dgm:layoutNode>
+              </dgm:layoutNode>
+            </dgm:forEach>
+          </dgm:layoutNode>
+          <dgm:layoutNode name="hierChild3">
+            <dgm:choose name="Name107">
+              <dgm:if name="Name108" func="var" arg="dir" op="equ" val="norm">
+                <dgm:alg type="hierChild">
+                  <dgm:param type="chAlign" val="l"/>
+                  <dgm:param type="linDir" val="fromL"/>
+                  <dgm:param type="secChAlign" val="t"/>
+                  <dgm:param type="secLinDir" val="fromT"/>
+                </dgm:alg>
+              </dgm:if>
+              <dgm:else name="Name109">
+                <dgm:alg type="hierChild">
+                  <dgm:param type="chAlign" val="l"/>
+                  <dgm:param type="linDir" val="fromR"/>
+                  <dgm:param type="secChAlign" val="t"/>
+                  <dgm:param type="secLinDir" val="fromT"/>
+                </dgm:alg>
+              </dgm:else>
+            </dgm:choose>
+            <dgm:shape xmlns:r="http://schemas.openxmlformats.org/officeDocument/2006/relationships" r:blip="">
+              <dgm:adjLst/>
+            </dgm:shape>
+            <dgm:presOf/>
+            <dgm:constrLst/>
+            <dgm:ruleLst/>
+            <dgm:forEach name="rep2b" axis="ch" ptType="asst">
+              <dgm:forEach name="Name110" axis="precedSib" ptType="parTrans" st="-1" cnt="1">
+                <dgm:layoutNode name="Name111">
+                  <dgm:alg type="conn">
+                    <dgm:param type="connRout" val="bend"/>
+                    <dgm:param type="dim" val="1D"/>
+                    <dgm:param type="endSty" val="noArr"/>
+                    <dgm:param type="begPts" val="bCtr"/>
+                    <dgm:param type="endPts" val="midL midR"/>
+                  </dgm:alg>
+                  <dgm:shape xmlns:r="http://schemas.openxmlformats.org/officeDocument/2006/relationships" type="conn" r:blip="" zOrderOff="-99999">
+                    <dgm:adjLst/>
+                  </dgm:shape>
+                  <dgm:presOf axis="self"/>
+                  <dgm:constrLst>
+                    <dgm:constr type="begPad"/>
+                    <dgm:constr type="endPad"/>
+                  </dgm:constrLst>
+                  <dgm:ruleLst/>
+                </dgm:layoutNode>
+              </dgm:forEach>
+              <dgm:layoutNode name="hierRoot3">
+                <dgm:varLst>
+                  <dgm:hierBranch val="init"/>
+                </dgm:varLst>
+                <dgm:choose name="Name112">
+                  <dgm:if name="Name113" func="var" arg="hierBranch" op="equ" val="l">
+                    <dgm:alg type="hierRoot">
+                      <dgm:param type="hierAlign" val="tR"/>
+                    </dgm:alg>
+                    <dgm:shape xmlns:r="http://schemas.openxmlformats.org/officeDocument/2006/relationships" r:blip="">
+                      <dgm:adjLst/>
+                    </dgm:shape>
+                    <dgm:presOf/>
+                    <dgm:constrLst>
+                      <dgm:constr type="alignOff" val="0.65"/>
+                    </dgm:constrLst>
+                  </dgm:if>
+                  <dgm:if name="Name114" func="var" arg="hierBranch" op="equ" val="r">
+                    <dgm:alg type="hierRoot">
+                      <dgm:param type="hierAlign" val="tL"/>
+                    </dgm:alg>
+                    <dgm:shape xmlns:r="http://schemas.openxmlformats.org/officeDocument/2006/relationships" r:blip="">
+                      <dgm:adjLst/>
+                    </dgm:shape>
+                    <dgm:presOf/>
+                    <dgm:constrLst>
+                      <dgm:constr type="alignOff" val="0.65"/>
+                    </dgm:constrLst>
+                  </dgm:if>
+                  <dgm:if name="Name115" func="var" arg="hierBranch" op="equ" val="hang">
+                    <dgm:alg type="hierRoot"/>
+                    <dgm:shape xmlns:r="http://schemas.openxmlformats.org/officeDocument/2006/relationships" r:blip="">
+                      <dgm:adjLst/>
+                    </dgm:shape>
+                    <dgm:presOf/>
+                    <dgm:constrLst>
+                      <dgm:constr type="alignOff" val="0.65"/>
+                    </dgm:constrLst>
+                  </dgm:if>
+                  <dgm:if name="Name116" func="var" arg="hierBranch" op="equ" val="std">
+                    <dgm:alg type="hierRoot"/>
+                    <dgm:shape xmlns:r="http://schemas.openxmlformats.org/officeDocument/2006/relationships" r:blip="">
+                      <dgm:adjLst/>
+                    </dgm:shape>
+                    <dgm:presOf/>
+                    <dgm:constrLst>
+                      <dgm:constr type="alignOff"/>
+                      <dgm:constr type="bendDist" for="des" ptType="parTrans" refType="sp" fact="0.5"/>
+                    </dgm:constrLst>
+                  </dgm:if>
+                  <dgm:if name="Name117" func="var" arg="hierBranch" op="equ" val="init">
+                    <dgm:choose name="Name118">
+                      <dgm:if name="Name119" axis="des" func="maxDepth" op="lte" val="1">
+                        <dgm:alg type="hierRoot">
+                          <dgm:param type="hierAlign" val="tL"/>
+                        </dgm:alg>
+                        <dgm:shape xmlns:r="http://schemas.openxmlformats.org/officeDocument/2006/relationships" r:blip="">
+                          <dgm:adjLst/>
+                        </dgm:shape>
+                        <dgm:presOf/>
+                        <dgm:constrLst>
+                          <dgm:constr type="alignOff" val="0.65"/>
+                        </dgm:constrLst>
+                      </dgm:if>
+                      <dgm:else name="Name120">
+                        <dgm:alg type="hierRoot"/>
+                        <dgm:shape xmlns:r="http://schemas.openxmlformats.org/officeDocument/2006/relationships" r:blip="">
+                          <dgm:adjLst/>
+                        </dgm:shape>
+                        <dgm:presOf/>
+                        <dgm:constrLst>
+                          <dgm:constr type="alignOff"/>
+                          <dgm:constr type="bendDist" for="des" ptType="parTrans" refType="sp" fact="0.5"/>
+                        </dgm:constrLst>
+                      </dgm:else>
+                    </dgm:choose>
+                  </dgm:if>
+                  <dgm:else name="Name121"/>
+                </dgm:choose>
+                <dgm:ruleLst/>
+                <dgm:layoutNode name="rootComposite3">
+                  <dgm:alg type="composite"/>
+                  <dgm:shape xmlns:r="http://schemas.openxmlformats.org/officeDocument/2006/relationships" r:blip="">
+                    <dgm:adjLst/>
+                  </dgm:shape>
+                  <dgm:presOf axis="self" ptType="node" cnt="1"/>
+                  <dgm:choose name="Name122">
+                    <dgm:if name="Name123" func="var" arg="hierBranch" op="equ" val="init">
+                      <dgm:constrLst>
+                        <dgm:constr type="l" for="ch" forName="rootText3"/>
+                        <dgm:constr type="t" for="ch" forName="rootText3"/>
+                        <dgm:constr type="w" for="ch" forName="rootText3" refType="w"/>
+                        <dgm:constr type="h" for="ch" forName="rootText3" refType="h"/>
+                        <dgm:constr type="l" for="ch" forName="rootConnector3"/>
+                        <dgm:constr type="t" for="ch" forName="rootConnector3"/>
+                        <dgm:constr type="w" for="ch" forName="rootConnector3" refType="w" refFor="ch" refForName="rootText3" fact="0.2"/>
+                        <dgm:constr type="h" for="ch" forName="rootConnector3" refType="h" refFor="ch" refForName="rootText3"/>
+                      </dgm:constrLst>
+                    </dgm:if>
+                    <dgm:if name="Name124" func="var" arg="hierBranch" op="equ" val="l">
+                      <dgm:constrLst>
+                        <dgm:constr type="l" for="ch" forName="rootText3"/>
+                        <dgm:constr type="t" for="ch" forName="rootText3"/>
+                        <dgm:constr type="w" for="ch" forName="rootText3" refType="w"/>
+                        <dgm:constr type="h" for="ch" forName="rootText3" refType="h"/>
+                        <dgm:constr type="r" for="ch" forName="rootConnector3" refType="w"/>
+                        <dgm:constr type="t" for="ch" forName="rootConnector3"/>
+                        <dgm:constr type="w" for="ch" forName="rootConnector3" refType="w" refFor="ch" refForName="rootText3" fact="0.2"/>
+                        <dgm:constr type="h" for="ch" forName="rootConnector3" refType="h" refFor="ch" refForName="rootText3"/>
+                      </dgm:constrLst>
+                    </dgm:if>
+                    <dgm:if name="Name125" func="var" arg="hierBranch" op="equ" val="r">
+                      <dgm:constrLst>
+                        <dgm:constr type="l" for="ch" forName="rootText3"/>
+                        <dgm:constr type="t" for="ch" forName="rootText3"/>
+                        <dgm:constr type="w" for="ch" forName="rootText3" refType="w"/>
+                        <dgm:constr type="h" for="ch" forName="rootText3" refType="h"/>
+                        <dgm:constr type="l" for="ch" forName="rootConnector3"/>
+                        <dgm:constr type="t" for="ch" forName="rootConnector3"/>
+                        <dgm:constr type="w" for="ch" forName="rootConnector3" refType="w" refFor="ch" refForName="rootText3" fact="0.2"/>
+                        <dgm:constr type="h" for="ch" forName="rootConnector3" refType="h" refFor="ch" refForName="rootText3"/>
+                      </dgm:constrLst>
+                    </dgm:if>
+                    <dgm:else name="Name126">
+                      <dgm:constrLst>
+                        <dgm:constr type="l" for="ch" forName="rootText3"/>
+                        <dgm:constr type="t" for="ch" forName="rootText3"/>
+                        <dgm:constr type="w" for="ch" forName="rootText3" refType="w"/>
+                        <dgm:constr type="h" for="ch" forName="rootText3" refType="h"/>
+                        <dgm:constr type="r" for="ch" forName="rootConnector3" refType="w"/>
+                        <dgm:constr type="t" for="ch" forName="rootConnector3"/>
+                        <dgm:constr type="w" for="ch" forName="rootConnector3" refType="w" refFor="ch" refForName="rootText3" fact="0.2"/>
+                        <dgm:constr type="h" for="ch" forName="rootConnector3" refType="h" refFor="ch" refForName="rootText3"/>
+                      </dgm:constrLst>
+                    </dgm:else>
+                  </dgm:choose>
+                  <dgm:ruleLst/>
+                  <dgm:layoutNode name="rootText3">
+                    <dgm:varLst>
+                      <dgm:chPref val="3"/>
+                    </dgm:varLst>
+                    <dgm:alg type="tx"/>
+                    <dgm:shape xmlns:r="http://schemas.openxmlformats.org/officeDocument/2006/relationships" type="rect" r:blip="">
+                      <dgm:adjLst/>
+                    </dgm:shape>
+                    <dgm:presOf axis="self" ptType="node" cnt="1"/>
+                    <dgm:constrLst>
+                      <dgm:constr type="primFontSz" val="65"/>
+                      <dgm:constr type="lMarg" refType="primFontSz" fact="0.05"/>
+                      <dgm:constr type="rMarg" refType="primFontSz" fact="0.05"/>
+                      <dgm:constr type="tMarg" refType="primFontSz" fact="0.05"/>
+                      <dgm:constr type="bMarg" refType="primFontSz" fact="0.05"/>
+                    </dgm:constrLst>
+                    <dgm:ruleLst>
+                      <dgm:rule type="primFontSz" val="5" fact="NaN" max="NaN"/>
+                    </dgm:ruleLst>
+                  </dgm:layoutNode>
+                  <dgm:layoutNode name="rootConnector3" moveWith="rootText1">
+                    <dgm:alg type="sp"/>
+                    <dgm:shape xmlns:r="http://schemas.openxmlformats.org/officeDocument/2006/relationships" type="rect" r:blip="" hideGeom="1">
+                      <dgm:adjLst/>
+                    </dgm:shape>
+                    <dgm:presOf axis="self" ptType="node" cnt="1"/>
+                    <dgm:constrLst/>
+                    <dgm:ruleLst/>
+                  </dgm:layoutNode>
+                </dgm:layoutNode>
+                <dgm:layoutNode name="hierChild6">
+                  <dgm:choose name="Name127">
+                    <dgm:if name="Name128" func="var" arg="hierBranch" op="equ" val="l">
+                      <dgm:alg type="hierChild">
+                        <dgm:param type="chAlign" val="r"/>
+                        <dgm:param type="linDir" val="fromT"/>
+                      </dgm:alg>
+                    </dgm:if>
+                    <dgm:if name="Name129" func="var" arg="hierBranch" op="equ" val="r">
+                      <dgm:alg type="hierChild">
+                        <dgm:param type="chAlign" val="l"/>
+                        <dgm:param type="linDir" val="fromT"/>
+                      </dgm:alg>
+                    </dgm:if>
+                    <dgm:if name="Name130" func="var" arg="hierBranch" op="equ" val="hang">
+                      <dgm:choose name="Name131">
+                        <dgm:if name="Name132" func="var" arg="dir" op="equ" val="norm">
+                          <dgm:alg type="hierChild">
+                            <dgm:param type="chAlign" val="l"/>
+                            <dgm:param type="linDir" val="fromL"/>
+                            <dgm:param type="secChAlign" val="t"/>
+                            <dgm:param type="secLinDir" val="fromT"/>
+                          </dgm:alg>
+                        </dgm:if>
+                        <dgm:else name="Name133">
+                          <dgm:alg type="hierChild">
+                            <dgm:param type="chAlign" val="l"/>
+                            <dgm:param type="linDir" val="fromR"/>
+                            <dgm:param type="secChAlign" val="t"/>
+                            <dgm:param type="secLinDir" val="fromT"/>
+                          </dgm:alg>
+                        </dgm:else>
+                      </dgm:choose>
+                    </dgm:if>
+                    <dgm:if name="Name134" func="var" arg="hierBranch" op="equ" val="std">
+                      <dgm:choose name="Name135">
+                        <dgm:if name="Name136" func="var" arg="dir" op="equ" val="norm">
+                          <dgm:alg type="hierChild"/>
+                        </dgm:if>
+                        <dgm:else name="Name137">
+                          <dgm:alg type="hierChild">
+                            <dgm:param type="linDir" val="fromR"/>
+                          </dgm:alg>
+                        </dgm:else>
+                      </dgm:choose>
+                    </dgm:if>
+                    <dgm:if name="Name138" func="var" arg="hierBranch" op="equ" val="init">
+                      <dgm:choose name="Name139">
+                        <dgm:if name="Name140" axis="des" func="maxDepth" op="lte" val="1">
+                          <dgm:alg type="hierChild">
+                            <dgm:param type="chAlign" val="l"/>
+                            <dgm:param type="linDir" val="fromT"/>
+                          </dgm:alg>
+                        </dgm:if>
+                        <dgm:else name="Name141">
+                          <dgm:alg type="hierChild"/>
+                        </dgm:else>
+                      </dgm:choose>
+                    </dgm:if>
+                    <dgm:else name="Name142"/>
+                  </dgm:choose>
+                  <dgm:shape xmlns:r="http://schemas.openxmlformats.org/officeDocument/2006/relationships" r:blip="">
+                    <dgm:adjLst/>
+                  </dgm:shape>
+                  <dgm:presOf/>
+                  <dgm:constrLst/>
+                  <dgm:ruleLst/>
+                  <dgm:forEach name="Name143" ref="rep2a"/>
+                </dgm:layoutNode>
+                <dgm:layoutNode name="hierChild7">
+                  <dgm:choose name="Name144">
+                    <dgm:if name="Name145" func="var" arg="dir" op="equ" val="norm">
+                      <dgm:alg type="hierChild">
+                        <dgm:param type="chAlign" val="l"/>
+                        <dgm:param type="linDir" val="fromL"/>
+                        <dgm:param type="secChAlign" val="t"/>
+                        <dgm:param type="secLinDir" val="fromT"/>
+                      </dgm:alg>
+                    </dgm:if>
+                    <dgm:else name="Name146">
+                      <dgm:alg type="hierChild">
+                        <dgm:param type="chAlign" val="l"/>
+                        <dgm:param type="linDir" val="fromR"/>
+                        <dgm:param type="secChAlign" val="t"/>
+                        <dgm:param type="secLinDir" val="fromT"/>
+                      </dgm:alg>
+                    </dgm:else>
+                  </dgm:choose>
+                  <dgm:shape xmlns:r="http://schemas.openxmlformats.org/officeDocument/2006/relationships" r:blip="">
+                    <dgm:adjLst/>
+                  </dgm:shape>
+                  <dgm:presOf/>
+                  <dgm:constrLst/>
+                  <dgm:ruleLst/>
+                  <dgm:forEach name="Name147" ref="rep2b"/>
+                </dgm:layoutNode>
+              </dgm:layoutNode>
+            </dgm:forEach>
+          </dgm:layoutNode>
+        </dgm:layoutNode>
+      </dgm:forEach>
+    </dgm:forEach>
+  </dgm:layoutNode>
+</dgm:layoutDef>
+</file>
+
+<file path=ppt/diagrams/layout2.xml><?xml version="1.0" encoding="utf-8"?>
+<dgm:layoutDef xmlns:dgm="http://schemas.openxmlformats.org/drawingml/2006/diagram" xmlns:a="http://schemas.openxmlformats.org/drawingml/2006/main" uniqueId="urn:microsoft.com/office/officeart/2005/8/layout/orgChart1">
+  <dgm:title val=""/>
+  <dgm:desc val=""/>
+  <dgm:catLst>
+    <dgm:cat type="hierarchy" pri="1000"/>
+    <dgm:cat type="convert" pri="6000"/>
+  </dgm:catLst>
+  <dgm:sampData>
+    <dgm:dataModel>
+      <dgm:ptLst>
+        <dgm:pt modelId="0" type="doc"/>
+        <dgm:pt modelId="1">
+          <dgm:prSet phldr="1"/>
+        </dgm:pt>
+        <dgm:pt modelId="2" type="asst">
+          <dgm:prSet phldr="1"/>
+        </dgm:pt>
+        <dgm:pt modelId="3">
+          <dgm:prSet phldr="1"/>
+        </dgm:pt>
+        <dgm:pt modelId="4">
+          <dgm:prSet phldr="1"/>
+        </dgm:pt>
+        <dgm:pt modelId="5">
+          <dgm:prSet phldr="1"/>
+        </dgm:pt>
+      </dgm:ptLst>
+      <dgm:cxnLst>
+        <dgm:cxn modelId="5" srcId="0" destId="1" srcOrd="0" destOrd="0"/>
+        <dgm:cxn modelId="6" srcId="1" destId="2" srcOrd="0" destOrd="0"/>
+        <dgm:cxn modelId="7" srcId="1" destId="3" srcOrd="1" destOrd="0"/>
+        <dgm:cxn modelId="8" srcId="1" destId="4" srcOrd="2" destOrd="0"/>
+        <dgm:cxn modelId="9" srcId="1" destId="5" srcOrd="3" destOrd="0"/>
+      </dgm:cxnLst>
+      <dgm:bg/>
+      <dgm:whole/>
+    </dgm:dataModel>
+  </dgm:sampData>
+  <dgm:styleData>
+    <dgm:dataModel>
+      <dgm:ptLst>
+        <dgm:pt modelId="0" type="doc"/>
+        <dgm:pt modelId="1"/>
+        <dgm:pt modelId="12"/>
+        <dgm:pt modelId="13"/>
+      </dgm:ptLst>
+      <dgm:cxnLst>
+        <dgm:cxn modelId="2" srcId="0" destId="1" srcOrd="0" destOrd="0"/>
+        <dgm:cxn modelId="16" srcId="1" destId="12" srcOrd="1" destOrd="0"/>
+        <dgm:cxn modelId="17" srcId="1" destId="13" srcOrd="2" destOrd="0"/>
+      </dgm:cxnLst>
+      <dgm:bg/>
+      <dgm:whole/>
+    </dgm:dataModel>
+  </dgm:styleData>
+  <dgm:clrData>
+    <dgm:dataModel>
+      <dgm:ptLst>
+        <dgm:pt modelId="0" type="doc"/>
+        <dgm:pt modelId="1"/>
+        <dgm:pt modelId="11" type="asst"/>
+        <dgm:pt modelId="12"/>
+        <dgm:pt modelId="13"/>
+        <dgm:pt modelId="14"/>
+      </dgm:ptLst>
+      <dgm:cxnLst>
+        <dgm:cxn modelId="2" srcId="0" destId="1" srcOrd="0" destOrd="0"/>
+        <dgm:cxn modelId="15" srcId="1" destId="11" srcOrd="0" destOrd="0"/>
+        <dgm:cxn modelId="16" srcId="1" destId="12" srcOrd="1" destOrd="0"/>
+        <dgm:cxn modelId="17" srcId="1" destId="13" srcOrd="2" destOrd="0"/>
+        <dgm:cxn modelId="18" srcId="1" destId="14" srcOrd="2" destOrd="0"/>
+      </dgm:cxnLst>
+      <dgm:bg/>
+      <dgm:whole/>
+    </dgm:dataModel>
+  </dgm:clrData>
+  <dgm:layoutNode name="hierChild1">
+    <dgm:varLst>
+      <dgm:orgChart val="1"/>
+      <dgm:chPref val="1"/>
+      <dgm:dir/>
+      <dgm:animOne val="branch"/>
+      <dgm:animLvl val="lvl"/>
+      <dgm:resizeHandles/>
+    </dgm:varLst>
+    <dgm:choose name="Name0">
+      <dgm:if name="Name1" func="var" arg="dir" op="equ" val="norm">
+        <dgm:alg type="hierChild">
+          <dgm:param type="linDir" val="fromL"/>
+        </dgm:alg>
+      </dgm:if>
+      <dgm:else name="Name2">
+        <dgm:alg type="hierChild">
+          <dgm:param type="linDir" val="fromR"/>
+        </dgm:alg>
+      </dgm:else>
+    </dgm:choose>
+    <dgm:shape xmlns:r="http://schemas.openxmlformats.org/officeDocument/2006/relationships" r:blip="">
+      <dgm:adjLst/>
+    </dgm:shape>
+    <dgm:presOf/>
+    <dgm:constrLst>
+      <dgm:constr type="w" for="des" forName="rootComposite1" refType="w" fact="10"/>
+      <dgm:constr type="h" for="des" forName="rootComposite1" refType="w" refFor="des" refForName="rootComposite1" fact="0.5"/>
+      <dgm:constr type="w" for="des" forName="rootComposite" refType="w" fact="10"/>
+      <dgm:constr type="h" for="des" forName="rootComposite" refType="w" refFor="des" refForName="rootComposite1" fact="0.5"/>
+      <dgm:constr type="w" for="des" forName="rootComposite3" refType="w" fact="10"/>
+      <dgm:constr type="h" for="des" forName="rootComposite3" refType="w" refFor="des" refForName="rootComposite1" fact="0.5"/>
+      <dgm:constr type="primFontSz" for="des" ptType="node" op="equ"/>
+      <dgm:constr type="sp" for="des" op="equ"/>
+      <dgm:constr type="sp" for="des" forName="hierRoot1" refType="w" refFor="des" refForName="rootComposite1" fact="0.21"/>
+      <dgm:constr type="sp" for="des" forName="hierRoot2" refType="sp" refFor="des" refForName="hierRoot1"/>
+      <dgm:constr type="sp" for="des" forName="hierRoot3" refType="sp" refFor="des" refForName="hierRoot1"/>
+      <dgm:constr type="sibSp" refType="w" refFor="des" refForName="rootComposite1" fact="0.21"/>
+      <dgm:constr type="sibSp" for="des" forName="hierChild2" refType="sibSp"/>
+      <dgm:constr type="sibSp" for="des" forName="hierChild3" refType="sibSp"/>
+      <dgm:constr type="sibSp" for="des" forName="hierChild4" refType="sibSp"/>
+      <dgm:constr type="sibSp" for="des" forName="hierChild5" refType="sibSp"/>
+      <dgm:constr type="sibSp" for="des" forName="hierChild6" refType="sibSp"/>
+      <dgm:constr type="sibSp" for="des" forName="hierChild7" refType="sibSp"/>
+      <dgm:constr type="secSibSp" refType="w" refFor="des" refForName="rootComposite1" fact="0.21"/>
+      <dgm:constr type="secSibSp" for="des" forName="hierChild2" refType="secSibSp"/>
+      <dgm:constr type="secSibSp" for="des" forName="hierChild3" refType="secSibSp"/>
+      <dgm:constr type="secSibSp" for="des" forName="hierChild4" refType="secSibSp"/>
+      <dgm:constr type="secSibSp" for="des" forName="hierChild5" refType="secSibSp"/>
+      <dgm:constr type="secSibSp" for="des" forName="hierChild6" refType="secSibSp"/>
+      <dgm:constr type="secSibSp" for="des" forName="hierChild7" refType="secSibSp"/>
+    </dgm:constrLst>
+    <dgm:ruleLst/>
+    <dgm:forEach name="Name3" axis="ch">
+      <dgm:forEach name="Name4" axis="self" ptType="node">
+        <dgm:layoutNode name="hierRoot1">
+          <dgm:varLst>
+            <dgm:hierBranch val="init"/>
+          </dgm:varLst>
+          <dgm:choose name="Name5">
+            <dgm:if name="Name6" func="var" arg="hierBranch" op="equ" val="l">
+              <dgm:choose name="Name7">
+                <dgm:if name="Name8" axis="ch" ptType="asst" func="cnt" op="gte" val="1">
+                  <dgm:alg type="hierRoot">
+                    <dgm:param type="hierAlign" val="tR"/>
+                  </dgm:alg>
+                  <dgm:constrLst>
+                    <dgm:constr type="alignOff" val="0.65"/>
+                  </dgm:constrLst>
+                </dgm:if>
+                <dgm:else name="Name9">
+                  <dgm:alg type="hierRoot">
+                    <dgm:param type="hierAlign" val="tR"/>
+                  </dgm:alg>
+                  <dgm:constrLst>
+                    <dgm:constr type="alignOff" val="0.25"/>
+                  </dgm:constrLst>
+                </dgm:else>
+              </dgm:choose>
+            </dgm:if>
+            <dgm:if name="Name10" func="var" arg="hierBranch" op="equ" val="r">
+              <dgm:choose name="Name11">
+                <dgm:if name="Name12" axis="ch" ptType="asst" func="cnt" op="gte" val="1">
+                  <dgm:alg type="hierRoot">
+                    <dgm:param type="hierAlign" val="tL"/>
+                  </dgm:alg>
+                  <dgm:constrLst>
+                    <dgm:constr type="alignOff" val="0.65"/>
+                  </dgm:constrLst>
+                </dgm:if>
+                <dgm:else name="Name13">
+                  <dgm:alg type="hierRoot">
+                    <dgm:param type="hierAlign" val="tL"/>
+                  </dgm:alg>
+                  <dgm:constrLst>
+                    <dgm:constr type="alignOff" val="0.25"/>
+                  </dgm:constrLst>
+                </dgm:else>
+              </dgm:choose>
+            </dgm:if>
+            <dgm:if name="Name14" func="var" arg="hierBranch" op="equ" val="hang">
+              <dgm:alg type="hierRoot"/>
+              <dgm:constrLst>
+                <dgm:constr type="alignOff" val="0.65"/>
+              </dgm:constrLst>
+            </dgm:if>
+            <dgm:else name="Name15">
+              <dgm:alg type="hierRoot"/>
+              <dgm:constrLst>
+                <dgm:constr type="alignOff"/>
+                <dgm:constr type="bendDist" for="des" ptType="parTrans" refType="sp" fact="0.5"/>
+              </dgm:constrLst>
+            </dgm:else>
+          </dgm:choose>
+          <dgm:shape xmlns:r="http://schemas.openxmlformats.org/officeDocument/2006/relationships" r:blip="">
+            <dgm:adjLst/>
+          </dgm:shape>
+          <dgm:presOf/>
+          <dgm:ruleLst/>
+          <dgm:layoutNode name="rootComposite1">
+            <dgm:alg type="composite"/>
+            <dgm:shape xmlns:r="http://schemas.openxmlformats.org/officeDocument/2006/relationships" r:blip="">
+              <dgm:adjLst/>
+            </dgm:shape>
+            <dgm:presOf axis="self" ptType="node" cnt="1"/>
+            <dgm:choose name="Name16">
+              <dgm:if name="Name17" func="var" arg="hierBranch" op="equ" val="init">
+                <dgm:constrLst>
+                  <dgm:constr type="l" for="ch" forName="rootText1"/>
+                  <dgm:constr type="t" for="ch" forName="rootText1"/>
+                  <dgm:constr type="w" for="ch" forName="rootText1" refType="w"/>
+                  <dgm:constr type="h" for="ch" forName="rootText1" refType="h"/>
+                  <dgm:constr type="l" for="ch" forName="rootConnector1"/>
+                  <dgm:constr type="t" for="ch" forName="rootConnector1"/>
+                  <dgm:constr type="w" for="ch" forName="rootConnector1" refType="w" refFor="ch" refForName="rootText1" fact="0.2"/>
+                  <dgm:constr type="h" for="ch" forName="rootConnector1" refType="h" refFor="ch" refForName="rootText1"/>
+                </dgm:constrLst>
+              </dgm:if>
+              <dgm:if name="Name18" func="var" arg="hierBranch" op="equ" val="l">
+                <dgm:constrLst>
+                  <dgm:constr type="l" for="ch" forName="rootText1"/>
+                  <dgm:constr type="t" for="ch" forName="rootText1"/>
+                  <dgm:constr type="w" for="ch" forName="rootText1" refType="w"/>
+                  <dgm:constr type="h" for="ch" forName="rootText1" refType="h"/>
+                  <dgm:constr type="r" for="ch" forName="rootConnector1" refType="w"/>
+                  <dgm:constr type="t" for="ch" forName="rootConnector1"/>
+                  <dgm:constr type="w" for="ch" forName="rootConnector1" refType="w" refFor="ch" refForName="rootText1" fact="0.2"/>
+                  <dgm:constr type="h" for="ch" forName="rootConnector1" refType="h" refFor="ch" refForName="rootText1"/>
+                </dgm:constrLst>
+              </dgm:if>
+              <dgm:if name="Name19" func="var" arg="hierBranch" op="equ" val="r">
+                <dgm:constrLst>
+                  <dgm:constr type="l" for="ch" forName="rootText1"/>
+                  <dgm:constr type="t" for="ch" forName="rootText1"/>
+                  <dgm:constr type="w" for="ch" forName="rootText1" refType="w"/>
+                  <dgm:constr type="h" for="ch" forName="rootText1" refType="h"/>
+                  <dgm:constr type="l" for="ch" forName="rootConnector1"/>
+                  <dgm:constr type="t" for="ch" forName="rootConnector1"/>
+                  <dgm:constr type="w" for="ch" forName="rootConnector1" refType="w" refFor="ch" refForName="rootText1" fact="0.2"/>
+                  <dgm:constr type="h" for="ch" forName="rootConnector1" refType="h" refFor="ch" refForName="rootText1"/>
+                </dgm:constrLst>
+              </dgm:if>
+              <dgm:else name="Name20">
+                <dgm:constrLst>
+                  <dgm:constr type="l" for="ch" forName="rootText1"/>
+                  <dgm:constr type="t" for="ch" forName="rootText1"/>
+                  <dgm:constr type="w" for="ch" forName="rootText1" refType="w"/>
+                  <dgm:constr type="h" for="ch" forName="rootText1" refType="h"/>
+                  <dgm:constr type="r" for="ch" forName="rootConnector1" refType="w"/>
+                  <dgm:constr type="t" for="ch" forName="rootConnector1"/>
+                  <dgm:constr type="w" for="ch" forName="rootConnector1" refType="w" refFor="ch" refForName="rootText1" fact="0.2"/>
+                  <dgm:constr type="h" for="ch" forName="rootConnector1" refType="h" refFor="ch" refForName="rootText1"/>
+                </dgm:constrLst>
+              </dgm:else>
+            </dgm:choose>
+            <dgm:ruleLst/>
+            <dgm:layoutNode name="rootText1" styleLbl="node0">
+              <dgm:varLst>
+                <dgm:chPref val="3"/>
+              </dgm:varLst>
+              <dgm:alg type="tx"/>
+              <dgm:shape xmlns:r="http://schemas.openxmlformats.org/officeDocument/2006/relationships" type="rect" r:blip="">
+                <dgm:adjLst/>
+              </dgm:shape>
+              <dgm:presOf axis="self" ptType="node" cnt="1"/>
+              <dgm:constrLst>
+                <dgm:constr type="primFontSz" val="65"/>
+                <dgm:constr type="lMarg" refType="primFontSz" fact="0.05"/>
+                <dgm:constr type="rMarg" refType="primFontSz" fact="0.05"/>
+                <dgm:constr type="tMarg" refType="primFontSz" fact="0.05"/>
+                <dgm:constr type="bMarg" refType="primFontSz" fact="0.05"/>
+              </dgm:constrLst>
+              <dgm:ruleLst>
+                <dgm:rule type="primFontSz" val="5" fact="NaN" max="NaN"/>
+              </dgm:ruleLst>
+            </dgm:layoutNode>
+            <dgm:layoutNode name="rootConnector1" moveWith="rootText1">
+              <dgm:alg type="sp"/>
+              <dgm:shape xmlns:r="http://schemas.openxmlformats.org/officeDocument/2006/relationships" type="rect" r:blip="" hideGeom="1">
+                <dgm:adjLst/>
+              </dgm:shape>
+              <dgm:presOf axis="self" ptType="node" cnt="1"/>
+              <dgm:constrLst/>
+              <dgm:ruleLst/>
+            </dgm:layoutNode>
+          </dgm:layoutNode>
+          <dgm:layoutNode name="hierChild2">
+            <dgm:choose name="Name21">
+              <dgm:if name="Name22" func="var" arg="hierBranch" op="equ" val="l">
+                <dgm:alg type="hierChild">
+                  <dgm:param type="chAlign" val="r"/>
+                  <dgm:param type="linDir" val="fromT"/>
+                </dgm:alg>
+              </dgm:if>
+              <dgm:if name="Name23" func="var" arg="hierBranch" op="equ" val="r">
+                <dgm:alg type="hierChild">
+                  <dgm:param type="chAlign" val="l"/>
+                  <dgm:param type="linDir" val="fromT"/>
+                </dgm:alg>
+              </dgm:if>
+              <dgm:if name="Name24" func="var" arg="hierBranch" op="equ" val="hang">
+                <dgm:choose name="Name25">
+                  <dgm:if name="Name26" func="var" arg="dir" op="equ" val="norm">
+                    <dgm:alg type="hierChild">
+                      <dgm:param type="chAlign" val="l"/>
+                      <dgm:param type="linDir" val="fromL"/>
+                      <dgm:param type="secChAlign" val="t"/>
+                      <dgm:param type="secLinDir" val="fromT"/>
+                    </dgm:alg>
+                  </dgm:if>
+                  <dgm:else name="Name27">
+                    <dgm:alg type="hierChild">
+                      <dgm:param type="chAlign" val="l"/>
+                      <dgm:param type="linDir" val="fromR"/>
+                      <dgm:param type="secChAlign" val="t"/>
+                      <dgm:param type="secLinDir" val="fromT"/>
+                    </dgm:alg>
+                  </dgm:else>
+                </dgm:choose>
+              </dgm:if>
+              <dgm:else name="Name28">
+                <dgm:choose name="Name29">
+                  <dgm:if name="Name30" func="var" arg="dir" op="equ" val="norm">
+                    <dgm:alg type="hierChild"/>
+                  </dgm:if>
+                  <dgm:else name="Name31">
+                    <dgm:alg type="hierChild">
+                      <dgm:param type="linDir" val="fromR"/>
+                    </dgm:alg>
+                  </dgm:else>
+                </dgm:choose>
+              </dgm:else>
+            </dgm:choose>
+            <dgm:shape xmlns:r="http://schemas.openxmlformats.org/officeDocument/2006/relationships" r:blip="">
+              <dgm:adjLst/>
+            </dgm:shape>
+            <dgm:presOf/>
+            <dgm:constrLst/>
+            <dgm:ruleLst/>
+            <dgm:forEach name="rep2a" axis="ch" ptType="nonAsst">
+              <dgm:forEach name="Name32" axis="precedSib" ptType="parTrans" st="-1" cnt="1">
+                <dgm:choose name="Name33">
+                  <dgm:if name="Name34" func="var" arg="hierBranch" op="equ" val="std">
+                    <dgm:layoutNode name="Name35">
+                      <dgm:alg type="conn">
+                        <dgm:param type="connRout" val="bend"/>
+                        <dgm:param type="dim" val="1D"/>
+                        <dgm:param type="endSty" val="noArr"/>
+                        <dgm:param type="begPts" val="bCtr"/>
+                        <dgm:param type="endPts" val="tCtr"/>
+                        <dgm:param type="bendPt" val="end"/>
+                      </dgm:alg>
+                      <dgm:shape xmlns:r="http://schemas.openxmlformats.org/officeDocument/2006/relationships" type="conn" r:blip="" zOrderOff="-99999">
+                        <dgm:adjLst/>
+                      </dgm:shape>
+                      <dgm:presOf axis="self"/>
+                      <dgm:constrLst>
+                        <dgm:constr type="begPad"/>
+                        <dgm:constr type="endPad"/>
+                      </dgm:constrLst>
+                      <dgm:ruleLst/>
+                    </dgm:layoutNode>
+                  </dgm:if>
+                  <dgm:if name="Name36" func="var" arg="hierBranch" op="equ" val="init">
+                    <dgm:layoutNode name="Name37">
+                      <dgm:choose name="Name38">
+                        <dgm:if name="Name39" axis="self" func="depth" op="lte" val="2">
+                          <dgm:alg type="conn">
+                            <dgm:param type="connRout" val="bend"/>
+                            <dgm:param type="dim" val="1D"/>
+                            <dgm:param type="endSty" val="noArr"/>
+                            <dgm:param type="begPts" val="bCtr"/>
+                            <dgm:param type="endPts" val="tCtr"/>
+                            <dgm:param type="bendPt" val="end"/>
+                          </dgm:alg>
+                        </dgm:if>
+                        <dgm:else name="Name40">
+                          <dgm:choose name="Name41">
+                            <dgm:if name="Name42" axis="par des" func="maxDepth" op="lte" val="1">
+                              <dgm:choose name="Name43">
+                                <dgm:if name="Name44" axis="par ch" ptType="node asst" func="cnt" op="gte" val="1">
+                                  <dgm:alg type="conn">
+                                    <dgm:param type="connRout" val="bend"/>
+                                    <dgm:param type="dim" val="1D"/>
+                                    <dgm:param type="endSty" val="noArr"/>
+                                    <dgm:param type="begPts" val="bCtr"/>
+                                    <dgm:param type="endPts" val="midL midR"/>
+                                  </dgm:alg>
+                                </dgm:if>
+                                <dgm:else name="Name45">
+                                  <dgm:alg type="conn">
+                                    <dgm:param type="connRout" val="bend"/>
+                                    <dgm:param type="dim" val="1D"/>
+                                    <dgm:param type="endSty" val="noArr"/>
+                                    <dgm:param type="begPts" val="bCtr"/>
+                                    <dgm:param type="endPts" val="midL midR"/>
+                                    <dgm:param type="srcNode" val="rootConnector"/>
+                                  </dgm:alg>
+                                </dgm:else>
+                              </dgm:choose>
+                            </dgm:if>
+                            <dgm:else name="Name46">
+                              <dgm:alg type="conn">
+                                <dgm:param type="connRout" val="bend"/>
+                                <dgm:param type="dim" val="1D"/>
+                                <dgm:param type="endSty" val="noArr"/>
+                                <dgm:param type="begPts" val="bCtr"/>
+                                <dgm:param type="endPts" val="tCtr"/>
+                                <dgm:param type="bendPt" val="end"/>
+                              </dgm:alg>
+                            </dgm:else>
+                          </dgm:choose>
+                        </dgm:else>
+                      </dgm:choose>
+                      <dgm:shape xmlns:r="http://schemas.openxmlformats.org/officeDocument/2006/relationships" type="conn" r:blip="" zOrderOff="-99999">
+                        <dgm:adjLst/>
+                      </dgm:shape>
+                      <dgm:presOf axis="self"/>
+                      <dgm:constrLst>
+                        <dgm:constr type="begPad"/>
+                        <dgm:constr type="endPad"/>
+                      </dgm:constrLst>
+                      <dgm:ruleLst/>
+                    </dgm:layoutNode>
+                  </dgm:if>
+                  <dgm:if name="Name47" func="var" arg="hierBranch" op="equ" val="hang">
+                    <dgm:layoutNode name="Name48">
+                      <dgm:alg type="conn">
+                        <dgm:param type="connRout" val="bend"/>
+                        <dgm:param type="dim" val="1D"/>
+                        <dgm:param type="endSty" val="noArr"/>
+                        <dgm:param type="begPts" val="bCtr"/>
+                        <dgm:param type="endPts" val="midL midR"/>
+                      </dgm:alg>
+                      <dgm:shape xmlns:r="http://schemas.openxmlformats.org/officeDocument/2006/relationships" type="conn" r:blip="" zOrderOff="-99999">
+                        <dgm:adjLst/>
+                      </dgm:shape>
+                      <dgm:presOf axis="self"/>
+                      <dgm:constrLst>
+                        <dgm:constr type="begPad"/>
+                        <dgm:constr type="endPad"/>
+                      </dgm:constrLst>
+                      <dgm:ruleLst/>
+                    </dgm:layoutNode>
+                  </dgm:if>
+                  <dgm:else name="Name49">
+                    <dgm:layoutNode name="Name50">
+                      <dgm:choose name="Name51">
+                        <dgm:if name="Name52" axis="self" func="depth" op="lte" val="2">
+                          <dgm:choose name="Name53">
+                            <dgm:if name="Name54" axis="par ch" ptType="node asst" func="cnt" op="gte" val="1">
+                              <dgm:alg type="conn">
+                                <dgm:param type="connRout" val="bend"/>
+                                <dgm:param type="dim" val="1D"/>
+                                <dgm:param type="endSty" val="noArr"/>
+                                <dgm:param type="begPts" val="bCtr"/>
+                                <dgm:param type="endPts" val="midL midR"/>
+                              </dgm:alg>
+                            </dgm:if>
+                            <dgm:else name="Name55">
+                              <dgm:alg type="conn">
+                                <dgm:param type="connRout" val="bend"/>
+                                <dgm:param type="dim" val="1D"/>
+                                <dgm:param type="endSty" val="noArr"/>
+                                <dgm:param type="begPts" val="bCtr"/>
+                                <dgm:param type="endPts" val="midL midR"/>
+                                <dgm:param type="srcNode" val="rootConnector1"/>
+                              </dgm:alg>
+                            </dgm:else>
+                          </dgm:choose>
+                        </dgm:if>
+                        <dgm:else name="Name56">
+                          <dgm:choose name="Name57">
+                            <dgm:if name="Name58" axis="par ch" ptType="node asst" func="cnt" op="gte" val="1">
+                              <dgm:alg type="conn">
+                                <dgm:param type="connRout" val="bend"/>
+                                <dgm:param type="dim" val="1D"/>
+                                <dgm:param type="endSty" val="noArr"/>
+                                <dgm:param type="begPts" val="bCtr"/>
+                                <dgm:param type="endPts" val="midL midR"/>
+                              </dgm:alg>
+                            </dgm:if>
+                            <dgm:else name="Name59">
+                              <dgm:alg type="conn">
+                                <dgm:param type="connRout" val="bend"/>
+                                <dgm:param type="dim" val="1D"/>
+                                <dgm:param type="endSty" val="noArr"/>
+                                <dgm:param type="begPts" val="bCtr"/>
+                                <dgm:param type="endPts" val="midL midR"/>
+                                <dgm:param type="srcNode" val="rootConnector"/>
+                              </dgm:alg>
+                            </dgm:else>
+                          </dgm:choose>
+                        </dgm:else>
+                      </dgm:choose>
+                      <dgm:shape xmlns:r="http://schemas.openxmlformats.org/officeDocument/2006/relationships" type="conn" r:blip="" zOrderOff="-99999">
+                        <dgm:adjLst/>
+                      </dgm:shape>
+                      <dgm:presOf axis="self"/>
+                      <dgm:constrLst>
+                        <dgm:constr type="begPad"/>
+                        <dgm:constr type="endPad"/>
+                      </dgm:constrLst>
+                      <dgm:ruleLst/>
+                    </dgm:layoutNode>
+                  </dgm:else>
+                </dgm:choose>
+              </dgm:forEach>
+              <dgm:layoutNode name="hierRoot2">
+                <dgm:varLst>
+                  <dgm:hierBranch val="init"/>
+                </dgm:varLst>
+                <dgm:choose name="Name60">
+                  <dgm:if name="Name61" func="var" arg="hierBranch" op="equ" val="l">
+                    <dgm:choose name="Name62">
+                      <dgm:if name="Name63" axis="ch" ptType="asst" func="cnt" op="gte" val="1">
+                        <dgm:alg type="hierRoot">
+                          <dgm:param type="hierAlign" val="tR"/>
+                        </dgm:alg>
+                        <dgm:shape xmlns:r="http://schemas.openxmlformats.org/officeDocument/2006/relationships" r:blip="">
+                          <dgm:adjLst/>
+                        </dgm:shape>
+                        <dgm:presOf/>
+                        <dgm:constrLst>
+                          <dgm:constr type="alignOff" val="0.65"/>
+                        </dgm:constrLst>
+                      </dgm:if>
+                      <dgm:else name="Name64">
+                        <dgm:alg type="hierRoot">
+                          <dgm:param type="hierAlign" val="tR"/>
+                        </dgm:alg>
+                        <dgm:shape xmlns:r="http://schemas.openxmlformats.org/officeDocument/2006/relationships" r:blip="">
+                          <dgm:adjLst/>
+                        </dgm:shape>
+                        <dgm:presOf/>
+                        <dgm:constrLst>
+                          <dgm:constr type="alignOff" val="0.25"/>
+                        </dgm:constrLst>
+                      </dgm:else>
+                    </dgm:choose>
+                  </dgm:if>
+                  <dgm:if name="Name65" func="var" arg="hierBranch" op="equ" val="r">
+                    <dgm:choose name="Name66">
+                      <dgm:if name="Name67" axis="ch" ptType="asst" func="cnt" op="gte" val="1">
+                        <dgm:alg type="hierRoot">
+                          <dgm:param type="hierAlign" val="tL"/>
+                        </dgm:alg>
+                        <dgm:shape xmlns:r="http://schemas.openxmlformats.org/officeDocument/2006/relationships" r:blip="">
+                          <dgm:adjLst/>
+                        </dgm:shape>
+                        <dgm:presOf/>
+                        <dgm:constrLst>
+                          <dgm:constr type="alignOff" val="0.65"/>
+                        </dgm:constrLst>
+                      </dgm:if>
+                      <dgm:else name="Name68">
+                        <dgm:alg type="hierRoot">
+                          <dgm:param type="hierAlign" val="tL"/>
+                        </dgm:alg>
+                        <dgm:shape xmlns:r="http://schemas.openxmlformats.org/officeDocument/2006/relationships" r:blip="">
+                          <dgm:adjLst/>
+                        </dgm:shape>
+                        <dgm:presOf/>
+                        <dgm:constrLst>
+                          <dgm:constr type="alignOff" val="0.25"/>
+                        </dgm:constrLst>
+                      </dgm:else>
+                    </dgm:choose>
+                  </dgm:if>
+                  <dgm:if name="Name69" func="var" arg="hierBranch" op="equ" val="std">
+                    <dgm:alg type="hierRoot"/>
+                    <dgm:shape xmlns:r="http://schemas.openxmlformats.org/officeDocument/2006/relationships" r:blip="">
+                      <dgm:adjLst/>
+                    </dgm:shape>
+                    <dgm:presOf/>
+                    <dgm:constrLst>
+                      <dgm:constr type="alignOff"/>
+                      <dgm:constr type="bendDist" for="des" ptType="parTrans" refType="sp" fact="0.5"/>
+                    </dgm:constrLst>
+                  </dgm:if>
+                  <dgm:if name="Name70" func="var" arg="hierBranch" op="equ" val="init">
+                    <dgm:choose name="Name71">
+                      <dgm:if name="Name72" axis="des" func="maxDepth" op="lte" val="1">
+                        <dgm:choose name="Name73">
+                          <dgm:if name="Name74" axis="ch" ptType="asst" func="cnt" op="gte" val="1">
+                            <dgm:alg type="hierRoot">
+                              <dgm:param type="hierAlign" val="tL"/>
+                            </dgm:alg>
+                            <dgm:shape xmlns:r="http://schemas.openxmlformats.org/officeDocument/2006/relationships" r:blip="">
+                              <dgm:adjLst/>
+                            </dgm:shape>
+                            <dgm:presOf/>
+                            <dgm:constrLst>
+                              <dgm:constr type="alignOff" val="0.65"/>
+                            </dgm:constrLst>
+                          </dgm:if>
+                          <dgm:else name="Name75">
+                            <dgm:alg type="hierRoot">
+                              <dgm:param type="hierAlign" val="tL"/>
+                            </dgm:alg>
+                            <dgm:shape xmlns:r="http://schemas.openxmlformats.org/officeDocument/2006/relationships" r:blip="">
+                              <dgm:adjLst/>
+                            </dgm:shape>
+                            <dgm:presOf/>
+                            <dgm:constrLst>
+                              <dgm:constr type="alignOff" val="0.25"/>
+                            </dgm:constrLst>
+                          </dgm:else>
+                        </dgm:choose>
+                      </dgm:if>
+                      <dgm:else name="Name76">
+                        <dgm:alg type="hierRoot"/>
+                        <dgm:shape xmlns:r="http://schemas.openxmlformats.org/officeDocument/2006/relationships" r:blip="">
+                          <dgm:adjLst/>
+                        </dgm:shape>
+                        <dgm:presOf/>
+                        <dgm:constrLst>
+                          <dgm:constr type="alignOff"/>
+                          <dgm:constr type="bendDist" for="des" ptType="parTrans" refType="sp" fact="0.5"/>
+                        </dgm:constrLst>
+                      </dgm:else>
+                    </dgm:choose>
+                  </dgm:if>
+                  <dgm:else name="Name77">
+                    <dgm:alg type="hierRoot"/>
+                    <dgm:shape xmlns:r="http://schemas.openxmlformats.org/officeDocument/2006/relationships" r:blip="">
+                      <dgm:adjLst/>
+                    </dgm:shape>
+                    <dgm:presOf/>
+                    <dgm:constrLst>
+                      <dgm:constr type="alignOff" val="0.65"/>
+                    </dgm:constrLst>
+                  </dgm:else>
+                </dgm:choose>
+                <dgm:ruleLst/>
+                <dgm:layoutNode name="rootComposite">
+                  <dgm:alg type="composite"/>
+                  <dgm:shape xmlns:r="http://schemas.openxmlformats.org/officeDocument/2006/relationships" r:blip="">
+                    <dgm:adjLst/>
+                  </dgm:shape>
+                  <dgm:presOf axis="self" ptType="node" cnt="1"/>
+                  <dgm:choose name="Name78">
+                    <dgm:if name="Name79" func="var" arg="hierBranch" op="equ" val="init">
+                      <dgm:constrLst>
+                        <dgm:constr type="l" for="ch" forName="rootText"/>
+                        <dgm:constr type="t" for="ch" forName="rootText"/>
+                        <dgm:constr type="w" for="ch" forName="rootText" refType="w"/>
+                        <dgm:constr type="h" for="ch" forName="rootText" refType="h"/>
+                        <dgm:constr type="l" for="ch" forName="rootConnector"/>
+                        <dgm:constr type="t" for="ch" forName="rootConnector"/>
+                        <dgm:constr type="w" for="ch" forName="rootConnector" refType="w" refFor="ch" refForName="rootText" fact="0.2"/>
+                        <dgm:constr type="h" for="ch" forName="rootConnector" refType="h" refFor="ch" refForName="rootText"/>
+                      </dgm:constrLst>
+                    </dgm:if>
+                    <dgm:if name="Name80" func="var" arg="hierBranch" op="equ" val="l">
+                      <dgm:constrLst>
+                        <dgm:constr type="l" for="ch" forName="rootText"/>
+                        <dgm:constr type="t" for="ch" forName="rootText"/>
+                        <dgm:constr type="w" for="ch" forName="rootText" refType="w"/>
+                        <dgm:constr type="h" for="ch" forName="rootText" refType="h"/>
+                        <dgm:constr type="r" for="ch" forName="rootConnector" refType="w"/>
+                        <dgm:constr type="t" for="ch" forName="rootConnector"/>
+                        <dgm:constr type="w" for="ch" forName="rootConnector" refType="w" refFor="ch" refForName="rootText" fact="0.2"/>
+                        <dgm:constr type="h" for="ch" forName="rootConnector" refType="h" refFor="ch" refForName="rootText"/>
+                      </dgm:constrLst>
+                    </dgm:if>
+                    <dgm:if name="Name81" func="var" arg="hierBranch" op="equ" val="r">
+                      <dgm:constrLst>
+                        <dgm:constr type="l" for="ch" forName="rootText"/>
+                        <dgm:constr type="t" for="ch" forName="rootText"/>
+                        <dgm:constr type="w" for="ch" forName="rootText" refType="w"/>
+                        <dgm:constr type="h" for="ch" forName="rootText" refType="h"/>
+                        <dgm:constr type="l" for="ch" forName="rootConnector"/>
+                        <dgm:constr type="t" for="ch" forName="rootConnector"/>
+                        <dgm:constr type="w" for="ch" forName="rootConnector" refType="w" refFor="ch" refForName="rootText" fact="0.2"/>
+                        <dgm:constr type="h" for="ch" forName="rootConnector" refType="h" refFor="ch" refForName="rootText"/>
+                      </dgm:constrLst>
+                    </dgm:if>
+                    <dgm:else name="Name82">
+                      <dgm:constrLst>
+                        <dgm:constr type="l" for="ch" forName="rootText"/>
+                        <dgm:constr type="t" for="ch" forName="rootText"/>
+                        <dgm:constr type="w" for="ch" forName="rootText" refType="w"/>
+                        <dgm:constr type="h" for="ch" forName="rootText" refType="h"/>
+                        <dgm:constr type="r" for="ch" forName="rootConnector" refType="w"/>
+                        <dgm:constr type="t" for="ch" forName="rootConnector"/>
+                        <dgm:constr type="w" for="ch" forName="rootConnector" refType="w" refFor="ch" refForName="rootText" fact="0.2"/>
+                        <dgm:constr type="h" for="ch" forName="rootConnector" refType="h" refFor="ch" refForName="rootText"/>
+                      </dgm:constrLst>
+                    </dgm:else>
+                  </dgm:choose>
+                  <dgm:ruleLst/>
+                  <dgm:layoutNode name="rootText">
+                    <dgm:varLst>
+                      <dgm:chPref val="3"/>
+                    </dgm:varLst>
+                    <dgm:alg type="tx"/>
+                    <dgm:shape xmlns:r="http://schemas.openxmlformats.org/officeDocument/2006/relationships" type="rect" r:blip="">
+                      <dgm:adjLst/>
+                    </dgm:shape>
+                    <dgm:presOf axis="self" ptType="node" cnt="1"/>
+                    <dgm:constrLst>
+                      <dgm:constr type="primFontSz" val="65"/>
+                      <dgm:constr type="lMarg" refType="primFontSz" fact="0.05"/>
+                      <dgm:constr type="rMarg" refType="primFontSz" fact="0.05"/>
+                      <dgm:constr type="tMarg" refType="primFontSz" fact="0.05"/>
+                      <dgm:constr type="bMarg" refType="primFontSz" fact="0.05"/>
+                    </dgm:constrLst>
+                    <dgm:ruleLst>
+                      <dgm:rule type="primFontSz" val="5" fact="NaN" max="NaN"/>
+                    </dgm:ruleLst>
+                  </dgm:layoutNode>
+                  <dgm:layoutNode name="rootConnector" moveWith="rootText">
+                    <dgm:alg type="sp"/>
+                    <dgm:shape xmlns:r="http://schemas.openxmlformats.org/officeDocument/2006/relationships" type="rect" r:blip="" hideGeom="1">
+                      <dgm:adjLst/>
+                    </dgm:shape>
+                    <dgm:presOf axis="self" ptType="node" cnt="1"/>
+                    <dgm:constrLst/>
+                    <dgm:ruleLst/>
+                  </dgm:layoutNode>
+                </dgm:layoutNode>
+                <dgm:layoutNode name="hierChild4">
+                  <dgm:choose name="Name83">
+                    <dgm:if name="Name84" func="var" arg="hierBranch" op="equ" val="l">
+                      <dgm:alg type="hierChild">
+                        <dgm:param type="chAlign" val="r"/>
+                        <dgm:param type="linDir" val="fromT"/>
+                      </dgm:alg>
+                    </dgm:if>
+                    <dgm:if name="Name85" func="var" arg="hierBranch" op="equ" val="r">
+                      <dgm:alg type="hierChild">
+                        <dgm:param type="chAlign" val="l"/>
+                        <dgm:param type="linDir" val="fromT"/>
+                      </dgm:alg>
+                    </dgm:if>
+                    <dgm:if name="Name86" func="var" arg="hierBranch" op="equ" val="hang">
+                      <dgm:choose name="Name87">
+                        <dgm:if name="Name88" func="var" arg="dir" op="equ" val="norm">
+                          <dgm:alg type="hierChild">
+                            <dgm:param type="chAlign" val="l"/>
+                            <dgm:param type="linDir" val="fromL"/>
+                            <dgm:param type="secChAlign" val="t"/>
+                            <dgm:param type="secLinDir" val="fromT"/>
+                          </dgm:alg>
+                        </dgm:if>
+                        <dgm:else name="Name89">
+                          <dgm:alg type="hierChild">
+                            <dgm:param type="chAlign" val="l"/>
+                            <dgm:param type="linDir" val="fromR"/>
+                            <dgm:param type="secChAlign" val="t"/>
+                            <dgm:param type="secLinDir" val="fromT"/>
+                          </dgm:alg>
+                        </dgm:else>
+                      </dgm:choose>
+                    </dgm:if>
+                    <dgm:if name="Name90" func="var" arg="hierBranch" op="equ" val="std">
+                      <dgm:choose name="Name91">
+                        <dgm:if name="Name92" func="var" arg="dir" op="equ" val="norm">
+                          <dgm:alg type="hierChild"/>
+                        </dgm:if>
+                        <dgm:else name="Name93">
+                          <dgm:alg type="hierChild">
+                            <dgm:param type="linDir" val="fromR"/>
+                          </dgm:alg>
+                        </dgm:else>
+                      </dgm:choose>
+                    </dgm:if>
+                    <dgm:if name="Name94" func="var" arg="hierBranch" op="equ" val="init">
+                      <dgm:choose name="Name95">
+                        <dgm:if name="Name96" axis="des" func="maxDepth" op="lte" val="1">
+                          <dgm:alg type="hierChild">
+                            <dgm:param type="chAlign" val="l"/>
+                            <dgm:param type="linDir" val="fromT"/>
+                          </dgm:alg>
+                        </dgm:if>
+                        <dgm:else name="Name97">
+                          <dgm:choose name="Name98">
+                            <dgm:if name="Name99" func="var" arg="dir" op="equ" val="norm">
+                              <dgm:alg type="hierChild"/>
+                            </dgm:if>
+                            <dgm:else name="Name100">
+                              <dgm:alg type="hierChild">
+                                <dgm:param type="linDir" val="fromR"/>
+                              </dgm:alg>
+                            </dgm:else>
+                          </dgm:choose>
+                        </dgm:else>
+                      </dgm:choose>
+                    </dgm:if>
+                    <dgm:else name="Name101"/>
+                  </dgm:choose>
+                  <dgm:shape xmlns:r="http://schemas.openxmlformats.org/officeDocument/2006/relationships" r:blip="">
+                    <dgm:adjLst/>
+                  </dgm:shape>
+                  <dgm:presOf/>
+                  <dgm:constrLst/>
+                  <dgm:ruleLst/>
+                  <dgm:forEach name="Name102" ref="rep2a"/>
+                </dgm:layoutNode>
+                <dgm:layoutNode name="hierChild5">
+                  <dgm:choose name="Name103">
+                    <dgm:if name="Name104" func="var" arg="dir" op="equ" val="norm">
+                      <dgm:alg type="hierChild">
+                        <dgm:param type="chAlign" val="l"/>
+                        <dgm:param type="linDir" val="fromL"/>
+                        <dgm:param type="secChAlign" val="t"/>
+                        <dgm:param type="secLinDir" val="fromT"/>
+                      </dgm:alg>
+                    </dgm:if>
+                    <dgm:else name="Name105">
+                      <dgm:alg type="hierChild">
+                        <dgm:param type="chAlign" val="l"/>
+                        <dgm:param type="linDir" val="fromR"/>
+                        <dgm:param type="secChAlign" val="t"/>
+                        <dgm:param type="secLinDir" val="fromT"/>
+                      </dgm:alg>
+                    </dgm:else>
+                  </dgm:choose>
+                  <dgm:shape xmlns:r="http://schemas.openxmlformats.org/officeDocument/2006/relationships" r:blip="">
+                    <dgm:adjLst/>
+                  </dgm:shape>
+                  <dgm:presOf/>
+                  <dgm:constrLst/>
+                  <dgm:ruleLst/>
+                  <dgm:forEach name="Name106" ref="rep2b"/>
+                </dgm:layoutNode>
+              </dgm:layoutNode>
+            </dgm:forEach>
+          </dgm:layoutNode>
+          <dgm:layoutNode name="hierChild3">
+            <dgm:choose name="Name107">
+              <dgm:if name="Name108" func="var" arg="dir" op="equ" val="norm">
+                <dgm:alg type="hierChild">
+                  <dgm:param type="chAlign" val="l"/>
+                  <dgm:param type="linDir" val="fromL"/>
+                  <dgm:param type="secChAlign" val="t"/>
+                  <dgm:param type="secLinDir" val="fromT"/>
+                </dgm:alg>
+              </dgm:if>
+              <dgm:else name="Name109">
+                <dgm:alg type="hierChild">
+                  <dgm:param type="chAlign" val="l"/>
+                  <dgm:param type="linDir" val="fromR"/>
+                  <dgm:param type="secChAlign" val="t"/>
+                  <dgm:param type="secLinDir" val="fromT"/>
+                </dgm:alg>
+              </dgm:else>
+            </dgm:choose>
+            <dgm:shape xmlns:r="http://schemas.openxmlformats.org/officeDocument/2006/relationships" r:blip="">
+              <dgm:adjLst/>
+            </dgm:shape>
+            <dgm:presOf/>
+            <dgm:constrLst/>
+            <dgm:ruleLst/>
+            <dgm:forEach name="rep2b" axis="ch" ptType="asst">
+              <dgm:forEach name="Name110" axis="precedSib" ptType="parTrans" st="-1" cnt="1">
+                <dgm:layoutNode name="Name111">
+                  <dgm:alg type="conn">
+                    <dgm:param type="connRout" val="bend"/>
+                    <dgm:param type="dim" val="1D"/>
+                    <dgm:param type="endSty" val="noArr"/>
+                    <dgm:param type="begPts" val="bCtr"/>
+                    <dgm:param type="endPts" val="midL midR"/>
+                  </dgm:alg>
+                  <dgm:shape xmlns:r="http://schemas.openxmlformats.org/officeDocument/2006/relationships" type="conn" r:blip="" zOrderOff="-99999">
+                    <dgm:adjLst/>
+                  </dgm:shape>
+                  <dgm:presOf axis="self"/>
+                  <dgm:constrLst>
+                    <dgm:constr type="begPad"/>
+                    <dgm:constr type="endPad"/>
+                  </dgm:constrLst>
+                  <dgm:ruleLst/>
+                </dgm:layoutNode>
+              </dgm:forEach>
+              <dgm:layoutNode name="hierRoot3">
+                <dgm:varLst>
+                  <dgm:hierBranch val="init"/>
+                </dgm:varLst>
+                <dgm:choose name="Name112">
+                  <dgm:if name="Name113" func="var" arg="hierBranch" op="equ" val="l">
+                    <dgm:alg type="hierRoot">
+                      <dgm:param type="hierAlign" val="tR"/>
+                    </dgm:alg>
+                    <dgm:shape xmlns:r="http://schemas.openxmlformats.org/officeDocument/2006/relationships" r:blip="">
+                      <dgm:adjLst/>
+                    </dgm:shape>
+                    <dgm:presOf/>
+                    <dgm:constrLst>
+                      <dgm:constr type="alignOff" val="0.65"/>
+                    </dgm:constrLst>
+                  </dgm:if>
+                  <dgm:if name="Name114" func="var" arg="hierBranch" op="equ" val="r">
+                    <dgm:alg type="hierRoot">
+                      <dgm:param type="hierAlign" val="tL"/>
+                    </dgm:alg>
+                    <dgm:shape xmlns:r="http://schemas.openxmlformats.org/officeDocument/2006/relationships" r:blip="">
+                      <dgm:adjLst/>
+                    </dgm:shape>
+                    <dgm:presOf/>
+                    <dgm:constrLst>
+                      <dgm:constr type="alignOff" val="0.65"/>
+                    </dgm:constrLst>
+                  </dgm:if>
+                  <dgm:if name="Name115" func="var" arg="hierBranch" op="equ" val="hang">
+                    <dgm:alg type="hierRoot"/>
+                    <dgm:shape xmlns:r="http://schemas.openxmlformats.org/officeDocument/2006/relationships" r:blip="">
+                      <dgm:adjLst/>
+                    </dgm:shape>
+                    <dgm:presOf/>
+                    <dgm:constrLst>
+                      <dgm:constr type="alignOff" val="0.65"/>
+                    </dgm:constrLst>
+                  </dgm:if>
+                  <dgm:if name="Name116" func="var" arg="hierBranch" op="equ" val="std">
+                    <dgm:alg type="hierRoot"/>
+                    <dgm:shape xmlns:r="http://schemas.openxmlformats.org/officeDocument/2006/relationships" r:blip="">
+                      <dgm:adjLst/>
+                    </dgm:shape>
+                    <dgm:presOf/>
+                    <dgm:constrLst>
+                      <dgm:constr type="alignOff"/>
+                      <dgm:constr type="bendDist" for="des" ptType="parTrans" refType="sp" fact="0.5"/>
+                    </dgm:constrLst>
+                  </dgm:if>
+                  <dgm:if name="Name117" func="var" arg="hierBranch" op="equ" val="init">
+                    <dgm:choose name="Name118">
+                      <dgm:if name="Name119" axis="des" func="maxDepth" op="lte" val="1">
+                        <dgm:alg type="hierRoot">
+                          <dgm:param type="hierAlign" val="tL"/>
+                        </dgm:alg>
+                        <dgm:shape xmlns:r="http://schemas.openxmlformats.org/officeDocument/2006/relationships" r:blip="">
+                          <dgm:adjLst/>
+                        </dgm:shape>
+                        <dgm:presOf/>
+                        <dgm:constrLst>
+                          <dgm:constr type="alignOff" val="0.65"/>
+                        </dgm:constrLst>
+                      </dgm:if>
+                      <dgm:else name="Name120">
+                        <dgm:alg type="hierRoot"/>
+                        <dgm:shape xmlns:r="http://schemas.openxmlformats.org/officeDocument/2006/relationships" r:blip="">
+                          <dgm:adjLst/>
+                        </dgm:shape>
+                        <dgm:presOf/>
+                        <dgm:constrLst>
+                          <dgm:constr type="alignOff"/>
+                          <dgm:constr type="bendDist" for="des" ptType="parTrans" refType="sp" fact="0.5"/>
+                        </dgm:constrLst>
+                      </dgm:else>
+                    </dgm:choose>
+                  </dgm:if>
+                  <dgm:else name="Name121"/>
+                </dgm:choose>
+                <dgm:ruleLst/>
+                <dgm:layoutNode name="rootComposite3">
+                  <dgm:alg type="composite"/>
+                  <dgm:shape xmlns:r="http://schemas.openxmlformats.org/officeDocument/2006/relationships" r:blip="">
+                    <dgm:adjLst/>
+                  </dgm:shape>
+                  <dgm:presOf axis="self" ptType="node" cnt="1"/>
+                  <dgm:choose name="Name122">
+                    <dgm:if name="Name123" func="var" arg="hierBranch" op="equ" val="init">
+                      <dgm:constrLst>
+                        <dgm:constr type="l" for="ch" forName="rootText3"/>
+                        <dgm:constr type="t" for="ch" forName="rootText3"/>
+                        <dgm:constr type="w" for="ch" forName="rootText3" refType="w"/>
+                        <dgm:constr type="h" for="ch" forName="rootText3" refType="h"/>
+                        <dgm:constr type="l" for="ch" forName="rootConnector3"/>
+                        <dgm:constr type="t" for="ch" forName="rootConnector3"/>
+                        <dgm:constr type="w" for="ch" forName="rootConnector3" refType="w" refFor="ch" refForName="rootText3" fact="0.2"/>
+                        <dgm:constr type="h" for="ch" forName="rootConnector3" refType="h" refFor="ch" refForName="rootText3"/>
+                      </dgm:constrLst>
+                    </dgm:if>
+                    <dgm:if name="Name124" func="var" arg="hierBranch" op="equ" val="l">
+                      <dgm:constrLst>
+                        <dgm:constr type="l" for="ch" forName="rootText3"/>
+                        <dgm:constr type="t" for="ch" forName="rootText3"/>
+                        <dgm:constr type="w" for="ch" forName="rootText3" refType="w"/>
+                        <dgm:constr type="h" for="ch" forName="rootText3" refType="h"/>
+                        <dgm:constr type="r" for="ch" forName="rootConnector3" refType="w"/>
+                        <dgm:constr type="t" for="ch" forName="rootConnector3"/>
+                        <dgm:constr type="w" for="ch" forName="rootConnector3" refType="w" refFor="ch" refForName="rootText3" fact="0.2"/>
+                        <dgm:constr type="h" for="ch" forName="rootConnector3" refType="h" refFor="ch" refForName="rootText3"/>
+                      </dgm:constrLst>
+                    </dgm:if>
+                    <dgm:if name="Name125" func="var" arg="hierBranch" op="equ" val="r">
+                      <dgm:constrLst>
+                        <dgm:constr type="l" for="ch" forName="rootText3"/>
+                        <dgm:constr type="t" for="ch" forName="rootText3"/>
+                        <dgm:constr type="w" for="ch" forName="rootText3" refType="w"/>
+                        <dgm:constr type="h" for="ch" forName="rootText3" refType="h"/>
+                        <dgm:constr type="l" for="ch" forName="rootConnector3"/>
+                        <dgm:constr type="t" for="ch" forName="rootConnector3"/>
+                        <dgm:constr type="w" for="ch" forName="rootConnector3" refType="w" refFor="ch" refForName="rootText3" fact="0.2"/>
+                        <dgm:constr type="h" for="ch" forName="rootConnector3" refType="h" refFor="ch" refForName="rootText3"/>
+                      </dgm:constrLst>
+                    </dgm:if>
+                    <dgm:else name="Name126">
+                      <dgm:constrLst>
+                        <dgm:constr type="l" for="ch" forName="rootText3"/>
+                        <dgm:constr type="t" for="ch" forName="rootText3"/>
+                        <dgm:constr type="w" for="ch" forName="rootText3" refType="w"/>
+                        <dgm:constr type="h" for="ch" forName="rootText3" refType="h"/>
+                        <dgm:constr type="r" for="ch" forName="rootConnector3" refType="w"/>
+                        <dgm:constr type="t" for="ch" forName="rootConnector3"/>
+                        <dgm:constr type="w" for="ch" forName="rootConnector3" refType="w" refFor="ch" refForName="rootText3" fact="0.2"/>
+                        <dgm:constr type="h" for="ch" forName="rootConnector3" refType="h" refFor="ch" refForName="rootText3"/>
+                      </dgm:constrLst>
+                    </dgm:else>
+                  </dgm:choose>
+                  <dgm:ruleLst/>
+                  <dgm:layoutNode name="rootText3">
+                    <dgm:varLst>
+                      <dgm:chPref val="3"/>
+                    </dgm:varLst>
+                    <dgm:alg type="tx"/>
+                    <dgm:shape xmlns:r="http://schemas.openxmlformats.org/officeDocument/2006/relationships" type="rect" r:blip="">
+                      <dgm:adjLst/>
+                    </dgm:shape>
+                    <dgm:presOf axis="self" ptType="node" cnt="1"/>
+                    <dgm:constrLst>
+                      <dgm:constr type="primFontSz" val="65"/>
+                      <dgm:constr type="lMarg" refType="primFontSz" fact="0.05"/>
+                      <dgm:constr type="rMarg" refType="primFontSz" fact="0.05"/>
+                      <dgm:constr type="tMarg" refType="primFontSz" fact="0.05"/>
+                      <dgm:constr type="bMarg" refType="primFontSz" fact="0.05"/>
+                    </dgm:constrLst>
+                    <dgm:ruleLst>
+                      <dgm:rule type="primFontSz" val="5" fact="NaN" max="NaN"/>
+                    </dgm:ruleLst>
+                  </dgm:layoutNode>
+                  <dgm:layoutNode name="rootConnector3" moveWith="rootText1">
+                    <dgm:alg type="sp"/>
+                    <dgm:shape xmlns:r="http://schemas.openxmlformats.org/officeDocument/2006/relationships" type="rect" r:blip="" hideGeom="1">
+                      <dgm:adjLst/>
+                    </dgm:shape>
+                    <dgm:presOf axis="self" ptType="node" cnt="1"/>
+                    <dgm:constrLst/>
+                    <dgm:ruleLst/>
+                  </dgm:layoutNode>
+                </dgm:layoutNode>
+                <dgm:layoutNode name="hierChild6">
+                  <dgm:choose name="Name127">
+                    <dgm:if name="Name128" func="var" arg="hierBranch" op="equ" val="l">
+                      <dgm:alg type="hierChild">
+                        <dgm:param type="chAlign" val="r"/>
+                        <dgm:param type="linDir" val="fromT"/>
+                      </dgm:alg>
+                    </dgm:if>
+                    <dgm:if name="Name129" func="var" arg="hierBranch" op="equ" val="r">
+                      <dgm:alg type="hierChild">
+                        <dgm:param type="chAlign" val="l"/>
+                        <dgm:param type="linDir" val="fromT"/>
+                      </dgm:alg>
+                    </dgm:if>
+                    <dgm:if name="Name130" func="var" arg="hierBranch" op="equ" val="hang">
+                      <dgm:choose name="Name131">
+                        <dgm:if name="Name132" func="var" arg="dir" op="equ" val="norm">
+                          <dgm:alg type="hierChild">
+                            <dgm:param type="chAlign" val="l"/>
+                            <dgm:param type="linDir" val="fromL"/>
+                            <dgm:param type="secChAlign" val="t"/>
+                            <dgm:param type="secLinDir" val="fromT"/>
+                          </dgm:alg>
+                        </dgm:if>
+                        <dgm:else name="Name133">
+                          <dgm:alg type="hierChild">
+                            <dgm:param type="chAlign" val="l"/>
+                            <dgm:param type="linDir" val="fromR"/>
+                            <dgm:param type="secChAlign" val="t"/>
+                            <dgm:param type="secLinDir" val="fromT"/>
+                          </dgm:alg>
+                        </dgm:else>
+                      </dgm:choose>
+                    </dgm:if>
+                    <dgm:if name="Name134" func="var" arg="hierBranch" op="equ" val="std">
+                      <dgm:choose name="Name135">
+                        <dgm:if name="Name136" func="var" arg="dir" op="equ" val="norm">
+                          <dgm:alg type="hierChild"/>
+                        </dgm:if>
+                        <dgm:else name="Name137">
+                          <dgm:alg type="hierChild">
+                            <dgm:param type="linDir" val="fromR"/>
+                          </dgm:alg>
+                        </dgm:else>
+                      </dgm:choose>
+                    </dgm:if>
+                    <dgm:if name="Name138" func="var" arg="hierBranch" op="equ" val="init">
+                      <dgm:choose name="Name139">
+                        <dgm:if name="Name140" axis="des" func="maxDepth" op="lte" val="1">
+                          <dgm:alg type="hierChild">
+                            <dgm:param type="chAlign" val="l"/>
+                            <dgm:param type="linDir" val="fromT"/>
+                          </dgm:alg>
+                        </dgm:if>
+                        <dgm:else name="Name141">
+                          <dgm:alg type="hierChild"/>
+                        </dgm:else>
+                      </dgm:choose>
+                    </dgm:if>
+                    <dgm:else name="Name142"/>
+                  </dgm:choose>
+                  <dgm:shape xmlns:r="http://schemas.openxmlformats.org/officeDocument/2006/relationships" r:blip="">
+                    <dgm:adjLst/>
+                  </dgm:shape>
+                  <dgm:presOf/>
+                  <dgm:constrLst/>
+                  <dgm:ruleLst/>
+                  <dgm:forEach name="Name143" ref="rep2a"/>
+                </dgm:layoutNode>
+                <dgm:layoutNode name="hierChild7">
+                  <dgm:choose name="Name144">
+                    <dgm:if name="Name145" func="var" arg="dir" op="equ" val="norm">
+                      <dgm:alg type="hierChild">
+                        <dgm:param type="chAlign" val="l"/>
+                        <dgm:param type="linDir" val="fromL"/>
+                        <dgm:param type="secChAlign" val="t"/>
+                        <dgm:param type="secLinDir" val="fromT"/>
+                      </dgm:alg>
+                    </dgm:if>
+                    <dgm:else name="Name146">
+                      <dgm:alg type="hierChild">
+                        <dgm:param type="chAlign" val="l"/>
+                        <dgm:param type="linDir" val="fromR"/>
+                        <dgm:param type="secChAlign" val="t"/>
+                        <dgm:param type="secLinDir" val="fromT"/>
+                      </dgm:alg>
+                    </dgm:else>
+                  </dgm:choose>
+                  <dgm:shape xmlns:r="http://schemas.openxmlformats.org/officeDocument/2006/relationships" r:blip="">
+                    <dgm:adjLst/>
+                  </dgm:shape>
+                  <dgm:presOf/>
+                  <dgm:constrLst/>
+                  <dgm:ruleLst/>
+                  <dgm:forEach name="Name147" ref="rep2b"/>
+                </dgm:layoutNode>
+              </dgm:layoutNode>
+            </dgm:forEach>
+          </dgm:layoutNode>
+        </dgm:layoutNode>
+      </dgm:forEach>
+    </dgm:forEach>
+  </dgm:layoutNode>
+</dgm:layoutDef>
+</file>
+
+<file path=ppt/diagrams/quickStyle1.xml><?xml version="1.0" encoding="utf-8"?>
+<dgm:styleDef xmlns:dgm="http://schemas.openxmlformats.org/drawingml/2006/diagram" xmlns:a="http://schemas.openxmlformats.org/drawingml/2006/main" uniqueId="urn:microsoft.com/office/officeart/2005/8/quickstyle/simple1">
+  <dgm:title val=""/>
+  <dgm:desc val=""/>
+  <dgm:catLst>
+    <dgm:cat type="simple" pri="10100"/>
+  </dgm:catLst>
+  <dgm:scene3d>
+    <a:camera prst="orthographicFront"/>
+    <a:lightRig rig="threePt" dir="t"/>
+  </dgm:scene3d>
+  <dgm:styleLbl name="node0">
+    <dgm:scene3d>
+      <a:camera prst="orthographicFront"/>
+      <a:lightRig rig="threePt" dir="t"/>
+    </dgm:scene3d>
+    <dgm:sp3d/>
+    <dgm:txPr/>
+    <dgm:style>
+      <a:lnRef idx="2">
+        <a:scrgbClr r="0" g="0" b="0"/>
+      </a:lnRef>
+      <a:fillRef idx="1">
+        <a:scrgbClr r="0" g="0" b="0"/>
+      </a:fillRef>
+      <a:effectRef idx="0">
+        <a:scrgbClr r="0" g="0" b="0"/>
+      </a:effectRef>
+      <a:fontRef idx="minor">
+        <a:schemeClr val="lt1"/>
+      </a:fontRef>
+    </dgm:style>
+  </dgm:styleLbl>
+  <dgm:styleLbl name="lnNode1">
+    <dgm:scene3d>
+      <a:camera prst="orthographicFront"/>
+      <a:lightRig rig="threePt" dir="t"/>
+    </dgm:scene3d>
+    <dgm:sp3d/>
+    <dgm:txPr/>
+    <dgm:style>
+      <a:lnRef idx="2">
+        <a:scrgbClr r="0" g="0" b="0"/>
+      </a:lnRef>
+      <a:fillRef idx="1">
+        <a:scrgbClr r="0" g="0" b="0"/>
+      </a:fillRef>
+      <a:effectRef idx="0">
+        <a:scrgbClr r="0" g="0" b="0"/>
+      </a:effectRef>
+      <a:fontRef idx="minor">
+        <a:schemeClr val="lt1"/>
+      </a:fontRef>
+    </dgm:style>
+  </dgm:styleLbl>
+  <dgm:styleLbl name="vennNode1">
+    <dgm:scene3d>
+      <a:camera prst="orthographicFront"/>
+      <a:lightRig rig="threePt" dir="t"/>
+    </dgm:scene3d>
+    <dgm:sp3d/>
+    <dgm:txPr/>
+    <dgm:style>
+      <a:lnRef idx="2">
+        <a:scrgbClr r="0" g="0" b="0"/>
+      </a:lnRef>
+      <a:fillRef idx="1">
+        <a:scrgbClr r="0" g="0" b="0"/>
+      </a:fillRef>
+      <a:effectRef idx="0">
+        <a:scrgbClr r="0" g="0" b="0"/>
+      </a:effectRef>
+      <a:fontRef idx="minor">
+        <a:schemeClr val="tx1"/>
+      </a:fontRef>
+    </dgm:style>
+  </dgm:styleLbl>
+  <dgm:styleLbl name="alignNode1">
+    <dgm:scene3d>
+      <a:camera prst="orthographicFront"/>
+      <a:lightRig rig="threePt" dir="t"/>
+    </dgm:scene3d>
+    <dgm:sp3d/>
+    <dgm:txPr/>
+    <dgm:style>
+      <a:lnRef idx="2">
+        <a:scrgbClr r="0" g="0" b="0"/>
+      </a:lnRef>
+      <a:fillRef idx="1">
+        <a:scrgbClr r="0" g="0" b="0"/>
+      </a:fillRef>
+      <a:effectRef idx="0">
+        <a:scrgbClr r="0" g="0" b="0"/>
+      </a:effectRef>
+      <a:fontRef idx="minor">
+        <a:schemeClr val="lt1"/>
+      </a:fontRef>
+    </dgm:style>
+  </dgm:styleLbl>
+  <dgm:styleLbl name="node1">
+    <dgm:scene3d>
+      <a:camera prst="orthographicFront"/>
+      <a:lightRig rig="threePt" dir="t"/>
+    </dgm:scene3d>
+    <dgm:sp3d/>
+    <dgm:txPr/>
+    <dgm:style>
+      <a:lnRef idx="2">
+        <a:scrgbClr r="0" g="0" b="0"/>
+      </a:lnRef>
+      <a:fillRef idx="1">
+        <a:scrgbClr r="0" g="0" b="0"/>
+      </a:fillRef>
+      <a:effectRef idx="0">
+        <a:scrgbClr r="0" g="0" b="0"/>
+      </a:effectRef>
+      <a:fontRef idx="minor">
+        <a:schemeClr val="lt1"/>
+      </a:fontRef>
+    </dgm:style>
+  </dgm:styleLbl>
+  <dgm:styleLbl name="node2">
+    <dgm:scene3d>
+      <a:camera prst="orthographicFront"/>
+      <a:lightRig rig="threePt" dir="t"/>
+    </dgm:scene3d>
+    <dgm:sp3d/>
+    <dgm:txPr/>
+    <dgm:style>
+      <a:lnRef idx="2">
+        <a:scrgbClr r="0" g="0" b="0"/>
+      </a:lnRef>
+      <a:fillRef idx="1">
+        <a:scrgbClr r="0" g="0" b="0"/>
+      </a:fillRef>
+      <a:effectRef idx="0">
+        <a:scrgbClr r="0" g="0" b="0"/>
+      </a:effectRef>
+      <a:fontRef idx="minor">
+        <a:schemeClr val="lt1"/>
+      </a:fontRef>
+    </dgm:style>
+  </dgm:styleLbl>
+  <dgm:styleLbl name="node3">
+    <dgm:scene3d>
+      <a:camera prst="orthographicFront"/>
+      <a:lightRig rig="threePt" dir="t"/>
+    </dgm:scene3d>
+    <dgm:sp3d/>
+    <dgm:txPr/>
+    <dgm:style>
+      <a:lnRef idx="2">
+        <a:scrgbClr r="0" g="0" b="0"/>
+      </a:lnRef>
+      <a:fillRef idx="1">
+        <a:scrgbClr r="0" g="0" b="0"/>
+      </a:fillRef>
+      <a:effectRef idx="0">
+        <a:scrgbClr r="0" g="0" b="0"/>
+      </a:effectRef>
+      <a:fontRef idx="minor">
+        <a:schemeClr val="lt1"/>
+      </a:fontRef>
+    </dgm:style>
+  </dgm:styleLbl>
+  <dgm:styleLbl name="node4">
+    <dgm:scene3d>
+      <a:camera prst="orthographicFront"/>
+      <a:lightRig rig="threePt" dir="t"/>
+    </dgm:scene3d>
+    <dgm:sp3d/>
+    <dgm:txPr/>
+    <dgm:style>
+      <a:lnRef idx="2">
+        <a:scrgbClr r="0" g="0" b="0"/>
+      </a:lnRef>
+      <a:fillRef idx="1">
+        <a:scrgbClr r="0" g="0" b="0"/>
+      </a:fillRef>
+      <a:effectRef idx="0">
+        <a:scrgbClr r="0" g="0" b="0"/>
+      </a:effectRef>
+      <a:fontRef idx="minor">
+        <a:schemeClr val="lt1"/>
+      </a:fontRef>
+    </dgm:style>
+  </dgm:styleLbl>
+  <dgm:styleLbl name="fgImgPlace1">
+    <dgm:scene3d>
+      <a:camera prst="orthographicFront"/>
+      <a:lightRig rig="threePt" dir="t"/>
+    </dgm:scene3d>
+    <dgm:sp3d/>
+    <dgm:txPr/>
+    <dgm:style>
+      <a:lnRef idx="2">
+        <a:scrgbClr r="0" g="0" b="0"/>
+      </a:lnRef>
+      <a:fillRef idx="1">
+        <a:scrgbClr r="0" g="0" b="0"/>
+      </a:fillRef>
+      <a:effectRef idx="0">
+        <a:scrgbClr r="0" g="0" b="0"/>
+      </a:effectRef>
+      <a:fontRef idx="minor"/>
+    </dgm:style>
+  </dgm:styleLbl>
+  <dgm:styleLbl name="alignImgPlace1">
+    <dgm:scene3d>
+      <a:camera prst="orthographicFront"/>
+      <a:lightRig rig="threePt" dir="t"/>
+    </dgm:scene3d>
+    <dgm:sp3d/>
+    <dgm:txPr/>
+    <dgm:style>
+      <a:lnRef idx="2">
+        <a:scrgbClr r="0" g="0" b="0"/>
+      </a:lnRef>
+      <a:fillRef idx="1">
+        <a:scrgbClr r="0" g="0" b="0"/>
+      </a:fillRef>
+      <a:effectRef idx="0">
+        <a:scrgbClr r="0" g="0" b="0"/>
+      </a:effectRef>
+      <a:fontRef idx="minor"/>
+    </dgm:style>
+  </dgm:styleLbl>
+  <dgm:styleLbl name="bgImgPlace1">
+    <dgm:scene3d>
+      <a:camera prst="orthographicFront"/>
+      <a:lightRig rig="threePt" dir="t"/>
+    </dgm:scene3d>
+    <dgm:sp3d/>
+    <dgm:txPr/>
+    <dgm:style>
+      <a:lnRef idx="2">
+        <a:scrgbClr r="0" g="0" b="0"/>
+      </a:lnRef>
+      <a:fillRef idx="1">
+        <a:scrgbClr r="0" g="0" b="0"/>
+      </a:fillRef>
+      <a:effectRef idx="0">
+        <a:scrgbClr r="0" g="0" b="0"/>
+      </a:effectRef>
+      <a:fontRef idx="minor"/>
+    </dgm:style>
+  </dgm:styleLbl>
+  <dgm:styleLbl name="sibTrans2D1">
+    <dgm:scene3d>
+      <a:camera prst="orthographicFront"/>
+      <a:lightRig rig="threePt" dir="t"/>
+    </dgm:scene3d>
+    <dgm:sp3d/>
+    <dgm:txPr/>
+    <dgm:style>
+      <a:lnRef idx="0">
+        <a:scrgbClr r="0" g="0" b="0"/>
+      </a:lnRef>
+      <a:fillRef idx="1">
+        <a:scrgbClr r="0" g="0" b="0"/>
+      </a:fillRef>
+      <a:effectRef idx="0">
+        <a:scrgbClr r="0" g="0" b="0"/>
+      </a:effectRef>
+      <a:fontRef idx="minor">
+        <a:schemeClr val="lt1"/>
+      </a:fontRef>
+    </dgm:style>
+  </dgm:styleLbl>
+  <dgm:styleLbl name="fgSibTrans2D1">
+    <dgm:scene3d>
+      <a:camera prst="orthographicFront"/>
+      <a:lightRig rig="threePt" dir="t"/>
+    </dgm:scene3d>
+    <dgm:sp3d/>
+    <dgm:txPr/>
+    <dgm:style>
+      <a:lnRef idx="0">
+        <a:scrgbClr r="0" g="0" b="0"/>
+      </a:lnRef>
+      <a:fillRef idx="1">
+        <a:scrgbClr r="0" g="0" b="0"/>
+      </a:fillRef>
+      <a:effectRef idx="0">
+        <a:scrgbClr r="0" g="0" b="0"/>
+      </a:effectRef>
+      <a:fontRef idx="minor">
+        <a:schemeClr val="lt1"/>
+      </a:fontRef>
+    </dgm:style>
+  </dgm:styleLbl>
+  <dgm:styleLbl name="bgSibTrans2D1">
+    <dgm:scene3d>
+      <a:camera prst="orthographicFront"/>
+      <a:lightRig rig="threePt" dir="t"/>
+    </dgm:scene3d>
+    <dgm:sp3d/>
+    <dgm:txPr/>
+    <dgm:style>
+      <a:lnRef idx="0">
+        <a:scrgbClr r="0" g="0" b="0"/>
+      </a:lnRef>
+      <a:fillRef idx="1">
+        <a:scrgbClr r="0" g="0" b="0"/>
+      </a:fillRef>
+      <a:effectRef idx="0">
+        <a:scrgbClr r="0" g="0" b="0"/>
+      </a:effectRef>
+      <a:fontRef idx="minor">
+        <a:schemeClr val="lt1"/>
+      </a:fontRef>
+    </dgm:style>
+  </dgm:styleLbl>
+  <dgm:styleLbl name="sibTrans1D1">
+    <dgm:scene3d>
+      <a:camera prst="orthographicFront"/>
+      <a:lightRig rig="threePt" dir="t"/>
+    </dgm:scene3d>
+    <dgm:sp3d/>
+    <dgm:txPr/>
+    <dgm:style>
+      <a:lnRef idx="1">
+        <a:scrgbClr r="0" g="0" b="0"/>
+      </a:lnRef>
+      <a:fillRef idx="0">
+        <a:scrgbClr r="0" g="0" b="0"/>
+      </a:fillRef>
+      <a:effectRef idx="0">
+        <a:scrgbClr r="0" g="0" b="0"/>
+      </a:effectRef>
+      <a:fontRef idx="minor"/>
+    </dgm:style>
+  </dgm:styleLbl>
+  <dgm:styleLbl name="callout">
+    <dgm:scene3d>
+      <a:camera prst="orthographicFront"/>
+      <a:lightRig rig="threePt" dir="t"/>
+    </dgm:scene3d>
+    <dgm:sp3d/>
+    <dgm:txPr/>
+    <dgm:style>
+      <a:lnRef idx="2">
+        <a:scrgbClr r="0" g="0" b="0"/>
+      </a:lnRef>
+      <a:fillRef idx="1">
+        <a:scrgbClr r="0" g="0" b="0"/>
+      </a:fillRef>
+      <a:effectRef idx="0">
+        <a:scrgbClr r="0" g="0" b="0"/>
+      </a:effectRef>
+      <a:fontRef idx="minor"/>
+    </dgm:style>
+  </dgm:styleLbl>
+  <dgm:styleLbl name="asst0">
+    <dgm:scene3d>
+      <a:camera prst="orthographicFront"/>
+      <a:lightRig rig="threePt" dir="t"/>
+    </dgm:scene3d>
+    <dgm:sp3d/>
+    <dgm:txPr/>
+    <dgm:style>
+      <a:lnRef idx="2">
+        <a:scrgbClr r="0" g="0" b="0"/>
+      </a:lnRef>
+      <a:fillRef idx="1">
+        <a:scrgbClr r="0" g="0" b="0"/>
+      </a:fillRef>
+      <a:effectRef idx="0">
+        <a:scrgbClr r="0" g="0" b="0"/>
+      </a:effectRef>
+      <a:fontRef idx="minor">
+        <a:schemeClr val="lt1"/>
+      </a:fontRef>
+    </dgm:style>
+  </dgm:styleLbl>
+  <dgm:styleLbl name="asst1">
+    <dgm:scene3d>
+      <a:camera prst="orthographicFront"/>
+      <a:lightRig rig="threePt" dir="t"/>
+    </dgm:scene3d>
+    <dgm:sp3d/>
+    <dgm:txPr/>
+    <dgm:style>
+      <a:lnRef idx="2">
+        <a:scrgbClr r="0" g="0" b="0"/>
+      </a:lnRef>
+      <a:fillRef idx="1">
+        <a:scrgbClr r="0" g="0" b="0"/>
+      </a:fillRef>
+      <a:effectRef idx="0">
+        <a:scrgbClr r="0" g="0" b="0"/>
+      </a:effectRef>
+      <a:fontRef idx="minor">
+        <a:schemeClr val="lt1"/>
+      </a:fontRef>
+    </dgm:style>
+  </dgm:styleLbl>
+  <dgm:styleLbl name="asst2">
+    <dgm:scene3d>
+      <a:camera prst="orthographicFront"/>
+      <a:lightRig rig="threePt" dir="t"/>
+    </dgm:scene3d>
+    <dgm:sp3d/>
+    <dgm:txPr/>
+    <dgm:style>
+      <a:lnRef idx="2">
+        <a:scrgbClr r="0" g="0" b="0"/>
+      </a:lnRef>
+      <a:fillRef idx="1">
+        <a:scrgbClr r="0" g="0" b="0"/>
+      </a:fillRef>
+      <a:effectRef idx="0">
+        <a:scrgbClr r="0" g="0" b="0"/>
+      </a:effectRef>
+      <a:fontRef idx="minor">
+        <a:schemeClr val="lt1"/>
+      </a:fontRef>
+    </dgm:style>
+  </dgm:styleLbl>
+  <dgm:styleLbl name="asst3">
+    <dgm:scene3d>
+      <a:camera prst="orthographicFront"/>
+      <a:lightRig rig="threePt" dir="t"/>
+    </dgm:scene3d>
+    <dgm:sp3d/>
+    <dgm:txPr/>
+    <dgm:style>
+      <a:lnRef idx="2">
+        <a:scrgbClr r="0" g="0" b="0"/>
+      </a:lnRef>
+      <a:fillRef idx="1">
+        <a:scrgbClr r="0" g="0" b="0"/>
+      </a:fillRef>
+      <a:effectRef idx="0">
+        <a:scrgbClr r="0" g="0" b="0"/>
+      </a:effectRef>
+      <a:fontRef idx="minor">
+        <a:schemeClr val="lt1"/>
+      </a:fontRef>
+    </dgm:style>
+  </dgm:styleLbl>
+  <dgm:styleLbl name="asst4">
+    <dgm:scene3d>
+      <a:camera prst="orthographicFront"/>
+      <a:lightRig rig="threePt" dir="t"/>
+    </dgm:scene3d>
+    <dgm:sp3d/>
+    <dgm:txPr/>
+    <dgm:style>
+      <a:lnRef idx="2">
+        <a:scrgbClr r="0" g="0" b="0"/>
+      </a:lnRef>
+      <a:fillRef idx="1">
+        <a:scrgbClr r="0" g="0" b="0"/>
+      </a:fillRef>
+      <a:effectRef idx="0">
+        <a:scrgbClr r="0" g="0" b="0"/>
+      </a:effectRef>
+      <a:fontRef idx="minor">
+        <a:schemeClr val="lt1"/>
+      </a:fontRef>
+    </dgm:style>
+  </dgm:styleLbl>
+  <dgm:styleLbl name="parChTrans2D1">
+    <dgm:scene3d>
+      <a:camera prst="orthographicFront"/>
+      <a:lightRig rig="threePt" dir="t"/>
+    </dgm:scene3d>
+    <dgm:sp3d/>
+    <dgm:txPr/>
+    <dgm:style>
+      <a:lnRef idx="2">
+        <a:scrgbClr r="0" g="0" b="0"/>
+      </a:lnRef>
+      <a:fillRef idx="1">
+        <a:scrgbClr r="0" g="0" b="0"/>
+      </a:fillRef>
+      <a:effectRef idx="0">
+        <a:scrgbClr r="0" g="0" b="0"/>
+      </a:effectRef>
+      <a:fontRef idx="minor">
+        <a:schemeClr val="lt1"/>
+      </a:fontRef>
+    </dgm:style>
+  </dgm:styleLbl>
+  <dgm:styleLbl name="parChTrans2D2">
+    <dgm:scene3d>
+      <a:camera prst="orthographicFront"/>
+      <a:lightRig rig="threePt" dir="t"/>
+    </dgm:scene3d>
+    <dgm:sp3d/>
+    <dgm:txPr/>
+    <dgm:style>
+      <a:lnRef idx="2">
+        <a:scrgbClr r="0" g="0" b="0"/>
+      </a:lnRef>
+      <a:fillRef idx="1">
+        <a:scrgbClr r="0" g="0" b="0"/>
+      </a:fillRef>
+      <a:effectRef idx="0">
+        <a:scrgbClr r="0" g="0" b="0"/>
+      </a:effectRef>
+      <a:fontRef idx="minor">
+        <a:schemeClr val="lt1"/>
+      </a:fontRef>
+    </dgm:style>
+  </dgm:styleLbl>
+  <dgm:styleLbl name="parChTrans2D3">
+    <dgm:scene3d>
+      <a:camera prst="orthographicFront"/>
+      <a:lightRig rig="threePt" dir="t"/>
+    </dgm:scene3d>
+    <dgm:sp3d/>
+    <dgm:txPr/>
+    <dgm:style>
+      <a:lnRef idx="2">
+        <a:scrgbClr r="0" g="0" b="0"/>
+      </a:lnRef>
+      <a:fillRef idx="1">
+        <a:scrgbClr r="0" g="0" b="0"/>
+      </a:fillRef>
+      <a:effectRef idx="0">
+        <a:scrgbClr r="0" g="0" b="0"/>
+      </a:effectRef>
+      <a:fontRef idx="minor">
+        <a:schemeClr val="lt1"/>
+      </a:fontRef>
+    </dgm:style>
+  </dgm:styleLbl>
+  <dgm:styleLbl name="parChTrans2D4">
+    <dgm:scene3d>
+      <a:camera prst="orthographicFront"/>
+      <a:lightRig rig="threePt" dir="t"/>
+    </dgm:scene3d>
+    <dgm:sp3d/>
+    <dgm:txPr/>
+    <dgm:style>
+      <a:lnRef idx="2">
+        <a:scrgbClr r="0" g="0" b="0"/>
+      </a:lnRef>
+      <a:fillRef idx="1">
+        <a:scrgbClr r="0" g="0" b="0"/>
+      </a:fillRef>
+      <a:effectRef idx="0">
+        <a:scrgbClr r="0" g="0" b="0"/>
+      </a:effectRef>
+      <a:fontRef idx="minor">
+        <a:schemeClr val="lt1"/>
+      </a:fontRef>
+    </dgm:style>
+  </dgm:styleLbl>
+  <dgm:styleLbl name="parChTrans1D1">
+    <dgm:scene3d>
+      <a:camera prst="orthographicFront"/>
+      <a:lightRig rig="threePt" dir="t"/>
+    </dgm:scene3d>
+    <dgm:sp3d/>
+    <dgm:txPr/>
+    <dgm:style>
+      <a:lnRef idx="2">
+        <a:scrgbClr r="0" g="0" b="0"/>
+      </a:lnRef>
+      <a:fillRef idx="0">
+        <a:scrgbClr r="0" g="0" b="0"/>
+      </a:fillRef>
+      <a:effectRef idx="0">
+        <a:scrgbClr r="0" g="0" b="0"/>
+      </a:effectRef>
+      <a:fontRef idx="minor"/>
+    </dgm:style>
+  </dgm:styleLbl>
+  <dgm:styleLbl name="parChTrans1D2">
+    <dgm:scene3d>
+      <a:camera prst="orthographicFront"/>
+      <a:lightRig rig="threePt" dir="t"/>
+    </dgm:scene3d>
+    <dgm:sp3d/>
+    <dgm:txPr/>
+    <dgm:style>
+      <a:lnRef idx="2">
+        <a:scrgbClr r="0" g="0" b="0"/>
+      </a:lnRef>
+      <a:fillRef idx="0">
+        <a:scrgbClr r="0" g="0" b="0"/>
+      </a:fillRef>
+      <a:effectRef idx="0">
+        <a:scrgbClr r="0" g="0" b="0"/>
+      </a:effectRef>
+      <a:fontRef idx="minor"/>
+    </dgm:style>
+  </dgm:styleLbl>
+  <dgm:styleLbl name="parChTrans1D3">
+    <dgm:scene3d>
+      <a:camera prst="orthographicFront"/>
+      <a:lightRig rig="threePt" dir="t"/>
+    </dgm:scene3d>
+    <dgm:sp3d/>
+    <dgm:txPr/>
+    <dgm:style>
+      <a:lnRef idx="2">
+        <a:scrgbClr r="0" g="0" b="0"/>
+      </a:lnRef>
+      <a:fillRef idx="0">
+        <a:scrgbClr r="0" g="0" b="0"/>
+      </a:fillRef>
+      <a:effectRef idx="0">
+        <a:scrgbClr r="0" g="0" b="0"/>
+      </a:effectRef>
+      <a:fontRef idx="minor"/>
+    </dgm:style>
+  </dgm:styleLbl>
+  <dgm:styleLbl name="parChTrans1D4">
+    <dgm:scene3d>
+      <a:camera prst="orthographicFront"/>
+      <a:lightRig rig="threePt" dir="t"/>
+    </dgm:scene3d>
+    <dgm:sp3d/>
+    <dgm:txPr/>
+    <dgm:style>
+      <a:lnRef idx="2">
+        <a:scrgbClr r="0" g="0" b="0"/>
+      </a:lnRef>
+      <a:fillRef idx="0">
+        <a:scrgbClr r="0" g="0" b="0"/>
+      </a:fillRef>
+      <a:effectRef idx="0">
+        <a:scrgbClr r="0" g="0" b="0"/>
+      </a:effectRef>
+      <a:fontRef idx="minor"/>
+    </dgm:style>
+  </dgm:styleLbl>
+  <dgm:styleLbl name="fgAcc1">
+    <dgm:scene3d>
+      <a:camera prst="orthographicFront"/>
+      <a:lightRig rig="threePt" dir="t"/>
+    </dgm:scene3d>
+    <dgm:sp3d/>
+    <dgm:txPr/>
+    <dgm:style>
+      <a:lnRef idx="2">
+        <a:scrgbClr r="0" g="0" b="0"/>
+      </a:lnRef>
+      <a:fillRef idx="1">
+        <a:scrgbClr r="0" g="0" b="0"/>
+      </a:fillRef>
+      <a:effectRef idx="0">
+        <a:scrgbClr r="0" g="0" b="0"/>
+      </a:effectRef>
+      <a:fontRef idx="minor"/>
+    </dgm:style>
+  </dgm:styleLbl>
+  <dgm:styleLbl name="conFgAcc1">
+    <dgm:scene3d>
+      <a:camera prst="orthographicFront"/>
+      <a:lightRig rig="threePt" dir="t"/>
+    </dgm:scene3d>
+    <dgm:sp3d/>
+    <dgm:txPr/>
+    <dgm:style>
+      <a:lnRef idx="2">
+        <a:scrgbClr r="0" g="0" b="0"/>
+      </a:lnRef>
+      <a:fillRef idx="1">
+        <a:scrgbClr r="0" g="0" b="0"/>
+      </a:fillRef>
+      <a:effectRef idx="0">
+        <a:scrgbClr r="0" g="0" b="0"/>
+      </a:effectRef>
+      <a:fontRef idx="minor"/>
+    </dgm:style>
+  </dgm:styleLbl>
+  <dgm:styleLbl name="alignAcc1">
+    <dgm:scene3d>
+      <a:camera prst="orthographicFront"/>
+      <a:lightRig rig="threePt" dir="t"/>
+    </dgm:scene3d>
+    <dgm:sp3d/>
+    <dgm:txPr/>
+    <dgm:style>
+      <a:lnRef idx="2">
+        <a:scrgbClr r="0" g="0" b="0"/>
+      </a:lnRef>
+      <a:fillRef idx="1">
+        <a:scrgbClr r="0" g="0" b="0"/>
+      </a:fillRef>
+      <a:effectRef idx="0">
+        <a:scrgbClr r="0" g="0" b="0"/>
+      </a:effectRef>
+      <a:fontRef idx="minor"/>
+    </dgm:style>
+  </dgm:styleLbl>
+  <dgm:styleLbl name="trAlignAcc1">
+    <dgm:scene3d>
+      <a:camera prst="orthographicFront"/>
+      <a:lightRig rig="threePt" dir="t"/>
+    </dgm:scene3d>
+    <dgm:sp3d/>
+    <dgm:txPr/>
+    <dgm:style>
+      <a:lnRef idx="1">
+        <a:scrgbClr r="0" g="0" b="0"/>
+      </a:lnRef>
+      <a:fillRef idx="1">
+        <a:scrgbClr r="0" g="0" b="0"/>
+      </a:fillRef>
+      <a:effectRef idx="0">
+        <a:scrgbClr r="0" g="0" b="0"/>
+      </a:effectRef>
+      <a:fontRef idx="minor"/>
+    </dgm:style>
+  </dgm:styleLbl>
+  <dgm:styleLbl name="bgAcc1">
+    <dgm:scene3d>
+      <a:camera prst="orthographicFront"/>
+      <a:lightRig rig="threePt" dir="t"/>
+    </dgm:scene3d>
+    <dgm:sp3d/>
+    <dgm:txPr/>
+    <dgm:style>
+      <a:lnRef idx="2">
+        <a:scrgbClr r="0" g="0" b="0"/>
+      </a:lnRef>
+      <a:fillRef idx="1">
+        <a:scrgbClr r="0" g="0" b="0"/>
+      </a:fillRef>
+      <a:effectRef idx="0">
+        <a:scrgbClr r="0" g="0" b="0"/>
+      </a:effectRef>
+      <a:fontRef idx="minor"/>
+    </dgm:style>
+  </dgm:styleLbl>
+  <dgm:styleLbl name="solidFgAcc1">
+    <dgm:scene3d>
+      <a:camera prst="orthographicFront"/>
+      <a:lightRig rig="threePt" dir="t"/>
+    </dgm:scene3d>
+    <dgm:sp3d/>
+    <dgm:txPr/>
+    <dgm:style>
+      <a:lnRef idx="2">
+        <a:scrgbClr r="0" g="0" b="0"/>
+      </a:lnRef>
+      <a:fillRef idx="1">
+        <a:scrgbClr r="0" g="0" b="0"/>
+      </a:fillRef>
+      <a:effectRef idx="0">
+        <a:scrgbClr r="0" g="0" b="0"/>
+      </a:effectRef>
+      <a:fontRef idx="minor"/>
+    </dgm:style>
+  </dgm:styleLbl>
+  <dgm:styleLbl name="solidAlignAcc1">
+    <dgm:scene3d>
+      <a:camera prst="orthographicFront"/>
+      <a:lightRig rig="threePt" dir="t"/>
+    </dgm:scene3d>
+    <dgm:sp3d/>
+    <dgm:txPr/>
+    <dgm:style>
+      <a:lnRef idx="2">
+        <a:scrgbClr r="0" g="0" b="0"/>
+      </a:lnRef>
+      <a:fillRef idx="1">
+        <a:scrgbClr r="0" g="0" b="0"/>
+      </a:fillRef>
+      <a:effectRef idx="0">
+        <a:scrgbClr r="0" g="0" b="0"/>
+      </a:effectRef>
+      <a:fontRef idx="minor"/>
+    </dgm:style>
+  </dgm:styleLbl>
+  <dgm:styleLbl name="solidBgAcc1">
+    <dgm:scene3d>
+      <a:camera prst="orthographicFront"/>
+      <a:lightRig rig="threePt" dir="t"/>
+    </dgm:scene3d>
+    <dgm:sp3d/>
+    <dgm:txPr/>
+    <dgm:style>
+      <a:lnRef idx="2">
+        <a:scrgbClr r="0" g="0" b="0"/>
+      </a:lnRef>
+      <a:fillRef idx="1">
+        <a:scrgbClr r="0" g="0" b="0"/>
+      </a:fillRef>
+      <a:effectRef idx="0">
+        <a:scrgbClr r="0" g="0" b="0"/>
+      </a:effectRef>
+      <a:fontRef idx="minor"/>
+    </dgm:style>
+  </dgm:styleLbl>
+  <dgm:styleLbl name="fgAccFollowNode1">
+    <dgm:scene3d>
+      <a:camera prst="orthographicFront"/>
+      <a:lightRig rig="threePt" dir="t"/>
+    </dgm:scene3d>
+    <dgm:sp3d/>
+    <dgm:txPr/>
+    <dgm:style>
+      <a:lnRef idx="2">
+        <a:scrgbClr r="0" g="0" b="0"/>
+      </a:lnRef>
+      <a:fillRef idx="1">
+        <a:scrgbClr r="0" g="0" b="0"/>
+      </a:fillRef>
+      <a:effectRef idx="0">
+        <a:scrgbClr r="0" g="0" b="0"/>
+      </a:effectRef>
+      <a:fontRef idx="minor"/>
+    </dgm:style>
+  </dgm:styleLbl>
+  <dgm:styleLbl name="alignAccFollowNode1">
+    <dgm:scene3d>
+      <a:camera prst="orthographicFront"/>
+      <a:lightRig rig="threePt" dir="t"/>
+    </dgm:scene3d>
+    <dgm:sp3d/>
+    <dgm:txPr/>
+    <dgm:style>
+      <a:lnRef idx="2">
+        <a:scrgbClr r="0" g="0" b="0"/>
+      </a:lnRef>
+      <a:fillRef idx="1">
+        <a:scrgbClr r="0" g="0" b="0"/>
+      </a:fillRef>
+      <a:effectRef idx="0">
+        <a:scrgbClr r="0" g="0" b="0"/>
+      </a:effectRef>
+      <a:fontRef idx="minor"/>
+    </dgm:style>
+  </dgm:styleLbl>
+  <dgm:styleLbl name="bgAccFollowNode1">
+    <dgm:scene3d>
+      <a:camera prst="orthographicFront"/>
+      <a:lightRig rig="threePt" dir="t"/>
+    </dgm:scene3d>
+    <dgm:sp3d/>
+    <dgm:txPr/>
+    <dgm:style>
+      <a:lnRef idx="2">
+        <a:scrgbClr r="0" g="0" b="0"/>
+      </a:lnRef>
+      <a:fillRef idx="1">
+        <a:scrgbClr r="0" g="0" b="0"/>
+      </a:fillRef>
+      <a:effectRef idx="0">
+        <a:scrgbClr r="0" g="0" b="0"/>
+      </a:effectRef>
+      <a:fontRef idx="minor"/>
+    </dgm:style>
+  </dgm:styleLbl>
+  <dgm:styleLbl name="fgAcc0">
+    <dgm:scene3d>
+      <a:camera prst="orthographicFront"/>
+      <a:lightRig rig="threePt" dir="t"/>
+    </dgm:scene3d>
+    <dgm:sp3d/>
+    <dgm:txPr/>
+    <dgm:style>
+      <a:lnRef idx="2">
+        <a:scrgbClr r="0" g="0" b="0"/>
+      </a:lnRef>
+      <a:fillRef idx="1">
+        <a:scrgbClr r="0" g="0" b="0"/>
+      </a:fillRef>
+      <a:effectRef idx="0">
+        <a:scrgbClr r="0" g="0" b="0"/>
+      </a:effectRef>
+      <a:fontRef idx="minor"/>
+    </dgm:style>
+  </dgm:styleLbl>
+  <dgm:styleLbl name="fgAcc2">
+    <dgm:scene3d>
+      <a:camera prst="orthographicFront"/>
+      <a:lightRig rig="threePt" dir="t"/>
+    </dgm:scene3d>
+    <dgm:sp3d/>
+    <dgm:txPr/>
+    <dgm:style>
+      <a:lnRef idx="2">
+        <a:scrgbClr r="0" g="0" b="0"/>
+      </a:lnRef>
+      <a:fillRef idx="1">
+        <a:scrgbClr r="0" g="0" b="0"/>
+      </a:fillRef>
+      <a:effectRef idx="0">
+        <a:scrgbClr r="0" g="0" b="0"/>
+      </a:effectRef>
+      <a:fontRef idx="minor"/>
+    </dgm:style>
+  </dgm:styleLbl>
+  <dgm:styleLbl name="fgAcc3">
+    <dgm:scene3d>
+      <a:camera prst="orthographicFront"/>
+      <a:lightRig rig="threePt" dir="t"/>
+    </dgm:scene3d>
+    <dgm:sp3d/>
+    <dgm:txPr/>
+    <dgm:style>
+      <a:lnRef idx="2">
+        <a:scrgbClr r="0" g="0" b="0"/>
+      </a:lnRef>
+      <a:fillRef idx="1">
+        <a:scrgbClr r="0" g="0" b="0"/>
+      </a:fillRef>
+      <a:effectRef idx="0">
+        <a:scrgbClr r="0" g="0" b="0"/>
+      </a:effectRef>
+      <a:fontRef idx="minor"/>
+    </dgm:style>
+  </dgm:styleLbl>
+  <dgm:styleLbl name="fgAcc4">
+    <dgm:scene3d>
+      <a:camera prst="orthographicFront"/>
+      <a:lightRig rig="threePt" dir="t"/>
+    </dgm:scene3d>
+    <dgm:sp3d/>
+    <dgm:txPr/>
+    <dgm:style>
+      <a:lnRef idx="2">
+        <a:scrgbClr r="0" g="0" b="0"/>
+      </a:lnRef>
+      <a:fillRef idx="1">
+        <a:scrgbClr r="0" g="0" b="0"/>
+      </a:fillRef>
+      <a:effectRef idx="0">
+        <a:scrgbClr r="0" g="0" b="0"/>
+      </a:effectRef>
+      <a:fontRef idx="minor"/>
+    </dgm:style>
+  </dgm:styleLbl>
+  <dgm:styleLbl name="bgShp">
+    <dgm:scene3d>
+      <a:camera prst="orthographicFront"/>
+      <a:lightRig rig="threePt" dir="t"/>
+    </dgm:scene3d>
+    <dgm:sp3d/>
+    <dgm:txPr/>
+    <dgm:style>
+      <a:lnRef idx="0">
+        <a:scrgbClr r="0" g="0" b="0"/>
+      </a:lnRef>
+      <a:fillRef idx="1">
+        <a:scrgbClr r="0" g="0" b="0"/>
+      </a:fillRef>
+      <a:effectRef idx="0">
+        <a:scrgbClr r="0" g="0" b="0"/>
+      </a:effectRef>
+      <a:fontRef idx="minor"/>
+    </dgm:style>
+  </dgm:styleLbl>
+  <dgm:styleLbl name="dkBgShp">
+    <dgm:scene3d>
+      <a:camera prst="orthographicFront"/>
+      <a:lightRig rig="threePt" dir="t"/>
+    </dgm:scene3d>
+    <dgm:sp3d/>
+    <dgm:txPr/>
+    <dgm:style>
+      <a:lnRef idx="0">
+        <a:scrgbClr r="0" g="0" b="0"/>
+      </a:lnRef>
+      <a:fillRef idx="1">
+        <a:scrgbClr r="0" g="0" b="0"/>
+      </a:fillRef>
+      <a:effectRef idx="0">
+        <a:scrgbClr r="0" g="0" b="0"/>
+      </a:effectRef>
+      <a:fontRef idx="minor"/>
+    </dgm:style>
+  </dgm:styleLbl>
+  <dgm:styleLbl name="trBgShp">
+    <dgm:scene3d>
+      <a:camera prst="orthographicFront"/>
+      <a:lightRig rig="threePt" dir="t"/>
+    </dgm:scene3d>
+    <dgm:sp3d/>
+    <dgm:txPr/>
+    <dgm:style>
+      <a:lnRef idx="0">
+        <a:scrgbClr r="0" g="0" b="0"/>
+      </a:lnRef>
+      <a:fillRef idx="1">
+        <a:scrgbClr r="0" g="0" b="0"/>
+      </a:fillRef>
+      <a:effectRef idx="0">
+        <a:scrgbClr r="0" g="0" b="0"/>
+      </a:effectRef>
+      <a:fontRef idx="minor"/>
+    </dgm:style>
+  </dgm:styleLbl>
+  <dgm:styleLbl name="fgShp">
+    <dgm:scene3d>
+      <a:camera prst="orthographicFront"/>
+      <a:lightRig rig="threePt" dir="t"/>
+    </dgm:scene3d>
+    <dgm:sp3d/>
+    <dgm:txPr/>
+    <dgm:style>
+      <a:lnRef idx="2">
+        <a:scrgbClr r="0" g="0" b="0"/>
+      </a:lnRef>
+      <a:fillRef idx="1">
+        <a:scrgbClr r="0" g="0" b="0"/>
+      </a:fillRef>
+      <a:effectRef idx="0">
+        <a:scrgbClr r="0" g="0" b="0"/>
+      </a:effectRef>
+      <a:fontRef idx="minor"/>
+    </dgm:style>
+  </dgm:styleLbl>
+  <dgm:styleLbl name="revTx">
+    <dgm:scene3d>
+      <a:camera prst="orthographicFront"/>
+      <a:lightRig rig="threePt" dir="t"/>
+    </dgm:scene3d>
+    <dgm:sp3d/>
+    <dgm:txPr/>
+    <dgm:style>
+      <a:lnRef idx="0">
+        <a:scrgbClr r="0" g="0" b="0"/>
+      </a:lnRef>
+      <a:fillRef idx="0">
+        <a:scrgbClr r="0" g="0" b="0"/>
+      </a:fillRef>
+      <a:effectRef idx="0">
+        <a:scrgbClr r="0" g="0" b="0"/>
+      </a:effectRef>
+      <a:fontRef idx="minor"/>
+    </dgm:style>
+  </dgm:styleLbl>
+</dgm:styleDef>
+</file>
+
+<file path=ppt/diagrams/quickStyle2.xml><?xml version="1.0" encoding="utf-8"?>
+<dgm:styleDef xmlns:dgm="http://schemas.openxmlformats.org/drawingml/2006/diagram" xmlns:a="http://schemas.openxmlformats.org/drawingml/2006/main" uniqueId="urn:microsoft.com/office/officeart/2005/8/quickstyle/simple1">
+  <dgm:title val=""/>
+  <dgm:desc val=""/>
+  <dgm:catLst>
+    <dgm:cat type="simple" pri="10100"/>
+  </dgm:catLst>
+  <dgm:scene3d>
+    <a:camera prst="orthographicFront"/>
+    <a:lightRig rig="threePt" dir="t"/>
+  </dgm:scene3d>
+  <dgm:styleLbl name="node0">
+    <dgm:scene3d>
+      <a:camera prst="orthographicFront"/>
+      <a:lightRig rig="threePt" dir="t"/>
+    </dgm:scene3d>
+    <dgm:sp3d/>
+    <dgm:txPr/>
+    <dgm:style>
+      <a:lnRef idx="2">
+        <a:scrgbClr r="0" g="0" b="0"/>
+      </a:lnRef>
+      <a:fillRef idx="1">
+        <a:scrgbClr r="0" g="0" b="0"/>
+      </a:fillRef>
+      <a:effectRef idx="0">
+        <a:scrgbClr r="0" g="0" b="0"/>
+      </a:effectRef>
+      <a:fontRef idx="minor">
+        <a:schemeClr val="lt1"/>
+      </a:fontRef>
+    </dgm:style>
+  </dgm:styleLbl>
+  <dgm:styleLbl name="lnNode1">
+    <dgm:scene3d>
+      <a:camera prst="orthographicFront"/>
+      <a:lightRig rig="threePt" dir="t"/>
+    </dgm:scene3d>
+    <dgm:sp3d/>
+    <dgm:txPr/>
+    <dgm:style>
+      <a:lnRef idx="2">
+        <a:scrgbClr r="0" g="0" b="0"/>
+      </a:lnRef>
+      <a:fillRef idx="1">
+        <a:scrgbClr r="0" g="0" b="0"/>
+      </a:fillRef>
+      <a:effectRef idx="0">
+        <a:scrgbClr r="0" g="0" b="0"/>
+      </a:effectRef>
+      <a:fontRef idx="minor">
+        <a:schemeClr val="lt1"/>
+      </a:fontRef>
+    </dgm:style>
+  </dgm:styleLbl>
+  <dgm:styleLbl name="vennNode1">
+    <dgm:scene3d>
+      <a:camera prst="orthographicFront"/>
+      <a:lightRig rig="threePt" dir="t"/>
+    </dgm:scene3d>
+    <dgm:sp3d/>
+    <dgm:txPr/>
+    <dgm:style>
+      <a:lnRef idx="2">
+        <a:scrgbClr r="0" g="0" b="0"/>
+      </a:lnRef>
+      <a:fillRef idx="1">
+        <a:scrgbClr r="0" g="0" b="0"/>
+      </a:fillRef>
+      <a:effectRef idx="0">
+        <a:scrgbClr r="0" g="0" b="0"/>
+      </a:effectRef>
+      <a:fontRef idx="minor">
+        <a:schemeClr val="tx1"/>
+      </a:fontRef>
+    </dgm:style>
+  </dgm:styleLbl>
+  <dgm:styleLbl name="alignNode1">
+    <dgm:scene3d>
+      <a:camera prst="orthographicFront"/>
+      <a:lightRig rig="threePt" dir="t"/>
+    </dgm:scene3d>
+    <dgm:sp3d/>
+    <dgm:txPr/>
+    <dgm:style>
+      <a:lnRef idx="2">
+        <a:scrgbClr r="0" g="0" b="0"/>
+      </a:lnRef>
+      <a:fillRef idx="1">
+        <a:scrgbClr r="0" g="0" b="0"/>
+      </a:fillRef>
+      <a:effectRef idx="0">
+        <a:scrgbClr r="0" g="0" b="0"/>
+      </a:effectRef>
+      <a:fontRef idx="minor">
+        <a:schemeClr val="lt1"/>
+      </a:fontRef>
+    </dgm:style>
+  </dgm:styleLbl>
+  <dgm:styleLbl name="node1">
+    <dgm:scene3d>
+      <a:camera prst="orthographicFront"/>
+      <a:lightRig rig="threePt" dir="t"/>
+    </dgm:scene3d>
+    <dgm:sp3d/>
+    <dgm:txPr/>
+    <dgm:style>
+      <a:lnRef idx="2">
+        <a:scrgbClr r="0" g="0" b="0"/>
+      </a:lnRef>
+      <a:fillRef idx="1">
+        <a:scrgbClr r="0" g="0" b="0"/>
+      </a:fillRef>
+      <a:effectRef idx="0">
+        <a:scrgbClr r="0" g="0" b="0"/>
+      </a:effectRef>
+      <a:fontRef idx="minor">
+        <a:schemeClr val="lt1"/>
+      </a:fontRef>
+    </dgm:style>
+  </dgm:styleLbl>
+  <dgm:styleLbl name="node2">
+    <dgm:scene3d>
+      <a:camera prst="orthographicFront"/>
+      <a:lightRig rig="threePt" dir="t"/>
+    </dgm:scene3d>
+    <dgm:sp3d/>
+    <dgm:txPr/>
+    <dgm:style>
+      <a:lnRef idx="2">
+        <a:scrgbClr r="0" g="0" b="0"/>
+      </a:lnRef>
+      <a:fillRef idx="1">
+        <a:scrgbClr r="0" g="0" b="0"/>
+      </a:fillRef>
+      <a:effectRef idx="0">
+        <a:scrgbClr r="0" g="0" b="0"/>
+      </a:effectRef>
+      <a:fontRef idx="minor">
+        <a:schemeClr val="lt1"/>
+      </a:fontRef>
+    </dgm:style>
+  </dgm:styleLbl>
+  <dgm:styleLbl name="node3">
+    <dgm:scene3d>
+      <a:camera prst="orthographicFront"/>
+      <a:lightRig rig="threePt" dir="t"/>
+    </dgm:scene3d>
+    <dgm:sp3d/>
+    <dgm:txPr/>
+    <dgm:style>
+      <a:lnRef idx="2">
+        <a:scrgbClr r="0" g="0" b="0"/>
+      </a:lnRef>
+      <a:fillRef idx="1">
+        <a:scrgbClr r="0" g="0" b="0"/>
+      </a:fillRef>
+      <a:effectRef idx="0">
+        <a:scrgbClr r="0" g="0" b="0"/>
+      </a:effectRef>
+      <a:fontRef idx="minor">
+        <a:schemeClr val="lt1"/>
+      </a:fontRef>
+    </dgm:style>
+  </dgm:styleLbl>
+  <dgm:styleLbl name="node4">
+    <dgm:scene3d>
+      <a:camera prst="orthographicFront"/>
+      <a:lightRig rig="threePt" dir="t"/>
+    </dgm:scene3d>
+    <dgm:sp3d/>
+    <dgm:txPr/>
+    <dgm:style>
+      <a:lnRef idx="2">
+        <a:scrgbClr r="0" g="0" b="0"/>
+      </a:lnRef>
+      <a:fillRef idx="1">
+        <a:scrgbClr r="0" g="0" b="0"/>
+      </a:fillRef>
+      <a:effectRef idx="0">
+        <a:scrgbClr r="0" g="0" b="0"/>
+      </a:effectRef>
+      <a:fontRef idx="minor">
+        <a:schemeClr val="lt1"/>
+      </a:fontRef>
+    </dgm:style>
+  </dgm:styleLbl>
+  <dgm:styleLbl name="fgImgPlace1">
+    <dgm:scene3d>
+      <a:camera prst="orthographicFront"/>
+      <a:lightRig rig="threePt" dir="t"/>
+    </dgm:scene3d>
+    <dgm:sp3d/>
+    <dgm:txPr/>
+    <dgm:style>
+      <a:lnRef idx="2">
+        <a:scrgbClr r="0" g="0" b="0"/>
+      </a:lnRef>
+      <a:fillRef idx="1">
+        <a:scrgbClr r="0" g="0" b="0"/>
+      </a:fillRef>
+      <a:effectRef idx="0">
+        <a:scrgbClr r="0" g="0" b="0"/>
+      </a:effectRef>
+      <a:fontRef idx="minor"/>
+    </dgm:style>
+  </dgm:styleLbl>
+  <dgm:styleLbl name="alignImgPlace1">
+    <dgm:scene3d>
+      <a:camera prst="orthographicFront"/>
+      <a:lightRig rig="threePt" dir="t"/>
+    </dgm:scene3d>
+    <dgm:sp3d/>
+    <dgm:txPr/>
+    <dgm:style>
+      <a:lnRef idx="2">
+        <a:scrgbClr r="0" g="0" b="0"/>
+      </a:lnRef>
+      <a:fillRef idx="1">
+        <a:scrgbClr r="0" g="0" b="0"/>
+      </a:fillRef>
+      <a:effectRef idx="0">
+        <a:scrgbClr r="0" g="0" b="0"/>
+      </a:effectRef>
+      <a:fontRef idx="minor"/>
+    </dgm:style>
+  </dgm:styleLbl>
+  <dgm:styleLbl name="bgImgPlace1">
+    <dgm:scene3d>
+      <a:camera prst="orthographicFront"/>
+      <a:lightRig rig="threePt" dir="t"/>
+    </dgm:scene3d>
+    <dgm:sp3d/>
+    <dgm:txPr/>
+    <dgm:style>
+      <a:lnRef idx="2">
+        <a:scrgbClr r="0" g="0" b="0"/>
+      </a:lnRef>
+      <a:fillRef idx="1">
+        <a:scrgbClr r="0" g="0" b="0"/>
+      </a:fillRef>
+      <a:effectRef idx="0">
+        <a:scrgbClr r="0" g="0" b="0"/>
+      </a:effectRef>
+      <a:fontRef idx="minor"/>
+    </dgm:style>
+  </dgm:styleLbl>
+  <dgm:styleLbl name="sibTrans2D1">
+    <dgm:scene3d>
+      <a:camera prst="orthographicFront"/>
+      <a:lightRig rig="threePt" dir="t"/>
+    </dgm:scene3d>
+    <dgm:sp3d/>
+    <dgm:txPr/>
+    <dgm:style>
+      <a:lnRef idx="0">
+        <a:scrgbClr r="0" g="0" b="0"/>
+      </a:lnRef>
+      <a:fillRef idx="1">
+        <a:scrgbClr r="0" g="0" b="0"/>
+      </a:fillRef>
+      <a:effectRef idx="0">
+        <a:scrgbClr r="0" g="0" b="0"/>
+      </a:effectRef>
+      <a:fontRef idx="minor">
+        <a:schemeClr val="lt1"/>
+      </a:fontRef>
+    </dgm:style>
+  </dgm:styleLbl>
+  <dgm:styleLbl name="fgSibTrans2D1">
+    <dgm:scene3d>
+      <a:camera prst="orthographicFront"/>
+      <a:lightRig rig="threePt" dir="t"/>
+    </dgm:scene3d>
+    <dgm:sp3d/>
+    <dgm:txPr/>
+    <dgm:style>
+      <a:lnRef idx="0">
+        <a:scrgbClr r="0" g="0" b="0"/>
+      </a:lnRef>
+      <a:fillRef idx="1">
+        <a:scrgbClr r="0" g="0" b="0"/>
+      </a:fillRef>
+      <a:effectRef idx="0">
+        <a:scrgbClr r="0" g="0" b="0"/>
+      </a:effectRef>
+      <a:fontRef idx="minor">
+        <a:schemeClr val="lt1"/>
+      </a:fontRef>
+    </dgm:style>
+  </dgm:styleLbl>
+  <dgm:styleLbl name="bgSibTrans2D1">
+    <dgm:scene3d>
+      <a:camera prst="orthographicFront"/>
+      <a:lightRig rig="threePt" dir="t"/>
+    </dgm:scene3d>
+    <dgm:sp3d/>
+    <dgm:txPr/>
+    <dgm:style>
+      <a:lnRef idx="0">
+        <a:scrgbClr r="0" g="0" b="0"/>
+      </a:lnRef>
+      <a:fillRef idx="1">
+        <a:scrgbClr r="0" g="0" b="0"/>
+      </a:fillRef>
+      <a:effectRef idx="0">
+        <a:scrgbClr r="0" g="0" b="0"/>
+      </a:effectRef>
+      <a:fontRef idx="minor">
+        <a:schemeClr val="lt1"/>
+      </a:fontRef>
+    </dgm:style>
+  </dgm:styleLbl>
+  <dgm:styleLbl name="sibTrans1D1">
+    <dgm:scene3d>
+      <a:camera prst="orthographicFront"/>
+      <a:lightRig rig="threePt" dir="t"/>
+    </dgm:scene3d>
+    <dgm:sp3d/>
+    <dgm:txPr/>
+    <dgm:style>
+      <a:lnRef idx="1">
+        <a:scrgbClr r="0" g="0" b="0"/>
+      </a:lnRef>
+      <a:fillRef idx="0">
+        <a:scrgbClr r="0" g="0" b="0"/>
+      </a:fillRef>
+      <a:effectRef idx="0">
+        <a:scrgbClr r="0" g="0" b="0"/>
+      </a:effectRef>
+      <a:fontRef idx="minor"/>
+    </dgm:style>
+  </dgm:styleLbl>
+  <dgm:styleLbl name="callout">
+    <dgm:scene3d>
+      <a:camera prst="orthographicFront"/>
+      <a:lightRig rig="threePt" dir="t"/>
+    </dgm:scene3d>
+    <dgm:sp3d/>
+    <dgm:txPr/>
+    <dgm:style>
+      <a:lnRef idx="2">
+        <a:scrgbClr r="0" g="0" b="0"/>
+      </a:lnRef>
+      <a:fillRef idx="1">
+        <a:scrgbClr r="0" g="0" b="0"/>
+      </a:fillRef>
+      <a:effectRef idx="0">
+        <a:scrgbClr r="0" g="0" b="0"/>
+      </a:effectRef>
+      <a:fontRef idx="minor"/>
+    </dgm:style>
+  </dgm:styleLbl>
+  <dgm:styleLbl name="asst0">
+    <dgm:scene3d>
+      <a:camera prst="orthographicFront"/>
+      <a:lightRig rig="threePt" dir="t"/>
+    </dgm:scene3d>
+    <dgm:sp3d/>
+    <dgm:txPr/>
+    <dgm:style>
+      <a:lnRef idx="2">
+        <a:scrgbClr r="0" g="0" b="0"/>
+      </a:lnRef>
+      <a:fillRef idx="1">
+        <a:scrgbClr r="0" g="0" b="0"/>
+      </a:fillRef>
+      <a:effectRef idx="0">
+        <a:scrgbClr r="0" g="0" b="0"/>
+      </a:effectRef>
+      <a:fontRef idx="minor">
+        <a:schemeClr val="lt1"/>
+      </a:fontRef>
+    </dgm:style>
+  </dgm:styleLbl>
+  <dgm:styleLbl name="asst1">
+    <dgm:scene3d>
+      <a:camera prst="orthographicFront"/>
+      <a:lightRig rig="threePt" dir="t"/>
+    </dgm:scene3d>
+    <dgm:sp3d/>
+    <dgm:txPr/>
+    <dgm:style>
+      <a:lnRef idx="2">
+        <a:scrgbClr r="0" g="0" b="0"/>
+      </a:lnRef>
+      <a:fillRef idx="1">
+        <a:scrgbClr r="0" g="0" b="0"/>
+      </a:fillRef>
+      <a:effectRef idx="0">
+        <a:scrgbClr r="0" g="0" b="0"/>
+      </a:effectRef>
+      <a:fontRef idx="minor">
+        <a:schemeClr val="lt1"/>
+      </a:fontRef>
+    </dgm:style>
+  </dgm:styleLbl>
+  <dgm:styleLbl name="asst2">
+    <dgm:scene3d>
+      <a:camera prst="orthographicFront"/>
+      <a:lightRig rig="threePt" dir="t"/>
+    </dgm:scene3d>
+    <dgm:sp3d/>
+    <dgm:txPr/>
+    <dgm:style>
+      <a:lnRef idx="2">
+        <a:scrgbClr r="0" g="0" b="0"/>
+      </a:lnRef>
+      <a:fillRef idx="1">
+        <a:scrgbClr r="0" g="0" b="0"/>
+      </a:fillRef>
+      <a:effectRef idx="0">
+        <a:scrgbClr r="0" g="0" b="0"/>
+      </a:effectRef>
+      <a:fontRef idx="minor">
+        <a:schemeClr val="lt1"/>
+      </a:fontRef>
+    </dgm:style>
+  </dgm:styleLbl>
+  <dgm:styleLbl name="asst3">
+    <dgm:scene3d>
+      <a:camera prst="orthographicFront"/>
+      <a:lightRig rig="threePt" dir="t"/>
+    </dgm:scene3d>
+    <dgm:sp3d/>
+    <dgm:txPr/>
+    <dgm:style>
+      <a:lnRef idx="2">
+        <a:scrgbClr r="0" g="0" b="0"/>
+      </a:lnRef>
+      <a:fillRef idx="1">
+        <a:scrgbClr r="0" g="0" b="0"/>
+      </a:fillRef>
+      <a:effectRef idx="0">
+        <a:scrgbClr r="0" g="0" b="0"/>
+      </a:effectRef>
+      <a:fontRef idx="minor">
+        <a:schemeClr val="lt1"/>
+      </a:fontRef>
+    </dgm:style>
+  </dgm:styleLbl>
+  <dgm:styleLbl name="asst4">
+    <dgm:scene3d>
+      <a:camera prst="orthographicFront"/>
+      <a:lightRig rig="threePt" dir="t"/>
+    </dgm:scene3d>
+    <dgm:sp3d/>
+    <dgm:txPr/>
+    <dgm:style>
+      <a:lnRef idx="2">
+        <a:scrgbClr r="0" g="0" b="0"/>
+      </a:lnRef>
+      <a:fillRef idx="1">
+        <a:scrgbClr r="0" g="0" b="0"/>
+      </a:fillRef>
+      <a:effectRef idx="0">
+        <a:scrgbClr r="0" g="0" b="0"/>
+      </a:effectRef>
+      <a:fontRef idx="minor">
+        <a:schemeClr val="lt1"/>
+      </a:fontRef>
+    </dgm:style>
+  </dgm:styleLbl>
+  <dgm:styleLbl name="parChTrans2D1">
+    <dgm:scene3d>
+      <a:camera prst="orthographicFront"/>
+      <a:lightRig rig="threePt" dir="t"/>
+    </dgm:scene3d>
+    <dgm:sp3d/>
+    <dgm:txPr/>
+    <dgm:style>
+      <a:lnRef idx="2">
+        <a:scrgbClr r="0" g="0" b="0"/>
+      </a:lnRef>
+      <a:fillRef idx="1">
+        <a:scrgbClr r="0" g="0" b="0"/>
+      </a:fillRef>
+      <a:effectRef idx="0">
+        <a:scrgbClr r="0" g="0" b="0"/>
+      </a:effectRef>
+      <a:fontRef idx="minor">
+        <a:schemeClr val="lt1"/>
+      </a:fontRef>
+    </dgm:style>
+  </dgm:styleLbl>
+  <dgm:styleLbl name="parChTrans2D2">
+    <dgm:scene3d>
+      <a:camera prst="orthographicFront"/>
+      <a:lightRig rig="threePt" dir="t"/>
+    </dgm:scene3d>
+    <dgm:sp3d/>
+    <dgm:txPr/>
+    <dgm:style>
+      <a:lnRef idx="2">
+        <a:scrgbClr r="0" g="0" b="0"/>
+      </a:lnRef>
+      <a:fillRef idx="1">
+        <a:scrgbClr r="0" g="0" b="0"/>
+      </a:fillRef>
+      <a:effectRef idx="0">
+        <a:scrgbClr r="0" g="0" b="0"/>
+      </a:effectRef>
+      <a:fontRef idx="minor">
+        <a:schemeClr val="lt1"/>
+      </a:fontRef>
+    </dgm:style>
+  </dgm:styleLbl>
+  <dgm:styleLbl name="parChTrans2D3">
+    <dgm:scene3d>
+      <a:camera prst="orthographicFront"/>
+      <a:lightRig rig="threePt" dir="t"/>
+    </dgm:scene3d>
+    <dgm:sp3d/>
+    <dgm:txPr/>
+    <dgm:style>
+      <a:lnRef idx="2">
+        <a:scrgbClr r="0" g="0" b="0"/>
+      </a:lnRef>
+      <a:fillRef idx="1">
+        <a:scrgbClr r="0" g="0" b="0"/>
+      </a:fillRef>
+      <a:effectRef idx="0">
+        <a:scrgbClr r="0" g="0" b="0"/>
+      </a:effectRef>
+      <a:fontRef idx="minor">
+        <a:schemeClr val="lt1"/>
+      </a:fontRef>
+    </dgm:style>
+  </dgm:styleLbl>
+  <dgm:styleLbl name="parChTrans2D4">
+    <dgm:scene3d>
+      <a:camera prst="orthographicFront"/>
+      <a:lightRig rig="threePt" dir="t"/>
+    </dgm:scene3d>
+    <dgm:sp3d/>
+    <dgm:txPr/>
+    <dgm:style>
+      <a:lnRef idx="2">
+        <a:scrgbClr r="0" g="0" b="0"/>
+      </a:lnRef>
+      <a:fillRef idx="1">
+        <a:scrgbClr r="0" g="0" b="0"/>
+      </a:fillRef>
+      <a:effectRef idx="0">
+        <a:scrgbClr r="0" g="0" b="0"/>
+      </a:effectRef>
+      <a:fontRef idx="minor">
+        <a:schemeClr val="lt1"/>
+      </a:fontRef>
+    </dgm:style>
+  </dgm:styleLbl>
+  <dgm:styleLbl name="parChTrans1D1">
+    <dgm:scene3d>
+      <a:camera prst="orthographicFront"/>
+      <a:lightRig rig="threePt" dir="t"/>
+    </dgm:scene3d>
+    <dgm:sp3d/>
+    <dgm:txPr/>
+    <dgm:style>
+      <a:lnRef idx="2">
+        <a:scrgbClr r="0" g="0" b="0"/>
+      </a:lnRef>
+      <a:fillRef idx="0">
+        <a:scrgbClr r="0" g="0" b="0"/>
+      </a:fillRef>
+      <a:effectRef idx="0">
+        <a:scrgbClr r="0" g="0" b="0"/>
+      </a:effectRef>
+      <a:fontRef idx="minor"/>
+    </dgm:style>
+  </dgm:styleLbl>
+  <dgm:styleLbl name="parChTrans1D2">
+    <dgm:scene3d>
+      <a:camera prst="orthographicFront"/>
+      <a:lightRig rig="threePt" dir="t"/>
+    </dgm:scene3d>
+    <dgm:sp3d/>
+    <dgm:txPr/>
+    <dgm:style>
+      <a:lnRef idx="2">
+        <a:scrgbClr r="0" g="0" b="0"/>
+      </a:lnRef>
+      <a:fillRef idx="0">
+        <a:scrgbClr r="0" g="0" b="0"/>
+      </a:fillRef>
+      <a:effectRef idx="0">
+        <a:scrgbClr r="0" g="0" b="0"/>
+      </a:effectRef>
+      <a:fontRef idx="minor"/>
+    </dgm:style>
+  </dgm:styleLbl>
+  <dgm:styleLbl name="parChTrans1D3">
+    <dgm:scene3d>
+      <a:camera prst="orthographicFront"/>
+      <a:lightRig rig="threePt" dir="t"/>
+    </dgm:scene3d>
+    <dgm:sp3d/>
+    <dgm:txPr/>
+    <dgm:style>
+      <a:lnRef idx="2">
+        <a:scrgbClr r="0" g="0" b="0"/>
+      </a:lnRef>
+      <a:fillRef idx="0">
+        <a:scrgbClr r="0" g="0" b="0"/>
+      </a:fillRef>
+      <a:effectRef idx="0">
+        <a:scrgbClr r="0" g="0" b="0"/>
+      </a:effectRef>
+      <a:fontRef idx="minor"/>
+    </dgm:style>
+  </dgm:styleLbl>
+  <dgm:styleLbl name="parChTrans1D4">
+    <dgm:scene3d>
+      <a:camera prst="orthographicFront"/>
+      <a:lightRig rig="threePt" dir="t"/>
+    </dgm:scene3d>
+    <dgm:sp3d/>
+    <dgm:txPr/>
+    <dgm:style>
+      <a:lnRef idx="2">
+        <a:scrgbClr r="0" g="0" b="0"/>
+      </a:lnRef>
+      <a:fillRef idx="0">
+        <a:scrgbClr r="0" g="0" b="0"/>
+      </a:fillRef>
+      <a:effectRef idx="0">
+        <a:scrgbClr r="0" g="0" b="0"/>
+      </a:effectRef>
+      <a:fontRef idx="minor"/>
+    </dgm:style>
+  </dgm:styleLbl>
+  <dgm:styleLbl name="fgAcc1">
+    <dgm:scene3d>
+      <a:camera prst="orthographicFront"/>
+      <a:lightRig rig="threePt" dir="t"/>
+    </dgm:scene3d>
+    <dgm:sp3d/>
+    <dgm:txPr/>
+    <dgm:style>
+      <a:lnRef idx="2">
+        <a:scrgbClr r="0" g="0" b="0"/>
+      </a:lnRef>
+      <a:fillRef idx="1">
+        <a:scrgbClr r="0" g="0" b="0"/>
+      </a:fillRef>
+      <a:effectRef idx="0">
+        <a:scrgbClr r="0" g="0" b="0"/>
+      </a:effectRef>
+      <a:fontRef idx="minor"/>
+    </dgm:style>
+  </dgm:styleLbl>
+  <dgm:styleLbl name="conFgAcc1">
+    <dgm:scene3d>
+      <a:camera prst="orthographicFront"/>
+      <a:lightRig rig="threePt" dir="t"/>
+    </dgm:scene3d>
+    <dgm:sp3d/>
+    <dgm:txPr/>
+    <dgm:style>
+      <a:lnRef idx="2">
+        <a:scrgbClr r="0" g="0" b="0"/>
+      </a:lnRef>
+      <a:fillRef idx="1">
+        <a:scrgbClr r="0" g="0" b="0"/>
+      </a:fillRef>
+      <a:effectRef idx="0">
+        <a:scrgbClr r="0" g="0" b="0"/>
+      </a:effectRef>
+      <a:fontRef idx="minor"/>
+    </dgm:style>
+  </dgm:styleLbl>
+  <dgm:styleLbl name="alignAcc1">
+    <dgm:scene3d>
+      <a:camera prst="orthographicFront"/>
+      <a:lightRig rig="threePt" dir="t"/>
+    </dgm:scene3d>
+    <dgm:sp3d/>
+    <dgm:txPr/>
+    <dgm:style>
+      <a:lnRef idx="2">
+        <a:scrgbClr r="0" g="0" b="0"/>
+      </a:lnRef>
+      <a:fillRef idx="1">
+        <a:scrgbClr r="0" g="0" b="0"/>
+      </a:fillRef>
+      <a:effectRef idx="0">
+        <a:scrgbClr r="0" g="0" b="0"/>
+      </a:effectRef>
+      <a:fontRef idx="minor"/>
+    </dgm:style>
+  </dgm:styleLbl>
+  <dgm:styleLbl name="trAlignAcc1">
+    <dgm:scene3d>
+      <a:camera prst="orthographicFront"/>
+      <a:lightRig rig="threePt" dir="t"/>
+    </dgm:scene3d>
+    <dgm:sp3d/>
+    <dgm:txPr/>
+    <dgm:style>
+      <a:lnRef idx="1">
+        <a:scrgbClr r="0" g="0" b="0"/>
+      </a:lnRef>
+      <a:fillRef idx="1">
+        <a:scrgbClr r="0" g="0" b="0"/>
+      </a:fillRef>
+      <a:effectRef idx="0">
+        <a:scrgbClr r="0" g="0" b="0"/>
+      </a:effectRef>
+      <a:fontRef idx="minor"/>
+    </dgm:style>
+  </dgm:styleLbl>
+  <dgm:styleLbl name="bgAcc1">
+    <dgm:scene3d>
+      <a:camera prst="orthographicFront"/>
+      <a:lightRig rig="threePt" dir="t"/>
+    </dgm:scene3d>
+    <dgm:sp3d/>
+    <dgm:txPr/>
+    <dgm:style>
+      <a:lnRef idx="2">
+        <a:scrgbClr r="0" g="0" b="0"/>
+      </a:lnRef>
+      <a:fillRef idx="1">
+        <a:scrgbClr r="0" g="0" b="0"/>
+      </a:fillRef>
+      <a:effectRef idx="0">
+        <a:scrgbClr r="0" g="0" b="0"/>
+      </a:effectRef>
+      <a:fontRef idx="minor"/>
+    </dgm:style>
+  </dgm:styleLbl>
+  <dgm:styleLbl name="solidFgAcc1">
+    <dgm:scene3d>
+      <a:camera prst="orthographicFront"/>
+      <a:lightRig rig="threePt" dir="t"/>
+    </dgm:scene3d>
+    <dgm:sp3d/>
+    <dgm:txPr/>
+    <dgm:style>
+      <a:lnRef idx="2">
+        <a:scrgbClr r="0" g="0" b="0"/>
+      </a:lnRef>
+      <a:fillRef idx="1">
+        <a:scrgbClr r="0" g="0" b="0"/>
+      </a:fillRef>
+      <a:effectRef idx="0">
+        <a:scrgbClr r="0" g="0" b="0"/>
+      </a:effectRef>
+      <a:fontRef idx="minor"/>
+    </dgm:style>
+  </dgm:styleLbl>
+  <dgm:styleLbl name="solidAlignAcc1">
+    <dgm:scene3d>
+      <a:camera prst="orthographicFront"/>
+      <a:lightRig rig="threePt" dir="t"/>
+    </dgm:scene3d>
+    <dgm:sp3d/>
+    <dgm:txPr/>
+    <dgm:style>
+      <a:lnRef idx="2">
+        <a:scrgbClr r="0" g="0" b="0"/>
+      </a:lnRef>
+      <a:fillRef idx="1">
+        <a:scrgbClr r="0" g="0" b="0"/>
+      </a:fillRef>
+      <a:effectRef idx="0">
+        <a:scrgbClr r="0" g="0" b="0"/>
+      </a:effectRef>
+      <a:fontRef idx="minor"/>
+    </dgm:style>
+  </dgm:styleLbl>
+  <dgm:styleLbl name="solidBgAcc1">
+    <dgm:scene3d>
+      <a:camera prst="orthographicFront"/>
+      <a:lightRig rig="threePt" dir="t"/>
+    </dgm:scene3d>
+    <dgm:sp3d/>
+    <dgm:txPr/>
+    <dgm:style>
+      <a:lnRef idx="2">
+        <a:scrgbClr r="0" g="0" b="0"/>
+      </a:lnRef>
+      <a:fillRef idx="1">
+        <a:scrgbClr r="0" g="0" b="0"/>
+      </a:fillRef>
+      <a:effectRef idx="0">
+        <a:scrgbClr r="0" g="0" b="0"/>
+      </a:effectRef>
+      <a:fontRef idx="minor"/>
+    </dgm:style>
+  </dgm:styleLbl>
+  <dgm:styleLbl name="fgAccFollowNode1">
+    <dgm:scene3d>
+      <a:camera prst="orthographicFront"/>
+      <a:lightRig rig="threePt" dir="t"/>
+    </dgm:scene3d>
+    <dgm:sp3d/>
+    <dgm:txPr/>
+    <dgm:style>
+      <a:lnRef idx="2">
+        <a:scrgbClr r="0" g="0" b="0"/>
+      </a:lnRef>
+      <a:fillRef idx="1">
+        <a:scrgbClr r="0" g="0" b="0"/>
+      </a:fillRef>
+      <a:effectRef idx="0">
+        <a:scrgbClr r="0" g="0" b="0"/>
+      </a:effectRef>
+      <a:fontRef idx="minor"/>
+    </dgm:style>
+  </dgm:styleLbl>
+  <dgm:styleLbl name="alignAccFollowNode1">
+    <dgm:scene3d>
+      <a:camera prst="orthographicFront"/>
+      <a:lightRig rig="threePt" dir="t"/>
+    </dgm:scene3d>
+    <dgm:sp3d/>
+    <dgm:txPr/>
+    <dgm:style>
+      <a:lnRef idx="2">
+        <a:scrgbClr r="0" g="0" b="0"/>
+      </a:lnRef>
+      <a:fillRef idx="1">
+        <a:scrgbClr r="0" g="0" b="0"/>
+      </a:fillRef>
+      <a:effectRef idx="0">
+        <a:scrgbClr r="0" g="0" b="0"/>
+      </a:effectRef>
+      <a:fontRef idx="minor"/>
+    </dgm:style>
+  </dgm:styleLbl>
+  <dgm:styleLbl name="bgAccFollowNode1">
+    <dgm:scene3d>
+      <a:camera prst="orthographicFront"/>
+      <a:lightRig rig="threePt" dir="t"/>
+    </dgm:scene3d>
+    <dgm:sp3d/>
+    <dgm:txPr/>
+    <dgm:style>
+      <a:lnRef idx="2">
+        <a:scrgbClr r="0" g="0" b="0"/>
+      </a:lnRef>
+      <a:fillRef idx="1">
+        <a:scrgbClr r="0" g="0" b="0"/>
+      </a:fillRef>
+      <a:effectRef idx="0">
+        <a:scrgbClr r="0" g="0" b="0"/>
+      </a:effectRef>
+      <a:fontRef idx="minor"/>
+    </dgm:style>
+  </dgm:styleLbl>
+  <dgm:styleLbl name="fgAcc0">
+    <dgm:scene3d>
+      <a:camera prst="orthographicFront"/>
+      <a:lightRig rig="threePt" dir="t"/>
+    </dgm:scene3d>
+    <dgm:sp3d/>
+    <dgm:txPr/>
+    <dgm:style>
+      <a:lnRef idx="2">
+        <a:scrgbClr r="0" g="0" b="0"/>
+      </a:lnRef>
+      <a:fillRef idx="1">
+        <a:scrgbClr r="0" g="0" b="0"/>
+      </a:fillRef>
+      <a:effectRef idx="0">
+        <a:scrgbClr r="0" g="0" b="0"/>
+      </a:effectRef>
+      <a:fontRef idx="minor"/>
+    </dgm:style>
+  </dgm:styleLbl>
+  <dgm:styleLbl name="fgAcc2">
+    <dgm:scene3d>
+      <a:camera prst="orthographicFront"/>
+      <a:lightRig rig="threePt" dir="t"/>
+    </dgm:scene3d>
+    <dgm:sp3d/>
+    <dgm:txPr/>
+    <dgm:style>
+      <a:lnRef idx="2">
+        <a:scrgbClr r="0" g="0" b="0"/>
+      </a:lnRef>
+      <a:fillRef idx="1">
+        <a:scrgbClr r="0" g="0" b="0"/>
+      </a:fillRef>
+      <a:effectRef idx="0">
+        <a:scrgbClr r="0" g="0" b="0"/>
+      </a:effectRef>
+      <a:fontRef idx="minor"/>
+    </dgm:style>
+  </dgm:styleLbl>
+  <dgm:styleLbl name="fgAcc3">
+    <dgm:scene3d>
+      <a:camera prst="orthographicFront"/>
+      <a:lightRig rig="threePt" dir="t"/>
+    </dgm:scene3d>
+    <dgm:sp3d/>
+    <dgm:txPr/>
+    <dgm:style>
+      <a:lnRef idx="2">
+        <a:scrgbClr r="0" g="0" b="0"/>
+      </a:lnRef>
+      <a:fillRef idx="1">
+        <a:scrgbClr r="0" g="0" b="0"/>
+      </a:fillRef>
+      <a:effectRef idx="0">
+        <a:scrgbClr r="0" g="0" b="0"/>
+      </a:effectRef>
+      <a:fontRef idx="minor"/>
+    </dgm:style>
+  </dgm:styleLbl>
+  <dgm:styleLbl name="fgAcc4">
+    <dgm:scene3d>
+      <a:camera prst="orthographicFront"/>
+      <a:lightRig rig="threePt" dir="t"/>
+    </dgm:scene3d>
+    <dgm:sp3d/>
+    <dgm:txPr/>
+    <dgm:style>
+      <a:lnRef idx="2">
+        <a:scrgbClr r="0" g="0" b="0"/>
+      </a:lnRef>
+      <a:fillRef idx="1">
+        <a:scrgbClr r="0" g="0" b="0"/>
+      </a:fillRef>
+      <a:effectRef idx="0">
+        <a:scrgbClr r="0" g="0" b="0"/>
+      </a:effectRef>
+      <a:fontRef idx="minor"/>
+    </dgm:style>
+  </dgm:styleLbl>
+  <dgm:styleLbl name="bgShp">
+    <dgm:scene3d>
+      <a:camera prst="orthographicFront"/>
+      <a:lightRig rig="threePt" dir="t"/>
+    </dgm:scene3d>
+    <dgm:sp3d/>
+    <dgm:txPr/>
+    <dgm:style>
+      <a:lnRef idx="0">
+        <a:scrgbClr r="0" g="0" b="0"/>
+      </a:lnRef>
+      <a:fillRef idx="1">
+        <a:scrgbClr r="0" g="0" b="0"/>
+      </a:fillRef>
+      <a:effectRef idx="0">
+        <a:scrgbClr r="0" g="0" b="0"/>
+      </a:effectRef>
+      <a:fontRef idx="minor"/>
+    </dgm:style>
+  </dgm:styleLbl>
+  <dgm:styleLbl name="dkBgShp">
+    <dgm:scene3d>
+      <a:camera prst="orthographicFront"/>
+      <a:lightRig rig="threePt" dir="t"/>
+    </dgm:scene3d>
+    <dgm:sp3d/>
+    <dgm:txPr/>
+    <dgm:style>
+      <a:lnRef idx="0">
+        <a:scrgbClr r="0" g="0" b="0"/>
+      </a:lnRef>
+      <a:fillRef idx="1">
+        <a:scrgbClr r="0" g="0" b="0"/>
+      </a:fillRef>
+      <a:effectRef idx="0">
+        <a:scrgbClr r="0" g="0" b="0"/>
+      </a:effectRef>
+      <a:fontRef idx="minor"/>
+    </dgm:style>
+  </dgm:styleLbl>
+  <dgm:styleLbl name="trBgShp">
+    <dgm:scene3d>
+      <a:camera prst="orthographicFront"/>
+      <a:lightRig rig="threePt" dir="t"/>
+    </dgm:scene3d>
+    <dgm:sp3d/>
+    <dgm:txPr/>
+    <dgm:style>
+      <a:lnRef idx="0">
+        <a:scrgbClr r="0" g="0" b="0"/>
+      </a:lnRef>
+      <a:fillRef idx="1">
+        <a:scrgbClr r="0" g="0" b="0"/>
+      </a:fillRef>
+      <a:effectRef idx="0">
+        <a:scrgbClr r="0" g="0" b="0"/>
+      </a:effectRef>
+      <a:fontRef idx="minor"/>
+    </dgm:style>
+  </dgm:styleLbl>
+  <dgm:styleLbl name="fgShp">
+    <dgm:scene3d>
+      <a:camera prst="orthographicFront"/>
+      <a:lightRig rig="threePt" dir="t"/>
+    </dgm:scene3d>
+    <dgm:sp3d/>
+    <dgm:txPr/>
+    <dgm:style>
+      <a:lnRef idx="2">
+        <a:scrgbClr r="0" g="0" b="0"/>
+      </a:lnRef>
+      <a:fillRef idx="1">
+        <a:scrgbClr r="0" g="0" b="0"/>
+      </a:fillRef>
+      <a:effectRef idx="0">
+        <a:scrgbClr r="0" g="0" b="0"/>
+      </a:effectRef>
+      <a:fontRef idx="minor"/>
+    </dgm:style>
+  </dgm:styleLbl>
+  <dgm:styleLbl name="revTx">
+    <dgm:scene3d>
+      <a:camera prst="orthographicFront"/>
+      <a:lightRig rig="threePt" dir="t"/>
+    </dgm:scene3d>
+    <dgm:sp3d/>
+    <dgm:txPr/>
+    <dgm:style>
+      <a:lnRef idx="0">
+        <a:scrgbClr r="0" g="0" b="0"/>
+      </a:lnRef>
+      <a:fillRef idx="0">
+        <a:scrgbClr r="0" g="0" b="0"/>
+      </a:fillRef>
+      <a:effectRef idx="0">
+        <a:scrgbClr r="0" g="0" b="0"/>
+      </a:effectRef>
+      <a:fontRef idx="minor"/>
+    </dgm:style>
+  </dgm:styleLbl>
+</dgm:styleDef>
 </file>
 
 <file path=ppt/slideLayouts/slideLayout1.xml><?xml version="1.0" encoding="utf-8"?>
@@ -287,7 +7664,7 @@
           <a:p>
             <a:fld id="{D9D40CB6-36A2-4DE6-BBCB-76A97253AE9D}" type="datetimeFigureOut">
               <a:rPr lang="ru-RU" smtClean="0"/>
-              <a:t>27.10.2022</a:t>
+              <a:t>28.10.2022</a:t>
             </a:fld>
             <a:endParaRPr lang="ru-RU"/>
           </a:p>
@@ -617,7 +7994,7 @@
           <a:p>
             <a:fld id="{D9D40CB6-36A2-4DE6-BBCB-76A97253AE9D}" type="datetimeFigureOut">
               <a:rPr lang="ru-RU" smtClean="0"/>
-              <a:t>27.10.2022</a:t>
+              <a:t>28.10.2022</a:t>
             </a:fld>
             <a:endParaRPr lang="ru-RU"/>
           </a:p>
@@ -797,7 +8174,7 @@
           <a:p>
             <a:fld id="{D9D40CB6-36A2-4DE6-BBCB-76A97253AE9D}" type="datetimeFigureOut">
               <a:rPr lang="ru-RU" smtClean="0"/>
-              <a:t>27.10.2022</a:t>
+              <a:t>28.10.2022</a:t>
             </a:fld>
             <a:endParaRPr lang="ru-RU"/>
           </a:p>
@@ -967,7 +8344,7 @@
           <a:p>
             <a:fld id="{D9D40CB6-36A2-4DE6-BBCB-76A97253AE9D}" type="datetimeFigureOut">
               <a:rPr lang="ru-RU" smtClean="0"/>
-              <a:t>27.10.2022</a:t>
+              <a:t>28.10.2022</a:t>
             </a:fld>
             <a:endParaRPr lang="ru-RU"/>
           </a:p>
@@ -1244,7 +8621,7 @@
           <a:p>
             <a:fld id="{D9D40CB6-36A2-4DE6-BBCB-76A97253AE9D}" type="datetimeFigureOut">
               <a:rPr lang="ru-RU" smtClean="0"/>
-              <a:t>27.10.2022</a:t>
+              <a:t>28.10.2022</a:t>
             </a:fld>
             <a:endParaRPr lang="ru-RU"/>
           </a:p>
@@ -1638,7 +9015,7 @@
           <a:p>
             <a:fld id="{D9D40CB6-36A2-4DE6-BBCB-76A97253AE9D}" type="datetimeFigureOut">
               <a:rPr lang="ru-RU" smtClean="0"/>
-              <a:t>27.10.2022</a:t>
+              <a:t>28.10.2022</a:t>
             </a:fld>
             <a:endParaRPr lang="ru-RU"/>
           </a:p>
@@ -2120,7 +9497,7 @@
           <a:p>
             <a:fld id="{D9D40CB6-36A2-4DE6-BBCB-76A97253AE9D}" type="datetimeFigureOut">
               <a:rPr lang="ru-RU" smtClean="0"/>
-              <a:t>27.10.2022</a:t>
+              <a:t>28.10.2022</a:t>
             </a:fld>
             <a:endParaRPr lang="ru-RU"/>
           </a:p>
@@ -2243,7 +9620,7 @@
           <a:p>
             <a:fld id="{D9D40CB6-36A2-4DE6-BBCB-76A97253AE9D}" type="datetimeFigureOut">
               <a:rPr lang="ru-RU" smtClean="0"/>
-              <a:t>27.10.2022</a:t>
+              <a:t>28.10.2022</a:t>
             </a:fld>
             <a:endParaRPr lang="ru-RU"/>
           </a:p>
@@ -2338,7 +9715,7 @@
           <a:p>
             <a:fld id="{D9D40CB6-36A2-4DE6-BBCB-76A97253AE9D}" type="datetimeFigureOut">
               <a:rPr lang="ru-RU" smtClean="0"/>
-              <a:t>27.10.2022</a:t>
+              <a:t>28.10.2022</a:t>
             </a:fld>
             <a:endParaRPr lang="ru-RU"/>
           </a:p>
@@ -2684,7 +10061,7 @@
           <a:p>
             <a:fld id="{D9D40CB6-36A2-4DE6-BBCB-76A97253AE9D}" type="datetimeFigureOut">
               <a:rPr lang="ru-RU" smtClean="0"/>
-              <a:t>27.10.2022</a:t>
+              <a:t>28.10.2022</a:t>
             </a:fld>
             <a:endParaRPr lang="ru-RU"/>
           </a:p>
@@ -3077,7 +10454,7 @@
           <a:p>
             <a:fld id="{D9D40CB6-36A2-4DE6-BBCB-76A97253AE9D}" type="datetimeFigureOut">
               <a:rPr lang="ru-RU" smtClean="0"/>
-              <a:t>27.10.2022</a:t>
+              <a:t>28.10.2022</a:t>
             </a:fld>
             <a:endParaRPr lang="ru-RU"/>
           </a:p>
@@ -3355,7 +10732,7 @@
           <a:p>
             <a:fld id="{D9D40CB6-36A2-4DE6-BBCB-76A97253AE9D}" type="datetimeFigureOut">
               <a:rPr lang="ru-RU" smtClean="0"/>
-              <a:t>27.10.2022</a:t>
+              <a:t>28.10.2022</a:t>
             </a:fld>
             <a:endParaRPr lang="ru-RU"/>
           </a:p>
@@ -3975,6 +11352,481 @@
       </p:grpSpPr>
       <p:sp>
         <p:nvSpPr>
+          <p:cNvPr id="6" name="Заголовок 1">
+            <a:extLst>
+              <a:ext uri="{FF2B5EF4-FFF2-40B4-BE49-F238E27FC236}">
+                <a16:creationId xmlns:a16="http://schemas.microsoft.com/office/drawing/2014/main" id="{338C348C-840B-8779-673D-EA10C1D1E1CD}"/>
+              </a:ext>
+            </a:extLst>
+          </p:cNvPr>
+          <p:cNvSpPr>
+            <a:spLocks noGrp="1"/>
+          </p:cNvSpPr>
+          <p:nvPr>
+            <p:ph idx="1"/>
+          </p:nvPr>
+        </p:nvSpPr>
+        <p:spPr>
+          <a:xfrm>
+            <a:off x="697832" y="192505"/>
+            <a:ext cx="4094500" cy="5984458"/>
+          </a:xfrm>
+        </p:spPr>
+        <p:txBody>
+          <a:bodyPr/>
+          <a:lstStyle/>
+          <a:p>
+            <a:r>
+              <a:rPr lang="ru-RU" sz="3600" b="0" i="0" dirty="0">
+                <a:solidFill>
+                  <a:srgbClr val="000000"/>
+                </a:solidFill>
+                <a:effectLst/>
+                <a:latin typeface="-apple-system"/>
+              </a:rPr>
+              <a:t>Понятие «социальная адаптация» было введено в научный оборот американскими социологами У. Томасом и Ф. </a:t>
+            </a:r>
+            <a:r>
+              <a:rPr lang="ru-RU" sz="3600" b="0" i="0" dirty="0" err="1">
+                <a:solidFill>
+                  <a:srgbClr val="000000"/>
+                </a:solidFill>
+                <a:effectLst/>
+                <a:latin typeface="-apple-system"/>
+              </a:rPr>
+              <a:t>Знанецким</a:t>
+            </a:r>
+            <a:r>
+              <a:rPr lang="ru-RU" sz="3600" b="0" i="0" dirty="0">
+                <a:solidFill>
+                  <a:srgbClr val="000000"/>
+                </a:solidFill>
+                <a:effectLst/>
+                <a:latin typeface="-apple-system"/>
+              </a:rPr>
+              <a:t> в начале XX века</a:t>
+            </a:r>
+            <a:r>
+              <a:rPr lang="ru-RU" sz="3600" b="0" i="0" dirty="0">
+                <a:solidFill>
+                  <a:srgbClr val="000000"/>
+                </a:solidFill>
+                <a:effectLst/>
+                <a:latin typeface="Yu Gothic UI" panose="020B0500000000000000" pitchFamily="34" charset="-128"/>
+                <a:ea typeface="Yu Gothic UI" panose="020B0500000000000000" pitchFamily="34" charset="-128"/>
+              </a:rPr>
+              <a:t>.</a:t>
+            </a:r>
+            <a:endParaRPr lang="ru-RU" sz="3600" dirty="0">
+              <a:latin typeface="Yu Gothic UI" panose="020B0500000000000000" pitchFamily="34" charset="-128"/>
+              <a:ea typeface="Yu Gothic UI" panose="020B0500000000000000" pitchFamily="34" charset="-128"/>
+            </a:endParaRPr>
+          </a:p>
+        </p:txBody>
+      </p:sp>
+      <p:pic>
+        <p:nvPicPr>
+          <p:cNvPr id="1030" name="Picture 6">
+            <a:extLst>
+              <a:ext uri="{FF2B5EF4-FFF2-40B4-BE49-F238E27FC236}">
+                <a16:creationId xmlns:a16="http://schemas.microsoft.com/office/drawing/2014/main" id="{8461BEB7-6690-F797-5162-CC0CF2E3560D}"/>
+              </a:ext>
+            </a:extLst>
+          </p:cNvPr>
+          <p:cNvPicPr>
+            <a:picLocks noChangeAspect="1" noChangeArrowheads="1"/>
+          </p:cNvPicPr>
+          <p:nvPr/>
+        </p:nvPicPr>
+        <p:blipFill>
+          <a:blip r:embed="rId2">
+            <a:extLst>
+              <a:ext uri="{28A0092B-C50C-407E-A947-70E740481C1C}">
+                <a14:useLocalDpi xmlns:a14="http://schemas.microsoft.com/office/drawing/2010/main" val="0"/>
+              </a:ext>
+            </a:extLst>
+          </a:blip>
+          <a:srcRect/>
+          <a:stretch>
+            <a:fillRect/>
+          </a:stretch>
+        </p:blipFill>
+        <p:spPr bwMode="auto">
+          <a:xfrm>
+            <a:off x="8550443" y="697832"/>
+            <a:ext cx="3641557" cy="5462336"/>
+          </a:xfrm>
+          <a:prstGeom prst="rect">
+            <a:avLst/>
+          </a:prstGeom>
+          <a:noFill/>
+          <a:extLst>
+            <a:ext uri="{909E8E84-426E-40DD-AFC4-6F175D3DCCD1}">
+              <a14:hiddenFill xmlns:a14="http://schemas.microsoft.com/office/drawing/2010/main">
+                <a:solidFill>
+                  <a:srgbClr val="FFFFFF"/>
+                </a:solidFill>
+              </a14:hiddenFill>
+            </a:ext>
+          </a:extLst>
+        </p:spPr>
+      </p:pic>
+      <p:pic>
+        <p:nvPicPr>
+          <p:cNvPr id="1032" name="Picture 8">
+            <a:extLst>
+              <a:ext uri="{FF2B5EF4-FFF2-40B4-BE49-F238E27FC236}">
+                <a16:creationId xmlns:a16="http://schemas.microsoft.com/office/drawing/2014/main" id="{8A534049-4829-1633-1295-752639F32682}"/>
+              </a:ext>
+            </a:extLst>
+          </p:cNvPr>
+          <p:cNvPicPr>
+            <a:picLocks noChangeAspect="1" noChangeArrowheads="1"/>
+          </p:cNvPicPr>
+          <p:nvPr/>
+        </p:nvPicPr>
+        <p:blipFill>
+          <a:blip r:embed="rId3">
+            <a:extLst>
+              <a:ext uri="{28A0092B-C50C-407E-A947-70E740481C1C}">
+                <a14:useLocalDpi xmlns:a14="http://schemas.microsoft.com/office/drawing/2010/main" val="0"/>
+              </a:ext>
+            </a:extLst>
+          </a:blip>
+          <a:srcRect/>
+          <a:stretch>
+            <a:fillRect/>
+          </a:stretch>
+        </p:blipFill>
+        <p:spPr bwMode="auto">
+          <a:xfrm>
+            <a:off x="4792332" y="694925"/>
+            <a:ext cx="3758111" cy="5468150"/>
+          </a:xfrm>
+          <a:prstGeom prst="rect">
+            <a:avLst/>
+          </a:prstGeom>
+          <a:noFill/>
+          <a:extLst>
+            <a:ext uri="{909E8E84-426E-40DD-AFC4-6F175D3DCCD1}">
+              <a14:hiddenFill xmlns:a14="http://schemas.microsoft.com/office/drawing/2010/main">
+                <a:solidFill>
+                  <a:srgbClr val="FFFFFF"/>
+                </a:solidFill>
+              </a14:hiddenFill>
+            </a:ext>
+          </a:extLst>
+        </p:spPr>
+      </p:pic>
+    </p:spTree>
+    <p:extLst>
+      <p:ext uri="{BB962C8B-B14F-4D97-AF65-F5344CB8AC3E}">
+        <p14:creationId xmlns:p14="http://schemas.microsoft.com/office/powerpoint/2010/main" val="332434312"/>
+      </p:ext>
+    </p:extLst>
+  </p:cSld>
+  <p:clrMapOvr>
+    <a:masterClrMapping/>
+  </p:clrMapOvr>
+</p:sld>
+</file>
+
+<file path=ppt/slides/slide11.xml><?xml version="1.0" encoding="utf-8"?>
+<p:sld xmlns:a="http://schemas.openxmlformats.org/drawingml/2006/main" xmlns:r="http://schemas.openxmlformats.org/officeDocument/2006/relationships" xmlns:p="http://schemas.openxmlformats.org/presentationml/2006/main">
+  <p:cSld>
+    <p:spTree>
+      <p:nvGrpSpPr>
+        <p:cNvPr id="1" name=""/>
+        <p:cNvGrpSpPr/>
+        <p:nvPr/>
+      </p:nvGrpSpPr>
+      <p:grpSpPr>
+        <a:xfrm>
+          <a:off x="0" y="0"/>
+          <a:ext cx="0" cy="0"/>
+          <a:chOff x="0" y="0"/>
+          <a:chExt cx="0" cy="0"/>
+        </a:xfrm>
+      </p:grpSpPr>
+      <p:sp>
+        <p:nvSpPr>
+          <p:cNvPr id="4" name="Заголовок 1">
+            <a:extLst>
+              <a:ext uri="{FF2B5EF4-FFF2-40B4-BE49-F238E27FC236}">
+                <a16:creationId xmlns:a16="http://schemas.microsoft.com/office/drawing/2014/main" id="{D0B55EFB-397E-F8ED-B534-8DAED0E8C782}"/>
+              </a:ext>
+            </a:extLst>
+          </p:cNvPr>
+          <p:cNvSpPr>
+            <a:spLocks noGrp="1"/>
+          </p:cNvSpPr>
+          <p:nvPr>
+            <p:ph idx="1"/>
+          </p:nvPr>
+        </p:nvSpPr>
+        <p:spPr>
+          <a:xfrm>
+            <a:off x="697832" y="336883"/>
+            <a:ext cx="7014411" cy="6521117"/>
+          </a:xfrm>
+        </p:spPr>
+        <p:txBody>
+          <a:bodyPr>
+            <a:normAutofit lnSpcReduction="10000"/>
+          </a:bodyPr>
+          <a:lstStyle/>
+          <a:p>
+            <a:pPr algn="l"/>
+            <a:r>
+              <a:rPr lang="ru-RU" sz="3600" b="0" i="0" dirty="0">
+                <a:solidFill>
+                  <a:srgbClr val="000000"/>
+                </a:solidFill>
+                <a:effectLst/>
+                <a:latin typeface="-apple-system"/>
+              </a:rPr>
+              <a:t>Большое влияние на исследование социальной адаптации оказали работы Э. Дюркгейма. Он определил понятие социальной адаптации как внутреннее соответствие индивида существующим в обществе моральным нормам, а также ввел понятие аномии как общего состояния дезорганизации, возникающей при резких общественных изменениях.</a:t>
+            </a:r>
+          </a:p>
+          <a:p>
+            <a:pPr marL="0" indent="0">
+              <a:buNone/>
+            </a:pPr>
+            <a:endParaRPr lang="ru-RU" dirty="0"/>
+          </a:p>
+        </p:txBody>
+      </p:sp>
+      <p:pic>
+        <p:nvPicPr>
+          <p:cNvPr id="2050" name="Picture 2" descr="ДЮРКГЕЙМ • Большая российская энциклопедия - электронная версия">
+            <a:extLst>
+              <a:ext uri="{FF2B5EF4-FFF2-40B4-BE49-F238E27FC236}">
+                <a16:creationId xmlns:a16="http://schemas.microsoft.com/office/drawing/2014/main" id="{3D400509-A745-ADAC-40A7-05EFA03E2FC6}"/>
+              </a:ext>
+            </a:extLst>
+          </p:cNvPr>
+          <p:cNvPicPr>
+            <a:picLocks noChangeAspect="1" noChangeArrowheads="1"/>
+          </p:cNvPicPr>
+          <p:nvPr/>
+        </p:nvPicPr>
+        <p:blipFill>
+          <a:blip r:embed="rId2">
+            <a:extLst>
+              <a:ext uri="{28A0092B-C50C-407E-A947-70E740481C1C}">
+                <a14:useLocalDpi xmlns:a14="http://schemas.microsoft.com/office/drawing/2010/main" val="0"/>
+              </a:ext>
+            </a:extLst>
+          </a:blip>
+          <a:srcRect/>
+          <a:stretch>
+            <a:fillRect/>
+          </a:stretch>
+        </p:blipFill>
+        <p:spPr bwMode="auto">
+          <a:xfrm>
+            <a:off x="7712243" y="-17278"/>
+            <a:ext cx="4479758" cy="6875278"/>
+          </a:xfrm>
+          <a:prstGeom prst="rect">
+            <a:avLst/>
+          </a:prstGeom>
+          <a:noFill/>
+          <a:extLst>
+            <a:ext uri="{909E8E84-426E-40DD-AFC4-6F175D3DCCD1}">
+              <a14:hiddenFill xmlns:a14="http://schemas.microsoft.com/office/drawing/2010/main">
+                <a:solidFill>
+                  <a:srgbClr val="FFFFFF"/>
+                </a:solidFill>
+              </a14:hiddenFill>
+            </a:ext>
+          </a:extLst>
+        </p:spPr>
+      </p:pic>
+    </p:spTree>
+    <p:extLst>
+      <p:ext uri="{BB962C8B-B14F-4D97-AF65-F5344CB8AC3E}">
+        <p14:creationId xmlns:p14="http://schemas.microsoft.com/office/powerpoint/2010/main" val="3527812280"/>
+      </p:ext>
+    </p:extLst>
+  </p:cSld>
+  <p:clrMapOvr>
+    <a:masterClrMapping/>
+  </p:clrMapOvr>
+</p:sld>
+</file>
+
+<file path=ppt/slides/slide12.xml><?xml version="1.0" encoding="utf-8"?>
+<p:sld xmlns:a="http://schemas.openxmlformats.org/drawingml/2006/main" xmlns:r="http://schemas.openxmlformats.org/officeDocument/2006/relationships" xmlns:p="http://schemas.openxmlformats.org/presentationml/2006/main">
+  <p:cSld>
+    <p:spTree>
+      <p:nvGrpSpPr>
+        <p:cNvPr id="1" name=""/>
+        <p:cNvGrpSpPr/>
+        <p:nvPr/>
+      </p:nvGrpSpPr>
+      <p:grpSpPr>
+        <a:xfrm>
+          <a:off x="0" y="0"/>
+          <a:ext cx="0" cy="0"/>
+          <a:chOff x="0" y="0"/>
+          <a:chExt cx="0" cy="0"/>
+        </a:xfrm>
+      </p:grpSpPr>
+      <p:sp>
+        <p:nvSpPr>
+          <p:cNvPr id="3" name="Объект 2">
+            <a:extLst>
+              <a:ext uri="{FF2B5EF4-FFF2-40B4-BE49-F238E27FC236}">
+                <a16:creationId xmlns:a16="http://schemas.microsoft.com/office/drawing/2014/main" id="{B1489A8D-997F-8E76-51AB-5F646B694744}"/>
+              </a:ext>
+            </a:extLst>
+          </p:cNvPr>
+          <p:cNvSpPr>
+            <a:spLocks noGrp="1"/>
+          </p:cNvSpPr>
+          <p:nvPr>
+            <p:ph idx="1"/>
+          </p:nvPr>
+        </p:nvSpPr>
+        <p:spPr>
+          <a:xfrm>
+            <a:off x="715617" y="0"/>
+            <a:ext cx="7460974" cy="6858000"/>
+          </a:xfrm>
+        </p:spPr>
+        <p:txBody>
+          <a:bodyPr>
+            <a:noAutofit/>
+          </a:bodyPr>
+          <a:lstStyle/>
+          <a:p>
+            <a:r>
+              <a:rPr lang="ru-RU" sz="3600" dirty="0"/>
+              <a:t>Несоизмеримый вклад в развитие всех</a:t>
+            </a:r>
+            <a:r>
+              <a:rPr lang="en-US" sz="3600" dirty="0"/>
+              <a:t>,</a:t>
+            </a:r>
+            <a:r>
+              <a:rPr lang="ru-RU" sz="3600" dirty="0"/>
+              <a:t> как социологических</a:t>
+            </a:r>
+            <a:r>
+              <a:rPr lang="en-US" sz="3600" dirty="0"/>
+              <a:t>,</a:t>
+            </a:r>
+            <a:r>
+              <a:rPr lang="ru-RU" sz="3600" dirty="0"/>
+              <a:t> так и психологических наук</a:t>
+            </a:r>
+            <a:r>
+              <a:rPr lang="en-US" sz="3600" dirty="0"/>
+              <a:t>,</a:t>
+            </a:r>
+            <a:r>
+              <a:rPr lang="ru-RU" sz="3600" dirty="0"/>
+              <a:t> внес немецкий ученый Зигмунд Фрейд. Вместе с Шандором Ференци и Францем Александром  он разбил понятие адаптации на два вида:</a:t>
+            </a:r>
+          </a:p>
+          <a:p>
+            <a:r>
+              <a:rPr lang="ru-RU" sz="3600" dirty="0" err="1"/>
+              <a:t>Автопластическую</a:t>
+            </a:r>
+            <a:r>
+              <a:rPr lang="ru-RU" sz="3600" dirty="0"/>
+              <a:t> – субъект пытается поменять себя.</a:t>
+            </a:r>
+          </a:p>
+          <a:p>
+            <a:r>
+              <a:rPr lang="ru-RU" sz="3600" dirty="0"/>
+              <a:t>Аллопластическую – субъект пытается поменять окружающую среду.</a:t>
+            </a:r>
+          </a:p>
+        </p:txBody>
+      </p:sp>
+      <p:pic>
+        <p:nvPicPr>
+          <p:cNvPr id="1026" name="Picture 2" descr="Если хочешь вынести жизнь, готовься к смерти» – Weekend – Коммерсантъ">
+            <a:extLst>
+              <a:ext uri="{FF2B5EF4-FFF2-40B4-BE49-F238E27FC236}">
+                <a16:creationId xmlns:a16="http://schemas.microsoft.com/office/drawing/2014/main" id="{FBEA4245-787E-B58D-50A6-F0C5A20F669B}"/>
+              </a:ext>
+            </a:extLst>
+          </p:cNvPr>
+          <p:cNvPicPr>
+            <a:picLocks noChangeAspect="1" noChangeArrowheads="1"/>
+          </p:cNvPicPr>
+          <p:nvPr/>
+        </p:nvPicPr>
+        <p:blipFill>
+          <a:blip r:embed="rId2">
+            <a:extLst>
+              <a:ext uri="{28A0092B-C50C-407E-A947-70E740481C1C}">
+                <a14:useLocalDpi xmlns:a14="http://schemas.microsoft.com/office/drawing/2010/main" val="0"/>
+              </a:ext>
+            </a:extLst>
+          </a:blip>
+          <a:srcRect/>
+          <a:stretch>
+            <a:fillRect/>
+          </a:stretch>
+        </p:blipFill>
+        <p:spPr bwMode="auto">
+          <a:xfrm>
+            <a:off x="8048536" y="324255"/>
+            <a:ext cx="4143464" cy="6209489"/>
+          </a:xfrm>
+          <a:prstGeom prst="rect">
+            <a:avLst/>
+          </a:prstGeom>
+          <a:noFill/>
+          <a:extLst>
+            <a:ext uri="{909E8E84-426E-40DD-AFC4-6F175D3DCCD1}">
+              <a14:hiddenFill xmlns:a14="http://schemas.microsoft.com/office/drawing/2010/main">
+                <a:solidFill>
+                  <a:srgbClr val="FFFFFF"/>
+                </a:solidFill>
+              </a14:hiddenFill>
+            </a:ext>
+          </a:extLst>
+        </p:spPr>
+      </p:pic>
+    </p:spTree>
+    <p:extLst>
+      <p:ext uri="{BB962C8B-B14F-4D97-AF65-F5344CB8AC3E}">
+        <p14:creationId xmlns:p14="http://schemas.microsoft.com/office/powerpoint/2010/main" val="1620760970"/>
+      </p:ext>
+    </p:extLst>
+  </p:cSld>
+  <p:clrMapOvr>
+    <a:masterClrMapping/>
+  </p:clrMapOvr>
+</p:sld>
+</file>
+
+<file path=ppt/slides/slide13.xml><?xml version="1.0" encoding="utf-8"?>
+<p:sld xmlns:a="http://schemas.openxmlformats.org/drawingml/2006/main" xmlns:r="http://schemas.openxmlformats.org/officeDocument/2006/relationships" xmlns:p="http://schemas.openxmlformats.org/presentationml/2006/main">
+  <p:cSld>
+    <p:spTree>
+      <p:nvGrpSpPr>
+        <p:cNvPr id="1" name=""/>
+        <p:cNvGrpSpPr/>
+        <p:nvPr/>
+      </p:nvGrpSpPr>
+      <p:grpSpPr>
+        <a:xfrm>
+          <a:off x="0" y="0"/>
+          <a:ext cx="0" cy="0"/>
+          <a:chOff x="0" y="0"/>
+          <a:chExt cx="0" cy="0"/>
+        </a:xfrm>
+      </p:grpSpPr>
+      <p:sp>
+        <p:nvSpPr>
           <p:cNvPr id="3" name="Объект 2">
             <a:extLst>
               <a:ext uri="{FF2B5EF4-FFF2-40B4-BE49-F238E27FC236}">
@@ -4099,7 +11951,7 @@
 </p:sld>
 </file>
 
-<file path=ppt/slides/slide11.xml><?xml version="1.0" encoding="utf-8"?>
+<file path=ppt/slides/slide14.xml><?xml version="1.0" encoding="utf-8"?>
 <p:sld xmlns:a="http://schemas.openxmlformats.org/drawingml/2006/main" xmlns:r="http://schemas.openxmlformats.org/officeDocument/2006/relationships" xmlns:p="http://schemas.openxmlformats.org/presentationml/2006/main">
   <p:cSld>
     <p:spTree>
@@ -4219,7 +12071,7 @@
 </p:sld>
 </file>
 
-<file path=ppt/slides/slide12.xml><?xml version="1.0" encoding="utf-8"?>
+<file path=ppt/slides/slide15.xml><?xml version="1.0" encoding="utf-8"?>
 <p:sld xmlns:a="http://schemas.openxmlformats.org/drawingml/2006/main" xmlns:r="http://schemas.openxmlformats.org/officeDocument/2006/relationships" xmlns:p="http://schemas.openxmlformats.org/presentationml/2006/main">
   <p:cSld>
     <p:spTree>
@@ -4412,7 +12264,7 @@
                 <a:latin typeface="Yu Gothic UI" panose="020B0500000000000000" pitchFamily="34" charset="-128"/>
                 <a:ea typeface="Yu Gothic UI" panose="020B0500000000000000" pitchFamily="34" charset="-128"/>
               </a:rPr>
-              <a:t>Началом научного социально-психологического знания можно считать анализ множества наблюдений за человеческим поведением, представленный в трудах философов Античности.</a:t>
+              <a:t>За начало развития социально-психологического знания можно взять философские и социологические идеи времен Античности.</a:t>
             </a:r>
           </a:p>
         </p:txBody>
@@ -4652,17 +12504,7 @@
                 <a:latin typeface="Yu Gothic UI" panose="020B0500000000000000" pitchFamily="34" charset="-128"/>
                 <a:ea typeface="Yu Gothic UI" panose="020B0500000000000000" pitchFamily="34" charset="-128"/>
               </a:rPr>
-              <a:t>Платон исходил из его физиологической природы, объединяющей в себе три части: голову, сердце и живот. В зависимости от преобладания той или иной части различаются и индивидуальные характеры людей. Так, у философов преобладает ум, у воинов – мужество, у ремесленников – телесные вожделения</a:t>
-            </a:r>
-            <a:r>
-              <a:rPr lang="ru-RU" sz="3600" b="0" i="0" dirty="0">
-                <a:solidFill>
-                  <a:srgbClr val="646464"/>
-                </a:solidFill>
-                <a:effectLst/>
-                <a:latin typeface="Roboto" panose="02000000000000000000" pitchFamily="2" charset="0"/>
-              </a:rPr>
-              <a:t>.</a:t>
+              <a:t>Платон исходил из его физиологической природы, объединяющей в себе три части: голову, сердце и живот. </a:t>
             </a:r>
             <a:endParaRPr lang="ru-RU" sz="3600" dirty="0"/>
           </a:p>
@@ -4715,6 +12557,34 @@
           </a:extLst>
         </p:spPr>
       </p:pic>
+      <p:graphicFrame>
+        <p:nvGraphicFramePr>
+          <p:cNvPr id="2" name="Схема 1">
+            <a:extLst>
+              <a:ext uri="{FF2B5EF4-FFF2-40B4-BE49-F238E27FC236}">
+                <a16:creationId xmlns:a16="http://schemas.microsoft.com/office/drawing/2014/main" id="{4E012F98-70E4-7965-8BAF-E0166A847794}"/>
+              </a:ext>
+            </a:extLst>
+          </p:cNvPr>
+          <p:cNvGraphicFramePr/>
+          <p:nvPr>
+            <p:extLst>
+              <p:ext uri="{D42A27DB-BD31-4B8C-83A1-F6EECF244321}">
+                <p14:modId xmlns:p14="http://schemas.microsoft.com/office/powerpoint/2010/main" val="768847524"/>
+              </p:ext>
+            </p:extLst>
+          </p:nvPr>
+        </p:nvGraphicFramePr>
+        <p:xfrm>
+          <a:off x="1094653" y="1582185"/>
+          <a:ext cx="5607455" cy="5418667"/>
+        </p:xfrm>
+        <a:graphic>
+          <a:graphicData uri="http://schemas.openxmlformats.org/drawingml/2006/diagram">
+            <dgm:relIds xmlns:dgm="http://schemas.openxmlformats.org/drawingml/2006/diagram" xmlns:r="http://schemas.openxmlformats.org/officeDocument/2006/relationships" r:dm="rId3" r:lo="rId4" r:qs="rId5" r:cs="rId6"/>
+          </a:graphicData>
+        </a:graphic>
+      </p:graphicFrame>
     </p:spTree>
     <p:extLst>
       <p:ext uri="{BB962C8B-B14F-4D97-AF65-F5344CB8AC3E}">
@@ -4729,6 +12599,89 @@
 </file>
 
 <file path=ppt/slides/slide5.xml><?xml version="1.0" encoding="utf-8"?>
+<p:sld xmlns:a="http://schemas.openxmlformats.org/drawingml/2006/main" xmlns:r="http://schemas.openxmlformats.org/officeDocument/2006/relationships" xmlns:p="http://schemas.openxmlformats.org/presentationml/2006/main">
+  <p:cSld>
+    <p:spTree>
+      <p:nvGrpSpPr>
+        <p:cNvPr id="1" name=""/>
+        <p:cNvGrpSpPr/>
+        <p:nvPr/>
+      </p:nvGrpSpPr>
+      <p:grpSpPr>
+        <a:xfrm>
+          <a:off x="0" y="0"/>
+          <a:ext cx="0" cy="0"/>
+          <a:chOff x="0" y="0"/>
+          <a:chExt cx="0" cy="0"/>
+        </a:xfrm>
+      </p:grpSpPr>
+      <p:sp>
+        <p:nvSpPr>
+          <p:cNvPr id="3" name="Объект 2">
+            <a:extLst>
+              <a:ext uri="{FF2B5EF4-FFF2-40B4-BE49-F238E27FC236}">
+                <a16:creationId xmlns:a16="http://schemas.microsoft.com/office/drawing/2014/main" id="{6FF22981-C00C-B71E-97ED-6DFA51C057DF}"/>
+              </a:ext>
+            </a:extLst>
+          </p:cNvPr>
+          <p:cNvSpPr>
+            <a:spLocks noGrp="1"/>
+          </p:cNvSpPr>
+          <p:nvPr>
+            <p:ph idx="1"/>
+          </p:nvPr>
+        </p:nvSpPr>
+        <p:spPr>
+          <a:xfrm>
+            <a:off x="708991" y="0"/>
+            <a:ext cx="9601200" cy="3581400"/>
+          </a:xfrm>
+        </p:spPr>
+        <p:txBody>
+          <a:bodyPr>
+            <a:normAutofit/>
+          </a:bodyPr>
+          <a:lstStyle/>
+          <a:p>
+            <a:r>
+              <a:rPr lang="ru-RU" sz="3600" b="0" i="0" dirty="0">
+                <a:solidFill>
+                  <a:schemeClr val="tx1"/>
+                </a:solidFill>
+                <a:effectLst/>
+                <a:latin typeface="Yu Gothic UI" panose="020B0500000000000000" pitchFamily="34" charset="-128"/>
+                <a:ea typeface="Yu Gothic UI" panose="020B0500000000000000" pitchFamily="34" charset="-128"/>
+              </a:rPr>
+              <a:t>В зависимости от преобладания той или иной части различаются и индивидуальные характеры людей. Так, у философов преобладает ум, у воинов – мужество, у ремесленников – телесные вожделения</a:t>
+            </a:r>
+            <a:r>
+              <a:rPr lang="ru-RU" sz="3600" b="0" i="0" dirty="0">
+                <a:solidFill>
+                  <a:srgbClr val="646464"/>
+                </a:solidFill>
+                <a:effectLst/>
+                <a:latin typeface="Roboto" panose="02000000000000000000" pitchFamily="2" charset="0"/>
+              </a:rPr>
+              <a:t>.</a:t>
+            </a:r>
+            <a:endParaRPr lang="ru-RU" sz="3600" dirty="0"/>
+          </a:p>
+        </p:txBody>
+      </p:sp>
+    </p:spTree>
+    <p:extLst>
+      <p:ext uri="{BB962C8B-B14F-4D97-AF65-F5344CB8AC3E}">
+        <p14:creationId xmlns:p14="http://schemas.microsoft.com/office/powerpoint/2010/main" val="855214458"/>
+      </p:ext>
+    </p:extLst>
+  </p:cSld>
+  <p:clrMapOvr>
+    <a:masterClrMapping/>
+  </p:clrMapOvr>
+</p:sld>
+</file>
+
+<file path=ppt/slides/slide6.xml><?xml version="1.0" encoding="utf-8"?>
 <p:sld xmlns:a="http://schemas.openxmlformats.org/drawingml/2006/main" xmlns:r="http://schemas.openxmlformats.org/officeDocument/2006/relationships" xmlns:p="http://schemas.openxmlformats.org/presentationml/2006/main">
   <p:cSld>
     <p:spTree>
@@ -4793,6 +12746,28 @@
                 <a:latin typeface="Yu Gothic UI" panose="020B0500000000000000" pitchFamily="34" charset="-128"/>
                 <a:ea typeface="Yu Gothic UI" panose="020B0500000000000000" pitchFamily="34" charset="-128"/>
               </a:rPr>
+              <a:t>,</a:t>
+            </a:r>
+            <a:r>
+              <a:rPr lang="ru-RU" sz="3600" b="0" i="0" dirty="0">
+                <a:solidFill>
+                  <a:schemeClr val="tx1"/>
+                </a:solidFill>
+                <a:effectLst/>
+                <a:latin typeface="Yu Gothic UI" panose="020B0500000000000000" pitchFamily="34" charset="-128"/>
+                <a:ea typeface="Yu Gothic UI" panose="020B0500000000000000" pitchFamily="34" charset="-128"/>
+              </a:rPr>
+              <a:t> средний класс</a:t>
+            </a:r>
+            <a:r>
+              <a:rPr lang="en-US" sz="3600" b="0" i="0" dirty="0">
+                <a:solidFill>
+                  <a:schemeClr val="tx1"/>
+                </a:solidFill>
+                <a:effectLst/>
+                <a:latin typeface="Yu Gothic UI" panose="020B0500000000000000" pitchFamily="34" charset="-128"/>
+                <a:ea typeface="Yu Gothic UI" panose="020B0500000000000000" pitchFamily="34" charset="-128"/>
+              </a:rPr>
               <a:t> </a:t>
             </a:r>
             <a:r>
@@ -4804,7 +12779,7 @@
                 <a:latin typeface="Yu Gothic UI" panose="020B0500000000000000" pitchFamily="34" charset="-128"/>
                 <a:ea typeface="Yu Gothic UI" panose="020B0500000000000000" pitchFamily="34" charset="-128"/>
               </a:rPr>
-              <a:t>и массы. При этом принадлежность к тому или иному социальному классу обусловлена врожденными свойствами человека. Когда он действует в роли, соответствующей его природному складу, то испытывает счастье. </a:t>
+              <a:t>и массы. </a:t>
             </a:r>
             <a:endParaRPr lang="ru-RU" sz="3600" dirty="0">
               <a:solidFill>
@@ -4863,6 +12838,34 @@
           </a:extLst>
         </p:spPr>
       </p:pic>
+      <p:graphicFrame>
+        <p:nvGraphicFramePr>
+          <p:cNvPr id="2" name="Схема 1">
+            <a:extLst>
+              <a:ext uri="{FF2B5EF4-FFF2-40B4-BE49-F238E27FC236}">
+                <a16:creationId xmlns:a16="http://schemas.microsoft.com/office/drawing/2014/main" id="{0621183D-7C24-429E-8DE9-352E99623698}"/>
+              </a:ext>
+            </a:extLst>
+          </p:cNvPr>
+          <p:cNvGraphicFramePr/>
+          <p:nvPr>
+            <p:extLst>
+              <p:ext uri="{D42A27DB-BD31-4B8C-83A1-F6EECF244321}">
+                <p14:modId xmlns:p14="http://schemas.microsoft.com/office/powerpoint/2010/main" val="2058906075"/>
+              </p:ext>
+            </p:extLst>
+          </p:nvPr>
+        </p:nvGraphicFramePr>
+        <p:xfrm>
+          <a:off x="1376948" y="3631660"/>
+          <a:ext cx="5380533" cy="3142214"/>
+        </p:xfrm>
+        <a:graphic>
+          <a:graphicData uri="http://schemas.openxmlformats.org/drawingml/2006/diagram">
+            <dgm:relIds xmlns:dgm="http://schemas.openxmlformats.org/drawingml/2006/diagram" xmlns:r="http://schemas.openxmlformats.org/officeDocument/2006/relationships" r:dm="rId3" r:lo="rId4" r:qs="rId5" r:cs="rId6"/>
+          </a:graphicData>
+        </a:graphic>
+      </p:graphicFrame>
     </p:spTree>
     <p:extLst>
       <p:ext uri="{BB962C8B-B14F-4D97-AF65-F5344CB8AC3E}">
@@ -4876,7 +12879,80 @@
 </p:sld>
 </file>
 
-<file path=ppt/slides/slide6.xml><?xml version="1.0" encoding="utf-8"?>
+<file path=ppt/slides/slide7.xml><?xml version="1.0" encoding="utf-8"?>
+<p:sld xmlns:a="http://schemas.openxmlformats.org/drawingml/2006/main" xmlns:r="http://schemas.openxmlformats.org/officeDocument/2006/relationships" xmlns:p="http://schemas.openxmlformats.org/presentationml/2006/main">
+  <p:cSld>
+    <p:spTree>
+      <p:nvGrpSpPr>
+        <p:cNvPr id="1" name=""/>
+        <p:cNvGrpSpPr/>
+        <p:nvPr/>
+      </p:nvGrpSpPr>
+      <p:grpSpPr>
+        <a:xfrm>
+          <a:off x="0" y="0"/>
+          <a:ext cx="0" cy="0"/>
+          <a:chOff x="0" y="0"/>
+          <a:chExt cx="0" cy="0"/>
+        </a:xfrm>
+      </p:grpSpPr>
+      <p:sp>
+        <p:nvSpPr>
+          <p:cNvPr id="3" name="Объект 2">
+            <a:extLst>
+              <a:ext uri="{FF2B5EF4-FFF2-40B4-BE49-F238E27FC236}">
+                <a16:creationId xmlns:a16="http://schemas.microsoft.com/office/drawing/2014/main" id="{736F0FA8-A481-FE6F-0231-19C8AF1A838C}"/>
+              </a:ext>
+            </a:extLst>
+          </p:cNvPr>
+          <p:cNvSpPr>
+            <a:spLocks noGrp="1"/>
+          </p:cNvSpPr>
+          <p:nvPr>
+            <p:ph idx="1"/>
+          </p:nvPr>
+        </p:nvSpPr>
+        <p:spPr>
+          <a:xfrm>
+            <a:off x="703634" y="0"/>
+            <a:ext cx="9601200" cy="3581400"/>
+          </a:xfrm>
+        </p:spPr>
+        <p:txBody>
+          <a:bodyPr>
+            <a:normAutofit/>
+          </a:bodyPr>
+          <a:lstStyle/>
+          <a:p>
+            <a:r>
+              <a:rPr lang="ru-RU" sz="3600" b="0" i="0" dirty="0">
+                <a:solidFill>
+                  <a:schemeClr val="tx1"/>
+                </a:solidFill>
+                <a:effectLst/>
+                <a:latin typeface="Yu Gothic UI" panose="020B0500000000000000" pitchFamily="34" charset="-128"/>
+                <a:ea typeface="Yu Gothic UI" panose="020B0500000000000000" pitchFamily="34" charset="-128"/>
+              </a:rPr>
+              <a:t>При этом принадлежность к тому или иному социальному классу обусловлена врожденными свойствами человека. Когда он действует в роли, соответствующей его природному складу, то испытывает счастье.</a:t>
+            </a:r>
+            <a:endParaRPr lang="ru-RU" sz="3600" dirty="0"/>
+          </a:p>
+        </p:txBody>
+      </p:sp>
+    </p:spTree>
+    <p:extLst>
+      <p:ext uri="{BB962C8B-B14F-4D97-AF65-F5344CB8AC3E}">
+        <p14:creationId xmlns:p14="http://schemas.microsoft.com/office/powerpoint/2010/main" val="2672101345"/>
+      </p:ext>
+    </p:extLst>
+  </p:cSld>
+  <p:clrMapOvr>
+    <a:masterClrMapping/>
+  </p:clrMapOvr>
+</p:sld>
+</file>
+
+<file path=ppt/slides/slide8.xml><?xml version="1.0" encoding="utf-8"?>
 <p:sld xmlns:a="http://schemas.openxmlformats.org/drawingml/2006/main" xmlns:r="http://schemas.openxmlformats.org/officeDocument/2006/relationships" xmlns:p="http://schemas.openxmlformats.org/presentationml/2006/main">
   <p:cSld>
     <p:spTree>
@@ -5060,7 +13136,7 @@
 </p:sld>
 </file>
 
-<file path=ppt/slides/slide7.xml><?xml version="1.0" encoding="utf-8"?>
+<file path=ppt/slides/slide9.xml><?xml version="1.0" encoding="utf-8"?>
 <p:sld xmlns:a="http://schemas.openxmlformats.org/drawingml/2006/main" xmlns:r="http://schemas.openxmlformats.org/officeDocument/2006/relationships" xmlns:p="http://schemas.openxmlformats.org/presentationml/2006/main">
   <p:cSld>
     <p:spTree>
@@ -5158,7 +13234,7 @@
                 <a:latin typeface="Yu Gothic UI" panose="020B0500000000000000" pitchFamily="34" charset="-128"/>
                 <a:ea typeface="Yu Gothic UI" panose="020B0500000000000000" pitchFamily="34" charset="-128"/>
               </a:rPr>
-              <a:t> и др.) начали использовать понятие «адаптация» в социальных науках</a:t>
+              <a:t> и др.) начали использовать понятие «адаптация» в социальных науках.</a:t>
             </a:r>
             <a:endParaRPr lang="ru-RU" sz="3600" dirty="0"/>
           </a:p>
@@ -5262,325 +13338,6 @@
     <p:extLst>
       <p:ext uri="{BB962C8B-B14F-4D97-AF65-F5344CB8AC3E}">
         <p14:creationId xmlns:p14="http://schemas.microsoft.com/office/powerpoint/2010/main" val="970913361"/>
-      </p:ext>
-    </p:extLst>
-  </p:cSld>
-  <p:clrMapOvr>
-    <a:masterClrMapping/>
-  </p:clrMapOvr>
-</p:sld>
-</file>
-
-<file path=ppt/slides/slide8.xml><?xml version="1.0" encoding="utf-8"?>
-<p:sld xmlns:a="http://schemas.openxmlformats.org/drawingml/2006/main" xmlns:r="http://schemas.openxmlformats.org/officeDocument/2006/relationships" xmlns:p="http://schemas.openxmlformats.org/presentationml/2006/main">
-  <p:cSld>
-    <p:spTree>
-      <p:nvGrpSpPr>
-        <p:cNvPr id="1" name=""/>
-        <p:cNvGrpSpPr/>
-        <p:nvPr/>
-      </p:nvGrpSpPr>
-      <p:grpSpPr>
-        <a:xfrm>
-          <a:off x="0" y="0"/>
-          <a:ext cx="0" cy="0"/>
-          <a:chOff x="0" y="0"/>
-          <a:chExt cx="0" cy="0"/>
-        </a:xfrm>
-      </p:grpSpPr>
-      <p:sp>
-        <p:nvSpPr>
-          <p:cNvPr id="6" name="Заголовок 1">
-            <a:extLst>
-              <a:ext uri="{FF2B5EF4-FFF2-40B4-BE49-F238E27FC236}">
-                <a16:creationId xmlns:a16="http://schemas.microsoft.com/office/drawing/2014/main" id="{338C348C-840B-8779-673D-EA10C1D1E1CD}"/>
-              </a:ext>
-            </a:extLst>
-          </p:cNvPr>
-          <p:cNvSpPr>
-            <a:spLocks noGrp="1"/>
-          </p:cNvSpPr>
-          <p:nvPr>
-            <p:ph idx="1"/>
-          </p:nvPr>
-        </p:nvSpPr>
-        <p:spPr>
-          <a:xfrm>
-            <a:off x="697832" y="192505"/>
-            <a:ext cx="4094500" cy="5984458"/>
-          </a:xfrm>
-        </p:spPr>
-        <p:txBody>
-          <a:bodyPr/>
-          <a:lstStyle/>
-          <a:p>
-            <a:r>
-              <a:rPr lang="ru-RU" sz="3600" b="0" i="0" dirty="0">
-                <a:solidFill>
-                  <a:srgbClr val="000000"/>
-                </a:solidFill>
-                <a:effectLst/>
-                <a:latin typeface="-apple-system"/>
-              </a:rPr>
-              <a:t>Понятие «социальная адаптация» было введено в научный оборот американскими социологами У. Томасом и Ф. </a:t>
-            </a:r>
-            <a:r>
-              <a:rPr lang="ru-RU" sz="3600" b="0" i="0" dirty="0" err="1">
-                <a:solidFill>
-                  <a:srgbClr val="000000"/>
-                </a:solidFill>
-                <a:effectLst/>
-                <a:latin typeface="-apple-system"/>
-              </a:rPr>
-              <a:t>Знанецким</a:t>
-            </a:r>
-            <a:r>
-              <a:rPr lang="ru-RU" sz="3600" b="0" i="0" dirty="0">
-                <a:solidFill>
-                  <a:srgbClr val="000000"/>
-                </a:solidFill>
-                <a:effectLst/>
-                <a:latin typeface="-apple-system"/>
-              </a:rPr>
-              <a:t> в начале XX века</a:t>
-            </a:r>
-            <a:r>
-              <a:rPr lang="ru-RU" b="0" i="0" dirty="0">
-                <a:solidFill>
-                  <a:srgbClr val="000000"/>
-                </a:solidFill>
-                <a:effectLst/>
-                <a:latin typeface="-apple-system"/>
-              </a:rPr>
-              <a:t>.</a:t>
-            </a:r>
-            <a:endParaRPr lang="ru-RU" dirty="0"/>
-          </a:p>
-        </p:txBody>
-      </p:sp>
-      <p:pic>
-        <p:nvPicPr>
-          <p:cNvPr id="1030" name="Picture 6">
-            <a:extLst>
-              <a:ext uri="{FF2B5EF4-FFF2-40B4-BE49-F238E27FC236}">
-                <a16:creationId xmlns:a16="http://schemas.microsoft.com/office/drawing/2014/main" id="{8461BEB7-6690-F797-5162-CC0CF2E3560D}"/>
-              </a:ext>
-            </a:extLst>
-          </p:cNvPr>
-          <p:cNvPicPr>
-            <a:picLocks noChangeAspect="1" noChangeArrowheads="1"/>
-          </p:cNvPicPr>
-          <p:nvPr/>
-        </p:nvPicPr>
-        <p:blipFill>
-          <a:blip r:embed="rId2">
-            <a:extLst>
-              <a:ext uri="{28A0092B-C50C-407E-A947-70E740481C1C}">
-                <a14:useLocalDpi xmlns:a14="http://schemas.microsoft.com/office/drawing/2010/main" val="0"/>
-              </a:ext>
-            </a:extLst>
-          </a:blip>
-          <a:srcRect/>
-          <a:stretch>
-            <a:fillRect/>
-          </a:stretch>
-        </p:blipFill>
-        <p:spPr bwMode="auto">
-          <a:xfrm>
-            <a:off x="8550443" y="697832"/>
-            <a:ext cx="3641557" cy="5462336"/>
-          </a:xfrm>
-          <a:prstGeom prst="rect">
-            <a:avLst/>
-          </a:prstGeom>
-          <a:noFill/>
-          <a:extLst>
-            <a:ext uri="{909E8E84-426E-40DD-AFC4-6F175D3DCCD1}">
-              <a14:hiddenFill xmlns:a14="http://schemas.microsoft.com/office/drawing/2010/main">
-                <a:solidFill>
-                  <a:srgbClr val="FFFFFF"/>
-                </a:solidFill>
-              </a14:hiddenFill>
-            </a:ext>
-          </a:extLst>
-        </p:spPr>
-      </p:pic>
-      <p:pic>
-        <p:nvPicPr>
-          <p:cNvPr id="1032" name="Picture 8">
-            <a:extLst>
-              <a:ext uri="{FF2B5EF4-FFF2-40B4-BE49-F238E27FC236}">
-                <a16:creationId xmlns:a16="http://schemas.microsoft.com/office/drawing/2014/main" id="{8A534049-4829-1633-1295-752639F32682}"/>
-              </a:ext>
-            </a:extLst>
-          </p:cNvPr>
-          <p:cNvPicPr>
-            <a:picLocks noChangeAspect="1" noChangeArrowheads="1"/>
-          </p:cNvPicPr>
-          <p:nvPr/>
-        </p:nvPicPr>
-        <p:blipFill>
-          <a:blip r:embed="rId3">
-            <a:extLst>
-              <a:ext uri="{28A0092B-C50C-407E-A947-70E740481C1C}">
-                <a14:useLocalDpi xmlns:a14="http://schemas.microsoft.com/office/drawing/2010/main" val="0"/>
-              </a:ext>
-            </a:extLst>
-          </a:blip>
-          <a:srcRect/>
-          <a:stretch>
-            <a:fillRect/>
-          </a:stretch>
-        </p:blipFill>
-        <p:spPr bwMode="auto">
-          <a:xfrm>
-            <a:off x="4792332" y="694925"/>
-            <a:ext cx="3758111" cy="5468150"/>
-          </a:xfrm>
-          <a:prstGeom prst="rect">
-            <a:avLst/>
-          </a:prstGeom>
-          <a:noFill/>
-          <a:extLst>
-            <a:ext uri="{909E8E84-426E-40DD-AFC4-6F175D3DCCD1}">
-              <a14:hiddenFill xmlns:a14="http://schemas.microsoft.com/office/drawing/2010/main">
-                <a:solidFill>
-                  <a:srgbClr val="FFFFFF"/>
-                </a:solidFill>
-              </a14:hiddenFill>
-            </a:ext>
-          </a:extLst>
-        </p:spPr>
-      </p:pic>
-    </p:spTree>
-    <p:extLst>
-      <p:ext uri="{BB962C8B-B14F-4D97-AF65-F5344CB8AC3E}">
-        <p14:creationId xmlns:p14="http://schemas.microsoft.com/office/powerpoint/2010/main" val="332434312"/>
-      </p:ext>
-    </p:extLst>
-  </p:cSld>
-  <p:clrMapOvr>
-    <a:masterClrMapping/>
-  </p:clrMapOvr>
-</p:sld>
-</file>
-
-<file path=ppt/slides/slide9.xml><?xml version="1.0" encoding="utf-8"?>
-<p:sld xmlns:a="http://schemas.openxmlformats.org/drawingml/2006/main" xmlns:r="http://schemas.openxmlformats.org/officeDocument/2006/relationships" xmlns:p="http://schemas.openxmlformats.org/presentationml/2006/main">
-  <p:cSld>
-    <p:spTree>
-      <p:nvGrpSpPr>
-        <p:cNvPr id="1" name=""/>
-        <p:cNvGrpSpPr/>
-        <p:nvPr/>
-      </p:nvGrpSpPr>
-      <p:grpSpPr>
-        <a:xfrm>
-          <a:off x="0" y="0"/>
-          <a:ext cx="0" cy="0"/>
-          <a:chOff x="0" y="0"/>
-          <a:chExt cx="0" cy="0"/>
-        </a:xfrm>
-      </p:grpSpPr>
-      <p:sp>
-        <p:nvSpPr>
-          <p:cNvPr id="4" name="Заголовок 1">
-            <a:extLst>
-              <a:ext uri="{FF2B5EF4-FFF2-40B4-BE49-F238E27FC236}">
-                <a16:creationId xmlns:a16="http://schemas.microsoft.com/office/drawing/2014/main" id="{D0B55EFB-397E-F8ED-B534-8DAED0E8C782}"/>
-              </a:ext>
-            </a:extLst>
-          </p:cNvPr>
-          <p:cNvSpPr>
-            <a:spLocks noGrp="1"/>
-          </p:cNvSpPr>
-          <p:nvPr>
-            <p:ph idx="1"/>
-          </p:nvPr>
-        </p:nvSpPr>
-        <p:spPr>
-          <a:xfrm>
-            <a:off x="697832" y="336883"/>
-            <a:ext cx="7014411" cy="6521117"/>
-          </a:xfrm>
-        </p:spPr>
-        <p:txBody>
-          <a:bodyPr>
-            <a:normAutofit lnSpcReduction="10000"/>
-          </a:bodyPr>
-          <a:lstStyle/>
-          <a:p>
-            <a:pPr algn="l"/>
-            <a:r>
-              <a:rPr lang="ru-RU" sz="3600" b="0" i="0" dirty="0">
-                <a:solidFill>
-                  <a:srgbClr val="000000"/>
-                </a:solidFill>
-                <a:effectLst/>
-                <a:latin typeface="-apple-system"/>
-              </a:rPr>
-              <a:t>Большое влияние на исследование социальной адаптации оказали работы Э. Дюркгейма. Он определил понятие социальной адаптации как внутреннее соответствие индивида существующим в обществе моральным нормам, а также ввел понятие аномии как общего состояния дезорганизации, возникающей при резких общественных изменениях.</a:t>
-            </a:r>
-          </a:p>
-          <a:p>
-            <a:pPr marL="0" indent="0">
-              <a:buNone/>
-            </a:pPr>
-            <a:endParaRPr lang="ru-RU" dirty="0"/>
-          </a:p>
-        </p:txBody>
-      </p:sp>
-      <p:pic>
-        <p:nvPicPr>
-          <p:cNvPr id="2050" name="Picture 2" descr="ДЮРКГЕЙМ • Большая российская энциклопедия - электронная версия">
-            <a:extLst>
-              <a:ext uri="{FF2B5EF4-FFF2-40B4-BE49-F238E27FC236}">
-                <a16:creationId xmlns:a16="http://schemas.microsoft.com/office/drawing/2014/main" id="{3D400509-A745-ADAC-40A7-05EFA03E2FC6}"/>
-              </a:ext>
-            </a:extLst>
-          </p:cNvPr>
-          <p:cNvPicPr>
-            <a:picLocks noChangeAspect="1" noChangeArrowheads="1"/>
-          </p:cNvPicPr>
-          <p:nvPr/>
-        </p:nvPicPr>
-        <p:blipFill>
-          <a:blip r:embed="rId2">
-            <a:extLst>
-              <a:ext uri="{28A0092B-C50C-407E-A947-70E740481C1C}">
-                <a14:useLocalDpi xmlns:a14="http://schemas.microsoft.com/office/drawing/2010/main" val="0"/>
-              </a:ext>
-            </a:extLst>
-          </a:blip>
-          <a:srcRect/>
-          <a:stretch>
-            <a:fillRect/>
-          </a:stretch>
-        </p:blipFill>
-        <p:spPr bwMode="auto">
-          <a:xfrm>
-            <a:off x="7712243" y="-17278"/>
-            <a:ext cx="4479758" cy="6875278"/>
-          </a:xfrm>
-          <a:prstGeom prst="rect">
-            <a:avLst/>
-          </a:prstGeom>
-          <a:noFill/>
-          <a:extLst>
-            <a:ext uri="{909E8E84-426E-40DD-AFC4-6F175D3DCCD1}">
-              <a14:hiddenFill xmlns:a14="http://schemas.microsoft.com/office/drawing/2010/main">
-                <a:solidFill>
-                  <a:srgbClr val="FFFFFF"/>
-                </a:solidFill>
-              </a14:hiddenFill>
-            </a:ext>
-          </a:extLst>
-        </p:spPr>
-      </p:pic>
-    </p:spTree>
-    <p:extLst>
-      <p:ext uri="{BB962C8B-B14F-4D97-AF65-F5344CB8AC3E}">
-        <p14:creationId xmlns:p14="http://schemas.microsoft.com/office/powerpoint/2010/main" val="3527812280"/>
       </p:ext>
     </p:extLst>
   </p:cSld>
